--- a/Docs/TIU_Tracking_Poster_v9.pptx
+++ b/Docs/TIU_Tracking_Poster_v9.pptx
@@ -263,19 +263,19 @@
                   <c:v>5.7647366349139375</c:v>
                 </c:pt>
                 <c:pt idx="2">
-                  <c:v>5.650587201505477</c:v>
+                  <c:v>5.6505872015054752</c:v>
                 </c:pt>
                 <c:pt idx="3">
                   <c:v>5.5386980783198174</c:v>
                 </c:pt>
                 <c:pt idx="4">
-                  <c:v>5.4290245082157496</c:v>
+                  <c:v>5.4290245082157487</c:v>
                 </c:pt>
                 <c:pt idx="5">
                   <c:v>5.3215226203029449</c:v>
                 </c:pt>
                 <c:pt idx="6">
-                  <c:v>5.2161494123928458</c:v>
+                  <c:v>5.2161494123928476</c:v>
                 </c:pt>
                 <c:pt idx="7">
                   <c:v>5.1128627337972681</c:v>
@@ -284,13 +284,13 @@
                   <c:v>5.011621268467632</c:v>
                 </c:pt>
                 <c:pt idx="9">
-                  <c:v>4.9123845184678832</c:v>
+                  <c:v>4.9123845184678814</c:v>
                 </c:pt>
                 <c:pt idx="10">
                   <c:v>4.8151127877748712</c:v>
                 </c:pt>
                 <c:pt idx="11">
-                  <c:v>4.7197671663993281</c:v>
+                  <c:v>4.719767166399329</c:v>
                 </c:pt>
                 <c:pt idx="12">
                   <c:v>4.6263095148213971</c:v>
@@ -308,10 +308,10 @@
                   <c:v>4.2706219365756581</c:v>
                 </c:pt>
                 <c:pt idx="17">
-                  <c:v>4.1860579564261799</c:v>
+                  <c:v>4.1860579564261791</c:v>
                 </c:pt>
                 <c:pt idx="18">
-                  <c:v>4.1031684552741439</c:v>
+                  <c:v>4.1031684552741448</c:v>
                 </c:pt>
                 <c:pt idx="19">
                   <c:v>4.0219202762138355</c:v>
@@ -320,10 +320,10 @@
                   <c:v>3.9422809188903405</c:v>
                 </c:pt>
                 <c:pt idx="21">
-                  <c:v>3.8642185264988442</c:v>
+                  <c:v>3.8642185264988433</c:v>
                 </c:pt>
                 <c:pt idx="22">
-                  <c:v>3.787701873041561</c:v>
+                  <c:v>3.7877018730415615</c:v>
                 </c:pt>
                 <c:pt idx="23">
                   <c:v>3.7127003508368448</c:v>
@@ -332,7 +332,7 @@
                   <c:v>3.6391839582758005</c:v>
                 </c:pt>
                 <c:pt idx="25">
-                  <c:v>3.5671232878211718</c:v>
+                  <c:v>3.5671232878211727</c:v>
                 </c:pt>
                 <c:pt idx="26">
                   <c:v>3.4964895142439367</c:v>
@@ -351,11 +351,11 @@
           </c:yVal>
           <c:smooth val="1"/>
         </c:ser>
-        <c:axId val="52241536"/>
-        <c:axId val="77243136"/>
+        <c:axId val="52132864"/>
+        <c:axId val="53458048"/>
       </c:scatterChart>
       <c:valAx>
-        <c:axId val="52241536"/>
+        <c:axId val="52132864"/>
         <c:scaling>
           <c:orientation val="minMax"/>
         </c:scaling>
@@ -385,12 +385,12 @@
         </c:title>
         <c:numFmt formatCode="General" sourceLinked="1"/>
         <c:tickLblPos val="nextTo"/>
-        <c:crossAx val="77243136"/>
+        <c:crossAx val="53458048"/>
         <c:crosses val="autoZero"/>
         <c:crossBetween val="midCat"/>
       </c:valAx>
       <c:valAx>
-        <c:axId val="77243136"/>
+        <c:axId val="53458048"/>
         <c:scaling>
           <c:orientation val="minMax"/>
         </c:scaling>
@@ -417,7 +417,7 @@
         </c:title>
         <c:numFmt formatCode="General" sourceLinked="1"/>
         <c:tickLblPos val="nextTo"/>
-        <c:crossAx val="52241536"/>
+        <c:crossAx val="52132864"/>
         <c:crosses val="autoZero"/>
         <c:crossBetween val="midCat"/>
       </c:valAx>
@@ -614,7 +614,7 @@
             <a:fld id="{CFC2CE3F-1D0C-4868-9201-9CC45E6C1390}" type="datetimeFigureOut">
               <a:rPr lang="en-US" smtClean="0"/>
               <a:pPr/>
-              <a:t>5/20/2011</a:t>
+              <a:t>5/21/2011</a:t>
             </a:fld>
             <a:endParaRPr lang="en-US" dirty="0"/>
           </a:p>
@@ -781,7 +781,7 @@
             <a:fld id="{CFC2CE3F-1D0C-4868-9201-9CC45E6C1390}" type="datetimeFigureOut">
               <a:rPr lang="en-US" smtClean="0"/>
               <a:pPr/>
-              <a:t>5/20/2011</a:t>
+              <a:t>5/21/2011</a:t>
             </a:fld>
             <a:endParaRPr lang="en-US" dirty="0"/>
           </a:p>
@@ -958,7 +958,7 @@
             <a:fld id="{CFC2CE3F-1D0C-4868-9201-9CC45E6C1390}" type="datetimeFigureOut">
               <a:rPr lang="en-US" smtClean="0"/>
               <a:pPr/>
-              <a:t>5/20/2011</a:t>
+              <a:t>5/21/2011</a:t>
             </a:fld>
             <a:endParaRPr lang="en-US" dirty="0"/>
           </a:p>
@@ -1125,7 +1125,7 @@
             <a:fld id="{CFC2CE3F-1D0C-4868-9201-9CC45E6C1390}" type="datetimeFigureOut">
               <a:rPr lang="en-US" smtClean="0"/>
               <a:pPr/>
-              <a:t>5/20/2011</a:t>
+              <a:t>5/21/2011</a:t>
             </a:fld>
             <a:endParaRPr lang="en-US" dirty="0"/>
           </a:p>
@@ -1368,7 +1368,7 @@
             <a:fld id="{CFC2CE3F-1D0C-4868-9201-9CC45E6C1390}" type="datetimeFigureOut">
               <a:rPr lang="en-US" smtClean="0"/>
               <a:pPr/>
-              <a:t>5/20/2011</a:t>
+              <a:t>5/21/2011</a:t>
             </a:fld>
             <a:endParaRPr lang="en-US" dirty="0"/>
           </a:p>
@@ -1653,7 +1653,7 @@
             <a:fld id="{CFC2CE3F-1D0C-4868-9201-9CC45E6C1390}" type="datetimeFigureOut">
               <a:rPr lang="en-US" smtClean="0"/>
               <a:pPr/>
-              <a:t>5/20/2011</a:t>
+              <a:t>5/21/2011</a:t>
             </a:fld>
             <a:endParaRPr lang="en-US" dirty="0"/>
           </a:p>
@@ -2072,7 +2072,7 @@
             <a:fld id="{CFC2CE3F-1D0C-4868-9201-9CC45E6C1390}" type="datetimeFigureOut">
               <a:rPr lang="en-US" smtClean="0"/>
               <a:pPr/>
-              <a:t>5/20/2011</a:t>
+              <a:t>5/21/2011</a:t>
             </a:fld>
             <a:endParaRPr lang="en-US" dirty="0"/>
           </a:p>
@@ -2187,7 +2187,7 @@
             <a:fld id="{CFC2CE3F-1D0C-4868-9201-9CC45E6C1390}" type="datetimeFigureOut">
               <a:rPr lang="en-US" smtClean="0"/>
               <a:pPr/>
-              <a:t>5/20/2011</a:t>
+              <a:t>5/21/2011</a:t>
             </a:fld>
             <a:endParaRPr lang="en-US" dirty="0"/>
           </a:p>
@@ -2279,7 +2279,7 @@
             <a:fld id="{CFC2CE3F-1D0C-4868-9201-9CC45E6C1390}" type="datetimeFigureOut">
               <a:rPr lang="en-US" smtClean="0"/>
               <a:pPr/>
-              <a:t>5/20/2011</a:t>
+              <a:t>5/21/2011</a:t>
             </a:fld>
             <a:endParaRPr lang="en-US" dirty="0"/>
           </a:p>
@@ -2553,7 +2553,7 @@
             <a:fld id="{CFC2CE3F-1D0C-4868-9201-9CC45E6C1390}" type="datetimeFigureOut">
               <a:rPr lang="en-US" smtClean="0"/>
               <a:pPr/>
-              <a:t>5/20/2011</a:t>
+              <a:t>5/21/2011</a:t>
             </a:fld>
             <a:endParaRPr lang="en-US" dirty="0"/>
           </a:p>
@@ -2803,7 +2803,7 @@
             <a:fld id="{CFC2CE3F-1D0C-4868-9201-9CC45E6C1390}" type="datetimeFigureOut">
               <a:rPr lang="en-US" smtClean="0"/>
               <a:pPr/>
-              <a:t>5/20/2011</a:t>
+              <a:t>5/21/2011</a:t>
             </a:fld>
             <a:endParaRPr lang="en-US" dirty="0"/>
           </a:p>
@@ -3013,7 +3013,7 @@
             <a:fld id="{CFC2CE3F-1D0C-4868-9201-9CC45E6C1390}" type="datetimeFigureOut">
               <a:rPr lang="en-US" smtClean="0"/>
               <a:pPr/>
-              <a:t>5/20/2011</a:t>
+              <a:t>5/21/2011</a:t>
             </a:fld>
             <a:endParaRPr lang="en-US" dirty="0"/>
           </a:p>
@@ -3986,14 +3986,7 @@
                 <a:ea typeface="Ebrima" pitchFamily="2" charset="0"/>
                 <a:cs typeface="Ebrima" pitchFamily="2" charset="0"/>
               </a:rPr>
-              <a:t>Size</a:t>
-            </a:r>
-            <a:r>
-              <a:rPr lang="en-US" sz="3200" dirty="0" smtClean="0">
-                <a:ea typeface="Ebrima" pitchFamily="2" charset="0"/>
-                <a:cs typeface="Ebrima" pitchFamily="2" charset="0"/>
-              </a:rPr>
-              <a:t>: 3.5”x1”</a:t>
+              <a:t>Size: 3.5”x1”</a:t>
             </a:r>
           </a:p>
           <a:p>
@@ -4047,10 +4040,6 @@
               </a:rPr>
               <a:t>Cost</a:t>
             </a:r>
-            <a:endParaRPr lang="en-US" sz="3200" dirty="0" smtClean="0">
-              <a:ea typeface="Ebrima" pitchFamily="2" charset="0"/>
-              <a:cs typeface="Ebrima" pitchFamily="2" charset="0"/>
-            </a:endParaRPr>
           </a:p>
         </p:txBody>
       </p:sp>
@@ -4107,14 +4096,20 @@
                 <a:ea typeface="Ebrima" pitchFamily="2" charset="0"/>
                 <a:cs typeface="Ebrima" pitchFamily="2" charset="0"/>
               </a:rPr>
-              <a:t>Size</a:t>
-            </a:r>
+              <a:t>Size: 1”x1”x1”</a:t>
+            </a:r>
+          </a:p>
+          <a:p>
+            <a:pPr marL="231775" indent="-231775">
+              <a:buFont typeface="Arial" pitchFamily="34" charset="0"/>
+              <a:buChar char="•"/>
+            </a:pPr>
             <a:r>
               <a:rPr lang="en-US" sz="3200" dirty="0" smtClean="0">
                 <a:ea typeface="Ebrima" pitchFamily="2" charset="0"/>
                 <a:cs typeface="Ebrima" pitchFamily="2" charset="0"/>
               </a:rPr>
-              <a:t>: 1”x1”x1”</a:t>
+              <a:t>ATMega328p MCU</a:t>
             </a:r>
           </a:p>
           <a:p>
@@ -4127,14 +4122,20 @@
                 <a:ea typeface="Ebrima" pitchFamily="2" charset="0"/>
                 <a:cs typeface="Ebrima" pitchFamily="2" charset="0"/>
               </a:rPr>
-              <a:t>ATMega328p </a:t>
-            </a:r>
+              <a:t>RF12B transceiver at 434MHz</a:t>
+            </a:r>
+          </a:p>
+          <a:p>
+            <a:pPr marL="231775" indent="-231775">
+              <a:buFont typeface="Arial" pitchFamily="34" charset="0"/>
+              <a:buChar char="•"/>
+            </a:pPr>
             <a:r>
               <a:rPr lang="en-US" sz="3200" dirty="0" smtClean="0">
                 <a:ea typeface="Ebrima" pitchFamily="2" charset="0"/>
                 <a:cs typeface="Ebrima" pitchFamily="2" charset="0"/>
               </a:rPr>
-              <a:t>MCU</a:t>
+              <a:t>20mm coin cell battery</a:t>
             </a:r>
           </a:p>
           <a:p>
@@ -4147,54 +4148,7 @@
                 <a:ea typeface="Ebrima" pitchFamily="2" charset="0"/>
                 <a:cs typeface="Ebrima" pitchFamily="2" charset="0"/>
               </a:rPr>
-              <a:t>RF12B </a:t>
-            </a:r>
-            <a:r>
-              <a:rPr lang="en-US" sz="3200" dirty="0" smtClean="0">
-                <a:ea typeface="Ebrima" pitchFamily="2" charset="0"/>
-                <a:cs typeface="Ebrima" pitchFamily="2" charset="0"/>
-              </a:rPr>
-              <a:t>transceiver at 434MHz</a:t>
-            </a:r>
-          </a:p>
-          <a:p>
-            <a:pPr marL="231775" indent="-231775">
-              <a:buFont typeface="Arial" pitchFamily="34" charset="0"/>
-              <a:buChar char="•"/>
-            </a:pPr>
-            <a:r>
-              <a:rPr lang="en-US" sz="3200" dirty="0" smtClean="0">
-                <a:ea typeface="Ebrima" pitchFamily="2" charset="0"/>
-                <a:cs typeface="Ebrima" pitchFamily="2" charset="0"/>
-              </a:rPr>
-              <a:t>20mm </a:t>
-            </a:r>
-            <a:r>
-              <a:rPr lang="en-US" sz="3200" dirty="0" smtClean="0">
-                <a:ea typeface="Ebrima" pitchFamily="2" charset="0"/>
-                <a:cs typeface="Ebrima" pitchFamily="2" charset="0"/>
-              </a:rPr>
-              <a:t>coin cell battery</a:t>
-            </a:r>
-          </a:p>
-          <a:p>
-            <a:pPr marL="231775" indent="-231775">
-              <a:buFont typeface="Arial" pitchFamily="34" charset="0"/>
-              <a:buChar char="•"/>
-            </a:pPr>
-            <a:r>
-              <a:rPr lang="en-US" sz="3200" dirty="0" smtClean="0">
-                <a:ea typeface="Ebrima" pitchFamily="2" charset="0"/>
-                <a:cs typeface="Ebrima" pitchFamily="2" charset="0"/>
-              </a:rPr>
-              <a:t>Battery </a:t>
-            </a:r>
-            <a:r>
-              <a:rPr lang="en-US" sz="3200" dirty="0" smtClean="0">
-                <a:ea typeface="Ebrima" pitchFamily="2" charset="0"/>
-                <a:cs typeface="Ebrima" pitchFamily="2" charset="0"/>
-              </a:rPr>
-              <a:t>life: 3 months  </a:t>
+              <a:t>Battery life: 3 months  </a:t>
             </a:r>
           </a:p>
           <a:p>
@@ -4209,10 +4163,6 @@
               </a:rPr>
               <a:t>Cost </a:t>
             </a:r>
-            <a:endParaRPr lang="en-US" sz="3200" dirty="0" smtClean="0">
-              <a:ea typeface="Ebrima" pitchFamily="2" charset="0"/>
-              <a:cs typeface="Ebrima" pitchFamily="2" charset="0"/>
-            </a:endParaRPr>
           </a:p>
         </p:txBody>
       </p:sp>
@@ -5543,8 +5493,8 @@
         </p:nvSpPr>
         <p:spPr>
           <a:xfrm>
-            <a:off x="1280160" y="12486442"/>
-            <a:ext cx="10515600" cy="10525958"/>
+            <a:off x="1280160" y="11887200"/>
+            <a:ext cx="10515600" cy="14157722"/>
           </a:xfrm>
           <a:prstGeom prst="rect">
             <a:avLst/>
@@ -5565,10 +5515,6 @@
           </a:p>
           <a:p>
             <a:pPr algn="just"/>
-            <a:endParaRPr lang="en-US" sz="3200" dirty="0" smtClean="0"/>
-          </a:p>
-          <a:p>
-            <a:pPr algn="just"/>
             <a:r>
               <a:rPr lang="en-US" sz="3200" dirty="0" smtClean="0"/>
               <a:t>Why </a:t>
@@ -5602,9 +5548,128 @@
           </a:p>
           <a:p>
             <a:pPr algn="just"/>
+            <a:endParaRPr lang="en-US" sz="3200" dirty="0" smtClean="0"/>
+          </a:p>
+          <a:p>
+            <a:pPr algn="just"/>
+            <a:endParaRPr lang="en-US" sz="3200" dirty="0" smtClean="0"/>
+          </a:p>
+          <a:p>
+            <a:pPr algn="just"/>
+            <a:endParaRPr lang="en-US" sz="3200" dirty="0" smtClean="0"/>
+          </a:p>
+          <a:p>
+            <a:pPr>
+              <a:buFont typeface="Arial" pitchFamily="34" charset="0"/>
+              <a:buChar char="•"/>
+            </a:pPr>
+            <a:r>
+              <a:rPr lang="en-US" sz="2800" dirty="0" smtClean="0"/>
+              <a:t> Where </a:t>
+            </a:r>
+            <a:r>
+              <a:rPr lang="en-US" sz="2800" dirty="0" smtClean="0"/>
+              <a:t>d is the Euclidean distance between calibrated RSSI vectors </a:t>
+            </a:r>
+            <a:r>
+              <a:rPr lang="en-US" sz="2800" dirty="0" smtClean="0"/>
+              <a:t> </a:t>
+            </a:r>
+          </a:p>
+          <a:p>
+            <a:r>
+              <a:rPr lang="en-US" sz="2800" dirty="0" smtClean="0"/>
+              <a:t> </a:t>
+            </a:r>
+            <a:r>
+              <a:rPr lang="en-US" sz="2800" dirty="0" smtClean="0"/>
+              <a:t>    and </a:t>
+            </a:r>
+            <a:r>
+              <a:rPr lang="en-US" sz="2800" dirty="0" smtClean="0"/>
+              <a:t>located RSSI vector.</a:t>
+            </a:r>
+          </a:p>
+          <a:p>
+            <a:pPr>
+              <a:buFont typeface="Arial" pitchFamily="34" charset="0"/>
+              <a:buChar char="•"/>
+            </a:pPr>
+            <a:r>
+              <a:rPr lang="en-US" sz="2800" dirty="0" smtClean="0"/>
+              <a:t> </a:t>
+            </a:r>
+            <a:r>
+              <a:rPr lang="en-US" sz="2800" dirty="0" err="1" smtClean="0"/>
+              <a:t>RSSI</a:t>
+            </a:r>
+            <a:r>
+              <a:rPr lang="en-US" sz="2800" baseline="-25000" dirty="0" err="1" smtClean="0"/>
+              <a:t>ci</a:t>
+            </a:r>
+            <a:r>
+              <a:rPr lang="en-US" sz="2800" dirty="0" smtClean="0"/>
+              <a:t> </a:t>
+            </a:r>
+            <a:r>
+              <a:rPr lang="en-US" sz="2800" dirty="0" smtClean="0"/>
+              <a:t>is RSSI signal received by detector </a:t>
+            </a:r>
+            <a:r>
+              <a:rPr lang="en-US" sz="2800" dirty="0" err="1" smtClean="0"/>
+              <a:t>i</a:t>
+            </a:r>
+            <a:r>
+              <a:rPr lang="en-US" sz="2800" dirty="0" smtClean="0"/>
+              <a:t> in calibrating phase</a:t>
+            </a:r>
+          </a:p>
+          <a:p>
+            <a:pPr>
+              <a:buFont typeface="Arial" pitchFamily="34" charset="0"/>
+              <a:buChar char="•"/>
+            </a:pPr>
+            <a:r>
+              <a:rPr lang="en-US" sz="2800" dirty="0" smtClean="0"/>
+              <a:t> </a:t>
+            </a:r>
+            <a:r>
+              <a:rPr lang="en-US" sz="2800" dirty="0" err="1" smtClean="0"/>
+              <a:t>RSSI_li</a:t>
+            </a:r>
+            <a:r>
+              <a:rPr lang="en-US" sz="2800" dirty="0" smtClean="0"/>
+              <a:t> </a:t>
+            </a:r>
+            <a:r>
+              <a:rPr lang="en-US" sz="2800" dirty="0" smtClean="0"/>
+              <a:t>is RSSI value received by detector I in locating phase</a:t>
+            </a:r>
+          </a:p>
+          <a:p>
+            <a:pPr>
+              <a:buFont typeface="Arial" pitchFamily="34" charset="0"/>
+              <a:buChar char="•"/>
+            </a:pPr>
+            <a:r>
+              <a:rPr lang="en-US" sz="2800" dirty="0" smtClean="0"/>
+              <a:t> m </a:t>
+            </a:r>
+            <a:r>
+              <a:rPr lang="en-US" sz="2800" dirty="0" smtClean="0"/>
+              <a:t>is the number of detectors participate into the locating phase</a:t>
+            </a:r>
+            <a:endParaRPr lang="en-US" sz="2800" dirty="0" smtClean="0"/>
+          </a:p>
+          <a:p>
+            <a:pPr algn="just"/>
             <a:r>
               <a:rPr lang="en-US" sz="3200" dirty="0" smtClean="0"/>
-              <a:t>For scalability, a </a:t>
+              <a:t>For </a:t>
+            </a:r>
+            <a:r>
+              <a:rPr lang="en-US" sz="3200" dirty="0" smtClean="0"/>
+              <a:t>scalability, a </a:t>
             </a:r>
             <a:r>
               <a:rPr lang="en-US" sz="3200" b="1" dirty="0" smtClean="0"/>
@@ -5626,7 +5691,7 @@
         </p:nvSpPr>
         <p:spPr>
           <a:xfrm>
-            <a:off x="1280160" y="11419642"/>
+            <a:off x="1280160" y="10820400"/>
             <a:ext cx="9448800" cy="990600"/>
           </a:xfrm>
           <a:prstGeom prst="rect">
@@ -5691,8 +5756,8 @@
         </p:blipFill>
         <p:spPr bwMode="auto">
           <a:xfrm>
-            <a:off x="1447800" y="24079200"/>
-            <a:ext cx="9605486" cy="4753451"/>
+            <a:off x="1981200" y="25333763"/>
+            <a:ext cx="9072086" cy="4489488"/>
           </a:xfrm>
           <a:prstGeom prst="rect">
             <a:avLst/>
@@ -5708,7 +5773,7 @@
         </p:nvSpPr>
         <p:spPr>
           <a:xfrm>
-            <a:off x="3657912" y="28651200"/>
+            <a:off x="3657912" y="29489400"/>
             <a:ext cx="5105400" cy="990600"/>
           </a:xfrm>
           <a:prstGeom prst="rect">
@@ -7526,17 +7591,7 @@
                 <a:ea typeface="Ebrima" pitchFamily="2" charset="0"/>
                 <a:cs typeface="Ebrima" pitchFamily="2" charset="0"/>
               </a:rPr>
-              <a:t>Back-end </a:t>
-            </a:r>
-            <a:r>
-              <a:rPr lang="en-US" sz="4000" b="1" dirty="0" smtClean="0">
-                <a:solidFill>
-                  <a:schemeClr val="accent1"/>
-                </a:solidFill>
-                <a:ea typeface="Ebrima" pitchFamily="2" charset="0"/>
-                <a:cs typeface="Ebrima" pitchFamily="2" charset="0"/>
-              </a:rPr>
-              <a:t>Network</a:t>
+              <a:t>Back-end Network</a:t>
             </a:r>
           </a:p>
           <a:p>
@@ -7635,19 +7690,8 @@
                 <a:ea typeface="Ebrima" pitchFamily="2" charset="0"/>
                 <a:cs typeface="Ebrima" pitchFamily="2" charset="0"/>
               </a:rPr>
-              <a:t>A progressively constrained, nearest neighbor algorithm, using Euclidean distance as the matching </a:t>
-            </a:r>
-            <a:r>
-              <a:rPr lang="en-US" sz="3200" dirty="0" smtClean="0">
-                <a:ea typeface="Ebrima" pitchFamily="2" charset="0"/>
-                <a:cs typeface="Ebrima" pitchFamily="2" charset="0"/>
-              </a:rPr>
-              <a:t>metric</a:t>
-            </a:r>
-            <a:endParaRPr lang="en-US" sz="3200" dirty="0" smtClean="0">
-              <a:ea typeface="Ebrima" pitchFamily="2" charset="0"/>
-              <a:cs typeface="Ebrima" pitchFamily="2" charset="0"/>
-            </a:endParaRPr>
+              <a:t>A progressively constrained, nearest neighbor algorithm, using Euclidean distance as the matching metric</a:t>
+            </a:r>
           </a:p>
           <a:p>
             <a:pPr marL="225425" indent="-225425">
@@ -7688,62 +7732,20 @@
                 <a:ea typeface="Ebrima" pitchFamily="2" charset="0"/>
                 <a:cs typeface="Ebrima" pitchFamily="2" charset="0"/>
               </a:rPr>
-              <a:t>Primary user interface with </a:t>
-            </a:r>
+              <a:t>Primary user interface with an interactive 2D map</a:t>
+            </a:r>
+          </a:p>
+          <a:p>
+            <a:pPr marL="225425" indent="-225425">
+              <a:buFont typeface="Arial" pitchFamily="34" charset="0"/>
+              <a:buChar char="•"/>
+            </a:pPr>
             <a:r>
               <a:rPr lang="en-US" sz="3200" dirty="0" smtClean="0">
                 <a:ea typeface="Ebrima" pitchFamily="2" charset="0"/>
                 <a:cs typeface="Ebrima" pitchFamily="2" charset="0"/>
               </a:rPr>
-              <a:t>an interactive </a:t>
-            </a:r>
-            <a:r>
-              <a:rPr lang="en-US" sz="3200" dirty="0" smtClean="0">
-                <a:ea typeface="Ebrima" pitchFamily="2" charset="0"/>
-                <a:cs typeface="Ebrima" pitchFamily="2" charset="0"/>
-              </a:rPr>
-              <a:t>2D map</a:t>
-            </a:r>
-          </a:p>
-          <a:p>
-            <a:pPr marL="225425" indent="-225425">
-              <a:buFont typeface="Arial" pitchFamily="34" charset="0"/>
-              <a:buChar char="•"/>
-            </a:pPr>
-            <a:r>
-              <a:rPr lang="en-US" sz="3200" dirty="0" smtClean="0">
-                <a:ea typeface="Ebrima" pitchFamily="2" charset="0"/>
-                <a:cs typeface="Ebrima" pitchFamily="2" charset="0"/>
-              </a:rPr>
-              <a:t>Search </a:t>
-            </a:r>
-            <a:r>
-              <a:rPr lang="en-US" sz="3200" dirty="0" smtClean="0">
-                <a:ea typeface="Ebrima" pitchFamily="2" charset="0"/>
-                <a:cs typeface="Ebrima" pitchFamily="2" charset="0"/>
-              </a:rPr>
-              <a:t>TIUs </a:t>
-            </a:r>
-            <a:r>
-              <a:rPr lang="en-US" sz="3200" dirty="0" smtClean="0">
-                <a:ea typeface="Ebrima" pitchFamily="2" charset="0"/>
-                <a:cs typeface="Ebrima" pitchFamily="2" charset="0"/>
-              </a:rPr>
-              <a:t>and </a:t>
-            </a:r>
-            <a:r>
-              <a:rPr lang="en-US" sz="3200" dirty="0" smtClean="0">
-                <a:ea typeface="Ebrima" pitchFamily="2" charset="0"/>
-                <a:cs typeface="Ebrima" pitchFamily="2" charset="0"/>
-              </a:rPr>
-              <a:t>detectors </a:t>
-            </a:r>
-            <a:r>
-              <a:rPr lang="en-US" sz="3200" dirty="0" smtClean="0">
-                <a:ea typeface="Ebrima" pitchFamily="2" charset="0"/>
-                <a:cs typeface="Ebrima" pitchFamily="2" charset="0"/>
-              </a:rPr>
-              <a:t>via ID</a:t>
+              <a:t>Search TIUs and detectors via ID</a:t>
             </a:r>
           </a:p>
           <a:p>
@@ -7811,46 +7813,21 @@
                 <a:ea typeface="Ebrima" pitchFamily="2" charset="0"/>
                 <a:cs typeface="Ebrima" pitchFamily="2" charset="0"/>
               </a:rPr>
-              <a:t>Stores locations and battery </a:t>
-            </a:r>
+              <a:t>Stores locations and battery levels of all tags and detectors</a:t>
+            </a:r>
+          </a:p>
+          <a:p>
+            <a:pPr marL="225425" indent="-225425">
+              <a:buFont typeface="Arial" pitchFamily="34" charset="0"/>
+              <a:buChar char="•"/>
+            </a:pPr>
             <a:r>
               <a:rPr lang="en-US" sz="3200" dirty="0" smtClean="0">
                 <a:ea typeface="Ebrima" pitchFamily="2" charset="0"/>
                 <a:cs typeface="Ebrima" pitchFamily="2" charset="0"/>
               </a:rPr>
-              <a:t>levels of </a:t>
-            </a:r>
-            <a:r>
-              <a:rPr lang="en-US" sz="3200" dirty="0" smtClean="0">
-                <a:ea typeface="Ebrima" pitchFamily="2" charset="0"/>
-                <a:cs typeface="Ebrima" pitchFamily="2" charset="0"/>
-              </a:rPr>
-              <a:t>all tags and detectors</a:t>
-            </a:r>
-          </a:p>
-          <a:p>
-            <a:pPr marL="225425" indent="-225425">
-              <a:buFont typeface="Arial" pitchFamily="34" charset="0"/>
-              <a:buChar char="•"/>
-            </a:pPr>
-            <a:r>
-              <a:rPr lang="en-US" sz="3200" dirty="0" smtClean="0">
-                <a:ea typeface="Ebrima" pitchFamily="2" charset="0"/>
-                <a:cs typeface="Ebrima" pitchFamily="2" charset="0"/>
-              </a:rPr>
-              <a:t>Stores user </a:t>
-            </a:r>
-            <a:r>
-              <a:rPr lang="en-US" sz="3200" dirty="0" smtClean="0">
-                <a:ea typeface="Ebrima" pitchFamily="2" charset="0"/>
-                <a:cs typeface="Ebrima" pitchFamily="2" charset="0"/>
-              </a:rPr>
-              <a:t>accounts</a:t>
-            </a:r>
-            <a:endParaRPr lang="en-US" sz="3200" dirty="0" smtClean="0">
-              <a:ea typeface="Ebrima" pitchFamily="2" charset="0"/>
-              <a:cs typeface="Ebrima" pitchFamily="2" charset="0"/>
-            </a:endParaRPr>
+              <a:t>Stores user accounts</a:t>
+            </a:r>
           </a:p>
         </p:txBody>
       </p:sp>
@@ -7915,19 +7892,21 @@
                 <a:ea typeface="Ebrima" pitchFamily="2" charset="0"/>
                 <a:cs typeface="Ebrima" pitchFamily="2" charset="0"/>
               </a:rPr>
-              <a:t>Attached to </a:t>
-            </a:r>
+              <a:t>Attached to TIUs</a:t>
+            </a:r>
+          </a:p>
+          <a:p>
+            <a:pPr marL="228600" indent="-228600">
+              <a:buFont typeface="Arial" pitchFamily="34" charset="0"/>
+              <a:buChar char="•"/>
+            </a:pPr>
             <a:r>
               <a:rPr lang="en-US" sz="3200" dirty="0" smtClean="0">
                 <a:ea typeface="Ebrima" pitchFamily="2" charset="0"/>
                 <a:cs typeface="Ebrima" pitchFamily="2" charset="0"/>
               </a:rPr>
-              <a:t>TIUs</a:t>
-            </a:r>
-            <a:endParaRPr lang="en-US" sz="3200" dirty="0" smtClean="0">
-              <a:ea typeface="Ebrima" pitchFamily="2" charset="0"/>
-              <a:cs typeface="Ebrima" pitchFamily="2" charset="0"/>
-            </a:endParaRPr>
+              <a:t>Periodically broadcast</a:t>
+            </a:r>
           </a:p>
           <a:p>
             <a:pPr marL="228600" indent="-228600">
@@ -7939,43 +7918,8 @@
                 <a:ea typeface="Ebrima" pitchFamily="2" charset="0"/>
                 <a:cs typeface="Ebrima" pitchFamily="2" charset="0"/>
               </a:rPr>
-              <a:t>Periodically </a:t>
-            </a:r>
-            <a:r>
-              <a:rPr lang="en-US" sz="3200" dirty="0" smtClean="0">
-                <a:ea typeface="Ebrima" pitchFamily="2" charset="0"/>
-                <a:cs typeface="Ebrima" pitchFamily="2" charset="0"/>
-              </a:rPr>
-              <a:t>broadcast</a:t>
-            </a:r>
-            <a:endParaRPr lang="en-US" sz="3200" dirty="0" smtClean="0">
-              <a:ea typeface="Ebrima" pitchFamily="2" charset="0"/>
-              <a:cs typeface="Ebrima" pitchFamily="2" charset="0"/>
-            </a:endParaRPr>
-          </a:p>
-          <a:p>
-            <a:pPr marL="228600" indent="-228600">
-              <a:buFont typeface="Arial" pitchFamily="34" charset="0"/>
-              <a:buChar char="•"/>
-            </a:pPr>
-            <a:r>
-              <a:rPr lang="en-US" sz="3200" dirty="0" smtClean="0">
-                <a:ea typeface="Ebrima" pitchFamily="2" charset="0"/>
-                <a:cs typeface="Ebrima" pitchFamily="2" charset="0"/>
-              </a:rPr>
-              <a:t>When not broadcasting, in a low power </a:t>
-            </a:r>
-            <a:r>
-              <a:rPr lang="en-US" sz="3200" dirty="0" smtClean="0">
-                <a:ea typeface="Ebrima" pitchFamily="2" charset="0"/>
-                <a:cs typeface="Ebrima" pitchFamily="2" charset="0"/>
-              </a:rPr>
-              <a:t>state</a:t>
-            </a:r>
-            <a:endParaRPr lang="en-US" sz="3200" dirty="0" smtClean="0">
-              <a:ea typeface="Ebrima" pitchFamily="2" charset="0"/>
-              <a:cs typeface="Ebrima" pitchFamily="2" charset="0"/>
-            </a:endParaRPr>
+              <a:t>When not broadcasting, in a low power state</a:t>
+            </a:r>
           </a:p>
           <a:p>
             <a:endParaRPr lang="en-US" sz="3200" dirty="0" smtClean="0">
@@ -8002,19 +7946,21 @@
                 <a:ea typeface="Ebrima" pitchFamily="2" charset="0"/>
                 <a:cs typeface="Ebrima" pitchFamily="2" charset="0"/>
               </a:rPr>
-              <a:t>Determine RSSI of broadcasting </a:t>
-            </a:r>
+              <a:t>Determine RSSI of broadcasting tags</a:t>
+            </a:r>
+          </a:p>
+          <a:p>
+            <a:pPr marL="228600" indent="-228600">
+              <a:buFont typeface="Arial" pitchFamily="34" charset="0"/>
+              <a:buChar char="•"/>
+            </a:pPr>
             <a:r>
               <a:rPr lang="en-US" sz="3200" dirty="0" smtClean="0">
                 <a:ea typeface="Ebrima" pitchFamily="2" charset="0"/>
                 <a:cs typeface="Ebrima" pitchFamily="2" charset="0"/>
               </a:rPr>
-              <a:t>tags</a:t>
-            </a:r>
-            <a:endParaRPr lang="en-US" sz="3200" dirty="0" smtClean="0">
-              <a:ea typeface="Ebrima" pitchFamily="2" charset="0"/>
-              <a:cs typeface="Ebrima" pitchFamily="2" charset="0"/>
-            </a:endParaRPr>
+              <a:t>Must always be listening for a tag to broadcast</a:t>
+            </a:r>
           </a:p>
           <a:p>
             <a:pPr marL="228600" indent="-228600">
@@ -8026,19 +7972,21 @@
                 <a:ea typeface="Ebrima" pitchFamily="2" charset="0"/>
                 <a:cs typeface="Ebrima" pitchFamily="2" charset="0"/>
               </a:rPr>
-              <a:t>Must always be listening for a tag to </a:t>
-            </a:r>
+              <a:t>Rebroadcasts the message, which results in messages always propagating toward the proxy</a:t>
+            </a:r>
+          </a:p>
+          <a:p>
+            <a:pPr marL="228600" indent="-228600">
+              <a:buFont typeface="Arial" pitchFamily="34" charset="0"/>
+              <a:buChar char="•"/>
+            </a:pPr>
             <a:r>
               <a:rPr lang="en-US" sz="3200" dirty="0" smtClean="0">
                 <a:ea typeface="Ebrima" pitchFamily="2" charset="0"/>
                 <a:cs typeface="Ebrima" pitchFamily="2" charset="0"/>
               </a:rPr>
-              <a:t>broadcast</a:t>
-            </a:r>
-            <a:endParaRPr lang="en-US" sz="3200" dirty="0" smtClean="0">
-              <a:ea typeface="Ebrima" pitchFamily="2" charset="0"/>
-              <a:cs typeface="Ebrima" pitchFamily="2" charset="0"/>
-            </a:endParaRPr>
+              <a:t>Messages are relayed to the proxy via a controlled flooding mechanism</a:t>
+            </a:r>
           </a:p>
           <a:p>
             <a:pPr marL="228600" indent="-228600">
@@ -8050,67 +7998,8 @@
                 <a:ea typeface="Ebrima" pitchFamily="2" charset="0"/>
                 <a:cs typeface="Ebrima" pitchFamily="2" charset="0"/>
               </a:rPr>
-              <a:t>Rebroadcasts the message, which results in messages always propagating toward the </a:t>
-            </a:r>
-            <a:r>
-              <a:rPr lang="en-US" sz="3200" dirty="0" smtClean="0">
-                <a:ea typeface="Ebrima" pitchFamily="2" charset="0"/>
-                <a:cs typeface="Ebrima" pitchFamily="2" charset="0"/>
-              </a:rPr>
-              <a:t>proxy</a:t>
-            </a:r>
-            <a:endParaRPr lang="en-US" sz="3200" dirty="0" smtClean="0">
-              <a:ea typeface="Ebrima" pitchFamily="2" charset="0"/>
-              <a:cs typeface="Ebrima" pitchFamily="2" charset="0"/>
-            </a:endParaRPr>
-          </a:p>
-          <a:p>
-            <a:pPr marL="228600" indent="-228600">
-              <a:buFont typeface="Arial" pitchFamily="34" charset="0"/>
-              <a:buChar char="•"/>
-            </a:pPr>
-            <a:r>
-              <a:rPr lang="en-US" sz="3200" dirty="0" smtClean="0">
-                <a:ea typeface="Ebrima" pitchFamily="2" charset="0"/>
-                <a:cs typeface="Ebrima" pitchFamily="2" charset="0"/>
-              </a:rPr>
-              <a:t>Messages are relayed to the proxy via a controlled flooding </a:t>
-            </a:r>
-            <a:r>
-              <a:rPr lang="en-US" sz="3200" dirty="0" smtClean="0">
-                <a:ea typeface="Ebrima" pitchFamily="2" charset="0"/>
-                <a:cs typeface="Ebrima" pitchFamily="2" charset="0"/>
-              </a:rPr>
-              <a:t>mechanism</a:t>
-            </a:r>
-            <a:endParaRPr lang="en-US" sz="3200" dirty="0" smtClean="0">
-              <a:ea typeface="Ebrima" pitchFamily="2" charset="0"/>
-              <a:cs typeface="Ebrima" pitchFamily="2" charset="0"/>
-            </a:endParaRPr>
-          </a:p>
-          <a:p>
-            <a:pPr marL="228600" indent="-228600">
-              <a:buFont typeface="Arial" pitchFamily="34" charset="0"/>
-              <a:buChar char="•"/>
-            </a:pPr>
-            <a:r>
-              <a:rPr lang="en-US" sz="3200" dirty="0" smtClean="0">
-                <a:ea typeface="Ebrima" pitchFamily="2" charset="0"/>
-                <a:cs typeface="Ebrima" pitchFamily="2" charset="0"/>
-              </a:rPr>
-              <a:t>Collision avoidance is achieved using time </a:t>
-            </a:r>
-            <a:r>
-              <a:rPr lang="en-US" sz="3200" dirty="0" smtClean="0">
-                <a:ea typeface="Ebrima" pitchFamily="2" charset="0"/>
-                <a:cs typeface="Ebrima" pitchFamily="2" charset="0"/>
-              </a:rPr>
-              <a:t>division</a:t>
-            </a:r>
-            <a:endParaRPr lang="en-US" sz="3200" dirty="0" smtClean="0">
-              <a:ea typeface="Ebrima" pitchFamily="2" charset="0"/>
-              <a:cs typeface="Ebrima" pitchFamily="2" charset="0"/>
-            </a:endParaRPr>
+              <a:t>Collision avoidance is achieved using time division</a:t>
+            </a:r>
           </a:p>
           <a:p>
             <a:endParaRPr lang="en-US" sz="3200" dirty="0" smtClean="0">
@@ -8137,22 +8026,86 @@
                 <a:ea typeface="Ebrima" pitchFamily="2" charset="0"/>
                 <a:cs typeface="Ebrima" pitchFamily="2" charset="0"/>
               </a:rPr>
-              <a:t>Receives data from the mesh network and relays data to the </a:t>
-            </a:r>
-            <a:r>
-              <a:rPr lang="en-US" sz="3200" dirty="0" smtClean="0">
-                <a:ea typeface="Ebrima" pitchFamily="2" charset="0"/>
-                <a:cs typeface="Ebrima" pitchFamily="2" charset="0"/>
-              </a:rPr>
-              <a:t>controller</a:t>
-            </a:r>
-            <a:endParaRPr lang="en-US" sz="3200" dirty="0" smtClean="0">
-              <a:ea typeface="Ebrima" pitchFamily="2" charset="0"/>
-              <a:cs typeface="Ebrima" pitchFamily="2" charset="0"/>
-            </a:endParaRPr>
+              <a:t>Receives data from the mesh network and relays data to the controller</a:t>
+            </a:r>
           </a:p>
         </p:txBody>
       </p:sp>
+      <p:sp>
+        <p:nvSpPr>
+          <p:cNvPr id="1026" name="Rectangle 2"/>
+          <p:cNvSpPr>
+            <a:spLocks noChangeArrowheads="1"/>
+          </p:cNvSpPr>
+          <p:nvPr/>
+        </p:nvSpPr>
+        <p:spPr bwMode="auto">
+          <a:xfrm>
+            <a:off x="0" y="0"/>
+            <a:ext cx="43891200" cy="0"/>
+          </a:xfrm>
+          <a:prstGeom prst="rect">
+            <a:avLst/>
+          </a:prstGeom>
+          <a:noFill/>
+          <a:ln w="9525">
+            <a:noFill/>
+            <a:miter lim="800000"/>
+            <a:headEnd/>
+            <a:tailEnd/>
+          </a:ln>
+          <a:effectLst/>
+        </p:spPr>
+        <p:txBody>
+          <a:bodyPr vert="horz" wrap="none" lIns="91440" tIns="45720" rIns="91440" bIns="45720" numCol="1" anchor="ctr" anchorCtr="0" compatLnSpc="1">
+            <a:prstTxWarp prst="textNoShape">
+              <a:avLst/>
+            </a:prstTxWarp>
+            <a:spAutoFit/>
+          </a:bodyPr>
+          <a:lstStyle/>
+          <a:p>
+            <a:endParaRPr lang="en-US"/>
+          </a:p>
+        </p:txBody>
+      </p:sp>
+      <p:pic>
+        <p:nvPicPr>
+          <p:cNvPr id="1025" name="Picture 1"/>
+          <p:cNvPicPr>
+            <a:picLocks noChangeAspect="1" noChangeArrowheads="1"/>
+          </p:cNvPicPr>
+          <p:nvPr/>
+        </p:nvPicPr>
+        <p:blipFill>
+          <a:blip r:embed="rId24">
+            <a:clrChange>
+              <a:clrFrom>
+                <a:srgbClr val="FFFFFF"/>
+              </a:clrFrom>
+              <a:clrTo>
+                <a:srgbClr val="FFFFFF">
+                  <a:alpha val="0"/>
+                </a:srgbClr>
+              </a:clrTo>
+            </a:clrChange>
+          </a:blip>
+          <a:srcRect/>
+          <a:stretch>
+            <a:fillRect/>
+          </a:stretch>
+        </p:blipFill>
+        <p:spPr bwMode="auto">
+          <a:xfrm>
+            <a:off x="3657600" y="18821400"/>
+            <a:ext cx="5646378" cy="2133600"/>
+          </a:xfrm>
+          <a:prstGeom prst="rect">
+            <a:avLst/>
+          </a:prstGeom>
+          <a:noFill/>
+        </p:spPr>
+      </p:pic>
     </p:spTree>
   </p:cSld>
   <p:clrMapOvr>

--- a/Docs/TIU_Tracking_Poster_v9.pptx
+++ b/Docs/TIU_Tracking_Poster_v9.pptx
@@ -4038,8 +4038,12 @@
                 <a:ea typeface="Ebrima" pitchFamily="2" charset="0"/>
                 <a:cs typeface="Ebrima" pitchFamily="2" charset="0"/>
               </a:rPr>
-              <a:t>Cost</a:t>
-            </a:r>
+              <a:t>Cost: $17</a:t>
+            </a:r>
+            <a:endParaRPr lang="en-US" sz="3200" dirty="0" smtClean="0">
+              <a:ea typeface="Ebrima" pitchFamily="2" charset="0"/>
+              <a:cs typeface="Ebrima" pitchFamily="2" charset="0"/>
+            </a:endParaRPr>
           </a:p>
         </p:txBody>
       </p:sp>
@@ -4163,6 +4167,17 @@
               </a:rPr>
               <a:t>Cost </a:t>
             </a:r>
+            <a:r>
+              <a:rPr lang="en-US" sz="3200" dirty="0" smtClean="0">
+                <a:ea typeface="Ebrima" pitchFamily="2" charset="0"/>
+                <a:cs typeface="Ebrima" pitchFamily="2" charset="0"/>
+              </a:rPr>
+              <a:t>: $15 </a:t>
+            </a:r>
+            <a:endParaRPr lang="en-US" sz="3200" dirty="0" smtClean="0">
+              <a:ea typeface="Ebrima" pitchFamily="2" charset="0"/>
+              <a:cs typeface="Ebrima" pitchFamily="2" charset="0"/>
+            </a:endParaRPr>
           </a:p>
         </p:txBody>
       </p:sp>

--- a/Docs/TIU_Tracking_Poster_v9.pptx
+++ b/Docs/TIU_Tracking_Poster_v9.pptx
@@ -4209,7 +4209,7 @@
         </p:blipFill>
         <p:spPr bwMode="auto">
           <a:xfrm rot="20948527">
-            <a:off x="31310172" y="6511392"/>
+            <a:off x="31310172" y="6282793"/>
             <a:ext cx="2980532" cy="1981200"/>
           </a:xfrm>
           <a:prstGeom prst="rect">
@@ -4276,51 +4276,13 @@
         </p:blipFill>
         <p:spPr bwMode="auto">
           <a:xfrm>
-            <a:off x="30540648" y="12329159"/>
-            <a:ext cx="9240838" cy="4972050"/>
+            <a:off x="30540648" y="12509482"/>
+            <a:ext cx="8473752" cy="4559318"/>
           </a:xfrm>
           <a:prstGeom prst="rect">
             <a:avLst/>
           </a:prstGeom>
           <a:noFill/>
-          <a:effectLst>
-            <a:outerShdw blurRad="190500" dist="190500" dir="2700000" algn="tl" rotWithShape="0">
-              <a:prstClr val="black">
-                <a:alpha val="40000"/>
-              </a:prstClr>
-            </a:outerShdw>
-          </a:effectLst>
-        </p:spPr>
-      </p:pic>
-      <p:pic>
-        <p:nvPicPr>
-          <p:cNvPr id="2049" name="Picture 1" descr="C:\Users\WOODY\Desktop\webapp.png"/>
-          <p:cNvPicPr>
-            <a:picLocks noChangeAspect="1" noChangeArrowheads="1"/>
-          </p:cNvPicPr>
-          <p:nvPr/>
-        </p:nvPicPr>
-        <p:blipFill>
-          <a:blip r:embed="rId9" cstate="print"/>
-          <a:srcRect/>
-          <a:stretch>
-            <a:fillRect/>
-          </a:stretch>
-        </p:blipFill>
-        <p:spPr bwMode="auto">
-          <a:xfrm>
-            <a:off x="33588648" y="13776959"/>
-            <a:ext cx="8266717" cy="4648200"/>
-          </a:xfrm>
-          <a:prstGeom prst="rect">
-            <a:avLst/>
-          </a:prstGeom>
-          <a:noFill/>
-          <a:ln w="3175">
-            <a:solidFill>
-              <a:schemeClr val="tx1"/>
-            </a:solidFill>
-          </a:ln>
           <a:effectLst>
             <a:outerShdw blurRad="190500" dist="190500" dir="2700000" algn="tl" rotWithShape="0">
               <a:prstClr val="black">
@@ -5078,7 +5040,7 @@
           <p:nvPr/>
         </p:nvPicPr>
         <p:blipFill>
-          <a:blip r:embed="rId10" cstate="print"/>
+          <a:blip r:embed="rId9" cstate="print"/>
           <a:stretch>
             <a:fillRect/>
           </a:stretch>
@@ -5206,7 +5168,7 @@
           <p:nvPr/>
         </p:nvPicPr>
         <p:blipFill>
-          <a:blip r:embed="rId11" cstate="print">
+          <a:blip r:embed="rId10" cstate="print">
             <a:clrChange>
               <a:clrFrom>
                 <a:srgbClr val="FFFFFF"/>
@@ -5574,13 +5536,9 @@
             <a:endParaRPr lang="en-US" sz="3200" dirty="0" smtClean="0"/>
           </a:p>
           <a:p>
-            <a:pPr>
-              <a:buFont typeface="Arial" pitchFamily="34" charset="0"/>
-              <a:buChar char="•"/>
-            </a:pPr>
             <a:r>
               <a:rPr lang="en-US" sz="2800" dirty="0" smtClean="0"/>
-              <a:t> Where </a:t>
+              <a:t>     - Where </a:t>
             </a:r>
             <a:r>
               <a:rPr lang="en-US" sz="2800" dirty="0" smtClean="0"/>
@@ -5606,21 +5564,43 @@
             </a:r>
           </a:p>
           <a:p>
-            <a:pPr>
-              <a:buFont typeface="Arial" pitchFamily="34" charset="0"/>
-              <a:buChar char="•"/>
-            </a:pPr>
+            <a:r>
+              <a:rPr lang="en-US" sz="2800" dirty="0" smtClean="0"/>
+              <a:t>     - </a:t>
+            </a:r>
+            <a:r>
+              <a:rPr lang="en-US" sz="2800" dirty="0" err="1" smtClean="0"/>
+              <a:t>RSSI</a:t>
+            </a:r>
+            <a:r>
+              <a:rPr lang="en-US" sz="2800" baseline="-25000" dirty="0" err="1" smtClean="0"/>
+              <a:t>ci</a:t>
+            </a:r>
             <a:r>
               <a:rPr lang="en-US" sz="2800" dirty="0" smtClean="0"/>
               <a:t> </a:t>
             </a:r>
             <a:r>
+              <a:rPr lang="en-US" sz="2800" dirty="0" smtClean="0"/>
+              <a:t>is RSSI signal received by detector </a:t>
+            </a:r>
+            <a:r>
               <a:rPr lang="en-US" sz="2800" dirty="0" err="1" smtClean="0"/>
-              <a:t>RSSI</a:t>
-            </a:r>
-            <a:r>
-              <a:rPr lang="en-US" sz="2800" baseline="-25000" dirty="0" err="1" smtClean="0"/>
-              <a:t>ci</a:t>
+              <a:t>i</a:t>
+            </a:r>
+            <a:r>
+              <a:rPr lang="en-US" sz="2800" dirty="0" smtClean="0"/>
+              <a:t> in calibrating phase</a:t>
+            </a:r>
+          </a:p>
+          <a:p>
+            <a:r>
+              <a:rPr lang="en-US" sz="2800" dirty="0" smtClean="0"/>
+              <a:t>     - </a:t>
+            </a:r>
+            <a:r>
+              <a:rPr lang="en-US" sz="2800" dirty="0" err="1" smtClean="0"/>
+              <a:t>RSSI_li</a:t>
             </a:r>
             <a:r>
               <a:rPr lang="en-US" sz="2800" dirty="0" smtClean="0"/>
@@ -5628,47 +5608,17 @@
             </a:r>
             <a:r>
               <a:rPr lang="en-US" sz="2800" dirty="0" smtClean="0"/>
-              <a:t>is RSSI signal received by detector </a:t>
-            </a:r>
-            <a:r>
-              <a:rPr lang="en-US" sz="2800" dirty="0" err="1" smtClean="0"/>
-              <a:t>i</a:t>
-            </a:r>
-            <a:r>
-              <a:rPr lang="en-US" sz="2800" dirty="0" smtClean="0"/>
-              <a:t> in calibrating phase</a:t>
-            </a:r>
-          </a:p>
-          <a:p>
-            <a:pPr>
-              <a:buFont typeface="Arial" pitchFamily="34" charset="0"/>
-              <a:buChar char="•"/>
-            </a:pPr>
+              <a:t>is RSSI value received by detector I in locating phase</a:t>
+            </a:r>
+          </a:p>
+          <a:p>
             <a:r>
               <a:rPr lang="en-US" sz="2800" dirty="0" smtClean="0"/>
               <a:t> </a:t>
             </a:r>
             <a:r>
-              <a:rPr lang="en-US" sz="2800" dirty="0" err="1" smtClean="0"/>
-              <a:t>RSSI_li</a:t>
-            </a:r>
-            <a:r>
               <a:rPr lang="en-US" sz="2800" dirty="0" smtClean="0"/>
-              <a:t> </a:t>
-            </a:r>
-            <a:r>
-              <a:rPr lang="en-US" sz="2800" dirty="0" smtClean="0"/>
-              <a:t>is RSSI value received by detector I in locating phase</a:t>
-            </a:r>
-          </a:p>
-          <a:p>
-            <a:pPr>
-              <a:buFont typeface="Arial" pitchFamily="34" charset="0"/>
-              <a:buChar char="•"/>
-            </a:pPr>
-            <a:r>
-              <a:rPr lang="en-US" sz="2800" dirty="0" smtClean="0"/>
-              <a:t> m </a:t>
+              <a:t>    - m </a:t>
             </a:r>
             <a:r>
               <a:rPr lang="en-US" sz="2800" dirty="0" smtClean="0"/>
@@ -5764,15 +5714,15 @@
           <p:nvPr/>
         </p:nvPicPr>
         <p:blipFill>
-          <a:blip r:embed="rId12" cstate="print"/>
+          <a:blip r:embed="rId11" cstate="print"/>
           <a:stretch>
             <a:fillRect/>
           </a:stretch>
         </p:blipFill>
         <p:spPr bwMode="auto">
           <a:xfrm>
-            <a:off x="1981200" y="25333763"/>
-            <a:ext cx="9072086" cy="4489488"/>
+            <a:off x="2194340" y="25298400"/>
+            <a:ext cx="8397460" cy="4155637"/>
           </a:xfrm>
           <a:prstGeom prst="rect">
             <a:avLst/>
@@ -5788,7 +5738,7 @@
         </p:nvSpPr>
         <p:spPr>
           <a:xfrm>
-            <a:off x="3657912" y="29489400"/>
+            <a:off x="3657912" y="29337000"/>
             <a:ext cx="5105400" cy="990600"/>
           </a:xfrm>
           <a:prstGeom prst="rect">
@@ -5867,7 +5817,7 @@
             <p:nvPr/>
           </p:nvPicPr>
           <p:blipFill>
-            <a:blip r:embed="rId13" cstate="print"/>
+            <a:blip r:embed="rId12" cstate="print"/>
             <a:stretch>
               <a:fillRect/>
             </a:stretch>
@@ -5905,7 +5855,7 @@
               <p:nvPr/>
             </p:nvPicPr>
             <p:blipFill>
-              <a:blip r:embed="rId14" cstate="print"/>
+              <a:blip r:embed="rId13" cstate="print"/>
               <a:stretch>
                 <a:fillRect/>
               </a:stretch>
@@ -5992,7 +5942,7 @@
               <p:nvPr/>
             </p:nvPicPr>
             <p:blipFill>
-              <a:blip r:embed="rId13" cstate="print"/>
+              <a:blip r:embed="rId12" cstate="print"/>
               <a:stretch>
                 <a:fillRect/>
               </a:stretch>
@@ -6065,7 +6015,7 @@
             <p:nvPr/>
           </p:nvPicPr>
           <p:blipFill>
-            <a:blip r:embed="rId15" cstate="print"/>
+            <a:blip r:embed="rId14" cstate="print"/>
             <a:stretch>
               <a:fillRect/>
             </a:stretch>
@@ -6137,7 +6087,7 @@
             <p:nvPr/>
           </p:nvPicPr>
           <p:blipFill>
-            <a:blip r:embed="rId13" cstate="print"/>
+            <a:blip r:embed="rId12" cstate="print"/>
             <a:stretch>
               <a:fillRect/>
             </a:stretch>
@@ -6175,7 +6125,7 @@
               <p:nvPr/>
             </p:nvPicPr>
             <p:blipFill>
-              <a:blip r:embed="rId16" cstate="print"/>
+              <a:blip r:embed="rId15" cstate="print"/>
               <a:srcRect/>
               <a:stretch>
                 <a:fillRect/>
@@ -6201,7 +6151,7 @@
               <p:nvPr/>
             </p:nvPicPr>
             <p:blipFill>
-              <a:blip r:embed="rId17" cstate="print"/>
+              <a:blip r:embed="rId16" cstate="print"/>
               <a:srcRect/>
               <a:stretch>
                 <a:fillRect/>
@@ -6290,7 +6240,7 @@
               <p:nvPr/>
             </p:nvPicPr>
             <p:blipFill>
-              <a:blip r:embed="rId18" cstate="print"/>
+              <a:blip r:embed="rId17" cstate="print"/>
               <a:srcRect/>
               <a:stretch>
                 <a:fillRect/>
@@ -6316,7 +6266,7 @@
               <p:nvPr/>
             </p:nvPicPr>
             <p:blipFill>
-              <a:blip r:embed="rId19" cstate="print"/>
+              <a:blip r:embed="rId18" cstate="print"/>
               <a:srcRect/>
               <a:stretch>
                 <a:fillRect/>
@@ -6405,7 +6355,7 @@
               <p:nvPr/>
             </p:nvPicPr>
             <p:blipFill>
-              <a:blip r:embed="rId14" cstate="print"/>
+              <a:blip r:embed="rId13" cstate="print"/>
               <a:stretch>
                 <a:fillRect/>
               </a:stretch>
@@ -6784,7 +6734,7 @@
             <p:nvPr/>
           </p:nvPicPr>
           <p:blipFill>
-            <a:blip r:embed="rId13" cstate="print"/>
+            <a:blip r:embed="rId12" cstate="print"/>
             <a:stretch>
               <a:fillRect/>
             </a:stretch>
@@ -6808,7 +6758,7 @@
             <p:nvPr/>
           </p:nvPicPr>
           <p:blipFill>
-            <a:blip r:embed="rId20" cstate="print">
+            <a:blip r:embed="rId19" cstate="print">
               <a:clrChange>
                 <a:clrFrom>
                   <a:srgbClr val="FFFFFF"/>
@@ -6845,7 +6795,7 @@
             <p:nvPr/>
           </p:nvPicPr>
           <p:blipFill>
-            <a:blip r:embed="rId20" cstate="print">
+            <a:blip r:embed="rId19" cstate="print">
               <a:clrChange>
                 <a:clrFrom>
                   <a:srgbClr val="FFFFFF"/>
@@ -6882,7 +6832,7 @@
             <p:nvPr/>
           </p:nvPicPr>
           <p:blipFill>
-            <a:blip r:embed="rId20" cstate="print">
+            <a:blip r:embed="rId19" cstate="print">
               <a:clrChange>
                 <a:clrFrom>
                   <a:srgbClr val="FFFFFF"/>
@@ -6919,7 +6869,7 @@
             <p:nvPr/>
           </p:nvPicPr>
           <p:blipFill>
-            <a:blip r:embed="rId20" cstate="print">
+            <a:blip r:embed="rId19" cstate="print">
               <a:clrChange>
                 <a:clrFrom>
                   <a:srgbClr val="FFFFFF"/>
@@ -7312,7 +7262,7 @@
               <p:nvPr/>
             </p:nvPicPr>
             <p:blipFill>
-              <a:blip r:embed="rId21" cstate="print"/>
+              <a:blip r:embed="rId20" cstate="print"/>
               <a:stretch>
                 <a:fillRect/>
               </a:stretch>
@@ -7404,7 +7354,7 @@
                 <p:nvPr/>
               </p:nvPicPr>
               <p:blipFill>
-                <a:blip r:embed="rId22" cstate="print"/>
+                <a:blip r:embed="rId21" cstate="print"/>
                 <a:srcRect/>
                 <a:stretch>
                   <a:fillRect/>
@@ -7430,7 +7380,7 @@
                 <p:nvPr/>
               </p:nvPicPr>
               <p:blipFill>
-                <a:blip r:embed="rId23" cstate="print"/>
+                <a:blip r:embed="rId22" cstate="print"/>
                 <a:srcRect/>
                 <a:stretch>
                   <a:fillRect/>
@@ -8093,7 +8043,7 @@
           <p:nvPr/>
         </p:nvPicPr>
         <p:blipFill>
-          <a:blip r:embed="rId24">
+          <a:blip r:embed="rId23">
             <a:clrChange>
               <a:clrFrom>
                 <a:srgbClr val="FFFFFF"/>
@@ -8113,12 +8063,51 @@
         <p:spPr bwMode="auto">
           <a:xfrm>
             <a:off x="3657600" y="18821400"/>
-            <a:ext cx="5646378" cy="2133600"/>
+            <a:ext cx="5029200" cy="1900387"/>
           </a:xfrm>
           <a:prstGeom prst="rect">
             <a:avLst/>
           </a:prstGeom>
           <a:noFill/>
+        </p:spPr>
+      </p:pic>
+      <p:pic>
+        <p:nvPicPr>
+          <p:cNvPr id="109" name="Picture 2"/>
+          <p:cNvPicPr>
+            <a:picLocks noChangeAspect="1" noChangeArrowheads="1"/>
+          </p:cNvPicPr>
+          <p:nvPr/>
+        </p:nvPicPr>
+        <p:blipFill>
+          <a:blip r:embed="rId24" cstate="print"/>
+          <a:srcRect r="2005" b="18750"/>
+          <a:stretch>
+            <a:fillRect/>
+          </a:stretch>
+        </p:blipFill>
+        <p:spPr bwMode="auto">
+          <a:xfrm>
+            <a:off x="34518600" y="14706600"/>
+            <a:ext cx="7596554" cy="4114800"/>
+          </a:xfrm>
+          <a:prstGeom prst="rect">
+            <a:avLst/>
+          </a:prstGeom>
+          <a:noFill/>
+          <a:ln w="9525">
+            <a:noFill/>
+            <a:miter lim="800000"/>
+            <a:headEnd/>
+            <a:tailEnd/>
+          </a:ln>
+          <a:effectLst>
+            <a:outerShdw blurRad="190500" dist="190500" dir="2700000" algn="tl" rotWithShape="0">
+              <a:prstClr val="black">
+                <a:alpha val="40000"/>
+              </a:prstClr>
+            </a:outerShdw>
+          </a:effectLst>
         </p:spPr>
       </p:pic>
     </p:spTree>

--- a/Docs/TIU_Tracking_Poster_v9.pptx
+++ b/Docs/TIU_Tracking_Poster_v9.pptx
@@ -3831,7 +3831,7 @@
         </p:nvSpPr>
         <p:spPr>
           <a:xfrm>
-            <a:off x="30175200" y="25860017"/>
+            <a:off x="30175200" y="26060400"/>
             <a:ext cx="9448800" cy="990600"/>
           </a:xfrm>
           <a:prstGeom prst="rect">
@@ -3897,8 +3897,8 @@
         </p:blipFill>
         <p:spPr bwMode="auto">
           <a:xfrm>
-            <a:off x="29931048" y="20634959"/>
-            <a:ext cx="6408757" cy="4114800"/>
+            <a:off x="29931048" y="20634958"/>
+            <a:ext cx="6551175" cy="4892042"/>
           </a:xfrm>
           <a:prstGeom prst="rect">
             <a:avLst/>
@@ -3917,7 +3917,7 @@
         </p:nvSpPr>
         <p:spPr>
           <a:xfrm>
-            <a:off x="30175200" y="26698217"/>
+            <a:off x="30175200" y="26898600"/>
             <a:ext cx="11353800" cy="2154436"/>
           </a:xfrm>
           <a:prstGeom prst="rect">
@@ -3931,7 +3931,7 @@
           </a:bodyPr>
           <a:lstStyle/>
           <a:p>
-            <a:pPr lvl="0"/>
+            <a:pPr lvl="0" algn="just"/>
             <a:r>
               <a:rPr lang="en-US" sz="3200" dirty="0" smtClean="0">
                 <a:ea typeface="Ebrima" pitchFamily="2" charset="0"/>
@@ -4251,7 +4251,7 @@
         </p:nvGraphicFramePr>
         <p:xfrm>
           <a:off x="36331848" y="20863558"/>
-          <a:ext cx="6263952" cy="4038600"/>
+          <a:ext cx="6721152" cy="4358642"/>
         </p:xfrm>
         <a:graphic>
           <a:graphicData uri="http://schemas.openxmlformats.org/drawingml/2006/chart">
@@ -4469,45 +4469,7 @@
         </p:nvCxnSpPr>
         <p:spPr>
           <a:xfrm rot="10800000">
-            <a:off x="-7620000" y="10134600"/>
-            <a:ext cx="5105400" cy="0"/>
-          </a:xfrm>
-          <a:prstGeom prst="line">
-            <a:avLst/>
-          </a:prstGeom>
-          <a:ln w="76200">
-            <a:solidFill>
-              <a:schemeClr val="accent2">
-                <a:lumMod val="40000"/>
-                <a:lumOff val="60000"/>
-              </a:schemeClr>
-            </a:solidFill>
-          </a:ln>
-        </p:spPr>
-        <p:style>
-          <a:lnRef idx="1">
-            <a:schemeClr val="accent1"/>
-          </a:lnRef>
-          <a:fillRef idx="0">
-            <a:schemeClr val="accent1"/>
-          </a:fillRef>
-          <a:effectRef idx="0">
-            <a:schemeClr val="accent1"/>
-          </a:effectRef>
-          <a:fontRef idx="minor">
-            <a:schemeClr val="tx1"/>
-          </a:fontRef>
-        </p:style>
-      </p:cxnSp>
-      <p:cxnSp>
-        <p:nvCxnSpPr>
-          <p:cNvPr id="48" name="Straight Connector 47"/>
-          <p:cNvCxnSpPr/>
-          <p:nvPr/>
-        </p:nvCxnSpPr>
-        <p:spPr>
-          <a:xfrm rot="10800000">
-            <a:off x="-6918648" y="11125200"/>
+            <a:off x="24993600" y="29489400"/>
             <a:ext cx="5105400" cy="0"/>
           </a:xfrm>
           <a:prstGeom prst="line">
@@ -4545,8 +4507,84 @@
         </p:nvCxnSpPr>
         <p:spPr>
           <a:xfrm rot="16200000" flipH="1">
-            <a:off x="-10942320" y="17785079"/>
+            <a:off x="25938481" y="15971520"/>
             <a:ext cx="6949440" cy="1"/>
+          </a:xfrm>
+          <a:prstGeom prst="line">
+            <a:avLst/>
+          </a:prstGeom>
+          <a:ln w="76200">
+            <a:solidFill>
+              <a:schemeClr val="accent2">
+                <a:lumMod val="40000"/>
+                <a:lumOff val="60000"/>
+              </a:schemeClr>
+            </a:solidFill>
+          </a:ln>
+        </p:spPr>
+        <p:style>
+          <a:lnRef idx="1">
+            <a:schemeClr val="accent1"/>
+          </a:lnRef>
+          <a:fillRef idx="0">
+            <a:schemeClr val="accent1"/>
+          </a:fillRef>
+          <a:effectRef idx="0">
+            <a:schemeClr val="accent1"/>
+          </a:effectRef>
+          <a:fontRef idx="minor">
+            <a:schemeClr val="tx1"/>
+          </a:fontRef>
+        </p:style>
+      </p:cxnSp>
+      <p:cxnSp>
+        <p:nvCxnSpPr>
+          <p:cNvPr id="51" name="Straight Connector 50"/>
+          <p:cNvCxnSpPr/>
+          <p:nvPr/>
+        </p:nvCxnSpPr>
+        <p:spPr>
+          <a:xfrm rot="5400000">
+            <a:off x="40706040" y="27675840"/>
+            <a:ext cx="4389120" cy="0"/>
+          </a:xfrm>
+          <a:prstGeom prst="line">
+            <a:avLst/>
+          </a:prstGeom>
+          <a:ln w="76200">
+            <a:solidFill>
+              <a:schemeClr val="accent2">
+                <a:lumMod val="40000"/>
+                <a:lumOff val="60000"/>
+              </a:schemeClr>
+            </a:solidFill>
+          </a:ln>
+        </p:spPr>
+        <p:style>
+          <a:lnRef idx="1">
+            <a:schemeClr val="accent1"/>
+          </a:lnRef>
+          <a:fillRef idx="0">
+            <a:schemeClr val="accent1"/>
+          </a:fillRef>
+          <a:effectRef idx="0">
+            <a:schemeClr val="accent1"/>
+          </a:effectRef>
+          <a:fontRef idx="minor">
+            <a:schemeClr val="tx1"/>
+          </a:fontRef>
+        </p:style>
+      </p:cxnSp>
+      <p:cxnSp>
+        <p:nvCxnSpPr>
+          <p:cNvPr id="48" name="Straight Connector 47"/>
+          <p:cNvCxnSpPr/>
+          <p:nvPr/>
+        </p:nvCxnSpPr>
+        <p:spPr>
+          <a:xfrm rot="10800000">
+            <a:off x="8534400" y="29794200"/>
+            <a:ext cx="5105400" cy="0"/>
           </a:xfrm>
           <a:prstGeom prst="line">
             <a:avLst/>
@@ -4583,46 +4621,8 @@
         </p:nvCxnSpPr>
         <p:spPr>
           <a:xfrm rot="5400000">
-            <a:off x="-9433248" y="8839200"/>
+            <a:off x="10210800" y="27127200"/>
             <a:ext cx="5486400" cy="0"/>
-          </a:xfrm>
-          <a:prstGeom prst="line">
-            <a:avLst/>
-          </a:prstGeom>
-          <a:ln w="76200">
-            <a:solidFill>
-              <a:schemeClr val="accent2">
-                <a:lumMod val="40000"/>
-                <a:lumOff val="60000"/>
-              </a:schemeClr>
-            </a:solidFill>
-          </a:ln>
-        </p:spPr>
-        <p:style>
-          <a:lnRef idx="1">
-            <a:schemeClr val="accent1"/>
-          </a:lnRef>
-          <a:fillRef idx="0">
-            <a:schemeClr val="accent1"/>
-          </a:fillRef>
-          <a:effectRef idx="0">
-            <a:schemeClr val="accent1"/>
-          </a:effectRef>
-          <a:fontRef idx="minor">
-            <a:schemeClr val="tx1"/>
-          </a:fontRef>
-        </p:style>
-      </p:cxnSp>
-      <p:cxnSp>
-        <p:nvCxnSpPr>
-          <p:cNvPr id="51" name="Straight Connector 50"/>
-          <p:cNvCxnSpPr/>
-          <p:nvPr/>
-        </p:nvCxnSpPr>
-        <p:spPr>
-          <a:xfrm rot="5400000">
-            <a:off x="-3870959" y="7452360"/>
-            <a:ext cx="4389120" cy="0"/>
           </a:xfrm>
           <a:prstGeom prst="line">
             <a:avLst/>
@@ -4659,7 +4659,7 @@
         </p:nvCxnSpPr>
         <p:spPr>
           <a:xfrm rot="10800000">
-            <a:off x="-6232848" y="10972800"/>
+            <a:off x="9220200" y="29641800"/>
             <a:ext cx="3962400" cy="0"/>
           </a:xfrm>
           <a:prstGeom prst="line">
@@ -4697,7 +4697,7 @@
         </p:nvCxnSpPr>
         <p:spPr>
           <a:xfrm rot="10800000">
-            <a:off x="-7924800" y="14782800"/>
+            <a:off x="25069800" y="12954000"/>
             <a:ext cx="4816152" cy="0"/>
           </a:xfrm>
           <a:prstGeom prst="line">
@@ -4735,7 +4735,7 @@
         </p:nvCxnSpPr>
         <p:spPr>
           <a:xfrm rot="16200000" flipH="1">
-            <a:off x="-6019800" y="18745199"/>
+            <a:off x="26593801" y="26898600"/>
             <a:ext cx="5943600" cy="1"/>
           </a:xfrm>
           <a:prstGeom prst="line">
@@ -4773,7 +4773,7 @@
         </p:nvCxnSpPr>
         <p:spPr>
           <a:xfrm rot="10800000" flipV="1">
-            <a:off x="-6842447" y="21107397"/>
+            <a:off x="25374601" y="29260798"/>
             <a:ext cx="4175448" cy="1"/>
           </a:xfrm>
           <a:prstGeom prst="line">
@@ -4811,46 +4811,8 @@
         </p:nvCxnSpPr>
         <p:spPr>
           <a:xfrm rot="10800000">
-            <a:off x="-9677400" y="25679400"/>
+            <a:off x="38100000" y="29565600"/>
             <a:ext cx="5105400" cy="0"/>
-          </a:xfrm>
-          <a:prstGeom prst="line">
-            <a:avLst/>
-          </a:prstGeom>
-          <a:ln w="76200">
-            <a:solidFill>
-              <a:schemeClr val="accent2">
-                <a:lumMod val="40000"/>
-                <a:lumOff val="60000"/>
-              </a:schemeClr>
-            </a:solidFill>
-          </a:ln>
-        </p:spPr>
-        <p:style>
-          <a:lnRef idx="1">
-            <a:schemeClr val="accent1"/>
-          </a:lnRef>
-          <a:fillRef idx="0">
-            <a:schemeClr val="accent1"/>
-          </a:fillRef>
-          <a:effectRef idx="0">
-            <a:schemeClr val="accent1"/>
-          </a:effectRef>
-          <a:fontRef idx="minor">
-            <a:schemeClr val="tx1"/>
-          </a:fontRef>
-        </p:style>
-      </p:cxnSp>
-      <p:cxnSp>
-        <p:nvCxnSpPr>
-          <p:cNvPr id="81" name="Straight Connector 80"/>
-          <p:cNvCxnSpPr/>
-          <p:nvPr/>
-        </p:nvCxnSpPr>
-        <p:spPr>
-          <a:xfrm rot="10800000">
-            <a:off x="-9296400" y="25450800"/>
-            <a:ext cx="9296400" cy="0"/>
           </a:xfrm>
           <a:prstGeom prst="line">
             <a:avLst/>
@@ -4887,7 +4849,7 @@
         </p:nvCxnSpPr>
         <p:spPr>
           <a:xfrm rot="16200000" flipH="1">
-            <a:off x="49393153" y="8382001"/>
+            <a:off x="40690801" y="6934199"/>
             <a:ext cx="4114800" cy="1"/>
           </a:xfrm>
           <a:prstGeom prst="line">
@@ -4926,82 +4888,6 @@
         <p:spPr>
           <a:xfrm rot="10800000">
             <a:off x="23622000" y="4876801"/>
-            <a:ext cx="5105400" cy="0"/>
-          </a:xfrm>
-          <a:prstGeom prst="line">
-            <a:avLst/>
-          </a:prstGeom>
-          <a:ln w="76200">
-            <a:solidFill>
-              <a:schemeClr val="accent2">
-                <a:lumMod val="40000"/>
-                <a:lumOff val="60000"/>
-              </a:schemeClr>
-            </a:solidFill>
-          </a:ln>
-        </p:spPr>
-        <p:style>
-          <a:lnRef idx="1">
-            <a:schemeClr val="accent1"/>
-          </a:lnRef>
-          <a:fillRef idx="0">
-            <a:schemeClr val="accent1"/>
-          </a:fillRef>
-          <a:effectRef idx="0">
-            <a:schemeClr val="accent1"/>
-          </a:effectRef>
-          <a:fontRef idx="minor">
-            <a:schemeClr val="tx1"/>
-          </a:fontRef>
-        </p:style>
-      </p:cxnSp>
-      <p:cxnSp>
-        <p:nvCxnSpPr>
-          <p:cNvPr id="85" name="Straight Connector 84"/>
-          <p:cNvCxnSpPr/>
-          <p:nvPr/>
-        </p:nvCxnSpPr>
-        <p:spPr>
-          <a:xfrm rot="16200000" flipH="1">
-            <a:off x="44180447" y="15392399"/>
-            <a:ext cx="4114800" cy="1"/>
-          </a:xfrm>
-          <a:prstGeom prst="line">
-            <a:avLst/>
-          </a:prstGeom>
-          <a:ln w="76200">
-            <a:solidFill>
-              <a:schemeClr val="accent2">
-                <a:lumMod val="40000"/>
-                <a:lumOff val="60000"/>
-              </a:schemeClr>
-            </a:solidFill>
-          </a:ln>
-        </p:spPr>
-        <p:style>
-          <a:lnRef idx="1">
-            <a:schemeClr val="accent1"/>
-          </a:lnRef>
-          <a:fillRef idx="0">
-            <a:schemeClr val="accent1"/>
-          </a:fillRef>
-          <a:effectRef idx="0">
-            <a:schemeClr val="accent1"/>
-          </a:effectRef>
-          <a:fontRef idx="minor">
-            <a:schemeClr val="tx1"/>
-          </a:fontRef>
-        </p:style>
-      </p:cxnSp>
-      <p:cxnSp>
-        <p:nvCxnSpPr>
-          <p:cNvPr id="86" name="Straight Connector 85"/>
-          <p:cNvCxnSpPr/>
-          <p:nvPr/>
-        </p:nvCxnSpPr>
-        <p:spPr>
-          <a:xfrm rot="10800000">
-            <a:off x="45780648" y="16306800"/>
             <a:ext cx="5105400" cy="0"/>
           </a:xfrm>
           <a:prstGeom prst="line">
@@ -5242,7 +5128,7 @@
         </p:nvCxnSpPr>
         <p:spPr>
           <a:xfrm rot="10800000">
-            <a:off x="46726152" y="6705601"/>
+            <a:off x="38023800" y="5257799"/>
             <a:ext cx="5105400" cy="0"/>
           </a:xfrm>
           <a:prstGeom prst="line">
@@ -5310,82 +5196,173 @@
           </a:fontRef>
         </p:style>
       </p:cxnSp>
-      <p:cxnSp>
-        <p:nvCxnSpPr>
-          <p:cNvPr id="106" name="Straight Connector 105"/>
-          <p:cNvCxnSpPr/>
+      <p:grpSp>
+        <p:nvGrpSpPr>
+          <p:cNvPr id="110" name="Group 109"/>
+          <p:cNvGrpSpPr/>
           <p:nvPr/>
-        </p:nvCxnSpPr>
-        <p:spPr>
-          <a:xfrm rot="5400000">
-            <a:off x="45300900" y="14592300"/>
-            <a:ext cx="2362200" cy="0"/>
+        </p:nvGrpSpPr>
+        <p:grpSpPr>
+          <a:xfrm>
+            <a:off x="12420600" y="10134600"/>
+            <a:ext cx="5105400" cy="4114800"/>
+            <a:chOff x="45780648" y="13335000"/>
+            <a:chExt cx="5105400" cy="4114800"/>
           </a:xfrm>
-          <a:prstGeom prst="line">
-            <a:avLst/>
-          </a:prstGeom>
-          <a:ln w="76200">
-            <a:solidFill>
-              <a:schemeClr val="accent2">
-                <a:lumMod val="40000"/>
-                <a:lumOff val="60000"/>
-              </a:schemeClr>
-            </a:solidFill>
-          </a:ln>
-        </p:spPr>
-        <p:style>
-          <a:lnRef idx="1">
-            <a:schemeClr val="accent1"/>
-          </a:lnRef>
-          <a:fillRef idx="0">
-            <a:schemeClr val="accent1"/>
-          </a:fillRef>
-          <a:effectRef idx="0">
-            <a:schemeClr val="accent1"/>
-          </a:effectRef>
-          <a:fontRef idx="minor">
-            <a:schemeClr val="tx1"/>
-          </a:fontRef>
-        </p:style>
-      </p:cxnSp>
-      <p:cxnSp>
-        <p:nvCxnSpPr>
-          <p:cNvPr id="107" name="Straight Connector 106"/>
-          <p:cNvCxnSpPr/>
-          <p:nvPr/>
-        </p:nvCxnSpPr>
-        <p:spPr>
-          <a:xfrm rot="10800000">
-            <a:off x="46771248" y="16078200"/>
-            <a:ext cx="3673152" cy="0"/>
-          </a:xfrm>
-          <a:prstGeom prst="line">
-            <a:avLst/>
-          </a:prstGeom>
-          <a:ln w="76200">
-            <a:solidFill>
-              <a:schemeClr val="accent2">
-                <a:lumMod val="40000"/>
-                <a:lumOff val="60000"/>
-              </a:schemeClr>
-            </a:solidFill>
-          </a:ln>
-        </p:spPr>
-        <p:style>
-          <a:lnRef idx="1">
-            <a:schemeClr val="accent1"/>
-          </a:lnRef>
-          <a:fillRef idx="0">
-            <a:schemeClr val="accent1"/>
-          </a:fillRef>
-          <a:effectRef idx="0">
-            <a:schemeClr val="accent1"/>
-          </a:effectRef>
-          <a:fontRef idx="minor">
-            <a:schemeClr val="tx1"/>
-          </a:fontRef>
-        </p:style>
-      </p:cxnSp>
+        </p:grpSpPr>
+        <p:cxnSp>
+          <p:nvCxnSpPr>
+            <p:cNvPr id="85" name="Straight Connector 84"/>
+            <p:cNvCxnSpPr/>
+            <p:nvPr/>
+          </p:nvCxnSpPr>
+          <p:spPr>
+            <a:xfrm rot="16200000" flipH="1">
+              <a:off x="44180447" y="15392399"/>
+              <a:ext cx="4114800" cy="1"/>
+            </a:xfrm>
+            <a:prstGeom prst="line">
+              <a:avLst/>
+            </a:prstGeom>
+            <a:ln w="76200">
+              <a:solidFill>
+                <a:schemeClr val="accent2">
+                  <a:lumMod val="40000"/>
+                  <a:lumOff val="60000"/>
+                </a:schemeClr>
+              </a:solidFill>
+            </a:ln>
+          </p:spPr>
+          <p:style>
+            <a:lnRef idx="1">
+              <a:schemeClr val="accent1"/>
+            </a:lnRef>
+            <a:fillRef idx="0">
+              <a:schemeClr val="accent1"/>
+            </a:fillRef>
+            <a:effectRef idx="0">
+              <a:schemeClr val="accent1"/>
+            </a:effectRef>
+            <a:fontRef idx="minor">
+              <a:schemeClr val="tx1"/>
+            </a:fontRef>
+          </p:style>
+        </p:cxnSp>
+        <p:cxnSp>
+          <p:nvCxnSpPr>
+            <p:cNvPr id="86" name="Straight Connector 85"/>
+            <p:cNvCxnSpPr/>
+            <p:nvPr/>
+          </p:nvCxnSpPr>
+          <p:spPr>
+            <a:xfrm rot="10800000">
+              <a:off x="45780648" y="16306800"/>
+              <a:ext cx="5105400" cy="0"/>
+            </a:xfrm>
+            <a:prstGeom prst="line">
+              <a:avLst/>
+            </a:prstGeom>
+            <a:ln w="76200">
+              <a:solidFill>
+                <a:schemeClr val="accent2">
+                  <a:lumMod val="40000"/>
+                  <a:lumOff val="60000"/>
+                </a:schemeClr>
+              </a:solidFill>
+            </a:ln>
+          </p:spPr>
+          <p:style>
+            <a:lnRef idx="1">
+              <a:schemeClr val="accent1"/>
+            </a:lnRef>
+            <a:fillRef idx="0">
+              <a:schemeClr val="accent1"/>
+            </a:fillRef>
+            <a:effectRef idx="0">
+              <a:schemeClr val="accent1"/>
+            </a:effectRef>
+            <a:fontRef idx="minor">
+              <a:schemeClr val="tx1"/>
+            </a:fontRef>
+          </p:style>
+        </p:cxnSp>
+        <p:cxnSp>
+          <p:nvCxnSpPr>
+            <p:cNvPr id="106" name="Straight Connector 105"/>
+            <p:cNvCxnSpPr/>
+            <p:nvPr/>
+          </p:nvCxnSpPr>
+          <p:spPr>
+            <a:xfrm rot="5400000">
+              <a:off x="45300900" y="14592300"/>
+              <a:ext cx="2362200" cy="0"/>
+            </a:xfrm>
+            <a:prstGeom prst="line">
+              <a:avLst/>
+            </a:prstGeom>
+            <a:ln w="76200">
+              <a:solidFill>
+                <a:schemeClr val="accent2">
+                  <a:lumMod val="40000"/>
+                  <a:lumOff val="60000"/>
+                </a:schemeClr>
+              </a:solidFill>
+            </a:ln>
+          </p:spPr>
+          <p:style>
+            <a:lnRef idx="1">
+              <a:schemeClr val="accent1"/>
+            </a:lnRef>
+            <a:fillRef idx="0">
+              <a:schemeClr val="accent1"/>
+            </a:fillRef>
+            <a:effectRef idx="0">
+              <a:schemeClr val="accent1"/>
+            </a:effectRef>
+            <a:fontRef idx="minor">
+              <a:schemeClr val="tx1"/>
+            </a:fontRef>
+          </p:style>
+        </p:cxnSp>
+        <p:cxnSp>
+          <p:nvCxnSpPr>
+            <p:cNvPr id="107" name="Straight Connector 106"/>
+            <p:cNvCxnSpPr/>
+            <p:nvPr/>
+          </p:nvCxnSpPr>
+          <p:spPr>
+            <a:xfrm rot="10800000">
+              <a:off x="46771248" y="16078200"/>
+              <a:ext cx="3673152" cy="0"/>
+            </a:xfrm>
+            <a:prstGeom prst="line">
+              <a:avLst/>
+            </a:prstGeom>
+            <a:ln w="76200">
+              <a:solidFill>
+                <a:schemeClr val="accent2">
+                  <a:lumMod val="40000"/>
+                  <a:lumOff val="60000"/>
+                </a:schemeClr>
+              </a:solidFill>
+            </a:ln>
+          </p:spPr>
+          <p:style>
+            <a:lnRef idx="1">
+              <a:schemeClr val="accent1"/>
+            </a:lnRef>
+            <a:fillRef idx="0">
+              <a:schemeClr val="accent1"/>
+            </a:fillRef>
+            <a:effectRef idx="0">
+              <a:schemeClr val="accent1"/>
+            </a:effectRef>
+            <a:fontRef idx="minor">
+              <a:schemeClr val="tx1"/>
+            </a:fontRef>
+          </p:style>
+        </p:cxnSp>
+      </p:grpSp>
       <p:cxnSp>
         <p:nvCxnSpPr>
           <p:cNvPr id="112" name="Straight Connector 111"/>
@@ -5394,7 +5371,7 @@
         </p:nvCxnSpPr>
         <p:spPr>
           <a:xfrm rot="5400000">
-            <a:off x="49964652" y="8877301"/>
+            <a:off x="41262300" y="7429499"/>
             <a:ext cx="2362200" cy="0"/>
           </a:xfrm>
           <a:prstGeom prst="line">
@@ -5432,7 +5409,7 @@
         </p:nvCxnSpPr>
         <p:spPr>
           <a:xfrm rot="10800000">
-            <a:off x="47244000" y="6934200"/>
+            <a:off x="38541648" y="5486398"/>
             <a:ext cx="3673152" cy="0"/>
           </a:xfrm>
           <a:prstGeom prst="line">
@@ -5721,8 +5698,8 @@
         </p:blipFill>
         <p:spPr bwMode="auto">
           <a:xfrm>
-            <a:off x="2194340" y="25298400"/>
-            <a:ext cx="8397460" cy="4155637"/>
+            <a:off x="2651540" y="25298400"/>
+            <a:ext cx="7940260" cy="3929383"/>
           </a:xfrm>
           <a:prstGeom prst="rect">
             <a:avLst/>
@@ -5738,7 +5715,7 @@
         </p:nvSpPr>
         <p:spPr>
           <a:xfrm>
-            <a:off x="3657912" y="29337000"/>
+            <a:off x="3657912" y="29108400"/>
             <a:ext cx="5105400" cy="990600"/>
           </a:xfrm>
           <a:prstGeom prst="rect">
@@ -7534,7 +7511,7 @@
         </p:nvSpPr>
         <p:spPr>
           <a:xfrm>
-            <a:off x="21214080" y="12655748"/>
+            <a:off x="14020800" y="13716595"/>
             <a:ext cx="7589520" cy="15696605"/>
           </a:xfrm>
           <a:prstGeom prst="rect">
@@ -7804,7 +7781,7 @@
         </p:nvSpPr>
         <p:spPr>
           <a:xfrm>
-            <a:off x="13335000" y="12655748"/>
+            <a:off x="21640800" y="13769935"/>
             <a:ext cx="7315200" cy="11757065"/>
           </a:xfrm>
           <a:prstGeom prst="rect">

--- a/Docs/TIU_Tracking_Poster_v9.pptx
+++ b/Docs/TIU_Tracking_Poster_v9.pptx
@@ -263,19 +263,19 @@
                   <c:v>5.7647366349139375</c:v>
                 </c:pt>
                 <c:pt idx="2">
-                  <c:v>5.6505872015054752</c:v>
+                  <c:v>5.6505872015054734</c:v>
                 </c:pt>
                 <c:pt idx="3">
                   <c:v>5.5386980783198174</c:v>
                 </c:pt>
                 <c:pt idx="4">
-                  <c:v>5.4290245082157487</c:v>
+                  <c:v>5.4290245082157478</c:v>
                 </c:pt>
                 <c:pt idx="5">
                   <c:v>5.3215226203029449</c:v>
                 </c:pt>
                 <c:pt idx="6">
-                  <c:v>5.2161494123928476</c:v>
+                  <c:v>5.2161494123928493</c:v>
                 </c:pt>
                 <c:pt idx="7">
                   <c:v>5.1128627337972681</c:v>
@@ -284,13 +284,13 @@
                   <c:v>5.011621268467632</c:v>
                 </c:pt>
                 <c:pt idx="9">
-                  <c:v>4.9123845184678814</c:v>
+                  <c:v>4.9123845184678796</c:v>
                 </c:pt>
                 <c:pt idx="10">
                   <c:v>4.8151127877748712</c:v>
                 </c:pt>
                 <c:pt idx="11">
-                  <c:v>4.719767166399329</c:v>
+                  <c:v>4.7197671663993299</c:v>
                 </c:pt>
                 <c:pt idx="12">
                   <c:v>4.6263095148213971</c:v>
@@ -308,10 +308,10 @@
                   <c:v>4.2706219365756581</c:v>
                 </c:pt>
                 <c:pt idx="17">
-                  <c:v>4.1860579564261791</c:v>
+                  <c:v>4.1860579564261782</c:v>
                 </c:pt>
                 <c:pt idx="18">
-                  <c:v>4.1031684552741448</c:v>
+                  <c:v>4.1031684552741465</c:v>
                 </c:pt>
                 <c:pt idx="19">
                   <c:v>4.0219202762138355</c:v>
@@ -320,10 +320,10 @@
                   <c:v>3.9422809188903405</c:v>
                 </c:pt>
                 <c:pt idx="21">
-                  <c:v>3.8642185264988433</c:v>
+                  <c:v>3.8642185264988429</c:v>
                 </c:pt>
                 <c:pt idx="22">
-                  <c:v>3.7877018730415615</c:v>
+                  <c:v>3.7877018730415619</c:v>
                 </c:pt>
                 <c:pt idx="23">
                   <c:v>3.7127003508368448</c:v>
@@ -332,7 +332,7 @@
                   <c:v>3.6391839582758005</c:v>
                 </c:pt>
                 <c:pt idx="25">
-                  <c:v>3.5671232878211727</c:v>
+                  <c:v>3.567123287821174</c:v>
                 </c:pt>
                 <c:pt idx="26">
                   <c:v>3.4964895142439367</c:v>
@@ -351,11 +351,11 @@
           </c:yVal>
           <c:smooth val="1"/>
         </c:ser>
-        <c:axId val="52132864"/>
-        <c:axId val="53458048"/>
+        <c:axId val="54688768"/>
+        <c:axId val="59683968"/>
       </c:scatterChart>
       <c:valAx>
-        <c:axId val="52132864"/>
+        <c:axId val="54688768"/>
         <c:scaling>
           <c:orientation val="minMax"/>
         </c:scaling>
@@ -385,12 +385,12 @@
         </c:title>
         <c:numFmt formatCode="General" sourceLinked="1"/>
         <c:tickLblPos val="nextTo"/>
-        <c:crossAx val="53458048"/>
+        <c:crossAx val="59683968"/>
         <c:crosses val="autoZero"/>
         <c:crossBetween val="midCat"/>
       </c:valAx>
       <c:valAx>
-        <c:axId val="53458048"/>
+        <c:axId val="59683968"/>
         <c:scaling>
           <c:orientation val="minMax"/>
         </c:scaling>
@@ -417,7 +417,7 @@
         </c:title>
         <c:numFmt formatCode="General" sourceLinked="1"/>
         <c:tickLblPos val="nextTo"/>
-        <c:crossAx val="52132864"/>
+        <c:crossAx val="54688768"/>
         <c:crosses val="autoZero"/>
         <c:crossBetween val="midCat"/>
       </c:valAx>
@@ -4040,10 +4040,6 @@
               </a:rPr>
               <a:t>Cost: $17</a:t>
             </a:r>
-            <a:endParaRPr lang="en-US" sz="3200" dirty="0" smtClean="0">
-              <a:ea typeface="Ebrima" pitchFamily="2" charset="0"/>
-              <a:cs typeface="Ebrima" pitchFamily="2" charset="0"/>
-            </a:endParaRPr>
           </a:p>
         </p:txBody>
       </p:sp>
@@ -4165,19 +4161,8 @@
                 <a:ea typeface="Ebrima" pitchFamily="2" charset="0"/>
                 <a:cs typeface="Ebrima" pitchFamily="2" charset="0"/>
               </a:rPr>
-              <a:t>Cost </a:t>
-            </a:r>
-            <a:r>
-              <a:rPr lang="en-US" sz="3200" dirty="0" smtClean="0">
-                <a:ea typeface="Ebrima" pitchFamily="2" charset="0"/>
-                <a:cs typeface="Ebrima" pitchFamily="2" charset="0"/>
-              </a:rPr>
-              <a:t>: $15 </a:t>
-            </a:r>
-            <a:endParaRPr lang="en-US" sz="3200" dirty="0" smtClean="0">
-              <a:ea typeface="Ebrima" pitchFamily="2" charset="0"/>
-              <a:cs typeface="Ebrima" pitchFamily="2" charset="0"/>
-            </a:endParaRPr>
+              <a:t>Cost : $15 </a:t>
+            </a:r>
           </a:p>
         </p:txBody>
       </p:sp>
@@ -5515,74 +5500,58 @@
           <a:p>
             <a:r>
               <a:rPr lang="en-US" sz="2800" dirty="0" smtClean="0"/>
-              <a:t>     - Where </a:t>
-            </a:r>
+              <a:t>     - Where d is the Euclidean distance between calibrated RSSI vectors  </a:t>
+            </a:r>
+          </a:p>
+          <a:p>
             <a:r>
               <a:rPr lang="en-US" sz="2800" dirty="0" smtClean="0"/>
-              <a:t>d is the Euclidean distance between calibrated RSSI vectors </a:t>
+              <a:t>     and located RSSI vector.</a:t>
+            </a:r>
+          </a:p>
+          <a:p>
+            <a:r>
+              <a:rPr lang="en-US" sz="2800" dirty="0" smtClean="0"/>
+              <a:t>     - </a:t>
+            </a:r>
+            <a:r>
+              <a:rPr lang="en-US" sz="2800" dirty="0" err="1" smtClean="0"/>
+              <a:t>RSSI</a:t>
+            </a:r>
+            <a:r>
+              <a:rPr lang="en-US" sz="2800" baseline="-25000" dirty="0" err="1" smtClean="0"/>
+              <a:t>ci</a:t>
+            </a:r>
+            <a:r>
+              <a:rPr lang="en-US" sz="2800" dirty="0" smtClean="0"/>
+              <a:t> is RSSI signal received by detector </a:t>
+            </a:r>
+            <a:r>
+              <a:rPr lang="en-US" sz="2800" dirty="0" err="1" smtClean="0"/>
+              <a:t>i</a:t>
+            </a:r>
+            <a:r>
+              <a:rPr lang="en-US" sz="2800" dirty="0" smtClean="0"/>
+              <a:t> in calibrating phase</a:t>
+            </a:r>
+          </a:p>
+          <a:p>
+            <a:r>
+              <a:rPr lang="en-US" sz="2800" dirty="0" smtClean="0"/>
+              <a:t>     - </a:t>
+            </a:r>
+            <a:r>
+              <a:rPr lang="en-US" sz="2800" smtClean="0"/>
+              <a:t>RSSI</a:t>
+            </a:r>
+            <a:r>
+              <a:rPr lang="en-US" sz="2800" baseline="-25000" smtClean="0"/>
+              <a:t>li</a:t>
             </a:r>
             <a:r>
               <a:rPr lang="en-US" sz="2800" dirty="0" smtClean="0"/>
               <a:t> </a:t>
             </a:r>
-          </a:p>
-          <a:p>
-            <a:r>
-              <a:rPr lang="en-US" sz="2800" dirty="0" smtClean="0"/>
-              <a:t> </a:t>
-            </a:r>
-            <a:r>
-              <a:rPr lang="en-US" sz="2800" dirty="0" smtClean="0"/>
-              <a:t>    and </a:t>
-            </a:r>
-            <a:r>
-              <a:rPr lang="en-US" sz="2800" dirty="0" smtClean="0"/>
-              <a:t>located RSSI vector.</a:t>
-            </a:r>
-          </a:p>
-          <a:p>
-            <a:r>
-              <a:rPr lang="en-US" sz="2800" dirty="0" smtClean="0"/>
-              <a:t>     - </a:t>
-            </a:r>
-            <a:r>
-              <a:rPr lang="en-US" sz="2800" dirty="0" err="1" smtClean="0"/>
-              <a:t>RSSI</a:t>
-            </a:r>
-            <a:r>
-              <a:rPr lang="en-US" sz="2800" baseline="-25000" dirty="0" err="1" smtClean="0"/>
-              <a:t>ci</a:t>
-            </a:r>
-            <a:r>
-              <a:rPr lang="en-US" sz="2800" dirty="0" smtClean="0"/>
-              <a:t> </a:t>
-            </a:r>
-            <a:r>
-              <a:rPr lang="en-US" sz="2800" dirty="0" smtClean="0"/>
-              <a:t>is RSSI signal received by detector </a:t>
-            </a:r>
-            <a:r>
-              <a:rPr lang="en-US" sz="2800" dirty="0" err="1" smtClean="0"/>
-              <a:t>i</a:t>
-            </a:r>
-            <a:r>
-              <a:rPr lang="en-US" sz="2800" dirty="0" smtClean="0"/>
-              <a:t> in calibrating phase</a:t>
-            </a:r>
-          </a:p>
-          <a:p>
-            <a:r>
-              <a:rPr lang="en-US" sz="2800" dirty="0" smtClean="0"/>
-              <a:t>     - </a:t>
-            </a:r>
-            <a:r>
-              <a:rPr lang="en-US" sz="2800" dirty="0" err="1" smtClean="0"/>
-              <a:t>RSSI_li</a:t>
-            </a:r>
-            <a:r>
-              <a:rPr lang="en-US" sz="2800" dirty="0" smtClean="0"/>
-              <a:t> </a:t>
-            </a:r>
             <a:r>
               <a:rPr lang="en-US" sz="2800" dirty="0" smtClean="0"/>
               <a:t>is RSSI value received by detector I in locating phase</a:t>
@@ -5591,27 +5560,22 @@
           <a:p>
             <a:r>
               <a:rPr lang="en-US" sz="2800" dirty="0" smtClean="0"/>
-              <a:t> </a:t>
+              <a:t>     - m is the number of detectors </a:t>
             </a:r>
             <a:r>
               <a:rPr lang="en-US" sz="2800" dirty="0" smtClean="0"/>
-              <a:t>    - m </a:t>
+              <a:t>participating </a:t>
             </a:r>
             <a:r>
               <a:rPr lang="en-US" sz="2800" dirty="0" smtClean="0"/>
-              <a:t>is the number of detectors participate into the locating phase</a:t>
-            </a:r>
-            <a:endParaRPr lang="en-US" sz="2800" dirty="0" smtClean="0"/>
+              <a:t>into the locating phase</a:t>
+            </a:r>
           </a:p>
           <a:p>
             <a:pPr algn="just"/>
             <a:r>
               <a:rPr lang="en-US" sz="3200" dirty="0" smtClean="0"/>
-              <a:t>For </a:t>
-            </a:r>
-            <a:r>
-              <a:rPr lang="en-US" sz="3200" dirty="0" smtClean="0"/>
-              <a:t>scalability, a </a:t>
+              <a:t>For scalability, a </a:t>
             </a:r>
             <a:r>
               <a:rPr lang="en-US" sz="3200" b="1" dirty="0" smtClean="0"/>

--- a/Docs/TIU_Tracking_Poster_v9.pptx
+++ b/Docs/TIU_Tracking_Poster_v9.pptx
@@ -4038,8 +4038,19 @@
                 <a:ea typeface="Ebrima" pitchFamily="2" charset="0"/>
                 <a:cs typeface="Ebrima" pitchFamily="2" charset="0"/>
               </a:rPr>
-              <a:t>Cost: $17</a:t>
-            </a:r>
+              <a:t>Cost: </a:t>
+            </a:r>
+            <a:r>
+              <a:rPr lang="en-US" sz="3200" dirty="0" smtClean="0">
+                <a:ea typeface="Ebrima" pitchFamily="2" charset="0"/>
+                <a:cs typeface="Ebrima" pitchFamily="2" charset="0"/>
+              </a:rPr>
+              <a:t>$25</a:t>
+            </a:r>
+            <a:endParaRPr lang="en-US" sz="3200" dirty="0" smtClean="0">
+              <a:ea typeface="Ebrima" pitchFamily="2" charset="0"/>
+              <a:cs typeface="Ebrima" pitchFamily="2" charset="0"/>
+            </a:endParaRPr>
           </a:p>
         </p:txBody>
       </p:sp>
@@ -4161,8 +4172,19 @@
                 <a:ea typeface="Ebrima" pitchFamily="2" charset="0"/>
                 <a:cs typeface="Ebrima" pitchFamily="2" charset="0"/>
               </a:rPr>
-              <a:t>Cost : $15 </a:t>
-            </a:r>
+              <a:t>Cost : </a:t>
+            </a:r>
+            <a:r>
+              <a:rPr lang="en-US" sz="3200" dirty="0" smtClean="0">
+                <a:ea typeface="Ebrima" pitchFamily="2" charset="0"/>
+                <a:cs typeface="Ebrima" pitchFamily="2" charset="0"/>
+              </a:rPr>
+              <a:t>$32</a:t>
+            </a:r>
+            <a:endParaRPr lang="en-US" sz="3200" dirty="0" smtClean="0">
+              <a:ea typeface="Ebrima" pitchFamily="2" charset="0"/>
+              <a:cs typeface="Ebrima" pitchFamily="2" charset="0"/>
+            </a:endParaRPr>
           </a:p>
         </p:txBody>
       </p:sp>
@@ -5541,11 +5563,11 @@
               <a:t>     - </a:t>
             </a:r>
             <a:r>
-              <a:rPr lang="en-US" sz="2800" smtClean="0"/>
+              <a:rPr lang="en-US" sz="2800" dirty="0" err="1" smtClean="0"/>
               <a:t>RSSI</a:t>
             </a:r>
             <a:r>
-              <a:rPr lang="en-US" sz="2800" baseline="-25000" smtClean="0"/>
+              <a:rPr lang="en-US" sz="2800" baseline="-25000" dirty="0" err="1" smtClean="0"/>
               <a:t>li</a:t>
             </a:r>
             <a:r>

--- a/Docs/TIU_Tracking_Poster_v9.pptx
+++ b/Docs/TIU_Tracking_Poster_v9.pptx
@@ -4666,7 +4666,7 @@
         </p:nvCxnSpPr>
         <p:spPr>
           <a:xfrm rot="10800000">
-            <a:off x="9220200" y="29641800"/>
+            <a:off x="9220200" y="29565600"/>
             <a:ext cx="3962400" cy="0"/>
           </a:xfrm>
           <a:prstGeom prst="line">

--- a/Docs/TIU_Tracking_Poster_v9.pptx
+++ b/Docs/TIU_Tracking_Poster_v9.pptx
@@ -109,7 +109,6 @@
 
 <file path=ppt/charts/chart1.xml><?xml version="1.0" encoding="utf-8"?>
 <c:chartSpace xmlns:c="http://schemas.openxmlformats.org/drawingml/2006/chart" xmlns:a="http://schemas.openxmlformats.org/drawingml/2006/main" xmlns:r="http://schemas.openxmlformats.org/officeDocument/2006/relationships">
-  <c:date1904 val="1"/>
   <c:lang val="en-US"/>
   <c:chart>
     <c:title>
@@ -122,9 +121,18 @@
               <a:defRPr/>
             </a:pPr>
             <a:r>
-              <a:rPr lang="en-US"/>
-              <a:t>Battery voltage in one month</a:t>
-            </a:r>
+              <a:rPr lang="en-US" dirty="0"/>
+              <a:t>Tag Battery </a:t>
+            </a:r>
+            <a:r>
+              <a:rPr lang="en-US" dirty="0" smtClean="0"/>
+              <a:t>vs. Time at </a:t>
+            </a:r>
+            <a:r>
+              <a:rPr lang="en-US" smtClean="0"/>
+              <a:t>1ms Broadcast Interval</a:t>
+            </a:r>
+            <a:endParaRPr lang="en-US" dirty="0"/>
           </a:p>
         </c:rich>
       </c:tx>
@@ -132,18 +140,18 @@
     </c:title>
     <c:plotArea>
       <c:layout/>
-      <c:scatterChart>
-        <c:scatterStyle val="smoothMarker"/>
+      <c:lineChart>
+        <c:grouping val="standard"/>
         <c:ser>
-          <c:idx val="0"/>
+          <c:idx val="1"/>
           <c:order val="0"/>
           <c:tx>
             <c:strRef>
-              <c:f>Sheet1!$C$3</c:f>
+              <c:f>Sheet1!$B$1</c:f>
               <c:strCache>
                 <c:ptCount val="1"/>
                 <c:pt idx="0">
-                  <c:v>Voltage</c:v>
+                  <c:v>Voltage of battery (V)</c:v>
                 </c:pt>
               </c:strCache>
             </c:strRef>
@@ -151,211 +159,97 @@
           <c:marker>
             <c:symbol val="none"/>
           </c:marker>
-          <c:xVal>
+          <c:cat>
             <c:numRef>
-              <c:f>Sheet1!$B$4:$B$33</c:f>
+              <c:f>Sheet1!$A$2:$A$12</c:f>
               <c:numCache>
                 <c:formatCode>General</c:formatCode>
-                <c:ptCount val="30"/>
+                <c:ptCount val="11"/>
                 <c:pt idx="0">
-                  <c:v>1</c:v>
+                  <c:v>0</c:v>
                 </c:pt>
                 <c:pt idx="1">
-                  <c:v>2</c:v>
+                  <c:v>0</c:v>
                 </c:pt>
                 <c:pt idx="2">
-                  <c:v>3</c:v>
+                  <c:v>5</c:v>
                 </c:pt>
                 <c:pt idx="3">
-                  <c:v>4</c:v>
+                  <c:v>10</c:v>
                 </c:pt>
                 <c:pt idx="4">
-                  <c:v>5</c:v>
+                  <c:v>15</c:v>
                 </c:pt>
                 <c:pt idx="5">
-                  <c:v>6</c:v>
+                  <c:v>20</c:v>
                 </c:pt>
                 <c:pt idx="6">
-                  <c:v>7</c:v>
+                  <c:v>25</c:v>
                 </c:pt>
                 <c:pt idx="7">
-                  <c:v>8</c:v>
+                  <c:v>30</c:v>
                 </c:pt>
                 <c:pt idx="8">
-                  <c:v>9</c:v>
+                  <c:v>35</c:v>
                 </c:pt>
                 <c:pt idx="9">
-                  <c:v>10</c:v>
+                  <c:v>40</c:v>
                 </c:pt>
                 <c:pt idx="10">
-                  <c:v>11</c:v>
-                </c:pt>
-                <c:pt idx="11">
-                  <c:v>12</c:v>
-                </c:pt>
-                <c:pt idx="12">
-                  <c:v>13</c:v>
-                </c:pt>
-                <c:pt idx="13">
-                  <c:v>14</c:v>
-                </c:pt>
-                <c:pt idx="14">
-                  <c:v>15</c:v>
-                </c:pt>
-                <c:pt idx="15">
-                  <c:v>16</c:v>
-                </c:pt>
-                <c:pt idx="16">
-                  <c:v>17</c:v>
-                </c:pt>
-                <c:pt idx="17">
-                  <c:v>18</c:v>
-                </c:pt>
-                <c:pt idx="18">
-                  <c:v>19</c:v>
-                </c:pt>
-                <c:pt idx="19">
-                  <c:v>20</c:v>
-                </c:pt>
-                <c:pt idx="20">
-                  <c:v>21</c:v>
-                </c:pt>
-                <c:pt idx="21">
-                  <c:v>22</c:v>
-                </c:pt>
-                <c:pt idx="22">
-                  <c:v>23</c:v>
-                </c:pt>
-                <c:pt idx="23">
-                  <c:v>24</c:v>
-                </c:pt>
-                <c:pt idx="24">
-                  <c:v>25</c:v>
-                </c:pt>
-                <c:pt idx="25">
-                  <c:v>26</c:v>
-                </c:pt>
-                <c:pt idx="26">
-                  <c:v>27</c:v>
-                </c:pt>
-                <c:pt idx="27">
-                  <c:v>28</c:v>
-                </c:pt>
-                <c:pt idx="28">
-                  <c:v>29</c:v>
-                </c:pt>
-                <c:pt idx="29">
-                  <c:v>30</c:v>
+                  <c:v>42</c:v>
                 </c:pt>
               </c:numCache>
             </c:numRef>
-          </c:xVal>
-          <c:yVal>
+          </c:cat>
+          <c:val>
             <c:numRef>
-              <c:f>Sheet1!$C$4:$C$33</c:f>
+              <c:f>Sheet1!$B$2:$B$12</c:f>
               <c:numCache>
                 <c:formatCode>General</c:formatCode>
-                <c:ptCount val="30"/>
+                <c:ptCount val="11"/>
                 <c:pt idx="0">
-                  <c:v>5.8811920398405313</c:v>
+                  <c:v>6.52</c:v>
                 </c:pt>
                 <c:pt idx="1">
-                  <c:v>5.7647366349139375</c:v>
+                  <c:v>5.89</c:v>
                 </c:pt>
                 <c:pt idx="2">
-                  <c:v>5.6505872015054734</c:v>
+                  <c:v>5.04</c:v>
                 </c:pt>
                 <c:pt idx="3">
-                  <c:v>5.5386980783198174</c:v>
+                  <c:v>4.7699999999999996</c:v>
                 </c:pt>
                 <c:pt idx="4">
-                  <c:v>5.4290245082157478</c:v>
+                  <c:v>4.5</c:v>
                 </c:pt>
                 <c:pt idx="5">
-                  <c:v>5.3215226203029449</c:v>
+                  <c:v>4.1899999999999995</c:v>
                 </c:pt>
                 <c:pt idx="6">
-                  <c:v>5.2161494123928493</c:v>
+                  <c:v>3.75</c:v>
                 </c:pt>
                 <c:pt idx="7">
-                  <c:v>5.1128627337972681</c:v>
+                  <c:v>3.3699999999999997</c:v>
                 </c:pt>
                 <c:pt idx="8">
-                  <c:v>5.011621268467632</c:v>
+                  <c:v>3.24</c:v>
                 </c:pt>
                 <c:pt idx="9">
-                  <c:v>4.9123845184678796</c:v>
+                  <c:v>2.94</c:v>
                 </c:pt>
                 <c:pt idx="10">
-                  <c:v>4.8151127877748712</c:v>
-                </c:pt>
-                <c:pt idx="11">
-                  <c:v>4.7197671663993299</c:v>
-                </c:pt>
-                <c:pt idx="12">
-                  <c:v>4.6263095148213971</c:v>
-                </c:pt>
-                <c:pt idx="13">
-                  <c:v>4.534702448734353</c:v>
-                </c:pt>
-                <c:pt idx="14">
-                  <c:v>4.4449093240903084</c:v>
-                </c:pt>
-                <c:pt idx="15">
-                  <c:v>4.3568942224421452</c:v>
-                </c:pt>
-                <c:pt idx="16">
-                  <c:v>4.2706219365756581</c:v>
-                </c:pt>
-                <c:pt idx="17">
-                  <c:v>4.1860579564261782</c:v>
-                </c:pt>
-                <c:pt idx="18">
-                  <c:v>4.1031684552741465</c:v>
-                </c:pt>
-                <c:pt idx="19">
-                  <c:v>4.0219202762138355</c:v>
-                </c:pt>
-                <c:pt idx="20">
-                  <c:v>3.9422809188903405</c:v>
-                </c:pt>
-                <c:pt idx="21">
-                  <c:v>3.8642185264988429</c:v>
-                </c:pt>
-                <c:pt idx="22">
-                  <c:v>3.7877018730415619</c:v>
-                </c:pt>
-                <c:pt idx="23">
-                  <c:v>3.7127003508368448</c:v>
-                </c:pt>
-                <c:pt idx="24">
-                  <c:v>3.6391839582758005</c:v>
-                </c:pt>
-                <c:pt idx="25">
-                  <c:v>3.567123287821174</c:v>
-                </c:pt>
-                <c:pt idx="26">
-                  <c:v>3.4964895142439367</c:v>
-                </c:pt>
-                <c:pt idx="27">
-                  <c:v>3.4272543830928877</c:v>
-                </c:pt>
-                <c:pt idx="28">
-                  <c:v>3.3593901993924122</c:v>
-                </c:pt>
-                <c:pt idx="29">
-                  <c:v>3.2928698165641577</c:v>
+                  <c:v>2.7</c:v>
                 </c:pt>
               </c:numCache>
             </c:numRef>
-          </c:yVal>
-          <c:smooth val="1"/>
+          </c:val>
         </c:ser>
-        <c:axId val="54688768"/>
-        <c:axId val="59683968"/>
-      </c:scatterChart>
-      <c:valAx>
-        <c:axId val="54688768"/>
+        <c:marker val="1"/>
+        <c:axId val="59599104"/>
+        <c:axId val="56365440"/>
+      </c:lineChart>
+      <c:catAx>
+        <c:axId val="59599104"/>
         <c:scaling>
           <c:orientation val="minMax"/>
         </c:scaling>
@@ -371,13 +265,8 @@
                 </a:pPr>
                 <a:r>
                   <a:rPr lang="en-US"/>
-                  <a:t>Time</a:t>
+                  <a:t>Time (min)</a:t>
                 </a:r>
-                <a:r>
-                  <a:rPr lang="en-US" baseline="0"/>
-                  <a:t> (day)</a:t>
-                </a:r>
-                <a:endParaRPr lang="en-US"/>
               </a:p>
             </c:rich>
           </c:tx>
@@ -385,17 +274,30 @@
         </c:title>
         <c:numFmt formatCode="General" sourceLinked="1"/>
         <c:tickLblPos val="nextTo"/>
-        <c:crossAx val="59683968"/>
+        <c:crossAx val="56365440"/>
         <c:crosses val="autoZero"/>
-        <c:crossBetween val="midCat"/>
-      </c:valAx>
+        <c:auto val="1"/>
+        <c:lblAlgn val="ctr"/>
+        <c:lblOffset val="100"/>
+      </c:catAx>
       <c:valAx>
-        <c:axId val="59683968"/>
+        <c:axId val="56365440"/>
         <c:scaling>
           <c:orientation val="minMax"/>
+          <c:min val="0"/>
         </c:scaling>
         <c:axPos val="l"/>
-        <c:majorGridlines/>
+        <c:majorGridlines>
+          <c:spPr>
+            <a:ln>
+              <a:solidFill>
+                <a:schemeClr val="bg1">
+                  <a:lumMod val="85000"/>
+                </a:schemeClr>
+              </a:solidFill>
+            </a:ln>
+          </c:spPr>
+        </c:majorGridlines>
         <c:title>
           <c:tx>
             <c:rich>
@@ -406,10 +308,9 @@
                   <a:defRPr/>
                 </a:pPr>
                 <a:r>
-                  <a:rPr lang="en-US" baseline="0"/>
-                  <a:t>Supply voltage (V)</a:t>
+                  <a:rPr lang="en-US"/>
+                  <a:t>Voltage (V)</a:t>
                 </a:r>
-                <a:endParaRPr lang="en-US"/>
               </a:p>
             </c:rich>
           </c:tx>
@@ -417,17 +318,18 @@
         </c:title>
         <c:numFmt formatCode="General" sourceLinked="1"/>
         <c:tickLblPos val="nextTo"/>
-        <c:crossAx val="54688768"/>
+        <c:crossAx val="59599104"/>
         <c:crosses val="autoZero"/>
-        <c:crossBetween val="midCat"/>
+        <c:crossBetween val="between"/>
       </c:valAx>
     </c:plotArea>
-    <c:legend>
-      <c:legendPos val="r"/>
-      <c:layout/>
-    </c:legend>
     <c:plotVisOnly val="1"/>
   </c:chart>
+  <c:spPr>
+    <a:ln>
+      <a:noFill/>
+    </a:ln>
+  </c:spPr>
   <c:externalData r:id="rId1"/>
 </c:chartSpace>
 </file>
@@ -3672,7 +3574,7 @@
               <a:pPr algn="just"/>
               <a:r>
                 <a:rPr lang="en-US" sz="3200" dirty="0" smtClean="0"/>
-                <a:t>Intel's large and complex validation labs contain many Testing Interface Unit's(TIU) used in validating hardware. A TIU is a custom PCB that provides test points that a testing machine can probe.  Since the hardware to be tested is varied, there exists a variety of different TIU's, and as such, finding a particular TIU is useful because, previously, the testing machine had to be broken down to identify the TIU it was using. The guiding requirements are that the system must be </a:t>
+                <a:t>Intel's large and complex validation labs contain many Test Interface Units (TIUs) used in validating hardware. A TIU is a custom PCB that provides test points that a testing machine can probe.  Since the hardware to be tested is varied, there exists a variety of different TIU's, and as such, finding a particular TIU is useful because, previously, the testing machine had to be broken down to identify the TIU it was using. The guiding requirements are that the system must be </a:t>
               </a:r>
               <a:r>
                 <a:rPr lang="en-US" sz="3200" b="1" dirty="0" smtClean="0"/>
@@ -3831,7 +3733,7 @@
         </p:nvSpPr>
         <p:spPr>
           <a:xfrm>
-            <a:off x="30175200" y="26060400"/>
+            <a:off x="30175200" y="25450800"/>
             <a:ext cx="9448800" cy="990600"/>
           </a:xfrm>
           <a:prstGeom prst="rect">
@@ -3897,7 +3799,7 @@
         </p:blipFill>
         <p:spPr bwMode="auto">
           <a:xfrm>
-            <a:off x="29931048" y="20634958"/>
+            <a:off x="29870400" y="20650200"/>
             <a:ext cx="6551175" cy="4892042"/>
           </a:xfrm>
           <a:prstGeom prst="rect">
@@ -3917,8 +3819,8 @@
         </p:nvSpPr>
         <p:spPr>
           <a:xfrm>
-            <a:off x="30175200" y="26898600"/>
-            <a:ext cx="11353800" cy="2154436"/>
+            <a:off x="30175200" y="26289000"/>
+            <a:ext cx="11353800" cy="2646878"/>
           </a:xfrm>
           <a:prstGeom prst="rect">
             <a:avLst/>
@@ -3937,7 +3839,7 @@
                 <a:ea typeface="Ebrima" pitchFamily="2" charset="0"/>
                 <a:cs typeface="Ebrima" pitchFamily="2" charset="0"/>
               </a:rPr>
-              <a:t>The accuracy of the tracking system needs to be enhanced  by considering antenna design and advanced locating algorithm. Noise filter can be implemented on both hardware and software to achieve desired performance.</a:t>
+              <a:t>The system has met two of three important requirements, i.e. size and power. However, the accuracy still needs to be enhanced  by considering antenna design and other advanced locating algorithms. Noise filter can be implemented on both hardware and software to achieve desired performance.</a:t>
             </a:r>
             <a:endParaRPr lang="en-US" dirty="0"/>
           </a:p>
@@ -4038,19 +3940,8 @@
                 <a:ea typeface="Ebrima" pitchFamily="2" charset="0"/>
                 <a:cs typeface="Ebrima" pitchFamily="2" charset="0"/>
               </a:rPr>
-              <a:t>Cost: </a:t>
-            </a:r>
-            <a:r>
-              <a:rPr lang="en-US" sz="3200" dirty="0" smtClean="0">
-                <a:ea typeface="Ebrima" pitchFamily="2" charset="0"/>
-                <a:cs typeface="Ebrima" pitchFamily="2" charset="0"/>
-              </a:rPr>
-              <a:t>$25</a:t>
-            </a:r>
-            <a:endParaRPr lang="en-US" sz="3200" dirty="0" smtClean="0">
-              <a:ea typeface="Ebrima" pitchFamily="2" charset="0"/>
-              <a:cs typeface="Ebrima" pitchFamily="2" charset="0"/>
-            </a:endParaRPr>
+              <a:t>Cost: $25</a:t>
+            </a:r>
           </a:p>
         </p:txBody>
       </p:sp>
@@ -4172,19 +4063,8 @@
                 <a:ea typeface="Ebrima" pitchFamily="2" charset="0"/>
                 <a:cs typeface="Ebrima" pitchFamily="2" charset="0"/>
               </a:rPr>
-              <a:t>Cost : </a:t>
-            </a:r>
-            <a:r>
-              <a:rPr lang="en-US" sz="3200" dirty="0" smtClean="0">
-                <a:ea typeface="Ebrima" pitchFamily="2" charset="0"/>
-                <a:cs typeface="Ebrima" pitchFamily="2" charset="0"/>
-              </a:rPr>
-              <a:t>$32</a:t>
-            </a:r>
-            <a:endParaRPr lang="en-US" sz="3200" dirty="0" smtClean="0">
-              <a:ea typeface="Ebrima" pitchFamily="2" charset="0"/>
-              <a:cs typeface="Ebrima" pitchFamily="2" charset="0"/>
-            </a:endParaRPr>
+              <a:t>Cost : $32</a:t>
+            </a:r>
           </a:p>
         </p:txBody>
       </p:sp>
@@ -4250,22 +4130,6 @@
           <a:noFill/>
         </p:spPr>
       </p:pic>
-      <p:graphicFrame>
-        <p:nvGraphicFramePr>
-          <p:cNvPr id="68" name="Chart 67"/>
-          <p:cNvGraphicFramePr/>
-          <p:nvPr/>
-        </p:nvGraphicFramePr>
-        <p:xfrm>
-          <a:off x="36331848" y="20863558"/>
-          <a:ext cx="6721152" cy="4358642"/>
-        </p:xfrm>
-        <a:graphic>
-          <a:graphicData uri="http://schemas.openxmlformats.org/drawingml/2006/chart">
-            <c:chart xmlns:c="http://schemas.openxmlformats.org/drawingml/2006/chart" xmlns:r="http://schemas.openxmlformats.org/officeDocument/2006/relationships" r:id="rId7"/>
-          </a:graphicData>
-        </a:graphic>
-      </p:graphicFrame>
       <p:pic>
         <p:nvPicPr>
           <p:cNvPr id="2051" name="Picture 3" descr="C:\Users\WOODY\Desktop\javaapp.png"/>
@@ -4275,7 +4139,7 @@
           <p:nvPr/>
         </p:nvPicPr>
         <p:blipFill>
-          <a:blip r:embed="rId8" cstate="print"/>
+          <a:blip r:embed="rId7" cstate="print"/>
           <a:srcRect/>
           <a:stretch>
             <a:fillRect/>
@@ -4590,7 +4454,7 @@
         </p:nvCxnSpPr>
         <p:spPr>
           <a:xfrm rot="10800000">
-            <a:off x="8534400" y="29794200"/>
+            <a:off x="8534400" y="29718000"/>
             <a:ext cx="5105400" cy="0"/>
           </a:xfrm>
           <a:prstGeom prst="line">
@@ -4628,7 +4492,7 @@
         </p:nvCxnSpPr>
         <p:spPr>
           <a:xfrm rot="5400000">
-            <a:off x="10210800" y="27127200"/>
+            <a:off x="10210800" y="27203400"/>
             <a:ext cx="5486400" cy="0"/>
           </a:xfrm>
           <a:prstGeom prst="line">
@@ -4666,7 +4530,7 @@
         </p:nvCxnSpPr>
         <p:spPr>
           <a:xfrm rot="10800000">
-            <a:off x="9220200" y="29565600"/>
+            <a:off x="9448800" y="29489400"/>
             <a:ext cx="3962400" cy="0"/>
           </a:xfrm>
           <a:prstGeom prst="line">
@@ -4933,7 +4797,7 @@
           <p:nvPr/>
         </p:nvPicPr>
         <p:blipFill>
-          <a:blip r:embed="rId9" cstate="print"/>
+          <a:blip r:embed="rId8" cstate="print"/>
           <a:stretch>
             <a:fillRect/>
           </a:stretch>
@@ -5061,7 +4925,7 @@
           <p:nvPr/>
         </p:nvPicPr>
         <p:blipFill>
-          <a:blip r:embed="rId10" cstate="print">
+          <a:blip r:embed="rId9" cstate="print">
             <a:clrChange>
               <a:clrFrom>
                 <a:srgbClr val="FFFFFF"/>
@@ -5455,7 +5319,7 @@
         <p:spPr>
           <a:xfrm>
             <a:off x="1280160" y="11887200"/>
-            <a:ext cx="10515600" cy="14157722"/>
+            <a:ext cx="10515600" cy="9017853"/>
           </a:xfrm>
           <a:prstGeom prst="rect">
             <a:avLst/>
@@ -5468,10 +5332,14 @@
           </a:bodyPr>
           <a:lstStyle/>
           <a:p>
-            <a:pPr algn="just"/>
+            <a:pPr algn="just">
+              <a:spcAft>
+                <a:spcPts val="1800"/>
+              </a:spcAft>
+            </a:pPr>
             <a:r>
               <a:rPr lang="en-US" sz="3200" dirty="0" smtClean="0"/>
-              <a:t>Our system uses an RF transceiver mesh network to track mobile assets indoors. The system determines an asset’s current location by matching the RF fingerprint, based on signal strength, of a Tags periodic broadcasts with previously collected fingerprints stored in a database.</a:t>
+              <a:t>Our system uses an RF transceiver mesh network to track mobile assets indoors. The system determines an asset’s current location by matching the RF fingerprint, based on signal strength, of a tag’s periodic broadcasts with previously collected fingerprints stored in a database.</a:t>
             </a:r>
           </a:p>
           <a:p>
@@ -5493,111 +5361,22 @@
             <a:pPr algn="just"/>
             <a:r>
               <a:rPr lang="en-US" sz="3200" dirty="0" smtClean="0"/>
-              <a:t>Radio Received Signal Strength Indication (RSSI) is a measurement of the amount of power received by antenna. Theoretically, distances can be approximated based on the relationship between transmitted and received signal strength.</a:t>
-            </a:r>
-          </a:p>
-          <a:p>
-            <a:pPr algn="just"/>
+              <a:t>Radio Received Signal Strength Indication (RSSI) is a measurement of the amount of power received by an antenna. We based our system on RF signal strength because alternative choices such as GPS, IR, and Acoustics either cannot work indoors, or requires line of sight. Also, low power RF transceivers are readily available.</a:t>
+            </a:r>
+          </a:p>
+          <a:p>
+            <a:pPr algn="just">
+              <a:spcBef>
+                <a:spcPts val="1800"/>
+              </a:spcBef>
+            </a:pPr>
             <a:r>
               <a:rPr lang="en-US" sz="3200" dirty="0" smtClean="0"/>
-              <a:t>We based our system on RF signal strength because alternative choices such as GPS, IR, and Acoustics either cannot work indoors, or requires line of sight. Also, low power RF transceivers are readily available.</a:t>
-            </a:r>
-          </a:p>
-          <a:p>
-            <a:pPr algn="just"/>
-            <a:endParaRPr lang="en-US" sz="3200" dirty="0" smtClean="0"/>
-          </a:p>
-          <a:p>
-            <a:pPr algn="just"/>
-            <a:endParaRPr lang="en-US" sz="3200" dirty="0" smtClean="0"/>
-          </a:p>
-          <a:p>
-            <a:pPr algn="just"/>
-            <a:endParaRPr lang="en-US" sz="3200" dirty="0" smtClean="0"/>
-          </a:p>
-          <a:p>
-            <a:pPr algn="just"/>
-            <a:endParaRPr lang="en-US" sz="3200" dirty="0" smtClean="0"/>
-          </a:p>
-          <a:p>
-            <a:r>
-              <a:rPr lang="en-US" sz="2800" dirty="0" smtClean="0"/>
-              <a:t>     - Where d is the Euclidean distance between calibrated RSSI vectors  </a:t>
-            </a:r>
-          </a:p>
-          <a:p>
-            <a:r>
-              <a:rPr lang="en-US" sz="2800" dirty="0" smtClean="0"/>
-              <a:t>     and located RSSI vector.</a:t>
-            </a:r>
-          </a:p>
-          <a:p>
-            <a:r>
-              <a:rPr lang="en-US" sz="2800" dirty="0" smtClean="0"/>
-              <a:t>     - </a:t>
-            </a:r>
-            <a:r>
-              <a:rPr lang="en-US" sz="2800" dirty="0" err="1" smtClean="0"/>
-              <a:t>RSSI</a:t>
-            </a:r>
-            <a:r>
-              <a:rPr lang="en-US" sz="2800" baseline="-25000" dirty="0" err="1" smtClean="0"/>
-              <a:t>ci</a:t>
-            </a:r>
-            <a:r>
-              <a:rPr lang="en-US" sz="2800" dirty="0" smtClean="0"/>
-              <a:t> is RSSI signal received by detector </a:t>
-            </a:r>
-            <a:r>
-              <a:rPr lang="en-US" sz="2800" dirty="0" err="1" smtClean="0"/>
-              <a:t>i</a:t>
-            </a:r>
-            <a:r>
-              <a:rPr lang="en-US" sz="2800" dirty="0" smtClean="0"/>
-              <a:t> in calibrating phase</a:t>
-            </a:r>
-          </a:p>
-          <a:p>
-            <a:r>
-              <a:rPr lang="en-US" sz="2800" dirty="0" smtClean="0"/>
-              <a:t>     - </a:t>
-            </a:r>
-            <a:r>
-              <a:rPr lang="en-US" sz="2800" dirty="0" err="1" smtClean="0"/>
-              <a:t>RSSI</a:t>
-            </a:r>
-            <a:r>
-              <a:rPr lang="en-US" sz="2800" baseline="-25000" dirty="0" err="1" smtClean="0"/>
-              <a:t>li</a:t>
-            </a:r>
-            <a:r>
-              <a:rPr lang="en-US" sz="2800" dirty="0" smtClean="0"/>
-              <a:t> </a:t>
-            </a:r>
-            <a:r>
-              <a:rPr lang="en-US" sz="2800" dirty="0" smtClean="0"/>
-              <a:t>is RSSI value received by detector I in locating phase</a:t>
-            </a:r>
-          </a:p>
-          <a:p>
-            <a:r>
-              <a:rPr lang="en-US" sz="2800" dirty="0" smtClean="0"/>
-              <a:t>     - m is the number of detectors </a:t>
-            </a:r>
-            <a:r>
-              <a:rPr lang="en-US" sz="2800" dirty="0" smtClean="0"/>
-              <a:t>participating </a:t>
-            </a:r>
-            <a:r>
-              <a:rPr lang="en-US" sz="2800" dirty="0" smtClean="0"/>
-              <a:t>into the locating phase</a:t>
-            </a:r>
-          </a:p>
-          <a:p>
-            <a:pPr algn="just"/>
+              <a:t>For </a:t>
+            </a:r>
             <a:r>
               <a:rPr lang="en-US" sz="3200" dirty="0" smtClean="0"/>
-              <a:t>For scalability, a </a:t>
+              <a:t>scalability, a </a:t>
             </a:r>
             <a:r>
               <a:rPr lang="en-US" sz="3200" b="1" dirty="0" smtClean="0"/>
@@ -5677,15 +5456,26 @@
           <p:nvPr/>
         </p:nvPicPr>
         <p:blipFill>
-          <a:blip r:embed="rId11" cstate="print"/>
+          <a:blip r:embed="rId10" cstate="print">
+            <a:clrChange>
+              <a:clrFrom>
+                <a:srgbClr val="FFFFFF"/>
+              </a:clrFrom>
+              <a:clrTo>
+                <a:srgbClr val="FFFFFF">
+                  <a:alpha val="0"/>
+                </a:srgbClr>
+              </a:clrTo>
+            </a:clrChange>
+          </a:blip>
           <a:stretch>
             <a:fillRect/>
           </a:stretch>
         </p:blipFill>
         <p:spPr bwMode="auto">
           <a:xfrm>
-            <a:off x="2651540" y="25298400"/>
-            <a:ext cx="7940260" cy="3929383"/>
+            <a:off x="1412748" y="21945599"/>
+            <a:ext cx="10245852" cy="5070348"/>
           </a:xfrm>
           <a:prstGeom prst="rect">
             <a:avLst/>
@@ -5701,7 +5491,7 @@
         </p:nvSpPr>
         <p:spPr>
           <a:xfrm>
-            <a:off x="3657912" y="29108400"/>
+            <a:off x="3825772" y="27203400"/>
             <a:ext cx="5105400" cy="990600"/>
           </a:xfrm>
           <a:prstGeom prst="rect">
@@ -5780,7 +5570,7 @@
             <p:nvPr/>
           </p:nvPicPr>
           <p:blipFill>
-            <a:blip r:embed="rId12" cstate="print"/>
+            <a:blip r:embed="rId11" cstate="print"/>
             <a:stretch>
               <a:fillRect/>
             </a:stretch>
@@ -5818,7 +5608,7 @@
               <p:nvPr/>
             </p:nvPicPr>
             <p:blipFill>
-              <a:blip r:embed="rId13" cstate="print"/>
+              <a:blip r:embed="rId12" cstate="print"/>
               <a:stretch>
                 <a:fillRect/>
               </a:stretch>
@@ -5905,7 +5695,7 @@
               <p:nvPr/>
             </p:nvPicPr>
             <p:blipFill>
-              <a:blip r:embed="rId12" cstate="print"/>
+              <a:blip r:embed="rId11" cstate="print"/>
               <a:stretch>
                 <a:fillRect/>
               </a:stretch>
@@ -5978,7 +5768,7 @@
             <p:nvPr/>
           </p:nvPicPr>
           <p:blipFill>
-            <a:blip r:embed="rId14" cstate="print"/>
+            <a:blip r:embed="rId13" cstate="print"/>
             <a:stretch>
               <a:fillRect/>
             </a:stretch>
@@ -6050,7 +5840,7 @@
             <p:nvPr/>
           </p:nvPicPr>
           <p:blipFill>
-            <a:blip r:embed="rId12" cstate="print"/>
+            <a:blip r:embed="rId11" cstate="print"/>
             <a:stretch>
               <a:fillRect/>
             </a:stretch>
@@ -6088,7 +5878,7 @@
               <p:nvPr/>
             </p:nvPicPr>
             <p:blipFill>
-              <a:blip r:embed="rId15" cstate="print"/>
+              <a:blip r:embed="rId14" cstate="print"/>
               <a:srcRect/>
               <a:stretch>
                 <a:fillRect/>
@@ -6114,7 +5904,7 @@
               <p:nvPr/>
             </p:nvPicPr>
             <p:blipFill>
-              <a:blip r:embed="rId16" cstate="print"/>
+              <a:blip r:embed="rId15" cstate="print"/>
               <a:srcRect/>
               <a:stretch>
                 <a:fillRect/>
@@ -6203,7 +5993,7 @@
               <p:nvPr/>
             </p:nvPicPr>
             <p:blipFill>
-              <a:blip r:embed="rId17" cstate="print"/>
+              <a:blip r:embed="rId16" cstate="print"/>
               <a:srcRect/>
               <a:stretch>
                 <a:fillRect/>
@@ -6229,7 +6019,7 @@
               <p:nvPr/>
             </p:nvPicPr>
             <p:blipFill>
-              <a:blip r:embed="rId18" cstate="print"/>
+              <a:blip r:embed="rId17" cstate="print"/>
               <a:srcRect/>
               <a:stretch>
                 <a:fillRect/>
@@ -6318,7 +6108,7 @@
               <p:nvPr/>
             </p:nvPicPr>
             <p:blipFill>
-              <a:blip r:embed="rId13" cstate="print"/>
+              <a:blip r:embed="rId12" cstate="print"/>
               <a:stretch>
                 <a:fillRect/>
               </a:stretch>
@@ -6697,7 +6487,7 @@
             <p:nvPr/>
           </p:nvPicPr>
           <p:blipFill>
-            <a:blip r:embed="rId12" cstate="print"/>
+            <a:blip r:embed="rId11" cstate="print"/>
             <a:stretch>
               <a:fillRect/>
             </a:stretch>
@@ -6721,7 +6511,7 @@
             <p:nvPr/>
           </p:nvPicPr>
           <p:blipFill>
-            <a:blip r:embed="rId19" cstate="print">
+            <a:blip r:embed="rId18" cstate="print">
               <a:clrChange>
                 <a:clrFrom>
                   <a:srgbClr val="FFFFFF"/>
@@ -6758,7 +6548,7 @@
             <p:nvPr/>
           </p:nvPicPr>
           <p:blipFill>
-            <a:blip r:embed="rId19" cstate="print">
+            <a:blip r:embed="rId18" cstate="print">
               <a:clrChange>
                 <a:clrFrom>
                   <a:srgbClr val="FFFFFF"/>
@@ -6795,7 +6585,7 @@
             <p:nvPr/>
           </p:nvPicPr>
           <p:blipFill>
-            <a:blip r:embed="rId19" cstate="print">
+            <a:blip r:embed="rId18" cstate="print">
               <a:clrChange>
                 <a:clrFrom>
                   <a:srgbClr val="FFFFFF"/>
@@ -6832,7 +6622,7 @@
             <p:nvPr/>
           </p:nvPicPr>
           <p:blipFill>
-            <a:blip r:embed="rId19" cstate="print">
+            <a:blip r:embed="rId18" cstate="print">
               <a:clrChange>
                 <a:clrFrom>
                   <a:srgbClr val="FFFFFF"/>
@@ -7225,7 +7015,7 @@
               <p:nvPr/>
             </p:nvPicPr>
             <p:blipFill>
-              <a:blip r:embed="rId20" cstate="print"/>
+              <a:blip r:embed="rId19" cstate="print"/>
               <a:stretch>
                 <a:fillRect/>
               </a:stretch>
@@ -7317,7 +7107,7 @@
                 <p:nvPr/>
               </p:nvPicPr>
               <p:blipFill>
-                <a:blip r:embed="rId21" cstate="print"/>
+                <a:blip r:embed="rId20" cstate="print"/>
                 <a:srcRect/>
                 <a:stretch>
                   <a:fillRect/>
@@ -7343,7 +7133,7 @@
                 <p:nvPr/>
               </p:nvPicPr>
               <p:blipFill>
-                <a:blip r:embed="rId22" cstate="print"/>
+                <a:blip r:embed="rId21" cstate="print"/>
                 <a:srcRect/>
                 <a:stretch>
                   <a:fillRect/>
@@ -7498,7 +7288,7 @@
         <p:spPr>
           <a:xfrm>
             <a:off x="14020800" y="13716595"/>
-            <a:ext cx="7589520" cy="15696605"/>
+            <a:ext cx="7589520" cy="15204162"/>
           </a:xfrm>
           <a:prstGeom prst="rect">
             <a:avLst/>
@@ -7550,20 +7340,7 @@
                 <a:ea typeface="Ebrima" pitchFamily="2" charset="0"/>
                 <a:cs typeface="Ebrima" pitchFamily="2" charset="0"/>
               </a:rPr>
-              <a:t>Primary link between the mesh network and the back end infrastructure</a:t>
-            </a:r>
-          </a:p>
-          <a:p>
-            <a:pPr marL="225425" indent="-225425">
-              <a:buFont typeface="Arial" pitchFamily="34" charset="0"/>
-              <a:buChar char="•"/>
-            </a:pPr>
-            <a:r>
-              <a:rPr lang="en-US" sz="3200" dirty="0" smtClean="0">
-                <a:ea typeface="Ebrima" pitchFamily="2" charset="0"/>
-                <a:cs typeface="Ebrima" pitchFamily="2" charset="0"/>
-              </a:rPr>
-              <a:t>Communicates with mesh network</a:t>
+              <a:t>Receives RSSI and battery data from the mesh network</a:t>
             </a:r>
           </a:p>
           <a:p>
@@ -7686,7 +7463,7 @@
                 <a:ea typeface="Ebrima" pitchFamily="2" charset="0"/>
                 <a:cs typeface="Ebrima" pitchFamily="2" charset="0"/>
               </a:rPr>
-              <a:t>Show battery level of all elements in the mesh network</a:t>
+              <a:t>Display locations and battery levels of all tags and detectors</a:t>
             </a:r>
           </a:p>
           <a:p>
@@ -7699,7 +7476,7 @@
                 <a:ea typeface="Ebrima" pitchFamily="2" charset="0"/>
                 <a:cs typeface="Ebrima" pitchFamily="2" charset="0"/>
               </a:rPr>
-              <a:t>Configure tag and detector</a:t>
+              <a:t>Configure tags and detectors</a:t>
             </a:r>
           </a:p>
           <a:p>
@@ -7712,7 +7489,7 @@
                 <a:ea typeface="Ebrima" pitchFamily="2" charset="0"/>
                 <a:cs typeface="Ebrima" pitchFamily="2" charset="0"/>
               </a:rPr>
-              <a:t>Configure geometry of tracking area</a:t>
+              <a:t>Configure the geometry of the tracking area</a:t>
             </a:r>
           </a:p>
           <a:p>
@@ -7954,7 +7731,7 @@
                 <a:ea typeface="Ebrima" pitchFamily="2" charset="0"/>
                 <a:cs typeface="Ebrima" pitchFamily="2" charset="0"/>
               </a:rPr>
-              <a:t>Receives data from the mesh network and relays data to the controller</a:t>
+              <a:t>Receives data from the mesh network and relays them to the controller</a:t>
             </a:r>
           </a:p>
         </p:txBody>
@@ -7999,43 +7776,6 @@
       </p:sp>
       <p:pic>
         <p:nvPicPr>
-          <p:cNvPr id="1025" name="Picture 1"/>
-          <p:cNvPicPr>
-            <a:picLocks noChangeAspect="1" noChangeArrowheads="1"/>
-          </p:cNvPicPr>
-          <p:nvPr/>
-        </p:nvPicPr>
-        <p:blipFill>
-          <a:blip r:embed="rId23">
-            <a:clrChange>
-              <a:clrFrom>
-                <a:srgbClr val="FFFFFF"/>
-              </a:clrFrom>
-              <a:clrTo>
-                <a:srgbClr val="FFFFFF">
-                  <a:alpha val="0"/>
-                </a:srgbClr>
-              </a:clrTo>
-            </a:clrChange>
-          </a:blip>
-          <a:srcRect/>
-          <a:stretch>
-            <a:fillRect/>
-          </a:stretch>
-        </p:blipFill>
-        <p:spPr bwMode="auto">
-          <a:xfrm>
-            <a:off x="3657600" y="18821400"/>
-            <a:ext cx="5029200" cy="1900387"/>
-          </a:xfrm>
-          <a:prstGeom prst="rect">
-            <a:avLst/>
-          </a:prstGeom>
-          <a:noFill/>
-        </p:spPr>
-      </p:pic>
-      <p:pic>
-        <p:nvPicPr>
           <p:cNvPr id="109" name="Picture 2"/>
           <p:cNvPicPr>
             <a:picLocks noChangeAspect="1" noChangeArrowheads="1"/>
@@ -8043,7 +7783,7 @@
           <p:nvPr/>
         </p:nvPicPr>
         <p:blipFill>
-          <a:blip r:embed="rId24" cstate="print"/>
+          <a:blip r:embed="rId22" cstate="print"/>
           <a:srcRect r="2005" b="18750"/>
           <a:stretch>
             <a:fillRect/>
@@ -8073,6 +7813,174 @@
           </a:effectLst>
         </p:spPr>
       </p:pic>
+      <p:sp>
+        <p:nvSpPr>
+          <p:cNvPr id="2" name="Rectangle 4"/>
+          <p:cNvSpPr>
+            <a:spLocks noChangeArrowheads="1"/>
+          </p:cNvSpPr>
+          <p:nvPr/>
+        </p:nvSpPr>
+        <p:spPr bwMode="auto">
+          <a:xfrm>
+            <a:off x="0" y="0"/>
+            <a:ext cx="43891200" cy="0"/>
+          </a:xfrm>
+          <a:prstGeom prst="rect">
+            <a:avLst/>
+          </a:prstGeom>
+          <a:noFill/>
+          <a:ln w="9525">
+            <a:noFill/>
+            <a:miter lim="800000"/>
+            <a:headEnd/>
+            <a:tailEnd/>
+          </a:ln>
+          <a:effectLst/>
+        </p:spPr>
+        <p:txBody>
+          <a:bodyPr vert="horz" wrap="none" lIns="91440" tIns="45720" rIns="91440" bIns="45720" numCol="1" anchor="ctr" anchorCtr="0" compatLnSpc="1">
+            <a:prstTxWarp prst="textNoShape">
+              <a:avLst/>
+            </a:prstTxWarp>
+            <a:spAutoFit/>
+          </a:bodyPr>
+          <a:lstStyle/>
+          <a:p>
+            <a:endParaRPr lang="en-US"/>
+          </a:p>
+        </p:txBody>
+      </p:sp>
+      <p:sp>
+        <p:nvSpPr>
+          <p:cNvPr id="1030" name="Rectangle 6"/>
+          <p:cNvSpPr>
+            <a:spLocks noChangeArrowheads="1"/>
+          </p:cNvSpPr>
+          <p:nvPr/>
+        </p:nvSpPr>
+        <p:spPr bwMode="auto">
+          <a:xfrm>
+            <a:off x="0" y="0"/>
+            <a:ext cx="43891200" cy="0"/>
+          </a:xfrm>
+          <a:prstGeom prst="rect">
+            <a:avLst/>
+          </a:prstGeom>
+          <a:noFill/>
+          <a:ln w="9525">
+            <a:noFill/>
+            <a:miter lim="800000"/>
+            <a:headEnd/>
+            <a:tailEnd/>
+          </a:ln>
+          <a:effectLst/>
+        </p:spPr>
+        <p:txBody>
+          <a:bodyPr vert="horz" wrap="none" lIns="91440" tIns="45720" rIns="91440" bIns="45720" numCol="1" anchor="ctr" anchorCtr="0" compatLnSpc="1">
+            <a:prstTxWarp prst="textNoShape">
+              <a:avLst/>
+            </a:prstTxWarp>
+            <a:spAutoFit/>
+          </a:bodyPr>
+          <a:lstStyle/>
+          <a:p>
+            <a:endParaRPr lang="en-US"/>
+          </a:p>
+        </p:txBody>
+      </p:sp>
+      <p:sp>
+        <p:nvSpPr>
+          <p:cNvPr id="1032" name="Rectangle 8"/>
+          <p:cNvSpPr>
+            <a:spLocks noChangeArrowheads="1"/>
+          </p:cNvSpPr>
+          <p:nvPr/>
+        </p:nvSpPr>
+        <p:spPr bwMode="auto">
+          <a:xfrm>
+            <a:off x="0" y="0"/>
+            <a:ext cx="43891200" cy="0"/>
+          </a:xfrm>
+          <a:prstGeom prst="rect">
+            <a:avLst/>
+          </a:prstGeom>
+          <a:noFill/>
+          <a:ln w="9525">
+            <a:noFill/>
+            <a:miter lim="800000"/>
+            <a:headEnd/>
+            <a:tailEnd/>
+          </a:ln>
+          <a:effectLst/>
+        </p:spPr>
+        <p:txBody>
+          <a:bodyPr vert="horz" wrap="none" lIns="91440" tIns="45720" rIns="91440" bIns="45720" numCol="1" anchor="ctr" anchorCtr="0" compatLnSpc="1">
+            <a:prstTxWarp prst="textNoShape">
+              <a:avLst/>
+            </a:prstTxWarp>
+            <a:spAutoFit/>
+          </a:bodyPr>
+          <a:lstStyle/>
+          <a:p>
+            <a:endParaRPr lang="en-US"/>
+          </a:p>
+        </p:txBody>
+      </p:sp>
+      <p:sp>
+        <p:nvSpPr>
+          <p:cNvPr id="1043" name="Rectangle 19"/>
+          <p:cNvSpPr>
+            <a:spLocks noChangeArrowheads="1"/>
+          </p:cNvSpPr>
+          <p:nvPr/>
+        </p:nvSpPr>
+        <p:spPr bwMode="auto">
+          <a:xfrm>
+            <a:off x="0" y="0"/>
+            <a:ext cx="43891200" cy="0"/>
+          </a:xfrm>
+          <a:prstGeom prst="rect">
+            <a:avLst/>
+          </a:prstGeom>
+          <a:noFill/>
+          <a:ln w="9525">
+            <a:noFill/>
+            <a:miter lim="800000"/>
+            <a:headEnd/>
+            <a:tailEnd/>
+          </a:ln>
+          <a:effectLst/>
+        </p:spPr>
+        <p:txBody>
+          <a:bodyPr vert="horz" wrap="none" lIns="91440" tIns="45720" rIns="91440" bIns="45720" numCol="1" anchor="ctr" anchorCtr="0" compatLnSpc="1">
+            <a:prstTxWarp prst="textNoShape">
+              <a:avLst/>
+            </a:prstTxWarp>
+            <a:spAutoFit/>
+          </a:bodyPr>
+          <a:lstStyle/>
+          <a:p>
+            <a:endParaRPr lang="en-US"/>
+          </a:p>
+        </p:txBody>
+      </p:sp>
+      <p:graphicFrame>
+        <p:nvGraphicFramePr>
+          <p:cNvPr id="127" name="Chart 126"/>
+          <p:cNvGraphicFramePr/>
+          <p:nvPr/>
+        </p:nvGraphicFramePr>
+        <p:xfrm>
+          <a:off x="36576000" y="20802600"/>
+          <a:ext cx="6248400" cy="4495800"/>
+        </p:xfrm>
+        <a:graphic>
+          <a:graphicData uri="http://schemas.openxmlformats.org/drawingml/2006/chart">
+            <c:chart xmlns:c="http://schemas.openxmlformats.org/drawingml/2006/chart" xmlns:r="http://schemas.openxmlformats.org/officeDocument/2006/relationships" r:id="rId23"/>
+          </a:graphicData>
+        </a:graphic>
+      </p:graphicFrame>
     </p:spTree>
   </p:cSld>
   <p:clrMapOvr>

--- a/Docs/TIU_Tracking_Poster_v9.pptx
+++ b/Docs/TIU_Tracking_Poster_v9.pptx
@@ -245,11 +245,11 @@
           </c:val>
         </c:ser>
         <c:marker val="1"/>
-        <c:axId val="59599104"/>
-        <c:axId val="56365440"/>
+        <c:axId val="64713856"/>
+        <c:axId val="64715776"/>
       </c:lineChart>
       <c:catAx>
-        <c:axId val="59599104"/>
+        <c:axId val="64713856"/>
         <c:scaling>
           <c:orientation val="minMax"/>
         </c:scaling>
@@ -274,14 +274,14 @@
         </c:title>
         <c:numFmt formatCode="General" sourceLinked="1"/>
         <c:tickLblPos val="nextTo"/>
-        <c:crossAx val="56365440"/>
+        <c:crossAx val="64715776"/>
         <c:crosses val="autoZero"/>
         <c:auto val="1"/>
         <c:lblAlgn val="ctr"/>
         <c:lblOffset val="100"/>
       </c:catAx>
       <c:valAx>
-        <c:axId val="56365440"/>
+        <c:axId val="64715776"/>
         <c:scaling>
           <c:orientation val="minMax"/>
           <c:min val="0"/>
@@ -318,7 +318,7 @@
         </c:title>
         <c:numFmt formatCode="General" sourceLinked="1"/>
         <c:tickLblPos val="nextTo"/>
-        <c:crossAx val="59599104"/>
+        <c:crossAx val="64713856"/>
         <c:crosses val="autoZero"/>
         <c:crossBetween val="between"/>
       </c:valAx>
@@ -330,6 +330,342 @@
       <a:noFill/>
     </a:ln>
   </c:spPr>
+  <c:externalData r:id="rId1"/>
+</c:chartSpace>
+</file>
+
+<file path=ppt/charts/chart2.xml><?xml version="1.0" encoding="utf-8"?>
+<c:chartSpace xmlns:c="http://schemas.openxmlformats.org/drawingml/2006/chart" xmlns:a="http://schemas.openxmlformats.org/drawingml/2006/main" xmlns:r="http://schemas.openxmlformats.org/officeDocument/2006/relationships">
+  <c:lang val="en-US"/>
+  <c:chart>
+    <c:title>
+      <c:tx>
+        <c:rich>
+          <a:bodyPr/>
+          <a:lstStyle/>
+          <a:p>
+            <a:pPr>
+              <a:defRPr sz="3600"/>
+            </a:pPr>
+            <a:r>
+              <a:rPr lang="en-US" sz="3600"/>
+              <a:t>RSSI vs. Distance</a:t>
+            </a:r>
+          </a:p>
+        </c:rich>
+      </c:tx>
+      <c:layout/>
+    </c:title>
+    <c:plotArea>
+      <c:layout/>
+      <c:lineChart>
+        <c:grouping val="standard"/>
+        <c:ser>
+          <c:idx val="0"/>
+          <c:order val="0"/>
+          <c:tx>
+            <c:strRef>
+              <c:f>Sheet1!$B$3</c:f>
+              <c:strCache>
+                <c:ptCount val="1"/>
+                <c:pt idx="0">
+                  <c:v>-15dBm</c:v>
+                </c:pt>
+              </c:strCache>
+            </c:strRef>
+          </c:tx>
+          <c:spPr>
+            <a:ln w="44450"/>
+          </c:spPr>
+          <c:marker>
+            <c:symbol val="triangle"/>
+            <c:size val="7"/>
+          </c:marker>
+          <c:cat>
+            <c:numRef>
+              <c:f>Sheet1!$A$5:$A$12</c:f>
+              <c:numCache>
+                <c:formatCode>General</c:formatCode>
+                <c:ptCount val="8"/>
+                <c:pt idx="0">
+                  <c:v>1.5</c:v>
+                </c:pt>
+                <c:pt idx="1">
+                  <c:v>3</c:v>
+                </c:pt>
+                <c:pt idx="2">
+                  <c:v>4.5</c:v>
+                </c:pt>
+                <c:pt idx="3">
+                  <c:v>6</c:v>
+                </c:pt>
+                <c:pt idx="4">
+                  <c:v>7.5</c:v>
+                </c:pt>
+                <c:pt idx="5">
+                  <c:v>9</c:v>
+                </c:pt>
+                <c:pt idx="6">
+                  <c:v>10.5</c:v>
+                </c:pt>
+                <c:pt idx="7">
+                  <c:v>12</c:v>
+                </c:pt>
+              </c:numCache>
+            </c:numRef>
+          </c:cat>
+          <c:val>
+            <c:numRef>
+              <c:f>Sheet1!$B$5:$B$12</c:f>
+              <c:numCache>
+                <c:formatCode>General</c:formatCode>
+                <c:ptCount val="8"/>
+                <c:pt idx="0">
+                  <c:v>266</c:v>
+                </c:pt>
+                <c:pt idx="1">
+                  <c:v>254</c:v>
+                </c:pt>
+                <c:pt idx="2">
+                  <c:v>253</c:v>
+                </c:pt>
+                <c:pt idx="3">
+                  <c:v>237</c:v>
+                </c:pt>
+                <c:pt idx="4">
+                  <c:v>221</c:v>
+                </c:pt>
+                <c:pt idx="5">
+                  <c:v>220</c:v>
+                </c:pt>
+                <c:pt idx="6">
+                  <c:v>242</c:v>
+                </c:pt>
+                <c:pt idx="7">
+                  <c:v>229</c:v>
+                </c:pt>
+              </c:numCache>
+            </c:numRef>
+          </c:val>
+          <c:smooth val="1"/>
+        </c:ser>
+        <c:ser>
+          <c:idx val="2"/>
+          <c:order val="1"/>
+          <c:tx>
+            <c:strRef>
+              <c:f>Sheet1!$C$3</c:f>
+              <c:strCache>
+                <c:ptCount val="1"/>
+                <c:pt idx="0">
+                  <c:v>-21dBm</c:v>
+                </c:pt>
+              </c:strCache>
+            </c:strRef>
+          </c:tx>
+          <c:spPr>
+            <a:ln w="44450">
+              <a:solidFill>
+                <a:schemeClr val="accent2"/>
+              </a:solidFill>
+            </a:ln>
+          </c:spPr>
+          <c:marker>
+            <c:symbol val="square"/>
+            <c:size val="7"/>
+            <c:spPr>
+              <a:solidFill>
+                <a:schemeClr val="accent2"/>
+              </a:solidFill>
+              <a:ln>
+                <a:noFill/>
+              </a:ln>
+            </c:spPr>
+          </c:marker>
+          <c:cat>
+            <c:numRef>
+              <c:f>Sheet1!$A$5:$A$12</c:f>
+              <c:numCache>
+                <c:formatCode>General</c:formatCode>
+                <c:ptCount val="8"/>
+                <c:pt idx="0">
+                  <c:v>1.5</c:v>
+                </c:pt>
+                <c:pt idx="1">
+                  <c:v>3</c:v>
+                </c:pt>
+                <c:pt idx="2">
+                  <c:v>4.5</c:v>
+                </c:pt>
+                <c:pt idx="3">
+                  <c:v>6</c:v>
+                </c:pt>
+                <c:pt idx="4">
+                  <c:v>7.5</c:v>
+                </c:pt>
+                <c:pt idx="5">
+                  <c:v>9</c:v>
+                </c:pt>
+                <c:pt idx="6">
+                  <c:v>10.5</c:v>
+                </c:pt>
+                <c:pt idx="7">
+                  <c:v>12</c:v>
+                </c:pt>
+              </c:numCache>
+            </c:numRef>
+          </c:cat>
+          <c:val>
+            <c:numRef>
+              <c:f>Sheet1!$C$5:$C$12</c:f>
+              <c:numCache>
+                <c:formatCode>General</c:formatCode>
+                <c:ptCount val="8"/>
+                <c:pt idx="0">
+                  <c:v>248</c:v>
+                </c:pt>
+                <c:pt idx="1">
+                  <c:v>224</c:v>
+                </c:pt>
+                <c:pt idx="2">
+                  <c:v>223</c:v>
+                </c:pt>
+                <c:pt idx="3">
+                  <c:v>205</c:v>
+                </c:pt>
+                <c:pt idx="4">
+                  <c:v>205</c:v>
+                </c:pt>
+                <c:pt idx="5">
+                  <c:v>205</c:v>
+                </c:pt>
+                <c:pt idx="6">
+                  <c:v>214</c:v>
+                </c:pt>
+                <c:pt idx="7">
+                  <c:v>220</c:v>
+                </c:pt>
+              </c:numCache>
+            </c:numRef>
+          </c:val>
+          <c:smooth val="1"/>
+        </c:ser>
+        <c:marker val="1"/>
+        <c:axId val="69376256"/>
+        <c:axId val="97393280"/>
+      </c:lineChart>
+      <c:catAx>
+        <c:axId val="69376256"/>
+        <c:scaling>
+          <c:orientation val="minMax"/>
+        </c:scaling>
+        <c:axPos val="b"/>
+        <c:title>
+          <c:tx>
+            <c:rich>
+              <a:bodyPr/>
+              <a:lstStyle/>
+              <a:p>
+                <a:pPr>
+                  <a:defRPr sz="3200"/>
+                </a:pPr>
+                <a:r>
+                  <a:rPr lang="en-US" sz="3200"/>
+                  <a:t>Distance (m)</a:t>
+                </a:r>
+              </a:p>
+            </c:rich>
+          </c:tx>
+          <c:layout/>
+        </c:title>
+        <c:numFmt formatCode="General" sourceLinked="1"/>
+        <c:tickLblPos val="nextTo"/>
+        <c:txPr>
+          <a:bodyPr/>
+          <a:lstStyle/>
+          <a:p>
+            <a:pPr>
+              <a:defRPr sz="2000"/>
+            </a:pPr>
+            <a:endParaRPr lang="en-US"/>
+          </a:p>
+        </c:txPr>
+        <c:crossAx val="97393280"/>
+        <c:crosses val="autoZero"/>
+        <c:auto val="1"/>
+        <c:lblAlgn val="ctr"/>
+        <c:lblOffset val="100"/>
+      </c:catAx>
+      <c:valAx>
+        <c:axId val="97393280"/>
+        <c:scaling>
+          <c:orientation val="minMax"/>
+          <c:max val="280"/>
+          <c:min val="180"/>
+        </c:scaling>
+        <c:axPos val="l"/>
+        <c:majorGridlines>
+          <c:spPr>
+            <a:ln>
+              <a:solidFill>
+                <a:sysClr val="window" lastClr="FFFFFF">
+                  <a:lumMod val="65000"/>
+                </a:sysClr>
+              </a:solidFill>
+            </a:ln>
+          </c:spPr>
+        </c:majorGridlines>
+        <c:title>
+          <c:tx>
+            <c:rich>
+              <a:bodyPr rot="-5400000" vert="horz"/>
+              <a:lstStyle/>
+              <a:p>
+                <a:pPr>
+                  <a:defRPr sz="3200"/>
+                </a:pPr>
+                <a:r>
+                  <a:rPr lang="en-US" sz="3200"/>
+                  <a:t>RSSI</a:t>
+                </a:r>
+              </a:p>
+            </c:rich>
+          </c:tx>
+          <c:layout/>
+        </c:title>
+        <c:numFmt formatCode="General" sourceLinked="1"/>
+        <c:tickLblPos val="nextTo"/>
+        <c:txPr>
+          <a:bodyPr/>
+          <a:lstStyle/>
+          <a:p>
+            <a:pPr>
+              <a:defRPr sz="2000"/>
+            </a:pPr>
+            <a:endParaRPr lang="en-US"/>
+          </a:p>
+        </c:txPr>
+        <c:crossAx val="69376256"/>
+        <c:crosses val="autoZero"/>
+        <c:crossBetween val="between"/>
+      </c:valAx>
+    </c:plotArea>
+    <c:legend>
+      <c:legendPos val="r"/>
+      <c:layout/>
+      <c:txPr>
+        <a:bodyPr/>
+        <a:lstStyle/>
+        <a:p>
+          <a:pPr>
+            <a:defRPr sz="2000"/>
+          </a:pPr>
+          <a:endParaRPr lang="en-US"/>
+        </a:p>
+      </c:txPr>
+    </c:legend>
+    <c:plotVisOnly val="1"/>
+  </c:chart>
   <c:externalData r:id="rId1"/>
 </c:chartSpace>
 </file>
@@ -516,7 +852,7 @@
             <a:fld id="{CFC2CE3F-1D0C-4868-9201-9CC45E6C1390}" type="datetimeFigureOut">
               <a:rPr lang="en-US" smtClean="0"/>
               <a:pPr/>
-              <a:t>5/21/2011</a:t>
+              <a:t>5/22/2011</a:t>
             </a:fld>
             <a:endParaRPr lang="en-US" dirty="0"/>
           </a:p>
@@ -683,7 +1019,7 @@
             <a:fld id="{CFC2CE3F-1D0C-4868-9201-9CC45E6C1390}" type="datetimeFigureOut">
               <a:rPr lang="en-US" smtClean="0"/>
               <a:pPr/>
-              <a:t>5/21/2011</a:t>
+              <a:t>5/22/2011</a:t>
             </a:fld>
             <a:endParaRPr lang="en-US" dirty="0"/>
           </a:p>
@@ -860,7 +1196,7 @@
             <a:fld id="{CFC2CE3F-1D0C-4868-9201-9CC45E6C1390}" type="datetimeFigureOut">
               <a:rPr lang="en-US" smtClean="0"/>
               <a:pPr/>
-              <a:t>5/21/2011</a:t>
+              <a:t>5/22/2011</a:t>
             </a:fld>
             <a:endParaRPr lang="en-US" dirty="0"/>
           </a:p>
@@ -1027,7 +1363,7 @@
             <a:fld id="{CFC2CE3F-1D0C-4868-9201-9CC45E6C1390}" type="datetimeFigureOut">
               <a:rPr lang="en-US" smtClean="0"/>
               <a:pPr/>
-              <a:t>5/21/2011</a:t>
+              <a:t>5/22/2011</a:t>
             </a:fld>
             <a:endParaRPr lang="en-US" dirty="0"/>
           </a:p>
@@ -1270,7 +1606,7 @@
             <a:fld id="{CFC2CE3F-1D0C-4868-9201-9CC45E6C1390}" type="datetimeFigureOut">
               <a:rPr lang="en-US" smtClean="0"/>
               <a:pPr/>
-              <a:t>5/21/2011</a:t>
+              <a:t>5/22/2011</a:t>
             </a:fld>
             <a:endParaRPr lang="en-US" dirty="0"/>
           </a:p>
@@ -1555,7 +1891,7 @@
             <a:fld id="{CFC2CE3F-1D0C-4868-9201-9CC45E6C1390}" type="datetimeFigureOut">
               <a:rPr lang="en-US" smtClean="0"/>
               <a:pPr/>
-              <a:t>5/21/2011</a:t>
+              <a:t>5/22/2011</a:t>
             </a:fld>
             <a:endParaRPr lang="en-US" dirty="0"/>
           </a:p>
@@ -1974,7 +2310,7 @@
             <a:fld id="{CFC2CE3F-1D0C-4868-9201-9CC45E6C1390}" type="datetimeFigureOut">
               <a:rPr lang="en-US" smtClean="0"/>
               <a:pPr/>
-              <a:t>5/21/2011</a:t>
+              <a:t>5/22/2011</a:t>
             </a:fld>
             <a:endParaRPr lang="en-US" dirty="0"/>
           </a:p>
@@ -2089,7 +2425,7 @@
             <a:fld id="{CFC2CE3F-1D0C-4868-9201-9CC45E6C1390}" type="datetimeFigureOut">
               <a:rPr lang="en-US" smtClean="0"/>
               <a:pPr/>
-              <a:t>5/21/2011</a:t>
+              <a:t>5/22/2011</a:t>
             </a:fld>
             <a:endParaRPr lang="en-US" dirty="0"/>
           </a:p>
@@ -2181,7 +2517,7 @@
             <a:fld id="{CFC2CE3F-1D0C-4868-9201-9CC45E6C1390}" type="datetimeFigureOut">
               <a:rPr lang="en-US" smtClean="0"/>
               <a:pPr/>
-              <a:t>5/21/2011</a:t>
+              <a:t>5/22/2011</a:t>
             </a:fld>
             <a:endParaRPr lang="en-US" dirty="0"/>
           </a:p>
@@ -2455,7 +2791,7 @@
             <a:fld id="{CFC2CE3F-1D0C-4868-9201-9CC45E6C1390}" type="datetimeFigureOut">
               <a:rPr lang="en-US" smtClean="0"/>
               <a:pPr/>
-              <a:t>5/21/2011</a:t>
+              <a:t>5/22/2011</a:t>
             </a:fld>
             <a:endParaRPr lang="en-US" dirty="0"/>
           </a:p>
@@ -2705,7 +3041,7 @@
             <a:fld id="{CFC2CE3F-1D0C-4868-9201-9CC45E6C1390}" type="datetimeFigureOut">
               <a:rPr lang="en-US" smtClean="0"/>
               <a:pPr/>
-              <a:t>5/21/2011</a:t>
+              <a:t>5/22/2011</a:t>
             </a:fld>
             <a:endParaRPr lang="en-US" dirty="0"/>
           </a:p>
@@ -2915,7 +3251,7 @@
             <a:fld id="{CFC2CE3F-1D0C-4868-9201-9CC45E6C1390}" type="datetimeFigureOut">
               <a:rPr lang="en-US" smtClean="0"/>
               <a:pPr/>
-              <a:t>5/21/2011</a:t>
+              <a:t>5/22/2011</a:t>
             </a:fld>
             <a:endParaRPr lang="en-US" dirty="0"/>
           </a:p>
@@ -4107,7 +4443,7 @@
       </p:pic>
       <p:pic>
         <p:nvPicPr>
-          <p:cNvPr id="65" name="Picture 3" descr="E:\PSU\ECE 412\Winter 2011\Pictures\Real boards\JPG\Detector_Poster.JPG"/>
+          <p:cNvPr id="2051" name="Picture 3" descr="C:\Users\WOODY\Desktop\javaapp.png"/>
           <p:cNvPicPr>
             <a:picLocks noChangeAspect="1" noChangeArrowheads="1"/>
           </p:cNvPicPr>
@@ -4115,31 +4451,6 @@
         </p:nvPicPr>
         <p:blipFill>
           <a:blip r:embed="rId6" cstate="print"/>
-          <a:stretch>
-            <a:fillRect/>
-          </a:stretch>
-        </p:blipFill>
-        <p:spPr bwMode="auto">
-          <a:xfrm>
-            <a:off x="37017648" y="6565109"/>
-            <a:ext cx="4505702" cy="1430192"/>
-          </a:xfrm>
-          <a:prstGeom prst="rect">
-            <a:avLst/>
-          </a:prstGeom>
-          <a:noFill/>
-        </p:spPr>
-      </p:pic>
-      <p:pic>
-        <p:nvPicPr>
-          <p:cNvPr id="2051" name="Picture 3" descr="C:\Users\WOODY\Desktop\javaapp.png"/>
-          <p:cNvPicPr>
-            <a:picLocks noChangeAspect="1" noChangeArrowheads="1"/>
-          </p:cNvPicPr>
-          <p:nvPr/>
-        </p:nvPicPr>
-        <p:blipFill>
-          <a:blip r:embed="rId7" cstate="print"/>
           <a:srcRect/>
           <a:stretch>
             <a:fillRect/>
@@ -4797,7 +5108,7 @@
           <p:nvPr/>
         </p:nvPicPr>
         <p:blipFill>
-          <a:blip r:embed="rId8" cstate="print"/>
+          <a:blip r:embed="rId7" cstate="print"/>
           <a:stretch>
             <a:fillRect/>
           </a:stretch>
@@ -4925,7 +5236,7 @@
           <p:nvPr/>
         </p:nvPicPr>
         <p:blipFill>
-          <a:blip r:embed="rId9" cstate="print">
+          <a:blip r:embed="rId8" cstate="print">
             <a:clrChange>
               <a:clrFrom>
                 <a:srgbClr val="FFFFFF"/>
@@ -5372,11 +5683,7 @@
             </a:pPr>
             <a:r>
               <a:rPr lang="en-US" sz="3200" dirty="0" smtClean="0"/>
-              <a:t>For </a:t>
-            </a:r>
-            <a:r>
-              <a:rPr lang="en-US" sz="3200" dirty="0" smtClean="0"/>
-              <a:t>scalability, a </a:t>
+              <a:t>For scalability, a </a:t>
             </a:r>
             <a:r>
               <a:rPr lang="en-US" sz="3200" b="1" dirty="0" smtClean="0"/>
@@ -5447,104 +5754,6 @@
           </a:p>
         </p:txBody>
       </p:sp>
-      <p:pic>
-        <p:nvPicPr>
-          <p:cNvPr id="156" name="Picture 4" descr="C:\Users\WOODY\Desktop\sensor_network_big.gif"/>
-          <p:cNvPicPr>
-            <a:picLocks noChangeAspect="1" noChangeArrowheads="1"/>
-          </p:cNvPicPr>
-          <p:nvPr/>
-        </p:nvPicPr>
-        <p:blipFill>
-          <a:blip r:embed="rId10" cstate="print">
-            <a:clrChange>
-              <a:clrFrom>
-                <a:srgbClr val="FFFFFF"/>
-              </a:clrFrom>
-              <a:clrTo>
-                <a:srgbClr val="FFFFFF">
-                  <a:alpha val="0"/>
-                </a:srgbClr>
-              </a:clrTo>
-            </a:clrChange>
-          </a:blip>
-          <a:stretch>
-            <a:fillRect/>
-          </a:stretch>
-        </p:blipFill>
-        <p:spPr bwMode="auto">
-          <a:xfrm>
-            <a:off x="1412748" y="21945599"/>
-            <a:ext cx="10245852" cy="5070348"/>
-          </a:xfrm>
-          <a:prstGeom prst="rect">
-            <a:avLst/>
-          </a:prstGeom>
-          <a:noFill/>
-        </p:spPr>
-      </p:pic>
-      <p:sp>
-        <p:nvSpPr>
-          <p:cNvPr id="157" name="Rectangle 156"/>
-          <p:cNvSpPr/>
-          <p:nvPr/>
-        </p:nvSpPr>
-        <p:spPr>
-          <a:xfrm>
-            <a:off x="3825772" y="27203400"/>
-            <a:ext cx="5105400" cy="990600"/>
-          </a:xfrm>
-          <a:prstGeom prst="rect">
-            <a:avLst/>
-          </a:prstGeom>
-          <a:noFill/>
-          <a:ln>
-            <a:noFill/>
-          </a:ln>
-        </p:spPr>
-        <p:style>
-          <a:lnRef idx="2">
-            <a:schemeClr val="accent1">
-              <a:shade val="50000"/>
-            </a:schemeClr>
-          </a:lnRef>
-          <a:fillRef idx="1">
-            <a:schemeClr val="accent1"/>
-          </a:fillRef>
-          <a:effectRef idx="0">
-            <a:schemeClr val="accent1"/>
-          </a:effectRef>
-          <a:fontRef idx="minor">
-            <a:schemeClr val="lt1"/>
-          </a:fontRef>
-        </p:style>
-        <p:txBody>
-          <a:bodyPr lIns="0" tIns="91440" bIns="91440" rtlCol="0" anchor="ctr"/>
-          <a:lstStyle/>
-          <a:p>
-            <a:pPr algn="ctr"/>
-            <a:r>
-              <a:rPr lang="en-US" sz="3200" b="1" dirty="0" smtClean="0">
-                <a:solidFill>
-                  <a:schemeClr val="tx2">
-                    <a:lumMod val="60000"/>
-                    <a:lumOff val="40000"/>
-                  </a:schemeClr>
-                </a:solidFill>
-              </a:rPr>
-              <a:t>Mesh Network Concept</a:t>
-            </a:r>
-            <a:endParaRPr lang="en-US" sz="3200" b="1" dirty="0">
-              <a:solidFill>
-                <a:schemeClr val="tx2">
-                  <a:lumMod val="60000"/>
-                  <a:lumOff val="40000"/>
-                </a:schemeClr>
-              </a:solidFill>
-            </a:endParaRPr>
-          </a:p>
-        </p:txBody>
-      </p:sp>
       <p:grpSp>
         <p:nvGrpSpPr>
           <p:cNvPr id="164" name="Group 163"/>
@@ -5570,7 +5779,7 @@
             <p:nvPr/>
           </p:nvPicPr>
           <p:blipFill>
-            <a:blip r:embed="rId11" cstate="print"/>
+            <a:blip r:embed="rId9" cstate="print"/>
             <a:stretch>
               <a:fillRect/>
             </a:stretch>
@@ -5608,7 +5817,7 @@
               <p:nvPr/>
             </p:nvPicPr>
             <p:blipFill>
-              <a:blip r:embed="rId12" cstate="print"/>
+              <a:blip r:embed="rId10" cstate="print"/>
               <a:stretch>
                 <a:fillRect/>
               </a:stretch>
@@ -5695,7 +5904,7 @@
               <p:nvPr/>
             </p:nvPicPr>
             <p:blipFill>
-              <a:blip r:embed="rId11" cstate="print"/>
+              <a:blip r:embed="rId9" cstate="print"/>
               <a:stretch>
                 <a:fillRect/>
               </a:stretch>
@@ -5768,7 +5977,7 @@
             <p:nvPr/>
           </p:nvPicPr>
           <p:blipFill>
-            <a:blip r:embed="rId13" cstate="print"/>
+            <a:blip r:embed="rId11" cstate="print"/>
             <a:stretch>
               <a:fillRect/>
             </a:stretch>
@@ -5840,7 +6049,7 @@
             <p:nvPr/>
           </p:nvPicPr>
           <p:blipFill>
-            <a:blip r:embed="rId11" cstate="print"/>
+            <a:blip r:embed="rId9" cstate="print"/>
             <a:stretch>
               <a:fillRect/>
             </a:stretch>
@@ -5878,7 +6087,7 @@
               <p:nvPr/>
             </p:nvPicPr>
             <p:blipFill>
-              <a:blip r:embed="rId14" cstate="print"/>
+              <a:blip r:embed="rId12" cstate="print"/>
               <a:srcRect/>
               <a:stretch>
                 <a:fillRect/>
@@ -5904,7 +6113,7 @@
               <p:nvPr/>
             </p:nvPicPr>
             <p:blipFill>
-              <a:blip r:embed="rId15" cstate="print"/>
+              <a:blip r:embed="rId13" cstate="print"/>
               <a:srcRect/>
               <a:stretch>
                 <a:fillRect/>
@@ -5993,7 +6202,7 @@
               <p:nvPr/>
             </p:nvPicPr>
             <p:blipFill>
-              <a:blip r:embed="rId16" cstate="print"/>
+              <a:blip r:embed="rId14" cstate="print"/>
               <a:srcRect/>
               <a:stretch>
                 <a:fillRect/>
@@ -6019,7 +6228,7 @@
               <p:nvPr/>
             </p:nvPicPr>
             <p:blipFill>
-              <a:blip r:embed="rId17" cstate="print"/>
+              <a:blip r:embed="rId15" cstate="print"/>
               <a:srcRect/>
               <a:stretch>
                 <a:fillRect/>
@@ -6108,7 +6317,7 @@
               <p:nvPr/>
             </p:nvPicPr>
             <p:blipFill>
-              <a:blip r:embed="rId12" cstate="print"/>
+              <a:blip r:embed="rId10" cstate="print"/>
               <a:stretch>
                 <a:fillRect/>
               </a:stretch>
@@ -6487,7 +6696,7 @@
             <p:nvPr/>
           </p:nvPicPr>
           <p:blipFill>
-            <a:blip r:embed="rId11" cstate="print"/>
+            <a:blip r:embed="rId9" cstate="print"/>
             <a:stretch>
               <a:fillRect/>
             </a:stretch>
@@ -6511,7 +6720,7 @@
             <p:nvPr/>
           </p:nvPicPr>
           <p:blipFill>
-            <a:blip r:embed="rId18" cstate="print">
+            <a:blip r:embed="rId16" cstate="print">
               <a:clrChange>
                 <a:clrFrom>
                   <a:srgbClr val="FFFFFF"/>
@@ -6548,7 +6757,7 @@
             <p:nvPr/>
           </p:nvPicPr>
           <p:blipFill>
-            <a:blip r:embed="rId18" cstate="print">
+            <a:blip r:embed="rId16" cstate="print">
               <a:clrChange>
                 <a:clrFrom>
                   <a:srgbClr val="FFFFFF"/>
@@ -6585,7 +6794,7 @@
             <p:nvPr/>
           </p:nvPicPr>
           <p:blipFill>
-            <a:blip r:embed="rId18" cstate="print">
+            <a:blip r:embed="rId16" cstate="print">
               <a:clrChange>
                 <a:clrFrom>
                   <a:srgbClr val="FFFFFF"/>
@@ -6622,7 +6831,7 @@
             <p:nvPr/>
           </p:nvPicPr>
           <p:blipFill>
-            <a:blip r:embed="rId18" cstate="print">
+            <a:blip r:embed="rId16" cstate="print">
               <a:clrChange>
                 <a:clrFrom>
                   <a:srgbClr val="FFFFFF"/>
@@ -7015,7 +7224,7 @@
               <p:nvPr/>
             </p:nvPicPr>
             <p:blipFill>
-              <a:blip r:embed="rId19" cstate="print"/>
+              <a:blip r:embed="rId17" cstate="print"/>
               <a:stretch>
                 <a:fillRect/>
               </a:stretch>
@@ -7107,7 +7316,7 @@
                 <p:nvPr/>
               </p:nvPicPr>
               <p:blipFill>
-                <a:blip r:embed="rId20" cstate="print"/>
+                <a:blip r:embed="rId18" cstate="print"/>
                 <a:srcRect/>
                 <a:stretch>
                   <a:fillRect/>
@@ -7133,7 +7342,7 @@
                 <p:nvPr/>
               </p:nvPicPr>
               <p:blipFill>
-                <a:blip r:embed="rId21" cstate="print"/>
+                <a:blip r:embed="rId19" cstate="print"/>
                 <a:srcRect/>
                 <a:stretch>
                   <a:fillRect/>
@@ -7783,23 +7992,26 @@
           <p:nvPr/>
         </p:nvPicPr>
         <p:blipFill>
-          <a:blip r:embed="rId22" cstate="print"/>
-          <a:srcRect r="2005" b="18750"/>
+          <a:blip r:embed="rId20" cstate="print"/>
           <a:stretch>
             <a:fillRect/>
           </a:stretch>
         </p:blipFill>
         <p:spPr bwMode="auto">
           <a:xfrm>
-            <a:off x="34518600" y="14706600"/>
-            <a:ext cx="7596554" cy="4114800"/>
+            <a:off x="34657491" y="14706600"/>
+            <a:ext cx="7318771" cy="4114800"/>
           </a:xfrm>
           <a:prstGeom prst="rect">
             <a:avLst/>
           </a:prstGeom>
           <a:noFill/>
-          <a:ln w="9525">
-            <a:noFill/>
+          <a:ln w="1270">
+            <a:solidFill>
+              <a:schemeClr val="bg1">
+                <a:lumMod val="85000"/>
+              </a:schemeClr>
+            </a:solidFill>
             <a:miter lim="800000"/>
             <a:headEnd/>
             <a:tailEnd/>
@@ -7974,6 +8186,58 @@
         <p:xfrm>
           <a:off x="36576000" y="20802600"/>
           <a:ext cx="6248400" cy="4495800"/>
+        </p:xfrm>
+        <a:graphic>
+          <a:graphicData uri="http://schemas.openxmlformats.org/drawingml/2006/chart">
+            <c:chart xmlns:c="http://schemas.openxmlformats.org/drawingml/2006/chart" xmlns:r="http://schemas.openxmlformats.org/officeDocument/2006/relationships" r:id="rId21"/>
+          </a:graphicData>
+        </a:graphic>
+      </p:graphicFrame>
+      <p:pic>
+        <p:nvPicPr>
+          <p:cNvPr id="1027" name="Picture 3" descr="D:\Courses\2010-2011\Capstone\Docs\Images\IMG_0422.JPG"/>
+          <p:cNvPicPr>
+            <a:picLocks noChangeAspect="1" noChangeArrowheads="1"/>
+          </p:cNvPicPr>
+          <p:nvPr/>
+        </p:nvPicPr>
+        <p:blipFill>
+          <a:blip r:embed="rId22" cstate="print">
+            <a:clrChange>
+              <a:clrFrom>
+                <a:srgbClr val="FFFFFF"/>
+              </a:clrFrom>
+              <a:clrTo>
+                <a:srgbClr val="FFFFFF">
+                  <a:alpha val="0"/>
+                </a:srgbClr>
+              </a:clrTo>
+            </a:clrChange>
+          </a:blip>
+          <a:stretch>
+            <a:fillRect/>
+          </a:stretch>
+        </p:blipFill>
+        <p:spPr bwMode="auto">
+          <a:xfrm>
+            <a:off x="36880800" y="5562600"/>
+            <a:ext cx="5006848" cy="3750447"/>
+          </a:xfrm>
+          <a:prstGeom prst="rect">
+            <a:avLst/>
+          </a:prstGeom>
+          <a:noFill/>
+        </p:spPr>
+      </p:pic>
+      <p:graphicFrame>
+        <p:nvGraphicFramePr>
+          <p:cNvPr id="159" name="Chart 158"/>
+          <p:cNvGraphicFramePr/>
+          <p:nvPr/>
+        </p:nvGraphicFramePr>
+        <p:xfrm>
+          <a:off x="1219200" y="21640800"/>
+          <a:ext cx="10439400" cy="6248400"/>
         </p:xfrm>
         <a:graphic>
           <a:graphicData uri="http://schemas.openxmlformats.org/drawingml/2006/chart">

--- a/Docs/TIU_Tracking_Poster_v9.pptx
+++ b/Docs/TIU_Tracking_Poster_v9.pptx
@@ -108,233 +108,6 @@
 </file>
 
 <file path=ppt/charts/chart1.xml><?xml version="1.0" encoding="utf-8"?>
-<c:chartSpace xmlns:c="http://schemas.openxmlformats.org/drawingml/2006/chart" xmlns:a="http://schemas.openxmlformats.org/drawingml/2006/main" xmlns:r="http://schemas.openxmlformats.org/officeDocument/2006/relationships">
-  <c:lang val="en-US"/>
-  <c:chart>
-    <c:title>
-      <c:tx>
-        <c:rich>
-          <a:bodyPr/>
-          <a:lstStyle/>
-          <a:p>
-            <a:pPr>
-              <a:defRPr/>
-            </a:pPr>
-            <a:r>
-              <a:rPr lang="en-US" dirty="0"/>
-              <a:t>Tag Battery </a:t>
-            </a:r>
-            <a:r>
-              <a:rPr lang="en-US" dirty="0" smtClean="0"/>
-              <a:t>vs. Time at </a:t>
-            </a:r>
-            <a:r>
-              <a:rPr lang="en-US" smtClean="0"/>
-              <a:t>1ms Broadcast Interval</a:t>
-            </a:r>
-            <a:endParaRPr lang="en-US" dirty="0"/>
-          </a:p>
-        </c:rich>
-      </c:tx>
-      <c:layout/>
-    </c:title>
-    <c:plotArea>
-      <c:layout/>
-      <c:lineChart>
-        <c:grouping val="standard"/>
-        <c:ser>
-          <c:idx val="1"/>
-          <c:order val="0"/>
-          <c:tx>
-            <c:strRef>
-              <c:f>Sheet1!$B$1</c:f>
-              <c:strCache>
-                <c:ptCount val="1"/>
-                <c:pt idx="0">
-                  <c:v>Voltage of battery (V)</c:v>
-                </c:pt>
-              </c:strCache>
-            </c:strRef>
-          </c:tx>
-          <c:marker>
-            <c:symbol val="none"/>
-          </c:marker>
-          <c:cat>
-            <c:numRef>
-              <c:f>Sheet1!$A$2:$A$12</c:f>
-              <c:numCache>
-                <c:formatCode>General</c:formatCode>
-                <c:ptCount val="11"/>
-                <c:pt idx="0">
-                  <c:v>0</c:v>
-                </c:pt>
-                <c:pt idx="1">
-                  <c:v>0</c:v>
-                </c:pt>
-                <c:pt idx="2">
-                  <c:v>5</c:v>
-                </c:pt>
-                <c:pt idx="3">
-                  <c:v>10</c:v>
-                </c:pt>
-                <c:pt idx="4">
-                  <c:v>15</c:v>
-                </c:pt>
-                <c:pt idx="5">
-                  <c:v>20</c:v>
-                </c:pt>
-                <c:pt idx="6">
-                  <c:v>25</c:v>
-                </c:pt>
-                <c:pt idx="7">
-                  <c:v>30</c:v>
-                </c:pt>
-                <c:pt idx="8">
-                  <c:v>35</c:v>
-                </c:pt>
-                <c:pt idx="9">
-                  <c:v>40</c:v>
-                </c:pt>
-                <c:pt idx="10">
-                  <c:v>42</c:v>
-                </c:pt>
-              </c:numCache>
-            </c:numRef>
-          </c:cat>
-          <c:val>
-            <c:numRef>
-              <c:f>Sheet1!$B$2:$B$12</c:f>
-              <c:numCache>
-                <c:formatCode>General</c:formatCode>
-                <c:ptCount val="11"/>
-                <c:pt idx="0">
-                  <c:v>6.52</c:v>
-                </c:pt>
-                <c:pt idx="1">
-                  <c:v>5.89</c:v>
-                </c:pt>
-                <c:pt idx="2">
-                  <c:v>5.04</c:v>
-                </c:pt>
-                <c:pt idx="3">
-                  <c:v>4.7699999999999996</c:v>
-                </c:pt>
-                <c:pt idx="4">
-                  <c:v>4.5</c:v>
-                </c:pt>
-                <c:pt idx="5">
-                  <c:v>4.1899999999999995</c:v>
-                </c:pt>
-                <c:pt idx="6">
-                  <c:v>3.75</c:v>
-                </c:pt>
-                <c:pt idx="7">
-                  <c:v>3.3699999999999997</c:v>
-                </c:pt>
-                <c:pt idx="8">
-                  <c:v>3.24</c:v>
-                </c:pt>
-                <c:pt idx="9">
-                  <c:v>2.94</c:v>
-                </c:pt>
-                <c:pt idx="10">
-                  <c:v>2.7</c:v>
-                </c:pt>
-              </c:numCache>
-            </c:numRef>
-          </c:val>
-        </c:ser>
-        <c:marker val="1"/>
-        <c:axId val="64713856"/>
-        <c:axId val="64715776"/>
-      </c:lineChart>
-      <c:catAx>
-        <c:axId val="64713856"/>
-        <c:scaling>
-          <c:orientation val="minMax"/>
-        </c:scaling>
-        <c:axPos val="b"/>
-        <c:title>
-          <c:tx>
-            <c:rich>
-              <a:bodyPr/>
-              <a:lstStyle/>
-              <a:p>
-                <a:pPr>
-                  <a:defRPr/>
-                </a:pPr>
-                <a:r>
-                  <a:rPr lang="en-US"/>
-                  <a:t>Time (min)</a:t>
-                </a:r>
-              </a:p>
-            </c:rich>
-          </c:tx>
-          <c:layout/>
-        </c:title>
-        <c:numFmt formatCode="General" sourceLinked="1"/>
-        <c:tickLblPos val="nextTo"/>
-        <c:crossAx val="64715776"/>
-        <c:crosses val="autoZero"/>
-        <c:auto val="1"/>
-        <c:lblAlgn val="ctr"/>
-        <c:lblOffset val="100"/>
-      </c:catAx>
-      <c:valAx>
-        <c:axId val="64715776"/>
-        <c:scaling>
-          <c:orientation val="minMax"/>
-          <c:min val="0"/>
-        </c:scaling>
-        <c:axPos val="l"/>
-        <c:majorGridlines>
-          <c:spPr>
-            <a:ln>
-              <a:solidFill>
-                <a:schemeClr val="bg1">
-                  <a:lumMod val="85000"/>
-                </a:schemeClr>
-              </a:solidFill>
-            </a:ln>
-          </c:spPr>
-        </c:majorGridlines>
-        <c:title>
-          <c:tx>
-            <c:rich>
-              <a:bodyPr rot="-5400000" vert="horz"/>
-              <a:lstStyle/>
-              <a:p>
-                <a:pPr>
-                  <a:defRPr/>
-                </a:pPr>
-                <a:r>
-                  <a:rPr lang="en-US"/>
-                  <a:t>Voltage (V)</a:t>
-                </a:r>
-              </a:p>
-            </c:rich>
-          </c:tx>
-          <c:layout/>
-        </c:title>
-        <c:numFmt formatCode="General" sourceLinked="1"/>
-        <c:tickLblPos val="nextTo"/>
-        <c:crossAx val="64713856"/>
-        <c:crosses val="autoZero"/>
-        <c:crossBetween val="between"/>
-      </c:valAx>
-    </c:plotArea>
-    <c:plotVisOnly val="1"/>
-  </c:chart>
-  <c:spPr>
-    <a:ln>
-      <a:noFill/>
-    </a:ln>
-  </c:spPr>
-  <c:externalData r:id="rId1"/>
-</c:chartSpace>
-</file>
-
-<file path=ppt/charts/chart2.xml><?xml version="1.0" encoding="utf-8"?>
 <c:chartSpace xmlns:c="http://schemas.openxmlformats.org/drawingml/2006/chart" xmlns:a="http://schemas.openxmlformats.org/drawingml/2006/main" xmlns:r="http://schemas.openxmlformats.org/officeDocument/2006/relationships">
   <c:lang val="en-US"/>
   <c:chart>
@@ -551,11 +324,11 @@
           <c:smooth val="1"/>
         </c:ser>
         <c:marker val="1"/>
-        <c:axId val="69376256"/>
-        <c:axId val="97393280"/>
+        <c:axId val="65380736"/>
+        <c:axId val="65383040"/>
       </c:lineChart>
       <c:catAx>
-        <c:axId val="69376256"/>
+        <c:axId val="65380736"/>
         <c:scaling>
           <c:orientation val="minMax"/>
         </c:scaling>
@@ -590,14 +363,14 @@
             <a:endParaRPr lang="en-US"/>
           </a:p>
         </c:txPr>
-        <c:crossAx val="97393280"/>
+        <c:crossAx val="65383040"/>
         <c:crosses val="autoZero"/>
         <c:auto val="1"/>
         <c:lblAlgn val="ctr"/>
         <c:lblOffset val="100"/>
       </c:catAx>
       <c:valAx>
-        <c:axId val="97393280"/>
+        <c:axId val="65383040"/>
         <c:scaling>
           <c:orientation val="minMax"/>
           <c:max val="280"/>
@@ -645,7 +418,7 @@
             <a:endParaRPr lang="en-US"/>
           </a:p>
         </c:txPr>
-        <c:crossAx val="69376256"/>
+        <c:crossAx val="65380736"/>
         <c:crosses val="autoZero"/>
         <c:crossBetween val="between"/>
       </c:valAx>
@@ -666,6 +439,244 @@
     </c:legend>
     <c:plotVisOnly val="1"/>
   </c:chart>
+  <c:externalData r:id="rId1"/>
+</c:chartSpace>
+</file>
+
+<file path=ppt/charts/chart2.xml><?xml version="1.0" encoding="utf-8"?>
+<c:chartSpace xmlns:c="http://schemas.openxmlformats.org/drawingml/2006/chart" xmlns:a="http://schemas.openxmlformats.org/drawingml/2006/main" xmlns:r="http://schemas.openxmlformats.org/officeDocument/2006/relationships">
+  <c:lang val="en-US"/>
+  <c:chart>
+    <c:title>
+      <c:tx>
+        <c:rich>
+          <a:bodyPr/>
+          <a:lstStyle/>
+          <a:p>
+            <a:pPr>
+              <a:defRPr sz="3600"/>
+            </a:pPr>
+            <a:r>
+              <a:rPr lang="en-US" sz="3600"/>
+              <a:t>Tag Battery Burn-in Test</a:t>
+            </a:r>
+          </a:p>
+        </c:rich>
+      </c:tx>
+      <c:layout/>
+    </c:title>
+    <c:plotArea>
+      <c:layout/>
+      <c:lineChart>
+        <c:grouping val="standard"/>
+        <c:ser>
+          <c:idx val="1"/>
+          <c:order val="0"/>
+          <c:tx>
+            <c:strRef>
+              <c:f>Sheet1!$B$1</c:f>
+              <c:strCache>
+                <c:ptCount val="1"/>
+                <c:pt idx="0">
+                  <c:v>Voltage of battery (V)</c:v>
+                </c:pt>
+              </c:strCache>
+            </c:strRef>
+          </c:tx>
+          <c:spPr>
+            <a:ln w="44450"/>
+          </c:spPr>
+          <c:marker>
+            <c:symbol val="square"/>
+            <c:size val="5"/>
+          </c:marker>
+          <c:cat>
+            <c:numRef>
+              <c:f>Sheet1!$A$2:$A$11</c:f>
+              <c:numCache>
+                <c:formatCode>General</c:formatCode>
+                <c:ptCount val="10"/>
+                <c:pt idx="0">
+                  <c:v>0</c:v>
+                </c:pt>
+                <c:pt idx="1">
+                  <c:v>5</c:v>
+                </c:pt>
+                <c:pt idx="2">
+                  <c:v>10</c:v>
+                </c:pt>
+                <c:pt idx="3">
+                  <c:v>15</c:v>
+                </c:pt>
+                <c:pt idx="4">
+                  <c:v>20</c:v>
+                </c:pt>
+                <c:pt idx="5">
+                  <c:v>25</c:v>
+                </c:pt>
+                <c:pt idx="6">
+                  <c:v>30</c:v>
+                </c:pt>
+                <c:pt idx="7">
+                  <c:v>35</c:v>
+                </c:pt>
+                <c:pt idx="8">
+                  <c:v>40</c:v>
+                </c:pt>
+                <c:pt idx="9">
+                  <c:v>45</c:v>
+                </c:pt>
+              </c:numCache>
+            </c:numRef>
+          </c:cat>
+          <c:val>
+            <c:numRef>
+              <c:f>Sheet1!$B$2:$B$11</c:f>
+              <c:numCache>
+                <c:formatCode>General</c:formatCode>
+                <c:ptCount val="10"/>
+                <c:pt idx="0">
+                  <c:v>5.89</c:v>
+                </c:pt>
+                <c:pt idx="1">
+                  <c:v>5.04</c:v>
+                </c:pt>
+                <c:pt idx="2">
+                  <c:v>4.7699999999999996</c:v>
+                </c:pt>
+                <c:pt idx="3">
+                  <c:v>4.5</c:v>
+                </c:pt>
+                <c:pt idx="4">
+                  <c:v>4.1900000000000004</c:v>
+                </c:pt>
+                <c:pt idx="5">
+                  <c:v>3.75</c:v>
+                </c:pt>
+                <c:pt idx="6">
+                  <c:v>3.37</c:v>
+                </c:pt>
+                <c:pt idx="7">
+                  <c:v>3.24</c:v>
+                </c:pt>
+                <c:pt idx="8">
+                  <c:v>2.94</c:v>
+                </c:pt>
+                <c:pt idx="9">
+                  <c:v>2.7</c:v>
+                </c:pt>
+              </c:numCache>
+            </c:numRef>
+          </c:val>
+        </c:ser>
+        <c:marker val="1"/>
+        <c:axId val="65121664"/>
+        <c:axId val="94570368"/>
+      </c:lineChart>
+      <c:catAx>
+        <c:axId val="65121664"/>
+        <c:scaling>
+          <c:orientation val="minMax"/>
+        </c:scaling>
+        <c:axPos val="b"/>
+        <c:title>
+          <c:tx>
+            <c:rich>
+              <a:bodyPr/>
+              <a:lstStyle/>
+              <a:p>
+                <a:pPr>
+                  <a:defRPr sz="3200"/>
+                </a:pPr>
+                <a:r>
+                  <a:rPr lang="en-US" sz="3200"/>
+                  <a:t>Time (min)</a:t>
+                </a:r>
+              </a:p>
+            </c:rich>
+          </c:tx>
+          <c:layout/>
+        </c:title>
+        <c:numFmt formatCode="General" sourceLinked="1"/>
+        <c:tickLblPos val="nextTo"/>
+        <c:txPr>
+          <a:bodyPr/>
+          <a:lstStyle/>
+          <a:p>
+            <a:pPr>
+              <a:defRPr sz="2800"/>
+            </a:pPr>
+            <a:endParaRPr lang="en-US"/>
+          </a:p>
+        </c:txPr>
+        <c:crossAx val="94570368"/>
+        <c:crosses val="autoZero"/>
+        <c:auto val="1"/>
+        <c:lblAlgn val="ctr"/>
+        <c:lblOffset val="100"/>
+        <c:tickMarkSkip val="1"/>
+      </c:catAx>
+      <c:valAx>
+        <c:axId val="94570368"/>
+        <c:scaling>
+          <c:orientation val="minMax"/>
+          <c:max val="6"/>
+          <c:min val="2"/>
+        </c:scaling>
+        <c:axPos val="l"/>
+        <c:majorGridlines>
+          <c:spPr>
+            <a:ln>
+              <a:solidFill>
+                <a:schemeClr val="bg1">
+                  <a:lumMod val="85000"/>
+                </a:schemeClr>
+              </a:solidFill>
+            </a:ln>
+          </c:spPr>
+        </c:majorGridlines>
+        <c:title>
+          <c:tx>
+            <c:rich>
+              <a:bodyPr rot="-5400000" vert="horz"/>
+              <a:lstStyle/>
+              <a:p>
+                <a:pPr>
+                  <a:defRPr sz="3200"/>
+                </a:pPr>
+                <a:r>
+                  <a:rPr lang="en-US" sz="3200"/>
+                  <a:t>Voltage (V)</a:t>
+                </a:r>
+              </a:p>
+            </c:rich>
+          </c:tx>
+          <c:layout/>
+        </c:title>
+        <c:numFmt formatCode="General" sourceLinked="1"/>
+        <c:tickLblPos val="nextTo"/>
+        <c:txPr>
+          <a:bodyPr/>
+          <a:lstStyle/>
+          <a:p>
+            <a:pPr>
+              <a:defRPr sz="2800"/>
+            </a:pPr>
+            <a:endParaRPr lang="en-US"/>
+          </a:p>
+        </c:txPr>
+        <c:crossAx val="65121664"/>
+        <c:crosses val="autoZero"/>
+        <c:crossBetween val="midCat"/>
+      </c:valAx>
+    </c:plotArea>
+    <c:plotVisOnly val="1"/>
+  </c:chart>
+  <c:spPr>
+    <a:ln>
+      <a:noFill/>
+    </a:ln>
+  </c:spPr>
   <c:externalData r:id="rId1"/>
 </c:chartSpace>
 </file>
@@ -3823,9 +3834,9 @@
         <p:grpSpPr>
           <a:xfrm>
             <a:off x="1280160" y="5029200"/>
-            <a:ext cx="10515600" cy="6175891"/>
+            <a:ext cx="10515600" cy="5683448"/>
             <a:chOff x="1280160" y="5257800"/>
-            <a:chExt cx="10515600" cy="6175891"/>
+            <a:chExt cx="10515600" cy="5683448"/>
           </a:xfrm>
         </p:grpSpPr>
         <p:sp>
@@ -3894,7 +3905,7 @@
           <p:spPr>
             <a:xfrm>
               <a:off x="1280160" y="6324600"/>
-              <a:ext cx="10515600" cy="5109091"/>
+              <a:ext cx="10515600" cy="4616648"/>
             </a:xfrm>
             <a:prstGeom prst="rect">
               <a:avLst/>
@@ -3909,37 +3920,10 @@
             <a:p>
               <a:pPr algn="just"/>
               <a:r>
-                <a:rPr lang="en-US" sz="3200" dirty="0" smtClean="0"/>
-                <a:t>Intel's large and complex validation labs contain many Test Interface Units (TIUs) used in validating hardware. A TIU is a custom PCB that provides test points that a testing machine can probe.  Since the hardware to be tested is varied, there exists a variety of different TIU's, and as such, finding a particular TIU is useful because, previously, the testing machine had to be broken down to identify the TIU it was using. The guiding requirements are that the system must be </a:t>
+                <a:rPr lang="en-US" sz="3600" dirty="0" smtClean="0"/>
+                <a:t>Intel's large and complex validation labs contain many Test Interface Units (TIUs) used in validating hardware. A TIU is a custom PCB that provides test points that a testing machine can probe.  Since the hardware to be tested is varied, there exists a variety of different TIU's, and as such, finding a particular TIU is useful because, previously, the testing machine had to be broken down to identify the TIU it was using.</a:t>
               </a:r>
-              <a:r>
-                <a:rPr lang="en-US" sz="3200" b="1" dirty="0" smtClean="0"/>
-                <a:t>small</a:t>
-              </a:r>
-              <a:r>
-                <a:rPr lang="en-US" sz="3200" dirty="0" smtClean="0"/>
-                <a:t>, </a:t>
-              </a:r>
-              <a:r>
-                <a:rPr lang="en-US" sz="3200" b="1" dirty="0" smtClean="0"/>
-                <a:t>inexpensive</a:t>
-              </a:r>
-              <a:r>
-                <a:rPr lang="en-US" sz="3200" dirty="0" smtClean="0"/>
-                <a:t>, and </a:t>
-              </a:r>
-              <a:r>
-                <a:rPr lang="en-US" sz="3200" b="1" dirty="0" smtClean="0"/>
-                <a:t>low power</a:t>
-              </a:r>
-              <a:r>
-                <a:rPr lang="en-US" sz="3200" dirty="0" smtClean="0"/>
-                <a:t>.</a:t>
-              </a:r>
-            </a:p>
-            <a:p>
-              <a:pPr lvl="0" algn="just"/>
-              <a:endParaRPr lang="en-US" sz="3200" dirty="0" smtClean="0">
+              <a:endParaRPr lang="en-US" sz="3600" dirty="0" smtClean="0">
                 <a:ea typeface="Ebrima" pitchFamily="2" charset="0"/>
                 <a:cs typeface="Ebrima" pitchFamily="2" charset="0"/>
               </a:endParaRPr>
@@ -4012,7 +3996,7 @@
         </p:nvSpPr>
         <p:spPr>
           <a:xfrm>
-            <a:off x="30175200" y="19415759"/>
+            <a:off x="30175200" y="19202400"/>
             <a:ext cx="9448800" cy="990600"/>
           </a:xfrm>
           <a:prstGeom prst="rect">
@@ -4128,15 +4112,14 @@
         </p:nvPicPr>
         <p:blipFill>
           <a:blip r:embed="rId4" cstate="print"/>
-          <a:srcRect l="6888" r="6523"/>
           <a:stretch>
             <a:fillRect/>
           </a:stretch>
         </p:blipFill>
         <p:spPr bwMode="auto">
           <a:xfrm>
-            <a:off x="29870400" y="20650200"/>
-            <a:ext cx="6551175" cy="4892042"/>
+            <a:off x="31242000" y="20421600"/>
+            <a:ext cx="10363200" cy="5301895"/>
           </a:xfrm>
           <a:prstGeom prst="rect">
             <a:avLst/>
@@ -4156,7 +4139,7 @@
         <p:spPr>
           <a:xfrm>
             <a:off x="30175200" y="26289000"/>
-            <a:ext cx="11353800" cy="2646878"/>
+            <a:ext cx="12344400" cy="2954655"/>
           </a:xfrm>
           <a:prstGeom prst="rect">
             <a:avLst/>
@@ -4171,13 +4154,13 @@
           <a:p>
             <a:pPr lvl="0" algn="just"/>
             <a:r>
-              <a:rPr lang="en-US" sz="3200" dirty="0" smtClean="0">
+              <a:rPr lang="en-US" sz="3600" dirty="0" smtClean="0">
                 <a:ea typeface="Ebrima" pitchFamily="2" charset="0"/>
                 <a:cs typeface="Ebrima" pitchFamily="2" charset="0"/>
               </a:rPr>
               <a:t>The system has met two of three important requirements, i.e. size and power. However, the accuracy still needs to be enhanced  by considering antenna design and other advanced locating algorithms. Noise filter can be implemented on both hardware and software to achieve desired performance.</a:t>
             </a:r>
-            <a:endParaRPr lang="en-US" dirty="0"/>
+            <a:endParaRPr lang="en-US" sz="8800" dirty="0"/>
           </a:p>
         </p:txBody>
       </p:sp>
@@ -4189,8 +4172,8 @@
         </p:nvSpPr>
         <p:spPr>
           <a:xfrm>
-            <a:off x="37017648" y="8526720"/>
-            <a:ext cx="6187752" cy="3170099"/>
+            <a:off x="37017648" y="8595360"/>
+            <a:ext cx="6187752" cy="3477875"/>
           </a:xfrm>
           <a:prstGeom prst="rect">
             <a:avLst/>
@@ -4220,7 +4203,7 @@
               <a:buChar char="•"/>
             </a:pPr>
             <a:r>
-              <a:rPr lang="en-US" sz="3200" dirty="0" smtClean="0">
+              <a:rPr lang="en-US" sz="3600" dirty="0" smtClean="0">
                 <a:ea typeface="Ebrima" pitchFamily="2" charset="0"/>
                 <a:cs typeface="Ebrima" pitchFamily="2" charset="0"/>
               </a:rPr>
@@ -4233,7 +4216,7 @@
               <a:buChar char="•"/>
             </a:pPr>
             <a:r>
-              <a:rPr lang="en-US" sz="3200" dirty="0" smtClean="0">
+              <a:rPr lang="en-US" sz="3600" dirty="0" smtClean="0">
                 <a:ea typeface="Ebrima" pitchFamily="2" charset="0"/>
                 <a:cs typeface="Ebrima" pitchFamily="2" charset="0"/>
               </a:rPr>
@@ -4246,7 +4229,7 @@
               <a:buChar char="•"/>
             </a:pPr>
             <a:r>
-              <a:rPr lang="en-US" sz="3200" dirty="0" smtClean="0">
+              <a:rPr lang="en-US" sz="3600" dirty="0" smtClean="0">
                 <a:ea typeface="Ebrima" pitchFamily="2" charset="0"/>
                 <a:cs typeface="Ebrima" pitchFamily="2" charset="0"/>
               </a:rPr>
@@ -4259,7 +4242,7 @@
               <a:buChar char="•"/>
             </a:pPr>
             <a:r>
-              <a:rPr lang="en-US" sz="3200" dirty="0" smtClean="0">
+              <a:rPr lang="en-US" sz="3600" dirty="0" smtClean="0">
                 <a:ea typeface="Ebrima" pitchFamily="2" charset="0"/>
                 <a:cs typeface="Ebrima" pitchFamily="2" charset="0"/>
               </a:rPr>
@@ -4272,12 +4255,23 @@
               <a:buChar char="•"/>
             </a:pPr>
             <a:r>
-              <a:rPr lang="en-US" sz="3200" dirty="0" smtClean="0">
+              <a:rPr lang="en-US" sz="3600" dirty="0" smtClean="0">
                 <a:ea typeface="Ebrima" pitchFamily="2" charset="0"/>
                 <a:cs typeface="Ebrima" pitchFamily="2" charset="0"/>
               </a:rPr>
-              <a:t>Cost: $25</a:t>
-            </a:r>
+              <a:t>Cost: </a:t>
+            </a:r>
+            <a:r>
+              <a:rPr lang="en-US" sz="3600" dirty="0" smtClean="0">
+                <a:ea typeface="Ebrima" pitchFamily="2" charset="0"/>
+                <a:cs typeface="Ebrima" pitchFamily="2" charset="0"/>
+              </a:rPr>
+              <a:t>$37</a:t>
+            </a:r>
+            <a:endParaRPr lang="en-US" sz="3600" dirty="0" smtClean="0">
+              <a:ea typeface="Ebrima" pitchFamily="2" charset="0"/>
+              <a:cs typeface="Ebrima" pitchFamily="2" charset="0"/>
+            </a:endParaRPr>
           </a:p>
         </p:txBody>
       </p:sp>
@@ -4289,8 +4283,8 @@
         </p:nvSpPr>
         <p:spPr>
           <a:xfrm>
-            <a:off x="30845448" y="8610600"/>
-            <a:ext cx="6111552" cy="3724096"/>
+            <a:off x="30845448" y="8595360"/>
+            <a:ext cx="6111552" cy="4093428"/>
           </a:xfrm>
           <a:prstGeom prst="rect">
             <a:avLst/>
@@ -4330,7 +4324,7 @@
               <a:buChar char="•"/>
             </a:pPr>
             <a:r>
-              <a:rPr lang="en-US" sz="3200" dirty="0" smtClean="0">
+              <a:rPr lang="en-US" sz="3600" dirty="0" smtClean="0">
                 <a:ea typeface="Ebrima" pitchFamily="2" charset="0"/>
                 <a:cs typeface="Ebrima" pitchFamily="2" charset="0"/>
               </a:rPr>
@@ -4343,7 +4337,7 @@
               <a:buChar char="•"/>
             </a:pPr>
             <a:r>
-              <a:rPr lang="en-US" sz="3200" dirty="0" smtClean="0">
+              <a:rPr lang="en-US" sz="3600" dirty="0" smtClean="0">
                 <a:ea typeface="Ebrima" pitchFamily="2" charset="0"/>
                 <a:cs typeface="Ebrima" pitchFamily="2" charset="0"/>
               </a:rPr>
@@ -4356,7 +4350,7 @@
               <a:buChar char="•"/>
             </a:pPr>
             <a:r>
-              <a:rPr lang="en-US" sz="3200" dirty="0" smtClean="0">
+              <a:rPr lang="en-US" sz="3600" dirty="0" smtClean="0">
                 <a:ea typeface="Ebrima" pitchFamily="2" charset="0"/>
                 <a:cs typeface="Ebrima" pitchFamily="2" charset="0"/>
               </a:rPr>
@@ -4369,7 +4363,7 @@
               <a:buChar char="•"/>
             </a:pPr>
             <a:r>
-              <a:rPr lang="en-US" sz="3200" dirty="0" smtClean="0">
+              <a:rPr lang="en-US" sz="3600" dirty="0" smtClean="0">
                 <a:ea typeface="Ebrima" pitchFamily="2" charset="0"/>
                 <a:cs typeface="Ebrima" pitchFamily="2" charset="0"/>
               </a:rPr>
@@ -4382,7 +4376,7 @@
               <a:buChar char="•"/>
             </a:pPr>
             <a:r>
-              <a:rPr lang="en-US" sz="3200" dirty="0" smtClean="0">
+              <a:rPr lang="en-US" sz="3600" dirty="0" smtClean="0">
                 <a:ea typeface="Ebrima" pitchFamily="2" charset="0"/>
                 <a:cs typeface="Ebrima" pitchFamily="2" charset="0"/>
               </a:rPr>
@@ -4395,12 +4389,23 @@
               <a:buChar char="•"/>
             </a:pPr>
             <a:r>
-              <a:rPr lang="en-US" sz="3200" dirty="0" smtClean="0">
+              <a:rPr lang="en-US" sz="3600" dirty="0" smtClean="0">
                 <a:ea typeface="Ebrima" pitchFamily="2" charset="0"/>
                 <a:cs typeface="Ebrima" pitchFamily="2" charset="0"/>
               </a:rPr>
-              <a:t>Cost : $32</a:t>
-            </a:r>
+              <a:t>Cost : $</a:t>
+            </a:r>
+            <a:r>
+              <a:rPr lang="en-US" sz="3600" dirty="0" smtClean="0">
+                <a:ea typeface="Ebrima" pitchFamily="2" charset="0"/>
+                <a:cs typeface="Ebrima" pitchFamily="2" charset="0"/>
+              </a:rPr>
+              <a:t>35</a:t>
+            </a:r>
+            <a:endParaRPr lang="en-US" sz="3600" dirty="0" smtClean="0">
+              <a:ea typeface="Ebrima" pitchFamily="2" charset="0"/>
+              <a:cs typeface="Ebrima" pitchFamily="2" charset="0"/>
+            </a:endParaRPr>
           </a:p>
         </p:txBody>
       </p:sp>
@@ -4458,8 +4463,8 @@
         </p:blipFill>
         <p:spPr bwMode="auto">
           <a:xfrm>
-            <a:off x="30540648" y="12509482"/>
-            <a:ext cx="8473752" cy="4559318"/>
+            <a:off x="30540649" y="12801600"/>
+            <a:ext cx="7930638" cy="4267095"/>
           </a:xfrm>
           <a:prstGeom prst="rect">
             <a:avLst/>
@@ -4594,7 +4599,7 @@
         </p:nvSpPr>
         <p:spPr>
           <a:xfrm>
-            <a:off x="13990320" y="5029200"/>
+            <a:off x="13563600" y="5029200"/>
             <a:ext cx="9448800" cy="1005840"/>
           </a:xfrm>
           <a:prstGeom prst="rect">
@@ -4645,51 +4650,13 @@
       </p:sp>
       <p:cxnSp>
         <p:nvCxnSpPr>
-          <p:cNvPr id="47" name="Straight Connector 46"/>
-          <p:cNvCxnSpPr/>
-          <p:nvPr/>
-        </p:nvCxnSpPr>
-        <p:spPr>
-          <a:xfrm rot="10800000">
-            <a:off x="24993600" y="29489400"/>
-            <a:ext cx="5105400" cy="0"/>
-          </a:xfrm>
-          <a:prstGeom prst="line">
-            <a:avLst/>
-          </a:prstGeom>
-          <a:ln w="76200">
-            <a:solidFill>
-              <a:schemeClr val="accent2">
-                <a:lumMod val="40000"/>
-                <a:lumOff val="60000"/>
-              </a:schemeClr>
-            </a:solidFill>
-          </a:ln>
-        </p:spPr>
-        <p:style>
-          <a:lnRef idx="1">
-            <a:schemeClr val="accent1"/>
-          </a:lnRef>
-          <a:fillRef idx="0">
-            <a:schemeClr val="accent1"/>
-          </a:fillRef>
-          <a:effectRef idx="0">
-            <a:schemeClr val="accent1"/>
-          </a:effectRef>
-          <a:fontRef idx="minor">
-            <a:schemeClr val="tx1"/>
-          </a:fontRef>
-        </p:style>
-      </p:cxnSp>
-      <p:cxnSp>
-        <p:nvCxnSpPr>
           <p:cNvPr id="49" name="Straight Connector 48"/>
           <p:cNvCxnSpPr/>
           <p:nvPr/>
         </p:nvCxnSpPr>
         <p:spPr>
           <a:xfrm rot="16200000" flipH="1">
-            <a:off x="25938481" y="15971520"/>
+            <a:off x="9174481" y="13914120"/>
             <a:ext cx="6949440" cy="1"/>
           </a:xfrm>
           <a:prstGeom prst="line">
@@ -4727,7 +4694,7 @@
         </p:nvCxnSpPr>
         <p:spPr>
           <a:xfrm rot="5400000">
-            <a:off x="40706040" y="27675840"/>
+            <a:off x="-3261360" y="24825960"/>
             <a:ext cx="4389120" cy="0"/>
           </a:xfrm>
           <a:prstGeom prst="line">
@@ -4757,120 +4724,135 @@
           </a:fontRef>
         </p:style>
       </p:cxnSp>
-      <p:cxnSp>
-        <p:nvCxnSpPr>
-          <p:cNvPr id="48" name="Straight Connector 47"/>
-          <p:cNvCxnSpPr/>
+      <p:grpSp>
+        <p:nvGrpSpPr>
+          <p:cNvPr id="156" name="Group 155"/>
+          <p:cNvGrpSpPr/>
           <p:nvPr/>
-        </p:nvCxnSpPr>
-        <p:spPr>
-          <a:xfrm rot="10800000">
-            <a:off x="8534400" y="29718000"/>
-            <a:ext cx="5105400" cy="0"/>
+        </p:nvGrpSpPr>
+        <p:grpSpPr>
+          <a:xfrm>
+            <a:off x="-5105400" y="26289000"/>
+            <a:ext cx="5105400" cy="5486400"/>
+            <a:chOff x="8534400" y="24460200"/>
+            <a:chExt cx="5105400" cy="5486400"/>
           </a:xfrm>
-          <a:prstGeom prst="line">
-            <a:avLst/>
-          </a:prstGeom>
-          <a:ln w="76200">
-            <a:solidFill>
-              <a:schemeClr val="accent2">
-                <a:lumMod val="40000"/>
-                <a:lumOff val="60000"/>
-              </a:schemeClr>
-            </a:solidFill>
-          </a:ln>
-        </p:spPr>
-        <p:style>
-          <a:lnRef idx="1">
-            <a:schemeClr val="accent1"/>
-          </a:lnRef>
-          <a:fillRef idx="0">
-            <a:schemeClr val="accent1"/>
-          </a:fillRef>
-          <a:effectRef idx="0">
-            <a:schemeClr val="accent1"/>
-          </a:effectRef>
-          <a:fontRef idx="minor">
-            <a:schemeClr val="tx1"/>
-          </a:fontRef>
-        </p:style>
-      </p:cxnSp>
-      <p:cxnSp>
-        <p:nvCxnSpPr>
-          <p:cNvPr id="50" name="Straight Connector 49"/>
-          <p:cNvCxnSpPr/>
-          <p:nvPr/>
-        </p:nvCxnSpPr>
-        <p:spPr>
-          <a:xfrm rot="5400000">
-            <a:off x="10210800" y="27203400"/>
-            <a:ext cx="5486400" cy="0"/>
-          </a:xfrm>
-          <a:prstGeom prst="line">
-            <a:avLst/>
-          </a:prstGeom>
-          <a:ln w="76200">
-            <a:solidFill>
-              <a:schemeClr val="accent2">
-                <a:lumMod val="40000"/>
-                <a:lumOff val="60000"/>
-              </a:schemeClr>
-            </a:solidFill>
-          </a:ln>
-        </p:spPr>
-        <p:style>
-          <a:lnRef idx="1">
-            <a:schemeClr val="accent1"/>
-          </a:lnRef>
-          <a:fillRef idx="0">
-            <a:schemeClr val="accent1"/>
-          </a:fillRef>
-          <a:effectRef idx="0">
-            <a:schemeClr val="accent1"/>
-          </a:effectRef>
-          <a:fontRef idx="minor">
-            <a:schemeClr val="tx1"/>
-          </a:fontRef>
-        </p:style>
-      </p:cxnSp>
-      <p:cxnSp>
-        <p:nvCxnSpPr>
-          <p:cNvPr id="52" name="Straight Connector 51"/>
-          <p:cNvCxnSpPr/>
-          <p:nvPr/>
-        </p:nvCxnSpPr>
-        <p:spPr>
-          <a:xfrm rot="10800000">
-            <a:off x="9448800" y="29489400"/>
-            <a:ext cx="3962400" cy="0"/>
-          </a:xfrm>
-          <a:prstGeom prst="line">
-            <a:avLst/>
-          </a:prstGeom>
-          <a:ln w="76200">
-            <a:solidFill>
-              <a:schemeClr val="accent2">
-                <a:lumMod val="40000"/>
-                <a:lumOff val="60000"/>
-              </a:schemeClr>
-            </a:solidFill>
-          </a:ln>
-        </p:spPr>
-        <p:style>
-          <a:lnRef idx="1">
-            <a:schemeClr val="accent1"/>
-          </a:lnRef>
-          <a:fillRef idx="0">
-            <a:schemeClr val="accent1"/>
-          </a:fillRef>
-          <a:effectRef idx="0">
-            <a:schemeClr val="accent1"/>
-          </a:effectRef>
-          <a:fontRef idx="minor">
-            <a:schemeClr val="tx1"/>
-          </a:fontRef>
-        </p:style>
-      </p:cxnSp>
+        </p:grpSpPr>
+        <p:cxnSp>
+          <p:nvCxnSpPr>
+            <p:cNvPr id="48" name="Straight Connector 47"/>
+            <p:cNvCxnSpPr/>
+            <p:nvPr/>
+          </p:nvCxnSpPr>
+          <p:spPr>
+            <a:xfrm rot="10800000">
+              <a:off x="8534400" y="29718000"/>
+              <a:ext cx="5105400" cy="0"/>
+            </a:xfrm>
+            <a:prstGeom prst="line">
+              <a:avLst/>
+            </a:prstGeom>
+            <a:ln w="76200">
+              <a:solidFill>
+                <a:schemeClr val="accent2">
+                  <a:lumMod val="40000"/>
+                  <a:lumOff val="60000"/>
+                </a:schemeClr>
+              </a:solidFill>
+            </a:ln>
+          </p:spPr>
+          <p:style>
+            <a:lnRef idx="1">
+              <a:schemeClr val="accent1"/>
+            </a:lnRef>
+            <a:fillRef idx="0">
+              <a:schemeClr val="accent1"/>
+            </a:fillRef>
+            <a:effectRef idx="0">
+              <a:schemeClr val="accent1"/>
+            </a:effectRef>
+            <a:fontRef idx="minor">
+              <a:schemeClr val="tx1"/>
+            </a:fontRef>
+          </p:style>
+        </p:cxnSp>
+        <p:cxnSp>
+          <p:nvCxnSpPr>
+            <p:cNvPr id="50" name="Straight Connector 49"/>
+            <p:cNvCxnSpPr/>
+            <p:nvPr/>
+          </p:nvCxnSpPr>
+          <p:spPr>
+            <a:xfrm rot="5400000">
+              <a:off x="10210800" y="27203400"/>
+              <a:ext cx="5486400" cy="0"/>
+            </a:xfrm>
+            <a:prstGeom prst="line">
+              <a:avLst/>
+            </a:prstGeom>
+            <a:ln w="76200">
+              <a:solidFill>
+                <a:schemeClr val="accent2">
+                  <a:lumMod val="40000"/>
+                  <a:lumOff val="60000"/>
+                </a:schemeClr>
+              </a:solidFill>
+            </a:ln>
+          </p:spPr>
+          <p:style>
+            <a:lnRef idx="1">
+              <a:schemeClr val="accent1"/>
+            </a:lnRef>
+            <a:fillRef idx="0">
+              <a:schemeClr val="accent1"/>
+            </a:fillRef>
+            <a:effectRef idx="0">
+              <a:schemeClr val="accent1"/>
+            </a:effectRef>
+            <a:fontRef idx="minor">
+              <a:schemeClr val="tx1"/>
+            </a:fontRef>
+          </p:style>
+        </p:cxnSp>
+        <p:cxnSp>
+          <p:nvCxnSpPr>
+            <p:cNvPr id="52" name="Straight Connector 51"/>
+            <p:cNvCxnSpPr/>
+            <p:nvPr/>
+          </p:nvCxnSpPr>
+          <p:spPr>
+            <a:xfrm rot="10800000">
+              <a:off x="9448800" y="29489400"/>
+              <a:ext cx="3962400" cy="0"/>
+            </a:xfrm>
+            <a:prstGeom prst="line">
+              <a:avLst/>
+            </a:prstGeom>
+            <a:ln w="76200">
+              <a:solidFill>
+                <a:schemeClr val="accent2">
+                  <a:lumMod val="40000"/>
+                  <a:lumOff val="60000"/>
+                </a:schemeClr>
+              </a:solidFill>
+            </a:ln>
+          </p:spPr>
+          <p:style>
+            <a:lnRef idx="1">
+              <a:schemeClr val="accent1"/>
+            </a:lnRef>
+            <a:fillRef idx="0">
+              <a:schemeClr val="accent1"/>
+            </a:fillRef>
+            <a:effectRef idx="0">
+              <a:schemeClr val="accent1"/>
+            </a:effectRef>
+            <a:fontRef idx="minor">
+              <a:schemeClr val="tx1"/>
+            </a:fontRef>
+          </p:style>
+        </p:cxnSp>
+      </p:grpSp>
       <p:cxnSp>
         <p:nvCxnSpPr>
           <p:cNvPr id="67" name="Straight Connector 66"/>
@@ -4879,7 +4861,7 @@
         </p:nvCxnSpPr>
         <p:spPr>
           <a:xfrm rot="10800000">
-            <a:off x="25069800" y="12954000"/>
+            <a:off x="8305800" y="10896600"/>
             <a:ext cx="4816152" cy="0"/>
           </a:xfrm>
           <a:prstGeom prst="line">
@@ -4909,82 +4891,135 @@
           </a:fontRef>
         </p:style>
       </p:cxnSp>
-      <p:cxnSp>
-        <p:nvCxnSpPr>
-          <p:cNvPr id="77" name="Straight Connector 76"/>
-          <p:cNvCxnSpPr/>
+      <p:grpSp>
+        <p:nvGrpSpPr>
+          <p:cNvPr id="114" name="Group 113"/>
+          <p:cNvGrpSpPr/>
           <p:nvPr/>
-        </p:nvCxnSpPr>
-        <p:spPr>
-          <a:xfrm rot="16200000" flipH="1">
-            <a:off x="26593801" y="26898600"/>
-            <a:ext cx="5943600" cy="1"/>
+        </p:nvGrpSpPr>
+        <p:grpSpPr>
+          <a:xfrm>
+            <a:off x="24917400" y="24003000"/>
+            <a:ext cx="5105400" cy="5943600"/>
+            <a:chOff x="24993600" y="23926801"/>
+            <a:chExt cx="5105400" cy="5943600"/>
           </a:xfrm>
-          <a:prstGeom prst="line">
-            <a:avLst/>
-          </a:prstGeom>
-          <a:ln w="76200">
-            <a:solidFill>
-              <a:schemeClr val="accent2">
-                <a:lumMod val="40000"/>
-                <a:lumOff val="60000"/>
-              </a:schemeClr>
-            </a:solidFill>
-          </a:ln>
-        </p:spPr>
-        <p:style>
-          <a:lnRef idx="1">
-            <a:schemeClr val="accent1"/>
-          </a:lnRef>
-          <a:fillRef idx="0">
-            <a:schemeClr val="accent1"/>
-          </a:fillRef>
-          <a:effectRef idx="0">
-            <a:schemeClr val="accent1"/>
-          </a:effectRef>
-          <a:fontRef idx="minor">
-            <a:schemeClr val="tx1"/>
-          </a:fontRef>
-        </p:style>
-      </p:cxnSp>
-      <p:cxnSp>
-        <p:nvCxnSpPr>
-          <p:cNvPr id="78" name="Straight Connector 77"/>
-          <p:cNvCxnSpPr/>
-          <p:nvPr/>
-        </p:nvCxnSpPr>
-        <p:spPr>
-          <a:xfrm rot="10800000" flipV="1">
-            <a:off x="25374601" y="29260798"/>
-            <a:ext cx="4175448" cy="1"/>
-          </a:xfrm>
-          <a:prstGeom prst="line">
-            <a:avLst/>
-          </a:prstGeom>
-          <a:ln w="76200">
-            <a:solidFill>
-              <a:schemeClr val="accent2">
-                <a:lumMod val="40000"/>
-                <a:lumOff val="60000"/>
-              </a:schemeClr>
-            </a:solidFill>
-          </a:ln>
-        </p:spPr>
-        <p:style>
-          <a:lnRef idx="1">
-            <a:schemeClr val="accent1"/>
-          </a:lnRef>
-          <a:fillRef idx="0">
-            <a:schemeClr val="accent1"/>
-          </a:fillRef>
-          <a:effectRef idx="0">
-            <a:schemeClr val="accent1"/>
-          </a:effectRef>
-          <a:fontRef idx="minor">
-            <a:schemeClr val="tx1"/>
-          </a:fontRef>
-        </p:style>
-      </p:cxnSp>
+        </p:grpSpPr>
+        <p:cxnSp>
+          <p:nvCxnSpPr>
+            <p:cNvPr id="47" name="Straight Connector 46"/>
+            <p:cNvCxnSpPr/>
+            <p:nvPr/>
+          </p:nvCxnSpPr>
+          <p:spPr>
+            <a:xfrm rot="10800000">
+              <a:off x="24993600" y="29489400"/>
+              <a:ext cx="5105400" cy="0"/>
+            </a:xfrm>
+            <a:prstGeom prst="line">
+              <a:avLst/>
+            </a:prstGeom>
+            <a:ln w="76200">
+              <a:solidFill>
+                <a:schemeClr val="accent2">
+                  <a:lumMod val="40000"/>
+                  <a:lumOff val="60000"/>
+                </a:schemeClr>
+              </a:solidFill>
+            </a:ln>
+          </p:spPr>
+          <p:style>
+            <a:lnRef idx="1">
+              <a:schemeClr val="accent1"/>
+            </a:lnRef>
+            <a:fillRef idx="0">
+              <a:schemeClr val="accent1"/>
+            </a:fillRef>
+            <a:effectRef idx="0">
+              <a:schemeClr val="accent1"/>
+            </a:effectRef>
+            <a:fontRef idx="minor">
+              <a:schemeClr val="tx1"/>
+            </a:fontRef>
+          </p:style>
+        </p:cxnSp>
+        <p:cxnSp>
+          <p:nvCxnSpPr>
+            <p:cNvPr id="77" name="Straight Connector 76"/>
+            <p:cNvCxnSpPr/>
+            <p:nvPr/>
+          </p:nvCxnSpPr>
+          <p:spPr>
+            <a:xfrm rot="16200000" flipH="1">
+              <a:off x="26593801" y="26898600"/>
+              <a:ext cx="5943600" cy="1"/>
+            </a:xfrm>
+            <a:prstGeom prst="line">
+              <a:avLst/>
+            </a:prstGeom>
+            <a:ln w="76200">
+              <a:solidFill>
+                <a:schemeClr val="accent2">
+                  <a:lumMod val="40000"/>
+                  <a:lumOff val="60000"/>
+                </a:schemeClr>
+              </a:solidFill>
+            </a:ln>
+          </p:spPr>
+          <p:style>
+            <a:lnRef idx="1">
+              <a:schemeClr val="accent1"/>
+            </a:lnRef>
+            <a:fillRef idx="0">
+              <a:schemeClr val="accent1"/>
+            </a:fillRef>
+            <a:effectRef idx="0">
+              <a:schemeClr val="accent1"/>
+            </a:effectRef>
+            <a:fontRef idx="minor">
+              <a:schemeClr val="tx1"/>
+            </a:fontRef>
+          </p:style>
+        </p:cxnSp>
+        <p:cxnSp>
+          <p:nvCxnSpPr>
+            <p:cNvPr id="78" name="Straight Connector 77"/>
+            <p:cNvCxnSpPr/>
+            <p:nvPr/>
+          </p:nvCxnSpPr>
+          <p:spPr>
+            <a:xfrm rot="10800000" flipV="1">
+              <a:off x="25374601" y="29260798"/>
+              <a:ext cx="4175448" cy="1"/>
+            </a:xfrm>
+            <a:prstGeom prst="line">
+              <a:avLst/>
+            </a:prstGeom>
+            <a:ln w="76200">
+              <a:solidFill>
+                <a:schemeClr val="accent2">
+                  <a:lumMod val="40000"/>
+                  <a:lumOff val="60000"/>
+                </a:schemeClr>
+              </a:solidFill>
+            </a:ln>
+          </p:spPr>
+          <p:style>
+            <a:lnRef idx="1">
+              <a:schemeClr val="accent1"/>
+            </a:lnRef>
+            <a:fillRef idx="0">
+              <a:schemeClr val="accent1"/>
+            </a:fillRef>
+            <a:effectRef idx="0">
+              <a:schemeClr val="accent1"/>
+            </a:effectRef>
+            <a:fontRef idx="minor">
+              <a:schemeClr val="tx1"/>
+            </a:fontRef>
+          </p:style>
+        </p:cxnSp>
+      </p:grpSp>
       <p:cxnSp>
         <p:nvCxnSpPr>
           <p:cNvPr id="79" name="Straight Connector 78"/>
@@ -4993,7 +5028,7 @@
         </p:nvCxnSpPr>
         <p:spPr>
           <a:xfrm rot="10800000">
-            <a:off x="38100000" y="29565600"/>
+            <a:off x="-5867400" y="26715720"/>
             <a:ext cx="5105400" cy="0"/>
           </a:xfrm>
           <a:prstGeom prst="line">
@@ -5069,7 +5104,7 @@
         </p:nvCxnSpPr>
         <p:spPr>
           <a:xfrm rot="10800000">
-            <a:off x="23622000" y="4876801"/>
+            <a:off x="23195280" y="4876801"/>
             <a:ext cx="5105400" cy="0"/>
           </a:xfrm>
           <a:prstGeom prst="line">
@@ -5272,7 +5307,7 @@
         </p:nvCxnSpPr>
         <p:spPr>
           <a:xfrm rot="10800000">
-            <a:off x="25984200" y="5105400"/>
+            <a:off x="25557480" y="5105400"/>
             <a:ext cx="2286000" cy="0"/>
           </a:xfrm>
           <a:prstGeom prst="line">
@@ -5348,7 +5383,7 @@
         </p:nvCxnSpPr>
         <p:spPr>
           <a:xfrm rot="10800000">
-            <a:off x="21259800" y="5105401"/>
+            <a:off x="20833080" y="5105401"/>
             <a:ext cx="3657600" cy="0"/>
           </a:xfrm>
           <a:prstGeom prst="line">
@@ -5386,7 +5421,7 @@
         </p:nvGrpSpPr>
         <p:grpSpPr>
           <a:xfrm>
-            <a:off x="12420600" y="10134600"/>
+            <a:off x="29032200" y="15697200"/>
             <a:ext cx="5105400" cy="4114800"/>
             <a:chOff x="45780648" y="13335000"/>
             <a:chExt cx="5105400" cy="4114800"/>
@@ -5630,7 +5665,7 @@
         <p:spPr>
           <a:xfrm>
             <a:off x="1280160" y="11887200"/>
-            <a:ext cx="10515600" cy="9017853"/>
+            <a:ext cx="10515600" cy="8956298"/>
           </a:xfrm>
           <a:prstGeom prst="rect">
             <a:avLst/>
@@ -5649,30 +5684,15 @@
               </a:spcAft>
             </a:pPr>
             <a:r>
-              <a:rPr lang="en-US" sz="3200" dirty="0" smtClean="0"/>
-              <a:t>Our system uses an RF transceiver mesh network to track mobile assets indoors. The system determines an asset’s current location by matching the RF fingerprint, based on signal strength, of a tag’s periodic broadcasts with previously collected fingerprints stored in a database.</a:t>
+              <a:rPr lang="en-US" sz="3600" dirty="0" smtClean="0"/>
+              <a:t>The system uses an RF transceiver mesh network to track mobile assets indoors. The system determines an asset’s current location by matching the RF signal strength pattern of an asset tag’s periodic broadcasts with pre-collected patterns stored in a database.</a:t>
             </a:r>
           </a:p>
           <a:p>
             <a:pPr algn="just"/>
             <a:r>
-              <a:rPr lang="en-US" sz="3200" dirty="0" smtClean="0"/>
-              <a:t>Why </a:t>
-            </a:r>
-            <a:r>
-              <a:rPr lang="en-US" sz="3200" b="1" dirty="0" smtClean="0"/>
-              <a:t>RF signal strength</a:t>
-            </a:r>
-            <a:r>
-              <a:rPr lang="en-US" sz="3200" dirty="0" smtClean="0"/>
-              <a:t>?</a:t>
-            </a:r>
-          </a:p>
-          <a:p>
-            <a:pPr algn="just"/>
-            <a:r>
-              <a:rPr lang="en-US" sz="3200" dirty="0" smtClean="0"/>
-              <a:t>Radio Received Signal Strength Indication (RSSI) is a measurement of the amount of power received by an antenna. We based our system on RF signal strength because alternative choices such as GPS, IR, and Acoustics either cannot work indoors, or requires line of sight. Also, low power RF transceivers are readily available.</a:t>
+              <a:rPr lang="en-US" sz="3600" dirty="0" smtClean="0"/>
+              <a:t>Signal strength based location method has several advantages over other methods such as GPS, IR, and Acoustics as it is easy to implement and does not require line of sight. Also, low cost RF transceivers are readily available.</a:t>
             </a:r>
           </a:p>
           <a:p>
@@ -5682,18 +5702,18 @@
               </a:spcBef>
             </a:pPr>
             <a:r>
-              <a:rPr lang="en-US" sz="3200" dirty="0" smtClean="0"/>
+              <a:rPr lang="en-US" sz="3600" dirty="0" smtClean="0"/>
               <a:t>For scalability, a </a:t>
             </a:r>
             <a:r>
-              <a:rPr lang="en-US" sz="3200" b="1" dirty="0" smtClean="0"/>
+              <a:rPr lang="en-US" sz="3600" b="1" dirty="0" smtClean="0"/>
               <a:t>mesh network </a:t>
             </a:r>
             <a:r>
-              <a:rPr lang="en-US" sz="3200" dirty="0" smtClean="0"/>
-              <a:t>of detectors relay all data to a centralized controller where locations of tags are calculated and saved in a database. An easy to use web application provides visualization of tag locations, as well as other maintenance details.</a:t>
-            </a:r>
-            <a:endParaRPr lang="en-US" sz="3200" dirty="0"/>
+              <a:rPr lang="en-US" sz="3600" dirty="0" smtClean="0"/>
+              <a:t>of detectors relay all data to a centralized controller where locations of the tags are calculated and saved in a database. An easy to use web application provides visualization of tag locations, as well as other maintenance details.</a:t>
+            </a:r>
+            <a:endParaRPr lang="en-US" sz="3600" dirty="0"/>
           </a:p>
         </p:txBody>
       </p:sp>
@@ -5764,7 +5784,7 @@
         </p:nvGrpSpPr>
         <p:grpSpPr>
           <a:xfrm>
-            <a:off x="14047356" y="6400800"/>
+            <a:off x="13620636" y="6153560"/>
             <a:ext cx="14832444" cy="5733640"/>
             <a:chOff x="15212523" y="10241280"/>
             <a:chExt cx="11865954" cy="4586912"/>
@@ -7467,7 +7487,7 @@
         </p:nvSpPr>
         <p:spPr>
           <a:xfrm>
-            <a:off x="21717000" y="18577691"/>
+            <a:off x="21290280" y="17129296"/>
             <a:ext cx="7315200" cy="677108"/>
           </a:xfrm>
           <a:prstGeom prst="rect">
@@ -7496,8 +7516,8 @@
         </p:nvSpPr>
         <p:spPr>
           <a:xfrm>
-            <a:off x="14020800" y="13716595"/>
-            <a:ext cx="7589520" cy="15204162"/>
+            <a:off x="13594080" y="12161520"/>
+            <a:ext cx="7589520" cy="11095345"/>
           </a:xfrm>
           <a:prstGeom prst="rect">
             <a:avLst/>
@@ -7510,32 +7530,22 @@
           </a:bodyPr>
           <a:lstStyle/>
           <a:p>
-            <a:r>
-              <a:rPr lang="en-US" sz="4000" b="1" dirty="0" smtClean="0">
+            <a:pPr>
+              <a:spcBef>
+                <a:spcPts val="1800"/>
+              </a:spcBef>
+            </a:pPr>
+            <a:r>
+              <a:rPr lang="en-US" sz="3600" b="1" dirty="0" smtClean="0">
                 <a:solidFill>
-                  <a:schemeClr val="accent1"/>
+                  <a:schemeClr val="accent1">
+                    <a:lumMod val="60000"/>
+                    <a:lumOff val="40000"/>
+                  </a:schemeClr>
                 </a:solidFill>
                 <a:ea typeface="Ebrima" pitchFamily="2" charset="0"/>
                 <a:cs typeface="Ebrima" pitchFamily="2" charset="0"/>
               </a:rPr>
-              <a:t>Back-end Network</a:t>
-            </a:r>
-          </a:p>
-          <a:p>
-            <a:endParaRPr lang="en-US" sz="4000" b="1" dirty="0" smtClean="0">
-              <a:solidFill>
-                <a:schemeClr val="accent1"/>
-              </a:solidFill>
-              <a:ea typeface="Ebrima" pitchFamily="2" charset="0"/>
-              <a:cs typeface="Ebrima" pitchFamily="2" charset="0"/>
-            </a:endParaRPr>
-          </a:p>
-          <a:p>
-            <a:r>
-              <a:rPr lang="en-US" sz="3200" b="1" dirty="0" smtClean="0">
-                <a:ea typeface="Ebrima" pitchFamily="2" charset="0"/>
-                <a:cs typeface="Ebrima" pitchFamily="2" charset="0"/>
-              </a:rPr>
               <a:t>Controller</a:t>
             </a:r>
           </a:p>
@@ -7545,7 +7555,7 @@
               <a:buChar char="•"/>
             </a:pPr>
             <a:r>
-              <a:rPr lang="en-US" sz="3200" dirty="0" smtClean="0">
+              <a:rPr lang="en-US" sz="3600" dirty="0" smtClean="0">
                 <a:ea typeface="Ebrima" pitchFamily="2" charset="0"/>
                 <a:cs typeface="Ebrima" pitchFamily="2" charset="0"/>
               </a:rPr>
@@ -7558,7 +7568,7 @@
               <a:buChar char="•"/>
             </a:pPr>
             <a:r>
-              <a:rPr lang="en-US" sz="3200" dirty="0" smtClean="0">
+              <a:rPr lang="en-US" sz="3600" dirty="0" smtClean="0">
                 <a:ea typeface="Ebrima" pitchFamily="2" charset="0"/>
                 <a:cs typeface="Ebrima" pitchFamily="2" charset="0"/>
               </a:rPr>
@@ -7571,7 +7581,7 @@
               <a:buChar char="•"/>
             </a:pPr>
             <a:r>
-              <a:rPr lang="en-US" sz="3200" dirty="0" smtClean="0">
+              <a:rPr lang="en-US" sz="3600" dirty="0" smtClean="0">
                 <a:ea typeface="Ebrima" pitchFamily="2" charset="0"/>
                 <a:cs typeface="Ebrima" pitchFamily="2" charset="0"/>
               </a:rPr>
@@ -7579,15 +7589,19 @@
             </a:r>
           </a:p>
           <a:p>
-            <a:pPr marL="225425" indent="-225425"/>
-            <a:endParaRPr lang="en-US" sz="3200" dirty="0" smtClean="0">
-              <a:ea typeface="Ebrima" pitchFamily="2" charset="0"/>
-              <a:cs typeface="Ebrima" pitchFamily="2" charset="0"/>
-            </a:endParaRPr>
-          </a:p>
-          <a:p>
-            <a:r>
-              <a:rPr lang="en-US" sz="3200" b="1" dirty="0" smtClean="0">
+            <a:pPr>
+              <a:spcBef>
+                <a:spcPts val="1800"/>
+              </a:spcBef>
+            </a:pPr>
+            <a:r>
+              <a:rPr lang="en-US" sz="3600" b="1" dirty="0" smtClean="0">
+                <a:solidFill>
+                  <a:schemeClr val="accent1">
+                    <a:lumMod val="60000"/>
+                    <a:lumOff val="40000"/>
+                  </a:schemeClr>
+                </a:solidFill>
                 <a:ea typeface="Ebrima" pitchFamily="2" charset="0"/>
                 <a:cs typeface="Ebrima" pitchFamily="2" charset="0"/>
               </a:rPr>
@@ -7600,11 +7614,11 @@
               <a:buChar char="•"/>
             </a:pPr>
             <a:r>
-              <a:rPr lang="en-US" sz="3200" dirty="0" smtClean="0">
+              <a:rPr lang="en-US" sz="3600" dirty="0" smtClean="0">
                 <a:ea typeface="Ebrima" pitchFamily="2" charset="0"/>
                 <a:cs typeface="Ebrima" pitchFamily="2" charset="0"/>
               </a:rPr>
-              <a:t>A progressively constrained, nearest neighbor algorithm, using Euclidean distance as the matching metric</a:t>
+              <a:t>A pattern matching algorithm based on Euclidean distance</a:t>
             </a:r>
           </a:p>
           <a:p>
@@ -7613,23 +7627,27 @@
               <a:buChar char="•"/>
             </a:pPr>
             <a:r>
-              <a:rPr lang="en-US" sz="3200" dirty="0" smtClean="0">
+              <a:rPr lang="en-US" sz="3600" dirty="0" smtClean="0">
                 <a:ea typeface="Ebrima" pitchFamily="2" charset="0"/>
                 <a:cs typeface="Ebrima" pitchFamily="2" charset="0"/>
               </a:rPr>
-              <a:t> Heuristics, input and output filters are employed that further enhance the accuracy and reliability of the locating process</a:t>
-            </a:r>
-          </a:p>
-          <a:p>
-            <a:pPr marL="225425" indent="-225425" algn="just"/>
-            <a:endParaRPr lang="en-US" sz="3200" dirty="0" smtClean="0">
-              <a:ea typeface="Ebrima" pitchFamily="2" charset="0"/>
-              <a:cs typeface="Ebrima" pitchFamily="2" charset="0"/>
-            </a:endParaRPr>
-          </a:p>
-          <a:p>
-            <a:r>
-              <a:rPr lang="en-US" sz="3200" b="1" dirty="0" smtClean="0">
+              <a:t> Employs heuristics and input output filters to further enhance the accuracy and reliability of the locating process</a:t>
+            </a:r>
+          </a:p>
+          <a:p>
+            <a:pPr>
+              <a:spcBef>
+                <a:spcPts val="1200"/>
+              </a:spcBef>
+            </a:pPr>
+            <a:r>
+              <a:rPr lang="en-US" sz="3600" b="1" dirty="0" smtClean="0">
+                <a:solidFill>
+                  <a:schemeClr val="accent1">
+                    <a:lumMod val="60000"/>
+                    <a:lumOff val="40000"/>
+                  </a:schemeClr>
+                </a:solidFill>
                 <a:ea typeface="Ebrima" pitchFamily="2" charset="0"/>
                 <a:cs typeface="Ebrima" pitchFamily="2" charset="0"/>
               </a:rPr>
@@ -7642,7 +7660,7 @@
               <a:buChar char="•"/>
             </a:pPr>
             <a:r>
-              <a:rPr lang="en-US" sz="3200" dirty="0" smtClean="0">
+              <a:rPr lang="en-US" sz="3600" dirty="0" smtClean="0">
                 <a:ea typeface="Ebrima" pitchFamily="2" charset="0"/>
                 <a:cs typeface="Ebrima" pitchFamily="2" charset="0"/>
               </a:rPr>
@@ -7655,7 +7673,7 @@
               <a:buChar char="•"/>
             </a:pPr>
             <a:r>
-              <a:rPr lang="en-US" sz="3200" dirty="0" smtClean="0">
+              <a:rPr lang="en-US" sz="3600" dirty="0" smtClean="0">
                 <a:ea typeface="Ebrima" pitchFamily="2" charset="0"/>
                 <a:cs typeface="Ebrima" pitchFamily="2" charset="0"/>
               </a:rPr>
@@ -7668,7 +7686,7 @@
               <a:buChar char="•"/>
             </a:pPr>
             <a:r>
-              <a:rPr lang="en-US" sz="3200" dirty="0" smtClean="0">
+              <a:rPr lang="en-US" sz="3600" dirty="0" smtClean="0">
                 <a:ea typeface="Ebrima" pitchFamily="2" charset="0"/>
                 <a:cs typeface="Ebrima" pitchFamily="2" charset="0"/>
               </a:rPr>
@@ -7681,7 +7699,7 @@
               <a:buChar char="•"/>
             </a:pPr>
             <a:r>
-              <a:rPr lang="en-US" sz="3200" dirty="0" smtClean="0">
+              <a:rPr lang="en-US" sz="3600" dirty="0" smtClean="0">
                 <a:ea typeface="Ebrima" pitchFamily="2" charset="0"/>
                 <a:cs typeface="Ebrima" pitchFamily="2" charset="0"/>
               </a:rPr>
@@ -7694,53 +7712,11 @@
               <a:buChar char="•"/>
             </a:pPr>
             <a:r>
-              <a:rPr lang="en-US" sz="3200" dirty="0" smtClean="0">
+              <a:rPr lang="en-US" sz="3600" dirty="0" smtClean="0">
                 <a:ea typeface="Ebrima" pitchFamily="2" charset="0"/>
                 <a:cs typeface="Ebrima" pitchFamily="2" charset="0"/>
               </a:rPr>
-              <a:t>Configure the geometry of the tracking area</a:t>
-            </a:r>
-          </a:p>
-          <a:p>
-            <a:pPr marL="225425" indent="-225425"/>
-            <a:endParaRPr lang="en-US" sz="3200" dirty="0" smtClean="0">
-              <a:ea typeface="Ebrima" pitchFamily="2" charset="0"/>
-              <a:cs typeface="Ebrima" pitchFamily="2" charset="0"/>
-            </a:endParaRPr>
-          </a:p>
-          <a:p>
-            <a:r>
-              <a:rPr lang="en-US" sz="3200" b="1" dirty="0" smtClean="0">
-                <a:ea typeface="Ebrima" pitchFamily="2" charset="0"/>
-                <a:cs typeface="Ebrima" pitchFamily="2" charset="0"/>
-              </a:rPr>
-              <a:t>SQL Database</a:t>
-            </a:r>
-          </a:p>
-          <a:p>
-            <a:pPr marL="225425" indent="-225425">
-              <a:buFont typeface="Arial" pitchFamily="34" charset="0"/>
-              <a:buChar char="•"/>
-            </a:pPr>
-            <a:r>
-              <a:rPr lang="en-US" sz="3200" dirty="0" smtClean="0">
-                <a:ea typeface="Ebrima" pitchFamily="2" charset="0"/>
-                <a:cs typeface="Ebrima" pitchFamily="2" charset="0"/>
-              </a:rPr>
-              <a:t>Stores locations and battery levels of all tags and detectors</a:t>
-            </a:r>
-          </a:p>
-          <a:p>
-            <a:pPr marL="225425" indent="-225425">
-              <a:buFont typeface="Arial" pitchFamily="34" charset="0"/>
-              <a:buChar char="•"/>
-            </a:pPr>
-            <a:r>
-              <a:rPr lang="en-US" sz="3200" dirty="0" smtClean="0">
-                <a:ea typeface="Ebrima" pitchFamily="2" charset="0"/>
-                <a:cs typeface="Ebrima" pitchFamily="2" charset="0"/>
-              </a:rPr>
-              <a:t>Stores user accounts</a:t>
+              <a:t>Configure the tracking area</a:t>
             </a:r>
           </a:p>
         </p:txBody>
@@ -7753,8 +7729,8 @@
         </p:nvSpPr>
         <p:spPr>
           <a:xfrm>
-            <a:off x="21640800" y="13769935"/>
-            <a:ext cx="7315200" cy="11757065"/>
+            <a:off x="21488400" y="12161520"/>
+            <a:ext cx="7315200" cy="11957119"/>
           </a:xfrm>
           <a:prstGeom prst="rect">
             <a:avLst/>
@@ -7767,32 +7743,22 @@
           </a:bodyPr>
           <a:lstStyle/>
           <a:p>
-            <a:r>
-              <a:rPr lang="en-US" sz="4000" b="1" dirty="0" smtClean="0">
+            <a:pPr>
+              <a:spcBef>
+                <a:spcPts val="1800"/>
+              </a:spcBef>
+            </a:pPr>
+            <a:r>
+              <a:rPr lang="en-US" sz="3600" b="1" dirty="0" smtClean="0">
                 <a:solidFill>
-                  <a:schemeClr val="accent1"/>
+                  <a:schemeClr val="accent1">
+                    <a:lumMod val="60000"/>
+                    <a:lumOff val="40000"/>
+                  </a:schemeClr>
                 </a:solidFill>
                 <a:ea typeface="Ebrima" pitchFamily="2" charset="0"/>
                 <a:cs typeface="Ebrima" pitchFamily="2" charset="0"/>
               </a:rPr>
-              <a:t>Front-end Network</a:t>
-            </a:r>
-          </a:p>
-          <a:p>
-            <a:endParaRPr lang="en-US" sz="4000" b="1" dirty="0" smtClean="0">
-              <a:solidFill>
-                <a:schemeClr val="accent1"/>
-              </a:solidFill>
-              <a:ea typeface="Ebrima" pitchFamily="2" charset="0"/>
-              <a:cs typeface="Ebrima" pitchFamily="2" charset="0"/>
-            </a:endParaRPr>
-          </a:p>
-          <a:p>
-            <a:r>
-              <a:rPr lang="en-US" sz="3200" b="1" dirty="0" smtClean="0">
-                <a:ea typeface="Ebrima" pitchFamily="2" charset="0"/>
-                <a:cs typeface="Ebrima" pitchFamily="2" charset="0"/>
-              </a:rPr>
               <a:t>Tags</a:t>
             </a:r>
           </a:p>
@@ -7802,7 +7768,7 @@
               <a:buChar char="•"/>
             </a:pPr>
             <a:r>
-              <a:rPr lang="en-US" sz="3200" dirty="0" smtClean="0">
+              <a:rPr lang="en-US" sz="3600" dirty="0" smtClean="0">
                 <a:ea typeface="Ebrima" pitchFamily="2" charset="0"/>
                 <a:cs typeface="Ebrima" pitchFamily="2" charset="0"/>
               </a:rPr>
@@ -7815,7 +7781,7 @@
               <a:buChar char="•"/>
             </a:pPr>
             <a:r>
-              <a:rPr lang="en-US" sz="3200" dirty="0" smtClean="0">
+              <a:rPr lang="en-US" sz="3600" dirty="0" smtClean="0">
                 <a:ea typeface="Ebrima" pitchFamily="2" charset="0"/>
                 <a:cs typeface="Ebrima" pitchFamily="2" charset="0"/>
               </a:rPr>
@@ -7828,7 +7794,7 @@
               <a:buChar char="•"/>
             </a:pPr>
             <a:r>
-              <a:rPr lang="en-US" sz="3200" dirty="0" smtClean="0">
+              <a:rPr lang="en-US" sz="3600" dirty="0" smtClean="0">
                 <a:ea typeface="Ebrima" pitchFamily="2" charset="0"/>
                 <a:cs typeface="Ebrima" pitchFamily="2" charset="0"/>
               </a:rPr>
@@ -7836,14 +7802,19 @@
             </a:r>
           </a:p>
           <a:p>
-            <a:endParaRPr lang="en-US" sz="3200" dirty="0" smtClean="0">
-              <a:ea typeface="Ebrima" pitchFamily="2" charset="0"/>
-              <a:cs typeface="Ebrima" pitchFamily="2" charset="0"/>
-            </a:endParaRPr>
-          </a:p>
-          <a:p>
-            <a:r>
-              <a:rPr lang="en-US" sz="3200" b="1" dirty="0" smtClean="0">
+            <a:pPr>
+              <a:spcBef>
+                <a:spcPts val="1800"/>
+              </a:spcBef>
+            </a:pPr>
+            <a:r>
+              <a:rPr lang="en-US" sz="3600" b="1" dirty="0" smtClean="0">
+                <a:solidFill>
+                  <a:schemeClr val="accent1">
+                    <a:lumMod val="60000"/>
+                    <a:lumOff val="40000"/>
+                  </a:schemeClr>
+                </a:solidFill>
                 <a:ea typeface="Ebrima" pitchFamily="2" charset="0"/>
                 <a:cs typeface="Ebrima" pitchFamily="2" charset="0"/>
               </a:rPr>
@@ -7856,11 +7827,11 @@
               <a:buChar char="•"/>
             </a:pPr>
             <a:r>
-              <a:rPr lang="en-US" sz="3200" dirty="0" smtClean="0">
+              <a:rPr lang="en-US" sz="3600" dirty="0" smtClean="0">
                 <a:ea typeface="Ebrima" pitchFamily="2" charset="0"/>
                 <a:cs typeface="Ebrima" pitchFamily="2" charset="0"/>
               </a:rPr>
-              <a:t>Determine RSSI of broadcasting tags</a:t>
+              <a:t>Listen to messages from tags and determine the RSSI values</a:t>
             </a:r>
           </a:p>
           <a:p>
@@ -7869,11 +7840,11 @@
               <a:buChar char="•"/>
             </a:pPr>
             <a:r>
-              <a:rPr lang="en-US" sz="3200" dirty="0" smtClean="0">
+              <a:rPr lang="en-US" sz="3600" dirty="0" smtClean="0">
                 <a:ea typeface="Ebrima" pitchFamily="2" charset="0"/>
                 <a:cs typeface="Ebrima" pitchFamily="2" charset="0"/>
               </a:rPr>
-              <a:t>Must always be listening for a tag to broadcast</a:t>
+              <a:t>Forward the messages to the proxy via a controlled flooding mechanism</a:t>
             </a:r>
           </a:p>
           <a:p>
@@ -7882,52 +7853,86 @@
               <a:buChar char="•"/>
             </a:pPr>
             <a:r>
-              <a:rPr lang="en-US" sz="3200" dirty="0" smtClean="0">
+              <a:rPr lang="en-US" sz="3600" dirty="0" smtClean="0">
                 <a:ea typeface="Ebrima" pitchFamily="2" charset="0"/>
                 <a:cs typeface="Ebrima" pitchFamily="2" charset="0"/>
               </a:rPr>
-              <a:t>Rebroadcasts the message, which results in messages always propagating toward the proxy</a:t>
-            </a:r>
-          </a:p>
-          <a:p>
-            <a:pPr marL="228600" indent="-228600">
+              <a:t>Implements collision avoidance using time division</a:t>
+            </a:r>
+          </a:p>
+          <a:p>
+            <a:pPr>
+              <a:spcBef>
+                <a:spcPts val="1800"/>
+              </a:spcBef>
+            </a:pPr>
+            <a:r>
+              <a:rPr lang="en-US" sz="3600" b="1" dirty="0" smtClean="0">
+                <a:solidFill>
+                  <a:schemeClr val="accent1">
+                    <a:lumMod val="60000"/>
+                    <a:lumOff val="40000"/>
+                  </a:schemeClr>
+                </a:solidFill>
+                <a:ea typeface="Ebrima" pitchFamily="2" charset="0"/>
+                <a:cs typeface="Ebrima" pitchFamily="2" charset="0"/>
+              </a:rPr>
+              <a:t>Wi-Fi Proxy</a:t>
+            </a:r>
+          </a:p>
+          <a:p>
+            <a:r>
+              <a:rPr lang="en-US" sz="3600" dirty="0" smtClean="0">
+                <a:ea typeface="Ebrima" pitchFamily="2" charset="0"/>
+                <a:cs typeface="Ebrima" pitchFamily="2" charset="0"/>
+              </a:rPr>
+              <a:t>Receives data from the mesh network and relays them to the controller</a:t>
+            </a:r>
+          </a:p>
+          <a:p>
+            <a:pPr>
+              <a:spcBef>
+                <a:spcPts val="1800"/>
+              </a:spcBef>
+            </a:pPr>
+            <a:r>
+              <a:rPr lang="en-US" sz="3600" b="1" dirty="0" smtClean="0">
+                <a:solidFill>
+                  <a:schemeClr val="accent1">
+                    <a:lumMod val="60000"/>
+                    <a:lumOff val="40000"/>
+                  </a:schemeClr>
+                </a:solidFill>
+                <a:ea typeface="Ebrima" pitchFamily="2" charset="0"/>
+                <a:cs typeface="Ebrima" pitchFamily="2" charset="0"/>
+              </a:rPr>
+              <a:t>SQL Database</a:t>
+            </a:r>
+          </a:p>
+          <a:p>
+            <a:pPr marL="225425" indent="-225425">
               <a:buFont typeface="Arial" pitchFamily="34" charset="0"/>
               <a:buChar char="•"/>
             </a:pPr>
             <a:r>
-              <a:rPr lang="en-US" sz="3200" dirty="0" smtClean="0">
+              <a:rPr lang="en-US" sz="3600" dirty="0" smtClean="0">
                 <a:ea typeface="Ebrima" pitchFamily="2" charset="0"/>
                 <a:cs typeface="Ebrima" pitchFamily="2" charset="0"/>
               </a:rPr>
-              <a:t>Messages are relayed to the proxy via a controlled flooding mechanism</a:t>
-            </a:r>
-          </a:p>
-          <a:p>
-            <a:pPr marL="228600" indent="-228600">
+              <a:t>Stores locations and battery levels of all tags and detectors</a:t>
+            </a:r>
+          </a:p>
+          <a:p>
+            <a:pPr marL="225425" indent="-225425">
               <a:buFont typeface="Arial" pitchFamily="34" charset="0"/>
               <a:buChar char="•"/>
             </a:pPr>
             <a:r>
-              <a:rPr lang="en-US" sz="3200" dirty="0" smtClean="0">
+              <a:rPr lang="en-US" sz="3600" dirty="0" smtClean="0">
                 <a:ea typeface="Ebrima" pitchFamily="2" charset="0"/>
                 <a:cs typeface="Ebrima" pitchFamily="2" charset="0"/>
               </a:rPr>
-              <a:t>Collision avoidance is achieved using time division</a:t>
-            </a:r>
-          </a:p>
-          <a:p>
-            <a:endParaRPr lang="en-US" sz="3200" dirty="0" smtClean="0">
-              <a:ea typeface="Ebrima" pitchFamily="2" charset="0"/>
-              <a:cs typeface="Ebrima" pitchFamily="2" charset="0"/>
-            </a:endParaRPr>
-          </a:p>
-          <a:p>
-            <a:r>
-              <a:rPr lang="en-US" sz="3200" b="1" dirty="0" smtClean="0">
-                <a:ea typeface="Ebrima" pitchFamily="2" charset="0"/>
-                <a:cs typeface="Ebrima" pitchFamily="2" charset="0"/>
-              </a:rPr>
-              <a:t>Wi-Fi Proxy </a:t>
+              <a:t>Stores user accounts</a:t>
             </a:r>
           </a:p>
           <a:p>
@@ -7935,13 +7940,10 @@
               <a:buFont typeface="Arial" pitchFamily="34" charset="0"/>
               <a:buChar char="•"/>
             </a:pPr>
-            <a:r>
-              <a:rPr lang="en-US" sz="3200" dirty="0" smtClean="0">
-                <a:ea typeface="Ebrima" pitchFamily="2" charset="0"/>
-                <a:cs typeface="Ebrima" pitchFamily="2" charset="0"/>
-              </a:rPr>
-              <a:t>Receives data from the mesh network and relays them to the controller</a:t>
-            </a:r>
+            <a:endParaRPr lang="en-US" sz="3600" dirty="0" smtClean="0">
+              <a:ea typeface="Ebrima" pitchFamily="2" charset="0"/>
+              <a:cs typeface="Ebrima" pitchFamily="2" charset="0"/>
+            </a:endParaRPr>
           </a:p>
         </p:txBody>
       </p:sp>
@@ -7999,8 +8001,8 @@
         </p:blipFill>
         <p:spPr bwMode="auto">
           <a:xfrm>
-            <a:off x="34657491" y="14706600"/>
-            <a:ext cx="7318771" cy="4114800"/>
+            <a:off x="34657491" y="14827857"/>
+            <a:ext cx="7916298" cy="4450744"/>
           </a:xfrm>
           <a:prstGeom prst="rect">
             <a:avLst/>
@@ -8177,22 +8179,6 @@
           </a:p>
         </p:txBody>
       </p:sp>
-      <p:graphicFrame>
-        <p:nvGraphicFramePr>
-          <p:cNvPr id="127" name="Chart 126"/>
-          <p:cNvGraphicFramePr/>
-          <p:nvPr/>
-        </p:nvGraphicFramePr>
-        <p:xfrm>
-          <a:off x="36576000" y="20802600"/>
-          <a:ext cx="6248400" cy="4495800"/>
-        </p:xfrm>
-        <a:graphic>
-          <a:graphicData uri="http://schemas.openxmlformats.org/drawingml/2006/chart">
-            <c:chart xmlns:c="http://schemas.openxmlformats.org/drawingml/2006/chart" xmlns:r="http://schemas.openxmlformats.org/officeDocument/2006/relationships" r:id="rId21"/>
-          </a:graphicData>
-        </a:graphic>
-      </p:graphicFrame>
       <p:pic>
         <p:nvPicPr>
           <p:cNvPr id="1027" name="Picture 3" descr="D:\Courses\2010-2011\Capstone\Docs\Images\IMG_0422.JPG"/>
@@ -8202,7 +8188,7 @@
           <p:nvPr/>
         </p:nvPicPr>
         <p:blipFill>
-          <a:blip r:embed="rId22" cstate="print">
+          <a:blip r:embed="rId21" cstate="print">
             <a:clrChange>
               <a:clrFrom>
                 <a:srgbClr val="FFFFFF"/>
@@ -8236,8 +8222,24 @@
           <p:nvPr/>
         </p:nvGraphicFramePr>
         <p:xfrm>
-          <a:off x="1219200" y="21640800"/>
-          <a:ext cx="10439400" cy="6248400"/>
+          <a:off x="914400" y="21412200"/>
+          <a:ext cx="11125200" cy="7924800"/>
+        </p:xfrm>
+        <a:graphic>
+          <a:graphicData uri="http://schemas.openxmlformats.org/drawingml/2006/chart">
+            <c:chart xmlns:c="http://schemas.openxmlformats.org/drawingml/2006/chart" xmlns:r="http://schemas.openxmlformats.org/officeDocument/2006/relationships" r:id="rId22"/>
+          </a:graphicData>
+        </a:graphic>
+      </p:graphicFrame>
+      <p:graphicFrame>
+        <p:nvGraphicFramePr>
+          <p:cNvPr id="111" name="Chart 110"/>
+          <p:cNvGraphicFramePr/>
+          <p:nvPr/>
+        </p:nvGraphicFramePr>
+        <p:xfrm>
+          <a:off x="16916400" y="23545800"/>
+          <a:ext cx="7342045" cy="5605896"/>
         </p:xfrm>
         <a:graphic>
           <a:graphicData uri="http://schemas.openxmlformats.org/drawingml/2006/chart">
@@ -8245,6 +8247,196 @@
           </a:graphicData>
         </a:graphic>
       </p:graphicFrame>
+      <p:cxnSp>
+        <p:nvCxnSpPr>
+          <p:cNvPr id="157" name="Straight Connector 156"/>
+          <p:cNvCxnSpPr/>
+          <p:nvPr/>
+        </p:nvCxnSpPr>
+        <p:spPr>
+          <a:xfrm rot="5400000">
+            <a:off x="10530840" y="21701760"/>
+            <a:ext cx="4389120" cy="0"/>
+          </a:xfrm>
+          <a:prstGeom prst="line">
+            <a:avLst/>
+          </a:prstGeom>
+          <a:ln w="76200">
+            <a:solidFill>
+              <a:schemeClr val="accent2">
+                <a:lumMod val="40000"/>
+                <a:lumOff val="60000"/>
+              </a:schemeClr>
+            </a:solidFill>
+          </a:ln>
+        </p:spPr>
+        <p:style>
+          <a:lnRef idx="1">
+            <a:schemeClr val="accent1"/>
+          </a:lnRef>
+          <a:fillRef idx="0">
+            <a:schemeClr val="accent1"/>
+          </a:fillRef>
+          <a:effectRef idx="0">
+            <a:schemeClr val="accent1"/>
+          </a:effectRef>
+          <a:fontRef idx="minor">
+            <a:schemeClr val="tx1"/>
+          </a:fontRef>
+        </p:style>
+      </p:cxnSp>
+      <p:cxnSp>
+        <p:nvCxnSpPr>
+          <p:cNvPr id="168" name="Straight Connector 167"/>
+          <p:cNvCxnSpPr/>
+          <p:nvPr/>
+        </p:nvCxnSpPr>
+        <p:spPr>
+          <a:xfrm rot="5400000">
+            <a:off x="11559540" y="21511260"/>
+            <a:ext cx="1874520" cy="0"/>
+          </a:xfrm>
+          <a:prstGeom prst="line">
+            <a:avLst/>
+          </a:prstGeom>
+          <a:ln w="76200">
+            <a:solidFill>
+              <a:schemeClr val="accent2">
+                <a:lumMod val="40000"/>
+                <a:lumOff val="60000"/>
+              </a:schemeClr>
+            </a:solidFill>
+          </a:ln>
+        </p:spPr>
+        <p:style>
+          <a:lnRef idx="1">
+            <a:schemeClr val="accent1"/>
+          </a:lnRef>
+          <a:fillRef idx="0">
+            <a:schemeClr val="accent1"/>
+          </a:fillRef>
+          <a:effectRef idx="0">
+            <a:schemeClr val="accent1"/>
+          </a:effectRef>
+          <a:fontRef idx="minor">
+            <a:schemeClr val="tx1"/>
+          </a:fontRef>
+        </p:style>
+      </p:cxnSp>
+      <p:cxnSp>
+        <p:nvCxnSpPr>
+          <p:cNvPr id="169" name="Straight Connector 168"/>
+          <p:cNvCxnSpPr/>
+          <p:nvPr/>
+        </p:nvCxnSpPr>
+        <p:spPr>
+          <a:xfrm rot="5400000">
+            <a:off x="10668000" y="13716000"/>
+            <a:ext cx="3505200" cy="0"/>
+          </a:xfrm>
+          <a:prstGeom prst="line">
+            <a:avLst/>
+          </a:prstGeom>
+          <a:ln w="76200">
+            <a:solidFill>
+              <a:schemeClr val="accent2">
+                <a:lumMod val="40000"/>
+                <a:lumOff val="60000"/>
+              </a:schemeClr>
+            </a:solidFill>
+          </a:ln>
+        </p:spPr>
+        <p:style>
+          <a:lnRef idx="1">
+            <a:schemeClr val="accent1"/>
+          </a:lnRef>
+          <a:fillRef idx="0">
+            <a:schemeClr val="accent1"/>
+          </a:fillRef>
+          <a:effectRef idx="0">
+            <a:schemeClr val="accent1"/>
+          </a:effectRef>
+          <a:fontRef idx="minor">
+            <a:schemeClr val="tx1"/>
+          </a:fontRef>
+        </p:style>
+      </p:cxnSp>
+      <p:cxnSp>
+        <p:nvCxnSpPr>
+          <p:cNvPr id="177" name="Straight Connector 176"/>
+          <p:cNvCxnSpPr/>
+          <p:nvPr/>
+        </p:nvCxnSpPr>
+        <p:spPr>
+          <a:xfrm rot="5400000">
+            <a:off x="27142439" y="11871960"/>
+            <a:ext cx="5151120" cy="0"/>
+          </a:xfrm>
+          <a:prstGeom prst="line">
+            <a:avLst/>
+          </a:prstGeom>
+          <a:ln w="76200">
+            <a:solidFill>
+              <a:schemeClr val="accent2">
+                <a:lumMod val="40000"/>
+                <a:lumOff val="60000"/>
+              </a:schemeClr>
+            </a:solidFill>
+          </a:ln>
+        </p:spPr>
+        <p:style>
+          <a:lnRef idx="1">
+            <a:schemeClr val="accent1"/>
+          </a:lnRef>
+          <a:fillRef idx="0">
+            <a:schemeClr val="accent1"/>
+          </a:fillRef>
+          <a:effectRef idx="0">
+            <a:schemeClr val="accent1"/>
+          </a:effectRef>
+          <a:fontRef idx="minor">
+            <a:schemeClr val="tx1"/>
+          </a:fontRef>
+        </p:style>
+      </p:cxnSp>
+      <p:cxnSp>
+        <p:nvCxnSpPr>
+          <p:cNvPr id="178" name="Straight Connector 177"/>
+          <p:cNvCxnSpPr/>
+          <p:nvPr/>
+        </p:nvCxnSpPr>
+        <p:spPr>
+          <a:xfrm rot="5400000">
+            <a:off x="28171140" y="11605260"/>
+            <a:ext cx="2484120" cy="0"/>
+          </a:xfrm>
+          <a:prstGeom prst="line">
+            <a:avLst/>
+          </a:prstGeom>
+          <a:ln w="76200">
+            <a:solidFill>
+              <a:schemeClr val="accent2">
+                <a:lumMod val="40000"/>
+                <a:lumOff val="60000"/>
+              </a:schemeClr>
+            </a:solidFill>
+          </a:ln>
+        </p:spPr>
+        <p:style>
+          <a:lnRef idx="1">
+            <a:schemeClr val="accent1"/>
+          </a:lnRef>
+          <a:fillRef idx="0">
+            <a:schemeClr val="accent1"/>
+          </a:fillRef>
+          <a:effectRef idx="0">
+            <a:schemeClr val="accent1"/>
+          </a:effectRef>
+          <a:fontRef idx="minor">
+            <a:schemeClr val="tx1"/>
+          </a:fontRef>
+        </p:style>
+      </p:cxnSp>
     </p:spTree>
   </p:cSld>
   <p:clrMapOvr>

--- a/Docs/TIU_Tracking_Poster_v9.pptx
+++ b/Docs/TIU_Tracking_Poster_v9.pptx
@@ -324,11 +324,11 @@
           <c:smooth val="1"/>
         </c:ser>
         <c:marker val="1"/>
-        <c:axId val="65380736"/>
-        <c:axId val="65383040"/>
+        <c:axId val="42162816"/>
+        <c:axId val="42218624"/>
       </c:lineChart>
       <c:catAx>
-        <c:axId val="65380736"/>
+        <c:axId val="42162816"/>
         <c:scaling>
           <c:orientation val="minMax"/>
         </c:scaling>
@@ -363,14 +363,14 @@
             <a:endParaRPr lang="en-US"/>
           </a:p>
         </c:txPr>
-        <c:crossAx val="65383040"/>
+        <c:crossAx val="42218624"/>
         <c:crosses val="autoZero"/>
         <c:auto val="1"/>
         <c:lblAlgn val="ctr"/>
         <c:lblOffset val="100"/>
       </c:catAx>
       <c:valAx>
-        <c:axId val="65383040"/>
+        <c:axId val="42218624"/>
         <c:scaling>
           <c:orientation val="minMax"/>
           <c:max val="280"/>
@@ -418,7 +418,7 @@
             <a:endParaRPr lang="en-US"/>
           </a:p>
         </c:txPr>
-        <c:crossAx val="65380736"/>
+        <c:crossAx val="42162816"/>
         <c:crosses val="autoZero"/>
         <c:crossBetween val="between"/>
       </c:valAx>
@@ -548,13 +548,13 @@
                   <c:v>4.5</c:v>
                 </c:pt>
                 <c:pt idx="4">
-                  <c:v>4.1900000000000004</c:v>
+                  <c:v>4.1899999999999995</c:v>
                 </c:pt>
                 <c:pt idx="5">
                   <c:v>3.75</c:v>
                 </c:pt>
                 <c:pt idx="6">
-                  <c:v>3.37</c:v>
+                  <c:v>3.3699999999999997</c:v>
                 </c:pt>
                 <c:pt idx="7">
                   <c:v>3.24</c:v>
@@ -570,11 +570,11 @@
           </c:val>
         </c:ser>
         <c:marker val="1"/>
-        <c:axId val="65121664"/>
-        <c:axId val="94570368"/>
+        <c:axId val="42239104"/>
+        <c:axId val="42241024"/>
       </c:lineChart>
       <c:catAx>
-        <c:axId val="65121664"/>
+        <c:axId val="42239104"/>
         <c:scaling>
           <c:orientation val="minMax"/>
         </c:scaling>
@@ -609,7 +609,7 @@
             <a:endParaRPr lang="en-US"/>
           </a:p>
         </c:txPr>
-        <c:crossAx val="94570368"/>
+        <c:crossAx val="42241024"/>
         <c:crosses val="autoZero"/>
         <c:auto val="1"/>
         <c:lblAlgn val="ctr"/>
@@ -617,7 +617,7 @@
         <c:tickMarkSkip val="1"/>
       </c:catAx>
       <c:valAx>
-        <c:axId val="94570368"/>
+        <c:axId val="42241024"/>
         <c:scaling>
           <c:orientation val="minMax"/>
           <c:max val="6"/>
@@ -665,7 +665,7 @@
             <a:endParaRPr lang="en-US"/>
           </a:p>
         </c:txPr>
-        <c:crossAx val="65121664"/>
+        <c:crossAx val="42239104"/>
         <c:crosses val="autoZero"/>
         <c:crossBetween val="midCat"/>
       </c:valAx>
@@ -4259,14 +4259,14 @@
                 <a:ea typeface="Ebrima" pitchFamily="2" charset="0"/>
                 <a:cs typeface="Ebrima" pitchFamily="2" charset="0"/>
               </a:rPr>
-              <a:t>Cost: </a:t>
+              <a:t>Cost: $</a:t>
             </a:r>
             <a:r>
               <a:rPr lang="en-US" sz="3600" dirty="0" smtClean="0">
                 <a:ea typeface="Ebrima" pitchFamily="2" charset="0"/>
                 <a:cs typeface="Ebrima" pitchFamily="2" charset="0"/>
               </a:rPr>
-              <a:t>$37</a:t>
+              <a:t>30</a:t>
             </a:r>
             <a:endParaRPr lang="en-US" sz="3600" dirty="0" smtClean="0">
               <a:ea typeface="Ebrima" pitchFamily="2" charset="0"/>
@@ -4393,14 +4393,21 @@
                 <a:ea typeface="Ebrima" pitchFamily="2" charset="0"/>
                 <a:cs typeface="Ebrima" pitchFamily="2" charset="0"/>
               </a:rPr>
-              <a:t>Cost : $</a:t>
+              <a:t>Cost : </a:t>
             </a:r>
             <a:r>
               <a:rPr lang="en-US" sz="3600" dirty="0" smtClean="0">
                 <a:ea typeface="Ebrima" pitchFamily="2" charset="0"/>
                 <a:cs typeface="Ebrima" pitchFamily="2" charset="0"/>
               </a:rPr>
-              <a:t>35</a:t>
+              <a:t>$</a:t>
+            </a:r>
+            <a:r>
+              <a:rPr lang="en-US" sz="3600" dirty="0" smtClean="0">
+                <a:ea typeface="Ebrima" pitchFamily="2" charset="0"/>
+                <a:cs typeface="Ebrima" pitchFamily="2" charset="0"/>
+              </a:rPr>
+              <a:t>25</a:t>
             </a:r>
             <a:endParaRPr lang="en-US" sz="3600" dirty="0" smtClean="0">
               <a:ea typeface="Ebrima" pitchFamily="2" charset="0"/>

--- a/Docs/TIU_Tracking_Poster_v9.pptx
+++ b/Docs/TIU_Tracking_Poster_v9.pptx
@@ -109,6 +109,7 @@
 
 <file path=ppt/charts/chart1.xml><?xml version="1.0" encoding="utf-8"?>
 <c:chartSpace xmlns:c="http://schemas.openxmlformats.org/drawingml/2006/chart" xmlns:a="http://schemas.openxmlformats.org/drawingml/2006/main" xmlns:r="http://schemas.openxmlformats.org/officeDocument/2006/relationships">
+  <c:date1904 val="1"/>
   <c:lang val="en-US"/>
   <c:chart>
     <c:title>
@@ -324,11 +325,11 @@
           <c:smooth val="1"/>
         </c:ser>
         <c:marker val="1"/>
-        <c:axId val="42162816"/>
-        <c:axId val="42218624"/>
+        <c:axId val="58653312"/>
+        <c:axId val="60155008"/>
       </c:lineChart>
       <c:catAx>
-        <c:axId val="42162816"/>
+        <c:axId val="58653312"/>
         <c:scaling>
           <c:orientation val="minMax"/>
         </c:scaling>
@@ -363,14 +364,14 @@
             <a:endParaRPr lang="en-US"/>
           </a:p>
         </c:txPr>
-        <c:crossAx val="42218624"/>
+        <c:crossAx val="60155008"/>
         <c:crosses val="autoZero"/>
         <c:auto val="1"/>
         <c:lblAlgn val="ctr"/>
         <c:lblOffset val="100"/>
       </c:catAx>
       <c:valAx>
-        <c:axId val="42218624"/>
+        <c:axId val="60155008"/>
         <c:scaling>
           <c:orientation val="minMax"/>
           <c:max val="280"/>
@@ -418,7 +419,7 @@
             <a:endParaRPr lang="en-US"/>
           </a:p>
         </c:txPr>
-        <c:crossAx val="42162816"/>
+        <c:crossAx val="58653312"/>
         <c:crosses val="autoZero"/>
         <c:crossBetween val="between"/>
       </c:valAx>
@@ -448,29 +449,24 @@
   <c:lang val="en-US"/>
   <c:chart>
     <c:title>
-      <c:tx>
-        <c:rich>
-          <a:bodyPr/>
-          <a:lstStyle/>
-          <a:p>
-            <a:pPr>
-              <a:defRPr sz="3600"/>
-            </a:pPr>
-            <a:r>
-              <a:rPr lang="en-US" sz="3600"/>
-              <a:t>Tag Battery Burn-in Test</a:t>
-            </a:r>
-          </a:p>
-        </c:rich>
-      </c:tx>
       <c:layout/>
+      <c:txPr>
+        <a:bodyPr/>
+        <a:lstStyle/>
+        <a:p>
+          <a:pPr>
+            <a:defRPr sz="3600"/>
+          </a:pPr>
+          <a:endParaRPr lang="en-US"/>
+        </a:p>
+      </c:txPr>
     </c:title>
     <c:plotArea>
       <c:layout/>
-      <c:lineChart>
-        <c:grouping val="standard"/>
+      <c:pieChart>
+        <c:varyColors val="1"/>
         <c:ser>
-          <c:idx val="1"/>
+          <c:idx val="0"/>
           <c:order val="0"/>
           <c:tx>
             <c:strRef>
@@ -478,205 +474,159 @@
               <c:strCache>
                 <c:ptCount val="1"/>
                 <c:pt idx="0">
-                  <c:v>Voltage of battery (V)</c:v>
+                  <c:v>Yield</c:v>
                 </c:pt>
               </c:strCache>
             </c:strRef>
           </c:tx>
-          <c:spPr>
-            <a:ln w="44450"/>
-          </c:spPr>
-          <c:marker>
-            <c:symbol val="square"/>
-            <c:size val="5"/>
-          </c:marker>
+          <c:dLbls>
+            <c:dLbl>
+              <c:idx val="0"/>
+              <c:layout>
+                <c:manualLayout>
+                  <c:x val="-0.16699819391387957"/>
+                  <c:y val="7.2850237779683483E-2"/>
+                </c:manualLayout>
+              </c:layout>
+              <c:tx>
+                <c:rich>
+                  <a:bodyPr/>
+                  <a:lstStyle/>
+                  <a:p>
+                    <a:r>
+                      <a:rPr lang="en-US" smtClean="0"/>
+                      <a:t>94%</a:t>
+                    </a:r>
+                    <a:endParaRPr lang="en-US"/>
+                  </a:p>
+                </c:rich>
+              </c:tx>
+              <c:showVal val="1"/>
+            </c:dLbl>
+            <c:dLbl>
+              <c:idx val="1"/>
+              <c:layout>
+                <c:manualLayout>
+                  <c:x val="7.2621423559678808E-2"/>
+                  <c:y val="-0.16969049660871599"/>
+                </c:manualLayout>
+              </c:layout>
+              <c:tx>
+                <c:rich>
+                  <a:bodyPr/>
+                  <a:lstStyle/>
+                  <a:p>
+                    <a:r>
+                      <a:rPr lang="en-US" smtClean="0"/>
+                      <a:t>88%</a:t>
+                    </a:r>
+                    <a:endParaRPr lang="en-US"/>
+                  </a:p>
+                </c:rich>
+              </c:tx>
+              <c:showVal val="1"/>
+            </c:dLbl>
+            <c:dLbl>
+              <c:idx val="2"/>
+              <c:layout>
+                <c:manualLayout>
+                  <c:x val="0.15759758062420415"/>
+                  <c:y val="0.15356045840804552"/>
+                </c:manualLayout>
+              </c:layout>
+              <c:tx>
+                <c:rich>
+                  <a:bodyPr/>
+                  <a:lstStyle/>
+                  <a:p>
+                    <a:r>
+                      <a:rPr lang="en-US" smtClean="0"/>
+                      <a:t>77%</a:t>
+                    </a:r>
+                    <a:endParaRPr lang="en-US"/>
+                  </a:p>
+                </c:rich>
+              </c:tx>
+              <c:showVal val="1"/>
+            </c:dLbl>
+            <c:txPr>
+              <a:bodyPr/>
+              <a:lstStyle/>
+              <a:p>
+                <a:pPr>
+                  <a:defRPr sz="3600"/>
+                </a:pPr>
+                <a:endParaRPr lang="en-US"/>
+              </a:p>
+            </c:txPr>
+            <c:showVal val="1"/>
+            <c:showLeaderLines val="1"/>
+          </c:dLbls>
           <c:cat>
-            <c:numRef>
-              <c:f>Sheet1!$A$2:$A$11</c:f>
-              <c:numCache>
-                <c:formatCode>General</c:formatCode>
-                <c:ptCount val="10"/>
+            <c:strRef>
+              <c:f>Sheet1!$A$2:$A$4</c:f>
+              <c:strCache>
+                <c:ptCount val="3"/>
                 <c:pt idx="0">
-                  <c:v>0</c:v>
+                  <c:v>0m</c:v>
                 </c:pt>
                 <c:pt idx="1">
-                  <c:v>5</c:v>
+                  <c:v>0.5m</c:v>
                 </c:pt>
                 <c:pt idx="2">
-                  <c:v>10</c:v>
+                  <c:v>1.5m</c:v>
                 </c:pt>
-                <c:pt idx="3">
-                  <c:v>15</c:v>
-                </c:pt>
-                <c:pt idx="4">
-                  <c:v>20</c:v>
-                </c:pt>
-                <c:pt idx="5">
-                  <c:v>25</c:v>
-                </c:pt>
-                <c:pt idx="6">
-                  <c:v>30</c:v>
-                </c:pt>
-                <c:pt idx="7">
-                  <c:v>35</c:v>
-                </c:pt>
-                <c:pt idx="8">
-                  <c:v>40</c:v>
-                </c:pt>
-                <c:pt idx="9">
-                  <c:v>45</c:v>
-                </c:pt>
-              </c:numCache>
-            </c:numRef>
+              </c:strCache>
+            </c:strRef>
           </c:cat>
           <c:val>
             <c:numRef>
-              <c:f>Sheet1!$B$2:$B$11</c:f>
+              <c:f>Sheet1!$B$2:$B$4</c:f>
               <c:numCache>
                 <c:formatCode>General</c:formatCode>
-                <c:ptCount val="10"/>
+                <c:ptCount val="3"/>
                 <c:pt idx="0">
-                  <c:v>5.89</c:v>
+                  <c:v>94</c:v>
                 </c:pt>
                 <c:pt idx="1">
-                  <c:v>5.04</c:v>
+                  <c:v>88</c:v>
                 </c:pt>
                 <c:pt idx="2">
-                  <c:v>4.7699999999999996</c:v>
-                </c:pt>
-                <c:pt idx="3">
-                  <c:v>4.5</c:v>
-                </c:pt>
-                <c:pt idx="4">
-                  <c:v>4.1899999999999995</c:v>
-                </c:pt>
-                <c:pt idx="5">
-                  <c:v>3.75</c:v>
-                </c:pt>
-                <c:pt idx="6">
-                  <c:v>3.3699999999999997</c:v>
-                </c:pt>
-                <c:pt idx="7">
-                  <c:v>3.24</c:v>
-                </c:pt>
-                <c:pt idx="8">
-                  <c:v>2.94</c:v>
-                </c:pt>
-                <c:pt idx="9">
-                  <c:v>2.7</c:v>
+                  <c:v>77</c:v>
                 </c:pt>
               </c:numCache>
             </c:numRef>
           </c:val>
         </c:ser>
-        <c:marker val="1"/>
-        <c:axId val="42239104"/>
-        <c:axId val="42241024"/>
-      </c:lineChart>
-      <c:catAx>
-        <c:axId val="42239104"/>
-        <c:scaling>
-          <c:orientation val="minMax"/>
-        </c:scaling>
-        <c:axPos val="b"/>
-        <c:title>
-          <c:tx>
-            <c:rich>
-              <a:bodyPr/>
-              <a:lstStyle/>
-              <a:p>
-                <a:pPr>
-                  <a:defRPr sz="3200"/>
-                </a:pPr>
-                <a:r>
-                  <a:rPr lang="en-US" sz="3200"/>
-                  <a:t>Time (min)</a:t>
-                </a:r>
-              </a:p>
-            </c:rich>
-          </c:tx>
-          <c:layout/>
-        </c:title>
-        <c:numFmt formatCode="General" sourceLinked="1"/>
-        <c:tickLblPos val="nextTo"/>
-        <c:txPr>
-          <a:bodyPr/>
-          <a:lstStyle/>
-          <a:p>
-            <a:pPr>
-              <a:defRPr sz="2800"/>
-            </a:pPr>
-            <a:endParaRPr lang="en-US"/>
-          </a:p>
-        </c:txPr>
-        <c:crossAx val="42241024"/>
-        <c:crosses val="autoZero"/>
-        <c:auto val="1"/>
-        <c:lblAlgn val="ctr"/>
-        <c:lblOffset val="100"/>
-        <c:tickMarkSkip val="1"/>
-      </c:catAx>
-      <c:valAx>
-        <c:axId val="42241024"/>
-        <c:scaling>
-          <c:orientation val="minMax"/>
-          <c:max val="6"/>
-          <c:min val="2"/>
-        </c:scaling>
-        <c:axPos val="l"/>
-        <c:majorGridlines>
-          <c:spPr>
-            <a:ln>
-              <a:solidFill>
-                <a:schemeClr val="bg1">
-                  <a:lumMod val="85000"/>
-                </a:schemeClr>
-              </a:solidFill>
-            </a:ln>
-          </c:spPr>
-        </c:majorGridlines>
-        <c:title>
-          <c:tx>
-            <c:rich>
-              <a:bodyPr rot="-5400000" vert="horz"/>
-              <a:lstStyle/>
-              <a:p>
-                <a:pPr>
-                  <a:defRPr sz="3200"/>
-                </a:pPr>
-                <a:r>
-                  <a:rPr lang="en-US" sz="3200"/>
-                  <a:t>Voltage (V)</a:t>
-                </a:r>
-              </a:p>
-            </c:rich>
-          </c:tx>
-          <c:layout/>
-        </c:title>
-        <c:numFmt formatCode="General" sourceLinked="1"/>
-        <c:tickLblPos val="nextTo"/>
-        <c:txPr>
-          <a:bodyPr/>
-          <a:lstStyle/>
-          <a:p>
-            <a:pPr>
-              <a:defRPr sz="2800"/>
-            </a:pPr>
-            <a:endParaRPr lang="en-US"/>
-          </a:p>
-        </c:txPr>
-        <c:crossAx val="42239104"/>
-        <c:crosses val="autoZero"/>
-        <c:crossBetween val="midCat"/>
-      </c:valAx>
+        <c:firstSliceAng val="0"/>
+      </c:pieChart>
     </c:plotArea>
+    <c:legend>
+      <c:legendPos val="r"/>
+      <c:layout/>
+      <c:txPr>
+        <a:bodyPr/>
+        <a:lstStyle/>
+        <a:p>
+          <a:pPr>
+            <a:defRPr sz="3200"/>
+          </a:pPr>
+          <a:endParaRPr lang="en-US"/>
+        </a:p>
+      </c:txPr>
+    </c:legend>
     <c:plotVisOnly val="1"/>
   </c:chart>
-  <c:spPr>
-    <a:ln>
-      <a:noFill/>
-    </a:ln>
-  </c:spPr>
+  <c:txPr>
+    <a:bodyPr/>
+    <a:lstStyle/>
+    <a:p>
+      <a:pPr>
+        <a:defRPr sz="1800"/>
+      </a:pPr>
+      <a:endParaRPr lang="en-US"/>
+    </a:p>
+  </c:txPr>
   <c:externalData r:id="rId1"/>
 </c:chartSpace>
 </file>
@@ -863,7 +813,7 @@
             <a:fld id="{CFC2CE3F-1D0C-4868-9201-9CC45E6C1390}" type="datetimeFigureOut">
               <a:rPr lang="en-US" smtClean="0"/>
               <a:pPr/>
-              <a:t>5/22/2011</a:t>
+              <a:t>5/23/2011</a:t>
             </a:fld>
             <a:endParaRPr lang="en-US" dirty="0"/>
           </a:p>
@@ -1030,7 +980,7 @@
             <a:fld id="{CFC2CE3F-1D0C-4868-9201-9CC45E6C1390}" type="datetimeFigureOut">
               <a:rPr lang="en-US" smtClean="0"/>
               <a:pPr/>
-              <a:t>5/22/2011</a:t>
+              <a:t>5/23/2011</a:t>
             </a:fld>
             <a:endParaRPr lang="en-US" dirty="0"/>
           </a:p>
@@ -1207,7 +1157,7 @@
             <a:fld id="{CFC2CE3F-1D0C-4868-9201-9CC45E6C1390}" type="datetimeFigureOut">
               <a:rPr lang="en-US" smtClean="0"/>
               <a:pPr/>
-              <a:t>5/22/2011</a:t>
+              <a:t>5/23/2011</a:t>
             </a:fld>
             <a:endParaRPr lang="en-US" dirty="0"/>
           </a:p>
@@ -1374,7 +1324,7 @@
             <a:fld id="{CFC2CE3F-1D0C-4868-9201-9CC45E6C1390}" type="datetimeFigureOut">
               <a:rPr lang="en-US" smtClean="0"/>
               <a:pPr/>
-              <a:t>5/22/2011</a:t>
+              <a:t>5/23/2011</a:t>
             </a:fld>
             <a:endParaRPr lang="en-US" dirty="0"/>
           </a:p>
@@ -1617,7 +1567,7 @@
             <a:fld id="{CFC2CE3F-1D0C-4868-9201-9CC45E6C1390}" type="datetimeFigureOut">
               <a:rPr lang="en-US" smtClean="0"/>
               <a:pPr/>
-              <a:t>5/22/2011</a:t>
+              <a:t>5/23/2011</a:t>
             </a:fld>
             <a:endParaRPr lang="en-US" dirty="0"/>
           </a:p>
@@ -1902,7 +1852,7 @@
             <a:fld id="{CFC2CE3F-1D0C-4868-9201-9CC45E6C1390}" type="datetimeFigureOut">
               <a:rPr lang="en-US" smtClean="0"/>
               <a:pPr/>
-              <a:t>5/22/2011</a:t>
+              <a:t>5/23/2011</a:t>
             </a:fld>
             <a:endParaRPr lang="en-US" dirty="0"/>
           </a:p>
@@ -2321,7 +2271,7 @@
             <a:fld id="{CFC2CE3F-1D0C-4868-9201-9CC45E6C1390}" type="datetimeFigureOut">
               <a:rPr lang="en-US" smtClean="0"/>
               <a:pPr/>
-              <a:t>5/22/2011</a:t>
+              <a:t>5/23/2011</a:t>
             </a:fld>
             <a:endParaRPr lang="en-US" dirty="0"/>
           </a:p>
@@ -2436,7 +2386,7 @@
             <a:fld id="{CFC2CE3F-1D0C-4868-9201-9CC45E6C1390}" type="datetimeFigureOut">
               <a:rPr lang="en-US" smtClean="0"/>
               <a:pPr/>
-              <a:t>5/22/2011</a:t>
+              <a:t>5/23/2011</a:t>
             </a:fld>
             <a:endParaRPr lang="en-US" dirty="0"/>
           </a:p>
@@ -2528,7 +2478,7 @@
             <a:fld id="{CFC2CE3F-1D0C-4868-9201-9CC45E6C1390}" type="datetimeFigureOut">
               <a:rPr lang="en-US" smtClean="0"/>
               <a:pPr/>
-              <a:t>5/22/2011</a:t>
+              <a:t>5/23/2011</a:t>
             </a:fld>
             <a:endParaRPr lang="en-US" dirty="0"/>
           </a:p>
@@ -2802,7 +2752,7 @@
             <a:fld id="{CFC2CE3F-1D0C-4868-9201-9CC45E6C1390}" type="datetimeFigureOut">
               <a:rPr lang="en-US" smtClean="0"/>
               <a:pPr/>
-              <a:t>5/22/2011</a:t>
+              <a:t>5/23/2011</a:t>
             </a:fld>
             <a:endParaRPr lang="en-US" dirty="0"/>
           </a:p>
@@ -3052,7 +3002,7 @@
             <a:fld id="{CFC2CE3F-1D0C-4868-9201-9CC45E6C1390}" type="datetimeFigureOut">
               <a:rPr lang="en-US" smtClean="0"/>
               <a:pPr/>
-              <a:t>5/22/2011</a:t>
+              <a:t>5/23/2011</a:t>
             </a:fld>
             <a:endParaRPr lang="en-US" dirty="0"/>
           </a:p>
@@ -3262,7 +3212,7 @@
             <a:fld id="{CFC2CE3F-1D0C-4868-9201-9CC45E6C1390}" type="datetimeFigureOut">
               <a:rPr lang="en-US" smtClean="0"/>
               <a:pPr/>
-              <a:t>5/22/2011</a:t>
+              <a:t>5/23/2011</a:t>
             </a:fld>
             <a:endParaRPr lang="en-US" dirty="0"/>
           </a:p>
@@ -4259,19 +4209,8 @@
                 <a:ea typeface="Ebrima" pitchFamily="2" charset="0"/>
                 <a:cs typeface="Ebrima" pitchFamily="2" charset="0"/>
               </a:rPr>
-              <a:t>Cost: $</a:t>
-            </a:r>
-            <a:r>
-              <a:rPr lang="en-US" sz="3600" dirty="0" smtClean="0">
-                <a:ea typeface="Ebrima" pitchFamily="2" charset="0"/>
-                <a:cs typeface="Ebrima" pitchFamily="2" charset="0"/>
-              </a:rPr>
-              <a:t>30</a:t>
-            </a:r>
-            <a:endParaRPr lang="en-US" sz="3600" dirty="0" smtClean="0">
-              <a:ea typeface="Ebrima" pitchFamily="2" charset="0"/>
-              <a:cs typeface="Ebrima" pitchFamily="2" charset="0"/>
-            </a:endParaRPr>
+              <a:t>Cost: $30</a:t>
+            </a:r>
           </a:p>
         </p:txBody>
       </p:sp>
@@ -4393,26 +4332,8 @@
                 <a:ea typeface="Ebrima" pitchFamily="2" charset="0"/>
                 <a:cs typeface="Ebrima" pitchFamily="2" charset="0"/>
               </a:rPr>
-              <a:t>Cost : </a:t>
-            </a:r>
-            <a:r>
-              <a:rPr lang="en-US" sz="3600" dirty="0" smtClean="0">
-                <a:ea typeface="Ebrima" pitchFamily="2" charset="0"/>
-                <a:cs typeface="Ebrima" pitchFamily="2" charset="0"/>
-              </a:rPr>
-              <a:t>$</a:t>
-            </a:r>
-            <a:r>
-              <a:rPr lang="en-US" sz="3600" dirty="0" smtClean="0">
-                <a:ea typeface="Ebrima" pitchFamily="2" charset="0"/>
-                <a:cs typeface="Ebrima" pitchFamily="2" charset="0"/>
-              </a:rPr>
-              <a:t>25</a:t>
-            </a:r>
-            <a:endParaRPr lang="en-US" sz="3600" dirty="0" smtClean="0">
-              <a:ea typeface="Ebrima" pitchFamily="2" charset="0"/>
-              <a:cs typeface="Ebrima" pitchFamily="2" charset="0"/>
-            </a:endParaRPr>
+              <a:t>Cost : $25</a:t>
+            </a:r>
           </a:p>
         </p:txBody>
       </p:sp>
@@ -4695,14 +4616,14 @@
       </p:cxnSp>
       <p:cxnSp>
         <p:nvCxnSpPr>
-          <p:cNvPr id="51" name="Straight Connector 50"/>
+          <p:cNvPr id="48" name="Straight Connector 47"/>
           <p:cNvCxnSpPr/>
           <p:nvPr/>
         </p:nvCxnSpPr>
         <p:spPr>
-          <a:xfrm rot="5400000">
-            <a:off x="-3261360" y="24825960"/>
-            <a:ext cx="4389120" cy="0"/>
+          <a:xfrm rot="10800000">
+            <a:off x="609600" y="29718000"/>
+            <a:ext cx="5105400" cy="0"/>
           </a:xfrm>
           <a:prstGeom prst="line">
             <a:avLst/>
@@ -4731,135 +4652,82 @@
           </a:fontRef>
         </p:style>
       </p:cxnSp>
-      <p:grpSp>
-        <p:nvGrpSpPr>
-          <p:cNvPr id="156" name="Group 155"/>
-          <p:cNvGrpSpPr/>
+      <p:cxnSp>
+        <p:nvCxnSpPr>
+          <p:cNvPr id="50" name="Straight Connector 49"/>
+          <p:cNvCxnSpPr/>
           <p:nvPr/>
-        </p:nvGrpSpPr>
-        <p:grpSpPr>
-          <a:xfrm>
-            <a:off x="-5105400" y="26289000"/>
-            <a:ext cx="5105400" cy="5486400"/>
-            <a:chOff x="8534400" y="24460200"/>
-            <a:chExt cx="5105400" cy="5486400"/>
+        </p:nvCxnSpPr>
+        <p:spPr>
+          <a:xfrm rot="5400000">
+            <a:off x="-1561305" y="27698700"/>
+            <a:ext cx="4648200" cy="1588"/>
           </a:xfrm>
-        </p:grpSpPr>
-        <p:cxnSp>
-          <p:nvCxnSpPr>
-            <p:cNvPr id="48" name="Straight Connector 47"/>
-            <p:cNvCxnSpPr/>
-            <p:nvPr/>
-          </p:nvCxnSpPr>
-          <p:spPr>
-            <a:xfrm rot="10800000">
-              <a:off x="8534400" y="29718000"/>
-              <a:ext cx="5105400" cy="0"/>
-            </a:xfrm>
-            <a:prstGeom prst="line">
-              <a:avLst/>
-            </a:prstGeom>
-            <a:ln w="76200">
-              <a:solidFill>
-                <a:schemeClr val="accent2">
-                  <a:lumMod val="40000"/>
-                  <a:lumOff val="60000"/>
-                </a:schemeClr>
-              </a:solidFill>
-            </a:ln>
-          </p:spPr>
-          <p:style>
-            <a:lnRef idx="1">
-              <a:schemeClr val="accent1"/>
-            </a:lnRef>
-            <a:fillRef idx="0">
-              <a:schemeClr val="accent1"/>
-            </a:fillRef>
-            <a:effectRef idx="0">
-              <a:schemeClr val="accent1"/>
-            </a:effectRef>
-            <a:fontRef idx="minor">
-              <a:schemeClr val="tx1"/>
-            </a:fontRef>
-          </p:style>
-        </p:cxnSp>
-        <p:cxnSp>
-          <p:nvCxnSpPr>
-            <p:cNvPr id="50" name="Straight Connector 49"/>
-            <p:cNvCxnSpPr/>
-            <p:nvPr/>
-          </p:nvCxnSpPr>
-          <p:spPr>
-            <a:xfrm rot="5400000">
-              <a:off x="10210800" y="27203400"/>
-              <a:ext cx="5486400" cy="0"/>
-            </a:xfrm>
-            <a:prstGeom prst="line">
-              <a:avLst/>
-            </a:prstGeom>
-            <a:ln w="76200">
-              <a:solidFill>
-                <a:schemeClr val="accent2">
-                  <a:lumMod val="40000"/>
-                  <a:lumOff val="60000"/>
-                </a:schemeClr>
-              </a:solidFill>
-            </a:ln>
-          </p:spPr>
-          <p:style>
-            <a:lnRef idx="1">
-              <a:schemeClr val="accent1"/>
-            </a:lnRef>
-            <a:fillRef idx="0">
-              <a:schemeClr val="accent1"/>
-            </a:fillRef>
-            <a:effectRef idx="0">
-              <a:schemeClr val="accent1"/>
-            </a:effectRef>
-            <a:fontRef idx="minor">
-              <a:schemeClr val="tx1"/>
-            </a:fontRef>
-          </p:style>
-        </p:cxnSp>
-        <p:cxnSp>
-          <p:nvCxnSpPr>
-            <p:cNvPr id="52" name="Straight Connector 51"/>
-            <p:cNvCxnSpPr/>
-            <p:nvPr/>
-          </p:nvCxnSpPr>
-          <p:spPr>
-            <a:xfrm rot="10800000">
-              <a:off x="9448800" y="29489400"/>
-              <a:ext cx="3962400" cy="0"/>
-            </a:xfrm>
-            <a:prstGeom prst="line">
-              <a:avLst/>
-            </a:prstGeom>
-            <a:ln w="76200">
-              <a:solidFill>
-                <a:schemeClr val="accent2">
-                  <a:lumMod val="40000"/>
-                  <a:lumOff val="60000"/>
-                </a:schemeClr>
-              </a:solidFill>
-            </a:ln>
-          </p:spPr>
-          <p:style>
-            <a:lnRef idx="1">
-              <a:schemeClr val="accent1"/>
-            </a:lnRef>
-            <a:fillRef idx="0">
-              <a:schemeClr val="accent1"/>
-            </a:fillRef>
-            <a:effectRef idx="0">
-              <a:schemeClr val="accent1"/>
-            </a:effectRef>
-            <a:fontRef idx="minor">
-              <a:schemeClr val="tx1"/>
-            </a:fontRef>
-          </p:style>
-        </p:cxnSp>
-      </p:grpSp>
+          <a:prstGeom prst="line">
+            <a:avLst/>
+          </a:prstGeom>
+          <a:ln w="76200">
+            <a:solidFill>
+              <a:schemeClr val="accent2">
+                <a:lumMod val="40000"/>
+                <a:lumOff val="60000"/>
+              </a:schemeClr>
+            </a:solidFill>
+          </a:ln>
+        </p:spPr>
+        <p:style>
+          <a:lnRef idx="1">
+            <a:schemeClr val="accent1"/>
+          </a:lnRef>
+          <a:fillRef idx="0">
+            <a:schemeClr val="accent1"/>
+          </a:fillRef>
+          <a:effectRef idx="0">
+            <a:schemeClr val="accent1"/>
+          </a:effectRef>
+          <a:fontRef idx="minor">
+            <a:schemeClr val="tx1"/>
+          </a:fontRef>
+        </p:style>
+      </p:cxnSp>
+      <p:cxnSp>
+        <p:nvCxnSpPr>
+          <p:cNvPr id="52" name="Straight Connector 51"/>
+          <p:cNvCxnSpPr/>
+          <p:nvPr/>
+        </p:nvCxnSpPr>
+        <p:spPr>
+          <a:xfrm rot="10800000">
+            <a:off x="990600" y="29489400"/>
+            <a:ext cx="3962400" cy="0"/>
+          </a:xfrm>
+          <a:prstGeom prst="line">
+            <a:avLst/>
+          </a:prstGeom>
+          <a:ln w="76200">
+            <a:solidFill>
+              <a:schemeClr val="accent2">
+                <a:lumMod val="40000"/>
+                <a:lumOff val="60000"/>
+              </a:schemeClr>
+            </a:solidFill>
+          </a:ln>
+        </p:spPr>
+        <p:style>
+          <a:lnRef idx="1">
+            <a:schemeClr val="accent1"/>
+          </a:lnRef>
+          <a:fillRef idx="0">
+            <a:schemeClr val="accent1"/>
+          </a:fillRef>
+          <a:effectRef idx="0">
+            <a:schemeClr val="accent1"/>
+          </a:effectRef>
+          <a:fontRef idx="minor">
+            <a:schemeClr val="tx1"/>
+          </a:fontRef>
+        </p:style>
+      </p:cxnSp>
       <p:cxnSp>
         <p:nvCxnSpPr>
           <p:cNvPr id="67" name="Straight Connector 66"/>
@@ -4898,135 +4766,82 @@
           </a:fontRef>
         </p:style>
       </p:cxnSp>
-      <p:grpSp>
-        <p:nvGrpSpPr>
-          <p:cNvPr id="114" name="Group 113"/>
-          <p:cNvGrpSpPr/>
+      <p:cxnSp>
+        <p:nvCxnSpPr>
+          <p:cNvPr id="47" name="Straight Connector 46"/>
+          <p:cNvCxnSpPr/>
           <p:nvPr/>
-        </p:nvGrpSpPr>
-        <p:grpSpPr>
-          <a:xfrm>
-            <a:off x="24917400" y="24003000"/>
-            <a:ext cx="5105400" cy="5943600"/>
-            <a:chOff x="24993600" y="23926801"/>
-            <a:chExt cx="5105400" cy="5943600"/>
+        </p:nvCxnSpPr>
+        <p:spPr>
+          <a:xfrm rot="10800000">
+            <a:off x="24917400" y="29717999"/>
+            <a:ext cx="5105400" cy="0"/>
           </a:xfrm>
-        </p:grpSpPr>
-        <p:cxnSp>
-          <p:nvCxnSpPr>
-            <p:cNvPr id="47" name="Straight Connector 46"/>
-            <p:cNvCxnSpPr/>
-            <p:nvPr/>
-          </p:nvCxnSpPr>
-          <p:spPr>
-            <a:xfrm rot="10800000">
-              <a:off x="24993600" y="29489400"/>
-              <a:ext cx="5105400" cy="0"/>
-            </a:xfrm>
-            <a:prstGeom prst="line">
-              <a:avLst/>
-            </a:prstGeom>
-            <a:ln w="76200">
-              <a:solidFill>
-                <a:schemeClr val="accent2">
-                  <a:lumMod val="40000"/>
-                  <a:lumOff val="60000"/>
-                </a:schemeClr>
-              </a:solidFill>
-            </a:ln>
-          </p:spPr>
-          <p:style>
-            <a:lnRef idx="1">
-              <a:schemeClr val="accent1"/>
-            </a:lnRef>
-            <a:fillRef idx="0">
-              <a:schemeClr val="accent1"/>
-            </a:fillRef>
-            <a:effectRef idx="0">
-              <a:schemeClr val="accent1"/>
-            </a:effectRef>
-            <a:fontRef idx="minor">
-              <a:schemeClr val="tx1"/>
-            </a:fontRef>
-          </p:style>
-        </p:cxnSp>
-        <p:cxnSp>
-          <p:nvCxnSpPr>
-            <p:cNvPr id="77" name="Straight Connector 76"/>
-            <p:cNvCxnSpPr/>
-            <p:nvPr/>
-          </p:nvCxnSpPr>
-          <p:spPr>
-            <a:xfrm rot="16200000" flipH="1">
-              <a:off x="26593801" y="26898600"/>
-              <a:ext cx="5943600" cy="1"/>
-            </a:xfrm>
-            <a:prstGeom prst="line">
-              <a:avLst/>
-            </a:prstGeom>
-            <a:ln w="76200">
-              <a:solidFill>
-                <a:schemeClr val="accent2">
-                  <a:lumMod val="40000"/>
-                  <a:lumOff val="60000"/>
-                </a:schemeClr>
-              </a:solidFill>
-            </a:ln>
-          </p:spPr>
-          <p:style>
-            <a:lnRef idx="1">
-              <a:schemeClr val="accent1"/>
-            </a:lnRef>
-            <a:fillRef idx="0">
-              <a:schemeClr val="accent1"/>
-            </a:fillRef>
-            <a:effectRef idx="0">
-              <a:schemeClr val="accent1"/>
-            </a:effectRef>
-            <a:fontRef idx="minor">
-              <a:schemeClr val="tx1"/>
-            </a:fontRef>
-          </p:style>
-        </p:cxnSp>
-        <p:cxnSp>
-          <p:nvCxnSpPr>
-            <p:cNvPr id="78" name="Straight Connector 77"/>
-            <p:cNvCxnSpPr/>
-            <p:nvPr/>
-          </p:nvCxnSpPr>
-          <p:spPr>
-            <a:xfrm rot="10800000" flipV="1">
-              <a:off x="25374601" y="29260798"/>
-              <a:ext cx="4175448" cy="1"/>
-            </a:xfrm>
-            <a:prstGeom prst="line">
-              <a:avLst/>
-            </a:prstGeom>
-            <a:ln w="76200">
-              <a:solidFill>
-                <a:schemeClr val="accent2">
-                  <a:lumMod val="40000"/>
-                  <a:lumOff val="60000"/>
-                </a:schemeClr>
-              </a:solidFill>
-            </a:ln>
-          </p:spPr>
-          <p:style>
-            <a:lnRef idx="1">
-              <a:schemeClr val="accent1"/>
-            </a:lnRef>
-            <a:fillRef idx="0">
-              <a:schemeClr val="accent1"/>
-            </a:fillRef>
-            <a:effectRef idx="0">
-              <a:schemeClr val="accent1"/>
-            </a:effectRef>
-            <a:fontRef idx="minor">
-              <a:schemeClr val="tx1"/>
-            </a:fontRef>
-          </p:style>
-        </p:cxnSp>
-      </p:grpSp>
+          <a:prstGeom prst="line">
+            <a:avLst/>
+          </a:prstGeom>
+          <a:ln w="76200">
+            <a:solidFill>
+              <a:schemeClr val="accent2">
+                <a:lumMod val="40000"/>
+                <a:lumOff val="60000"/>
+              </a:schemeClr>
+            </a:solidFill>
+          </a:ln>
+        </p:spPr>
+        <p:style>
+          <a:lnRef idx="1">
+            <a:schemeClr val="accent1"/>
+          </a:lnRef>
+          <a:fillRef idx="0">
+            <a:schemeClr val="accent1"/>
+          </a:fillRef>
+          <a:effectRef idx="0">
+            <a:schemeClr val="accent1"/>
+          </a:effectRef>
+          <a:fontRef idx="minor">
+            <a:schemeClr val="tx1"/>
+          </a:fontRef>
+        </p:style>
+      </p:cxnSp>
+      <p:cxnSp>
+        <p:nvCxnSpPr>
+          <p:cNvPr id="77" name="Straight Connector 76"/>
+          <p:cNvCxnSpPr/>
+          <p:nvPr/>
+        </p:nvCxnSpPr>
+        <p:spPr>
+          <a:xfrm rot="16200000" flipH="1">
+            <a:off x="26517601" y="27050999"/>
+            <a:ext cx="5943600" cy="1"/>
+          </a:xfrm>
+          <a:prstGeom prst="line">
+            <a:avLst/>
+          </a:prstGeom>
+          <a:ln w="76200">
+            <a:solidFill>
+              <a:schemeClr val="accent2">
+                <a:lumMod val="40000"/>
+                <a:lumOff val="60000"/>
+              </a:schemeClr>
+            </a:solidFill>
+          </a:ln>
+        </p:spPr>
+        <p:style>
+          <a:lnRef idx="1">
+            <a:schemeClr val="accent1"/>
+          </a:lnRef>
+          <a:fillRef idx="0">
+            <a:schemeClr val="accent1"/>
+          </a:fillRef>
+          <a:effectRef idx="0">
+            <a:schemeClr val="accent1"/>
+          </a:effectRef>
+          <a:fontRef idx="minor">
+            <a:schemeClr val="tx1"/>
+          </a:fontRef>
+        </p:style>
+      </p:cxnSp>
       <p:cxnSp>
         <p:nvCxnSpPr>
           <p:cNvPr id="79" name="Straight Connector 78"/>
@@ -5035,7 +4850,7 @@
         </p:nvCxnSpPr>
         <p:spPr>
           <a:xfrm rot="10800000">
-            <a:off x="-5867400" y="26715720"/>
+            <a:off x="12268200" y="23469600"/>
             <a:ext cx="5105400" cy="0"/>
           </a:xfrm>
           <a:prstGeom prst="line">
@@ -8238,22 +8053,6 @@
           </a:graphicData>
         </a:graphic>
       </p:graphicFrame>
-      <p:graphicFrame>
-        <p:nvGraphicFramePr>
-          <p:cNvPr id="111" name="Chart 110"/>
-          <p:cNvGraphicFramePr/>
-          <p:nvPr/>
-        </p:nvGraphicFramePr>
-        <p:xfrm>
-          <a:off x="16916400" y="23545800"/>
-          <a:ext cx="7342045" cy="5605896"/>
-        </p:xfrm>
-        <a:graphic>
-          <a:graphicData uri="http://schemas.openxmlformats.org/drawingml/2006/chart">
-            <c:chart xmlns:c="http://schemas.openxmlformats.org/drawingml/2006/chart" xmlns:r="http://schemas.openxmlformats.org/officeDocument/2006/relationships" r:id="rId23"/>
-          </a:graphicData>
-        </a:graphic>
-      </p:graphicFrame>
       <p:cxnSp>
         <p:nvCxnSpPr>
           <p:cNvPr id="157" name="Straight Connector 156"/>
@@ -8444,6 +8243,79 @@
           </a:fontRef>
         </p:style>
       </p:cxnSp>
+      <p:sp>
+        <p:nvSpPr>
+          <p:cNvPr id="127" name="Rectangle 126"/>
+          <p:cNvSpPr/>
+          <p:nvPr/>
+        </p:nvSpPr>
+        <p:spPr>
+          <a:xfrm>
+            <a:off x="13639800" y="23622000"/>
+            <a:ext cx="9448800" cy="990600"/>
+          </a:xfrm>
+          <a:prstGeom prst="rect">
+            <a:avLst/>
+          </a:prstGeom>
+          <a:noFill/>
+          <a:ln>
+            <a:noFill/>
+          </a:ln>
+        </p:spPr>
+        <p:style>
+          <a:lnRef idx="2">
+            <a:schemeClr val="accent1">
+              <a:shade val="50000"/>
+            </a:schemeClr>
+          </a:lnRef>
+          <a:fillRef idx="1">
+            <a:schemeClr val="accent1"/>
+          </a:fillRef>
+          <a:effectRef idx="0">
+            <a:schemeClr val="accent1"/>
+          </a:effectRef>
+          <a:fontRef idx="minor">
+            <a:schemeClr val="lt1"/>
+          </a:fontRef>
+        </p:style>
+        <p:txBody>
+          <a:bodyPr lIns="0" tIns="91440" bIns="91440" rtlCol="0" anchor="ctr"/>
+          <a:lstStyle/>
+          <a:p>
+            <a:r>
+              <a:rPr lang="en-US" sz="5400" b="1" dirty="0" smtClean="0">
+                <a:solidFill>
+                  <a:schemeClr val="tx2"/>
+                </a:solidFill>
+                <a:latin typeface="Cambria" pitchFamily="18" charset="0"/>
+              </a:rPr>
+              <a:t>Experiments</a:t>
+            </a:r>
+            <a:endParaRPr lang="en-US" sz="5400" b="1" dirty="0">
+              <a:solidFill>
+                <a:schemeClr val="tx2"/>
+              </a:solidFill>
+              <a:latin typeface="Cambria" pitchFamily="18" charset="0"/>
+            </a:endParaRPr>
+          </a:p>
+        </p:txBody>
+      </p:sp>
+      <p:graphicFrame>
+        <p:nvGraphicFramePr>
+          <p:cNvPr id="175" name="Chart 174"/>
+          <p:cNvGraphicFramePr/>
+          <p:nvPr/>
+        </p:nvGraphicFramePr>
+        <p:xfrm>
+          <a:off x="21412200" y="24307800"/>
+          <a:ext cx="7696200" cy="5130800"/>
+        </p:xfrm>
+        <a:graphic>
+          <a:graphicData uri="http://schemas.openxmlformats.org/drawingml/2006/chart">
+            <c:chart xmlns:c="http://schemas.openxmlformats.org/drawingml/2006/chart" xmlns:r="http://schemas.openxmlformats.org/officeDocument/2006/relationships" r:id="rId23"/>
+          </a:graphicData>
+        </a:graphic>
+      </p:graphicFrame>
     </p:spTree>
   </p:cSld>
   <p:clrMapOvr>

--- a/Docs/TIU_Tracking_Poster_v9.pptx
+++ b/Docs/TIU_Tracking_Poster_v9.pptx
@@ -325,11 +325,11 @@
           <c:smooth val="1"/>
         </c:ser>
         <c:marker val="1"/>
-        <c:axId val="58653312"/>
-        <c:axId val="60155008"/>
+        <c:axId val="96701056"/>
+        <c:axId val="96790400"/>
       </c:lineChart>
       <c:catAx>
-        <c:axId val="58653312"/>
+        <c:axId val="96701056"/>
         <c:scaling>
           <c:orientation val="minMax"/>
         </c:scaling>
@@ -364,14 +364,14 @@
             <a:endParaRPr lang="en-US"/>
           </a:p>
         </c:txPr>
-        <c:crossAx val="60155008"/>
+        <c:crossAx val="96790400"/>
         <c:crosses val="autoZero"/>
         <c:auto val="1"/>
         <c:lblAlgn val="ctr"/>
         <c:lblOffset val="100"/>
       </c:catAx>
       <c:valAx>
-        <c:axId val="60155008"/>
+        <c:axId val="96790400"/>
         <c:scaling>
           <c:orientation val="minMax"/>
           <c:max val="280"/>
@@ -419,7 +419,7 @@
             <a:endParaRPr lang="en-US"/>
           </a:p>
         </c:txPr>
-        <c:crossAx val="58653312"/>
+        <c:crossAx val="96701056"/>
         <c:crosses val="autoZero"/>
         <c:crossBetween val="between"/>
       </c:valAx>
@@ -440,193 +440,6 @@
     </c:legend>
     <c:plotVisOnly val="1"/>
   </c:chart>
-  <c:externalData r:id="rId1"/>
-</c:chartSpace>
-</file>
-
-<file path=ppt/charts/chart2.xml><?xml version="1.0" encoding="utf-8"?>
-<c:chartSpace xmlns:c="http://schemas.openxmlformats.org/drawingml/2006/chart" xmlns:a="http://schemas.openxmlformats.org/drawingml/2006/main" xmlns:r="http://schemas.openxmlformats.org/officeDocument/2006/relationships">
-  <c:lang val="en-US"/>
-  <c:chart>
-    <c:title>
-      <c:layout/>
-      <c:txPr>
-        <a:bodyPr/>
-        <a:lstStyle/>
-        <a:p>
-          <a:pPr>
-            <a:defRPr sz="3600"/>
-          </a:pPr>
-          <a:endParaRPr lang="en-US"/>
-        </a:p>
-      </c:txPr>
-    </c:title>
-    <c:plotArea>
-      <c:layout/>
-      <c:pieChart>
-        <c:varyColors val="1"/>
-        <c:ser>
-          <c:idx val="0"/>
-          <c:order val="0"/>
-          <c:tx>
-            <c:strRef>
-              <c:f>Sheet1!$B$1</c:f>
-              <c:strCache>
-                <c:ptCount val="1"/>
-                <c:pt idx="0">
-                  <c:v>Yield</c:v>
-                </c:pt>
-              </c:strCache>
-            </c:strRef>
-          </c:tx>
-          <c:dLbls>
-            <c:dLbl>
-              <c:idx val="0"/>
-              <c:layout>
-                <c:manualLayout>
-                  <c:x val="-0.16699819391387957"/>
-                  <c:y val="7.2850237779683483E-2"/>
-                </c:manualLayout>
-              </c:layout>
-              <c:tx>
-                <c:rich>
-                  <a:bodyPr/>
-                  <a:lstStyle/>
-                  <a:p>
-                    <a:r>
-                      <a:rPr lang="en-US" smtClean="0"/>
-                      <a:t>94%</a:t>
-                    </a:r>
-                    <a:endParaRPr lang="en-US"/>
-                  </a:p>
-                </c:rich>
-              </c:tx>
-              <c:showVal val="1"/>
-            </c:dLbl>
-            <c:dLbl>
-              <c:idx val="1"/>
-              <c:layout>
-                <c:manualLayout>
-                  <c:x val="7.2621423559678808E-2"/>
-                  <c:y val="-0.16969049660871599"/>
-                </c:manualLayout>
-              </c:layout>
-              <c:tx>
-                <c:rich>
-                  <a:bodyPr/>
-                  <a:lstStyle/>
-                  <a:p>
-                    <a:r>
-                      <a:rPr lang="en-US" smtClean="0"/>
-                      <a:t>88%</a:t>
-                    </a:r>
-                    <a:endParaRPr lang="en-US"/>
-                  </a:p>
-                </c:rich>
-              </c:tx>
-              <c:showVal val="1"/>
-            </c:dLbl>
-            <c:dLbl>
-              <c:idx val="2"/>
-              <c:layout>
-                <c:manualLayout>
-                  <c:x val="0.15759758062420415"/>
-                  <c:y val="0.15356045840804552"/>
-                </c:manualLayout>
-              </c:layout>
-              <c:tx>
-                <c:rich>
-                  <a:bodyPr/>
-                  <a:lstStyle/>
-                  <a:p>
-                    <a:r>
-                      <a:rPr lang="en-US" smtClean="0"/>
-                      <a:t>77%</a:t>
-                    </a:r>
-                    <a:endParaRPr lang="en-US"/>
-                  </a:p>
-                </c:rich>
-              </c:tx>
-              <c:showVal val="1"/>
-            </c:dLbl>
-            <c:txPr>
-              <a:bodyPr/>
-              <a:lstStyle/>
-              <a:p>
-                <a:pPr>
-                  <a:defRPr sz="3600"/>
-                </a:pPr>
-                <a:endParaRPr lang="en-US"/>
-              </a:p>
-            </c:txPr>
-            <c:showVal val="1"/>
-            <c:showLeaderLines val="1"/>
-          </c:dLbls>
-          <c:cat>
-            <c:strRef>
-              <c:f>Sheet1!$A$2:$A$4</c:f>
-              <c:strCache>
-                <c:ptCount val="3"/>
-                <c:pt idx="0">
-                  <c:v>0m</c:v>
-                </c:pt>
-                <c:pt idx="1">
-                  <c:v>0.5m</c:v>
-                </c:pt>
-                <c:pt idx="2">
-                  <c:v>1.5m</c:v>
-                </c:pt>
-              </c:strCache>
-            </c:strRef>
-          </c:cat>
-          <c:val>
-            <c:numRef>
-              <c:f>Sheet1!$B$2:$B$4</c:f>
-              <c:numCache>
-                <c:formatCode>General</c:formatCode>
-                <c:ptCount val="3"/>
-                <c:pt idx="0">
-                  <c:v>94</c:v>
-                </c:pt>
-                <c:pt idx="1">
-                  <c:v>88</c:v>
-                </c:pt>
-                <c:pt idx="2">
-                  <c:v>77</c:v>
-                </c:pt>
-              </c:numCache>
-            </c:numRef>
-          </c:val>
-        </c:ser>
-        <c:firstSliceAng val="0"/>
-      </c:pieChart>
-    </c:plotArea>
-    <c:legend>
-      <c:legendPos val="r"/>
-      <c:layout/>
-      <c:txPr>
-        <a:bodyPr/>
-        <a:lstStyle/>
-        <a:p>
-          <a:pPr>
-            <a:defRPr sz="3200"/>
-          </a:pPr>
-          <a:endParaRPr lang="en-US"/>
-        </a:p>
-      </c:txPr>
-    </c:legend>
-    <c:plotVisOnly val="1"/>
-  </c:chart>
-  <c:txPr>
-    <a:bodyPr/>
-    <a:lstStyle/>
-    <a:p>
-      <a:pPr>
-        <a:defRPr sz="1800"/>
-      </a:pPr>
-      <a:endParaRPr lang="en-US"/>
-    </a:p>
-  </c:txPr>
   <c:externalData r:id="rId1"/>
 </c:chartSpace>
 </file>
@@ -8251,7 +8064,7 @@
         </p:nvSpPr>
         <p:spPr>
           <a:xfrm>
-            <a:off x="13639800" y="23622000"/>
+            <a:off x="13411200" y="23622000"/>
             <a:ext cx="9448800" cy="990600"/>
           </a:xfrm>
           <a:prstGeom prst="rect">
@@ -8300,22 +8113,6 @@
           </a:p>
         </p:txBody>
       </p:sp>
-      <p:graphicFrame>
-        <p:nvGraphicFramePr>
-          <p:cNvPr id="175" name="Chart 174"/>
-          <p:cNvGraphicFramePr/>
-          <p:nvPr/>
-        </p:nvGraphicFramePr>
-        <p:xfrm>
-          <a:off x="21412200" y="24307800"/>
-          <a:ext cx="7696200" cy="5130800"/>
-        </p:xfrm>
-        <a:graphic>
-          <a:graphicData uri="http://schemas.openxmlformats.org/drawingml/2006/chart">
-            <c:chart xmlns:c="http://schemas.openxmlformats.org/drawingml/2006/chart" xmlns:r="http://schemas.openxmlformats.org/officeDocument/2006/relationships" r:id="rId23"/>
-          </a:graphicData>
-        </a:graphic>
-      </p:graphicFrame>
     </p:spTree>
   </p:cSld>
   <p:clrMapOvr>

--- a/Docs/TIU_Tracking_Poster_v9.pptx
+++ b/Docs/TIU_Tracking_Poster_v9.pptx
@@ -4132,7 +4132,21 @@
                 <a:ea typeface="Ebrima" pitchFamily="2" charset="0"/>
                 <a:cs typeface="Ebrima" pitchFamily="2" charset="0"/>
               </a:rPr>
-              <a:t>Battery life: 3 months  </a:t>
+              <a:t>Battery life: </a:t>
+            </a:r>
+            <a:r>
+              <a:rPr lang="en-US" sz="3600" dirty="0" smtClean="0">
+                <a:ea typeface="Ebrima" pitchFamily="2" charset="0"/>
+                <a:cs typeface="Ebrima" pitchFamily="2" charset="0"/>
+              </a:rPr>
+              <a:t>at least 1 </a:t>
+            </a:r>
+            <a:r>
+              <a:rPr lang="en-US" sz="3600" dirty="0" smtClean="0">
+                <a:ea typeface="Ebrima" pitchFamily="2" charset="0"/>
+                <a:cs typeface="Ebrima" pitchFamily="2" charset="0"/>
+              </a:rPr>
+              <a:t>months  </a:t>
             </a:r>
           </a:p>
           <a:p>

--- a/Docs/TIU_Tracking_Poster_v9.pptx
+++ b/Docs/TIU_Tracking_Poster_v9.pptx
@@ -3759,7 +3759,7 @@
         </p:nvSpPr>
         <p:spPr>
           <a:xfrm>
-            <a:off x="30175200" y="19202400"/>
+            <a:off x="30175200" y="18440400"/>
             <a:ext cx="9448800" cy="990600"/>
           </a:xfrm>
           <a:prstGeom prst="rect">
@@ -3816,7 +3816,7 @@
         </p:nvSpPr>
         <p:spPr>
           <a:xfrm>
-            <a:off x="30175200" y="25450800"/>
+            <a:off x="30175200" y="23774400"/>
             <a:ext cx="9448800" cy="990600"/>
           </a:xfrm>
           <a:prstGeom prst="rect">
@@ -3865,34 +3865,6 @@
           </a:p>
         </p:txBody>
       </p:sp>
-      <p:pic>
-        <p:nvPicPr>
-          <p:cNvPr id="15362" name="Picture 2" descr="C:\Users\WOODY\Desktop\scatter2.bmp"/>
-          <p:cNvPicPr>
-            <a:picLocks noChangeAspect="1" noChangeArrowheads="1"/>
-          </p:cNvPicPr>
-          <p:nvPr/>
-        </p:nvPicPr>
-        <p:blipFill>
-          <a:blip r:embed="rId4" cstate="print"/>
-          <a:stretch>
-            <a:fillRect/>
-          </a:stretch>
-        </p:blipFill>
-        <p:spPr bwMode="auto">
-          <a:xfrm>
-            <a:off x="31242000" y="20421600"/>
-            <a:ext cx="10363200" cy="5301895"/>
-          </a:xfrm>
-          <a:prstGeom prst="rect">
-            <a:avLst/>
-          </a:prstGeom>
-          <a:noFill/>
-          <a:ln w="3175">
-            <a:noFill/>
-          </a:ln>
-        </p:spPr>
-      </p:pic>
       <p:sp>
         <p:nvSpPr>
           <p:cNvPr id="59" name="TextBox 58"/>
@@ -3901,8 +3873,8 @@
         </p:nvSpPr>
         <p:spPr>
           <a:xfrm>
-            <a:off x="30175200" y="26289000"/>
-            <a:ext cx="12344400" cy="2954655"/>
+            <a:off x="30175200" y="24623554"/>
+            <a:ext cx="12344400" cy="5170646"/>
           </a:xfrm>
           <a:prstGeom prst="rect">
             <a:avLst/>
@@ -3915,15 +3887,47 @@
           </a:bodyPr>
           <a:lstStyle/>
           <a:p>
-            <a:pPr lvl="0" algn="just"/>
-            <a:r>
-              <a:rPr lang="en-US" sz="3600" dirty="0" smtClean="0">
-                <a:ea typeface="Ebrima" pitchFamily="2" charset="0"/>
-                <a:cs typeface="Ebrima" pitchFamily="2" charset="0"/>
-              </a:rPr>
-              <a:t>The system has met two of three important requirements, i.e. size and power. However, the accuracy still needs to be enhanced  by considering antenna design and other advanced locating algorithms. Noise filter can be implemented on both hardware and software to achieve desired performance.</a:t>
-            </a:r>
-            <a:endParaRPr lang="en-US" sz="8800" dirty="0"/>
+            <a:pPr algn="just">
+              <a:buFont typeface="Arial" pitchFamily="34" charset="0"/>
+              <a:buChar char="•"/>
+            </a:pPr>
+            <a:r>
+              <a:rPr lang="en-US" sz="3600" dirty="0" smtClean="0"/>
+              <a:t> </a:t>
+            </a:r>
+            <a:r>
+              <a:rPr lang="en-US" sz="3200" dirty="0" smtClean="0"/>
+              <a:t>Size </a:t>
+            </a:r>
+            <a:r>
+              <a:rPr lang="en-US" sz="3200" dirty="0" smtClean="0"/>
+              <a:t>was addressed by constraining the PCB dimension, and using surface mount components.</a:t>
+            </a:r>
+          </a:p>
+          <a:p>
+            <a:pPr algn="just">
+              <a:buFont typeface="Arial" pitchFamily="34" charset="0"/>
+              <a:buChar char="•"/>
+            </a:pPr>
+            <a:r>
+              <a:rPr lang="en-US" sz="3200" dirty="0" smtClean="0"/>
+              <a:t> Power </a:t>
+            </a:r>
+            <a:r>
+              <a:rPr lang="en-US" sz="3200" dirty="0" smtClean="0"/>
+              <a:t>was addressed by implementing low power states, moderating the broadcast rate, and restricting tag communication to one-way. We concluded that a tag can meet the requirement of lasting at least 1 month.</a:t>
+            </a:r>
+          </a:p>
+          <a:p>
+            <a:pPr algn="just">
+              <a:buFont typeface="Arial" pitchFamily="34" charset="0"/>
+              <a:buChar char="•"/>
+            </a:pPr>
+            <a:r>
+              <a:rPr lang="en-US" sz="3200" dirty="0" smtClean="0"/>
+              <a:t> Accuracy has at least 90% success rates when a tag is placed on exactly a location was calibrated. This is good news, because TIU’s are always placed in the same orientation and location when they are inserted into the testing equipment.</a:t>
+            </a:r>
+            <a:endParaRPr lang="en-US" sz="8000" dirty="0"/>
           </a:p>
         </p:txBody>
       </p:sp>
@@ -4173,7 +4177,7 @@
           <p:nvPr/>
         </p:nvPicPr>
         <p:blipFill>
-          <a:blip r:embed="rId5" cstate="print">
+          <a:blip r:embed="rId4" cstate="print">
             <a:clrChange>
               <a:clrFrom>
                 <a:srgbClr val="F4FCFF"/>
@@ -4210,7 +4214,7 @@
           <p:nvPr/>
         </p:nvPicPr>
         <p:blipFill>
-          <a:blip r:embed="rId6" cstate="print"/>
+          <a:blip r:embed="rId5" cstate="print"/>
           <a:srcRect/>
           <a:stretch>
             <a:fillRect/>
@@ -4218,8 +4222,8 @@
         </p:blipFill>
         <p:spPr bwMode="auto">
           <a:xfrm>
-            <a:off x="30540649" y="12801600"/>
-            <a:ext cx="7930638" cy="4267095"/>
+            <a:off x="31150249" y="12801601"/>
+            <a:ext cx="6731280" cy="3621778"/>
           </a:xfrm>
           <a:prstGeom prst="rect">
             <a:avLst/>
@@ -4792,7 +4796,7 @@
           <p:nvPr/>
         </p:nvPicPr>
         <p:blipFill>
-          <a:blip r:embed="rId7" cstate="print"/>
+          <a:blip r:embed="rId6" cstate="print"/>
           <a:stretch>
             <a:fillRect/>
           </a:stretch>
@@ -4865,7 +4869,7 @@
         </p:nvSpPr>
         <p:spPr>
           <a:xfrm>
-            <a:off x="2068285" y="31126241"/>
+            <a:off x="2068285" y="31013400"/>
             <a:ext cx="25668515" cy="1182559"/>
           </a:xfrm>
           <a:prstGeom prst="rect">
@@ -4920,7 +4924,7 @@
           <p:nvPr/>
         </p:nvPicPr>
         <p:blipFill>
-          <a:blip r:embed="rId8" cstate="print">
+          <a:blip r:embed="rId7" cstate="print">
             <a:clrChange>
               <a:clrFrom>
                 <a:srgbClr val="FFFFFF"/>
@@ -5070,7 +5074,7 @@
         </p:nvGrpSpPr>
         <p:grpSpPr>
           <a:xfrm>
-            <a:off x="29032200" y="15697200"/>
+            <a:off x="29032200" y="15087600"/>
             <a:ext cx="5105400" cy="4114800"/>
             <a:chOff x="45780648" y="13335000"/>
             <a:chExt cx="5105400" cy="4114800"/>
@@ -5448,7 +5452,7 @@
             <p:nvPr/>
           </p:nvPicPr>
           <p:blipFill>
-            <a:blip r:embed="rId9" cstate="print"/>
+            <a:blip r:embed="rId8" cstate="print"/>
             <a:stretch>
               <a:fillRect/>
             </a:stretch>
@@ -5486,7 +5490,7 @@
               <p:nvPr/>
             </p:nvPicPr>
             <p:blipFill>
-              <a:blip r:embed="rId10" cstate="print"/>
+              <a:blip r:embed="rId9" cstate="print"/>
               <a:stretch>
                 <a:fillRect/>
               </a:stretch>
@@ -5573,7 +5577,7 @@
               <p:nvPr/>
             </p:nvPicPr>
             <p:blipFill>
-              <a:blip r:embed="rId9" cstate="print"/>
+              <a:blip r:embed="rId8" cstate="print"/>
               <a:stretch>
                 <a:fillRect/>
               </a:stretch>
@@ -5646,7 +5650,7 @@
             <p:nvPr/>
           </p:nvPicPr>
           <p:blipFill>
-            <a:blip r:embed="rId11" cstate="print"/>
+            <a:blip r:embed="rId10" cstate="print"/>
             <a:stretch>
               <a:fillRect/>
             </a:stretch>
@@ -5718,7 +5722,7 @@
             <p:nvPr/>
           </p:nvPicPr>
           <p:blipFill>
-            <a:blip r:embed="rId9" cstate="print"/>
+            <a:blip r:embed="rId8" cstate="print"/>
             <a:stretch>
               <a:fillRect/>
             </a:stretch>
@@ -5756,7 +5760,7 @@
               <p:nvPr/>
             </p:nvPicPr>
             <p:blipFill>
-              <a:blip r:embed="rId12" cstate="print"/>
+              <a:blip r:embed="rId11" cstate="print"/>
               <a:srcRect/>
               <a:stretch>
                 <a:fillRect/>
@@ -5782,7 +5786,7 @@
               <p:nvPr/>
             </p:nvPicPr>
             <p:blipFill>
-              <a:blip r:embed="rId13" cstate="print"/>
+              <a:blip r:embed="rId12" cstate="print"/>
               <a:srcRect/>
               <a:stretch>
                 <a:fillRect/>
@@ -5871,7 +5875,7 @@
               <p:nvPr/>
             </p:nvPicPr>
             <p:blipFill>
-              <a:blip r:embed="rId14" cstate="print"/>
+              <a:blip r:embed="rId13" cstate="print"/>
               <a:srcRect/>
               <a:stretch>
                 <a:fillRect/>
@@ -5897,7 +5901,7 @@
               <p:nvPr/>
             </p:nvPicPr>
             <p:blipFill>
-              <a:blip r:embed="rId15" cstate="print"/>
+              <a:blip r:embed="rId14" cstate="print"/>
               <a:srcRect/>
               <a:stretch>
                 <a:fillRect/>
@@ -5986,7 +5990,7 @@
               <p:nvPr/>
             </p:nvPicPr>
             <p:blipFill>
-              <a:blip r:embed="rId10" cstate="print"/>
+              <a:blip r:embed="rId9" cstate="print"/>
               <a:stretch>
                 <a:fillRect/>
               </a:stretch>
@@ -6365,7 +6369,7 @@
             <p:nvPr/>
           </p:nvPicPr>
           <p:blipFill>
-            <a:blip r:embed="rId9" cstate="print"/>
+            <a:blip r:embed="rId8" cstate="print"/>
             <a:stretch>
               <a:fillRect/>
             </a:stretch>
@@ -6389,7 +6393,7 @@
             <p:nvPr/>
           </p:nvPicPr>
           <p:blipFill>
-            <a:blip r:embed="rId16" cstate="print">
+            <a:blip r:embed="rId15" cstate="print">
               <a:clrChange>
                 <a:clrFrom>
                   <a:srgbClr val="FFFFFF"/>
@@ -6426,7 +6430,7 @@
             <p:nvPr/>
           </p:nvPicPr>
           <p:blipFill>
-            <a:blip r:embed="rId16" cstate="print">
+            <a:blip r:embed="rId15" cstate="print">
               <a:clrChange>
                 <a:clrFrom>
                   <a:srgbClr val="FFFFFF"/>
@@ -6463,7 +6467,7 @@
             <p:nvPr/>
           </p:nvPicPr>
           <p:blipFill>
-            <a:blip r:embed="rId16" cstate="print">
+            <a:blip r:embed="rId15" cstate="print">
               <a:clrChange>
                 <a:clrFrom>
                   <a:srgbClr val="FFFFFF"/>
@@ -6500,7 +6504,7 @@
             <p:nvPr/>
           </p:nvPicPr>
           <p:blipFill>
-            <a:blip r:embed="rId16" cstate="print">
+            <a:blip r:embed="rId15" cstate="print">
               <a:clrChange>
                 <a:clrFrom>
                   <a:srgbClr val="FFFFFF"/>
@@ -6893,7 +6897,7 @@
               <p:nvPr/>
             </p:nvPicPr>
             <p:blipFill>
-              <a:blip r:embed="rId17" cstate="print"/>
+              <a:blip r:embed="rId16" cstate="print"/>
               <a:stretch>
                 <a:fillRect/>
               </a:stretch>
@@ -6985,7 +6989,7 @@
                 <p:nvPr/>
               </p:nvPicPr>
               <p:blipFill>
-                <a:blip r:embed="rId18" cstate="print"/>
+                <a:blip r:embed="rId17" cstate="print"/>
                 <a:srcRect/>
                 <a:stretch>
                   <a:fillRect/>
@@ -7011,7 +7015,7 @@
                 <p:nvPr/>
               </p:nvPicPr>
               <p:blipFill>
-                <a:blip r:embed="rId19" cstate="print"/>
+                <a:blip r:embed="rId18" cstate="print"/>
                 <a:srcRect/>
                 <a:stretch>
                   <a:fillRect/>
@@ -7643,15 +7647,15 @@
           <p:nvPr/>
         </p:nvPicPr>
         <p:blipFill>
-          <a:blip r:embed="rId20" cstate="print"/>
+          <a:blip r:embed="rId19" cstate="print"/>
           <a:stretch>
             <a:fillRect/>
           </a:stretch>
         </p:blipFill>
         <p:spPr bwMode="auto">
           <a:xfrm>
-            <a:off x="34657491" y="14827857"/>
-            <a:ext cx="7916298" cy="4450744"/>
+            <a:off x="35267091" y="14827857"/>
+            <a:ext cx="6719109" cy="3777654"/>
           </a:xfrm>
           <a:prstGeom prst="rect">
             <a:avLst/>
@@ -7837,7 +7841,7 @@
           <p:nvPr/>
         </p:nvPicPr>
         <p:blipFill>
-          <a:blip r:embed="rId21" cstate="print">
+          <a:blip r:embed="rId20" cstate="print">
             <a:clrChange>
               <a:clrFrom>
                 <a:srgbClr val="FFFFFF"/>
@@ -7876,7 +7880,7 @@
         </p:xfrm>
         <a:graphic>
           <a:graphicData uri="http://schemas.openxmlformats.org/drawingml/2006/chart">
-            <c:chart xmlns:c="http://schemas.openxmlformats.org/drawingml/2006/chart" xmlns:r="http://schemas.openxmlformats.org/officeDocument/2006/relationships" r:id="rId22"/>
+            <c:chart xmlns:c="http://schemas.openxmlformats.org/drawingml/2006/chart" xmlns:r="http://schemas.openxmlformats.org/officeDocument/2006/relationships" r:id="rId21"/>
           </a:graphicData>
         </a:graphic>
       </p:graphicFrame>

--- a/Docs/TIU_Tracking_Poster_v9.pptx
+++ b/Docs/TIU_Tracking_Poster_v9.pptx
@@ -3759,7 +3759,7 @@
         </p:nvSpPr>
         <p:spPr>
           <a:xfrm>
-            <a:off x="30175200" y="18440400"/>
+            <a:off x="30175200" y="18059400"/>
             <a:ext cx="9448800" cy="990600"/>
           </a:xfrm>
           <a:prstGeom prst="rect">
@@ -3892,12 +3892,8 @@
               <a:buChar char="•"/>
             </a:pPr>
             <a:r>
-              <a:rPr lang="en-US" sz="3600" dirty="0" smtClean="0"/>
-              <a:t> </a:t>
-            </a:r>
-            <a:r>
               <a:rPr lang="en-US" sz="3200" dirty="0" smtClean="0"/>
-              <a:t>Size </a:t>
+              <a:t> Size </a:t>
             </a:r>
             <a:r>
               <a:rPr lang="en-US" sz="3200" dirty="0" smtClean="0"/>
@@ -5074,7 +5070,7 @@
         </p:nvGrpSpPr>
         <p:grpSpPr>
           <a:xfrm>
-            <a:off x="29032200" y="15087600"/>
+            <a:off x="29032200" y="14706600"/>
             <a:ext cx="5105400" cy="4114800"/>
             <a:chOff x="45780648" y="13335000"/>
             <a:chExt cx="5105400" cy="4114800"/>
@@ -8005,9 +8001,9 @@
           <p:nvPr/>
         </p:nvCxnSpPr>
         <p:spPr>
-          <a:xfrm rot="5400000">
-            <a:off x="27142439" y="11871960"/>
-            <a:ext cx="5151120" cy="0"/>
+          <a:xfrm rot="16200000" flipH="1">
+            <a:off x="27584399" y="11506200"/>
+            <a:ext cx="4267200" cy="1"/>
           </a:xfrm>
           <a:prstGeom prst="line">
             <a:avLst/>

--- a/Docs/TIU_Tracking_Poster_v9.pptx
+++ b/Docs/TIU_Tracking_Poster_v9.pptx
@@ -3753,7 +3753,7 @@
       </p:sp>
       <p:sp>
         <p:nvSpPr>
-          <p:cNvPr id="57" name="Rectangle 56"/>
+          <p:cNvPr id="58" name="Rectangle 57"/>
           <p:cNvSpPr/>
           <p:nvPr/>
         </p:nvSpPr>
@@ -3797,7 +3797,7 @@
                 </a:solidFill>
                 <a:latin typeface="Cambria" pitchFamily="18" charset="0"/>
               </a:rPr>
-              <a:t>Test Results</a:t>
+              <a:t>Conclusions</a:t>
             </a:r>
             <a:endParaRPr lang="en-US" sz="5400" b="1" dirty="0">
               <a:solidFill>
@@ -3810,71 +3810,14 @@
       </p:sp>
       <p:sp>
         <p:nvSpPr>
-          <p:cNvPr id="58" name="Rectangle 57"/>
-          <p:cNvSpPr/>
-          <p:nvPr/>
-        </p:nvSpPr>
-        <p:spPr>
-          <a:xfrm>
-            <a:off x="30175200" y="23774400"/>
-            <a:ext cx="9448800" cy="990600"/>
-          </a:xfrm>
-          <a:prstGeom prst="rect">
-            <a:avLst/>
-          </a:prstGeom>
-          <a:noFill/>
-          <a:ln>
-            <a:noFill/>
-          </a:ln>
-        </p:spPr>
-        <p:style>
-          <a:lnRef idx="2">
-            <a:schemeClr val="accent1">
-              <a:shade val="50000"/>
-            </a:schemeClr>
-          </a:lnRef>
-          <a:fillRef idx="1">
-            <a:schemeClr val="accent1"/>
-          </a:fillRef>
-          <a:effectRef idx="0">
-            <a:schemeClr val="accent1"/>
-          </a:effectRef>
-          <a:fontRef idx="minor">
-            <a:schemeClr val="lt1"/>
-          </a:fontRef>
-        </p:style>
-        <p:txBody>
-          <a:bodyPr lIns="0" tIns="91440" bIns="91440" rtlCol="0" anchor="ctr"/>
-          <a:lstStyle/>
-          <a:p>
-            <a:r>
-              <a:rPr lang="en-US" sz="5400" b="1" dirty="0" smtClean="0">
-                <a:solidFill>
-                  <a:schemeClr val="tx2"/>
-                </a:solidFill>
-                <a:latin typeface="Cambria" pitchFamily="18" charset="0"/>
-              </a:rPr>
-              <a:t>Conclusions</a:t>
-            </a:r>
-            <a:endParaRPr lang="en-US" sz="5400" b="1" dirty="0">
-              <a:solidFill>
-                <a:schemeClr val="tx2"/>
-              </a:solidFill>
-              <a:latin typeface="Cambria" pitchFamily="18" charset="0"/>
-            </a:endParaRPr>
-          </a:p>
-        </p:txBody>
-      </p:sp>
-      <p:sp>
-        <p:nvSpPr>
           <p:cNvPr id="59" name="TextBox 58"/>
           <p:cNvSpPr txBox="1"/>
           <p:nvPr/>
         </p:nvSpPr>
         <p:spPr>
           <a:xfrm>
-            <a:off x="30175200" y="24623554"/>
-            <a:ext cx="12344400" cy="5170646"/>
+            <a:off x="30175200" y="19202400"/>
+            <a:ext cx="12344400" cy="5724644"/>
           </a:xfrm>
           <a:prstGeom prst="rect">
             <a:avLst/>
@@ -3892,11 +3835,11 @@
               <a:buChar char="•"/>
             </a:pPr>
             <a:r>
-              <a:rPr lang="en-US" sz="3200" dirty="0" smtClean="0"/>
+              <a:rPr lang="en-US" sz="3600" dirty="0" smtClean="0"/>
               <a:t> Size </a:t>
             </a:r>
             <a:r>
-              <a:rPr lang="en-US" sz="3200" dirty="0" smtClean="0"/>
+              <a:rPr lang="en-US" sz="3600" dirty="0" smtClean="0"/>
               <a:t>was addressed by constraining the PCB dimension, and using surface mount components.</a:t>
             </a:r>
           </a:p>
@@ -3906,11 +3849,11 @@
               <a:buChar char="•"/>
             </a:pPr>
             <a:r>
-              <a:rPr lang="en-US" sz="3200" dirty="0" smtClean="0"/>
+              <a:rPr lang="en-US" sz="3600" dirty="0" smtClean="0"/>
               <a:t> Power </a:t>
             </a:r>
             <a:r>
-              <a:rPr lang="en-US" sz="3200" dirty="0" smtClean="0"/>
+              <a:rPr lang="en-US" sz="3600" dirty="0" smtClean="0"/>
               <a:t>was addressed by implementing low power states, moderating the broadcast rate, and restricting tag communication to one-way. We concluded that a tag can meet the requirement of lasting at least 1 month.</a:t>
             </a:r>
           </a:p>
@@ -3920,10 +3863,10 @@
               <a:buChar char="•"/>
             </a:pPr>
             <a:r>
-              <a:rPr lang="en-US" sz="3200" dirty="0" smtClean="0"/>
+              <a:rPr lang="en-US" sz="3600" dirty="0" smtClean="0"/>
               <a:t> Accuracy has at least 90% success rates when a tag is placed on exactly a location was calibrated. This is good news, because TIU’s are always placed in the same orientation and location when they are inserted into the testing equipment.</a:t>
             </a:r>
-            <a:endParaRPr lang="en-US" sz="8000" dirty="0"/>
+            <a:endParaRPr lang="en-US" sz="8800" dirty="0"/>
           </a:p>
         </p:txBody>
       </p:sp>
@@ -4601,7 +4544,7 @@
         </p:nvCxnSpPr>
         <p:spPr>
           <a:xfrm rot="10800000">
-            <a:off x="24917400" y="29717999"/>
+            <a:off x="24917400" y="29794199"/>
             <a:ext cx="5105400" cy="0"/>
           </a:xfrm>
           <a:prstGeom prst="line">
@@ -4639,7 +4582,7 @@
         </p:nvCxnSpPr>
         <p:spPr>
           <a:xfrm rot="16200000" flipH="1">
-            <a:off x="26517601" y="27050999"/>
+            <a:off x="26517601" y="27127199"/>
             <a:ext cx="5943600" cy="1"/>
           </a:xfrm>
           <a:prstGeom prst="line">
@@ -4677,7 +4620,7 @@
         </p:nvCxnSpPr>
         <p:spPr>
           <a:xfrm rot="10800000">
-            <a:off x="12268200" y="23469600"/>
+            <a:off x="12268200" y="23393400"/>
             <a:ext cx="5105400" cy="0"/>
           </a:xfrm>
           <a:prstGeom prst="line">
@@ -7871,7 +7814,7 @@
           <p:nvPr/>
         </p:nvGraphicFramePr>
         <p:xfrm>
-          <a:off x="914400" y="21412200"/>
+          <a:off x="914400" y="21183600"/>
           <a:ext cx="11125200" cy="7924800"/>
         </p:xfrm>
         <a:graphic>
@@ -8078,7 +8021,7 @@
         </p:nvSpPr>
         <p:spPr>
           <a:xfrm>
-            <a:off x="13411200" y="23622000"/>
+            <a:off x="13411200" y="23469600"/>
             <a:ext cx="9448800" cy="990600"/>
           </a:xfrm>
           <a:prstGeom prst="rect">

--- a/Docs/TIU_Tracking_Poster_v9.pptx
+++ b/Docs/TIU_Tracking_Poster_v9.pptx
@@ -122,7 +122,7 @@
               <a:defRPr sz="3600"/>
             </a:pPr>
             <a:r>
-              <a:rPr lang="en-US" sz="3600"/>
+              <a:rPr lang="en-US" sz="3600" dirty="0"/>
               <a:t>RSSI vs. Distance</a:t>
             </a:r>
           </a:p>
@@ -344,7 +344,7 @@
                   <a:defRPr sz="3200"/>
                 </a:pPr>
                 <a:r>
-                  <a:rPr lang="en-US" sz="3200"/>
+                  <a:rPr lang="en-US" sz="3200" dirty="0"/>
                   <a:t>Distance (m)</a:t>
                 </a:r>
               </a:p>
@@ -399,7 +399,7 @@
                   <a:defRPr sz="3200"/>
                 </a:pPr>
                 <a:r>
-                  <a:rPr lang="en-US" sz="3200"/>
+                  <a:rPr lang="en-US" sz="3200" dirty="0"/>
                   <a:t>RSSI</a:t>
                 </a:r>
               </a:p>
@@ -3444,7 +3444,7 @@
           <a:lstStyle/>
           <a:p>
             <a:pPr algn="ctr"/>
-            <a:endParaRPr lang="en-US"/>
+            <a:endParaRPr lang="en-US" dirty="0"/>
           </a:p>
         </p:txBody>
       </p:sp>
@@ -3830,41 +3830,126 @@
           </a:bodyPr>
           <a:lstStyle/>
           <a:p>
+            <a:pPr>
+              <a:buFont typeface="Arial" pitchFamily="34" charset="0"/>
+              <a:buChar char="•"/>
+            </a:pPr>
+            <a:r>
+              <a:rPr lang="en-US" sz="3600" dirty="0" smtClean="0"/>
+              <a:t> Size </a:t>
+            </a:r>
+            <a:r>
+              <a:rPr lang="en-US" sz="3600" dirty="0" smtClean="0"/>
+              <a:t>was addressed by constraining the PCB dimension, and </a:t>
+            </a:r>
+            <a:endParaRPr lang="en-US" sz="3600" dirty="0" smtClean="0"/>
+          </a:p>
+          <a:p>
+            <a:r>
+              <a:rPr lang="en-US" sz="3600" dirty="0" smtClean="0"/>
+              <a:t>   using </a:t>
+            </a:r>
+            <a:r>
+              <a:rPr lang="en-US" sz="3600" dirty="0" smtClean="0"/>
+              <a:t>surface mount components.</a:t>
+            </a:r>
+          </a:p>
+          <a:p>
+            <a:pPr>
+              <a:buFont typeface="Arial" pitchFamily="34" charset="0"/>
+              <a:buChar char="•"/>
+            </a:pPr>
+            <a:r>
+              <a:rPr lang="en-US" sz="3600" dirty="0" smtClean="0"/>
+              <a:t> Power </a:t>
+            </a:r>
+            <a:r>
+              <a:rPr lang="en-US" sz="3600" dirty="0" smtClean="0"/>
+              <a:t>was addressed by implementing low power </a:t>
+            </a:r>
+            <a:endParaRPr lang="en-US" sz="3600" dirty="0" smtClean="0"/>
+          </a:p>
+          <a:p>
+            <a:r>
+              <a:rPr lang="en-US" sz="3600" dirty="0" smtClean="0"/>
+              <a:t> </a:t>
+            </a:r>
+            <a:r>
+              <a:rPr lang="en-US" sz="3600" dirty="0" smtClean="0"/>
+              <a:t>  states</a:t>
+            </a:r>
+            <a:r>
+              <a:rPr lang="en-US" sz="3600" dirty="0" smtClean="0"/>
+              <a:t>, moderating the broadcast rate, and restricting tag </a:t>
+            </a:r>
+            <a:endParaRPr lang="en-US" sz="3600" dirty="0" smtClean="0"/>
+          </a:p>
+          <a:p>
+            <a:r>
+              <a:rPr lang="en-US" sz="3600" dirty="0" smtClean="0"/>
+              <a:t>   communication </a:t>
+            </a:r>
+            <a:r>
+              <a:rPr lang="en-US" sz="3600" dirty="0" smtClean="0"/>
+              <a:t>to one-way. We concluded that a tag can meet </a:t>
+            </a:r>
+            <a:endParaRPr lang="en-US" sz="3600" dirty="0" smtClean="0"/>
+          </a:p>
+          <a:p>
+            <a:r>
+              <a:rPr lang="en-US" sz="3600" dirty="0" smtClean="0"/>
+              <a:t> </a:t>
+            </a:r>
+            <a:r>
+              <a:rPr lang="en-US" sz="3600" dirty="0" smtClean="0"/>
+              <a:t>  the </a:t>
+            </a:r>
+            <a:r>
+              <a:rPr lang="en-US" sz="3600" dirty="0" smtClean="0"/>
+              <a:t>requirement of lasting at least 1 month.</a:t>
+            </a:r>
+          </a:p>
+          <a:p>
             <a:pPr algn="just">
               <a:buFont typeface="Arial" pitchFamily="34" charset="0"/>
               <a:buChar char="•"/>
             </a:pPr>
             <a:r>
               <a:rPr lang="en-US" sz="3600" dirty="0" smtClean="0"/>
-              <a:t> Size </a:t>
-            </a:r>
+              <a:t> Accuracy has at least 90% success rates when a tag is placed on </a:t>
+            </a:r>
+          </a:p>
+          <a:p>
+            <a:pPr algn="just"/>
             <a:r>
               <a:rPr lang="en-US" sz="3600" dirty="0" smtClean="0"/>
-              <a:t>was addressed by constraining the PCB dimension, and using surface mount components.</a:t>
-            </a:r>
-          </a:p>
-          <a:p>
-            <a:pPr algn="just">
-              <a:buFont typeface="Arial" pitchFamily="34" charset="0"/>
-              <a:buChar char="•"/>
-            </a:pPr>
+              <a:t> </a:t>
+            </a:r>
             <a:r>
               <a:rPr lang="en-US" sz="3600" dirty="0" smtClean="0"/>
-              <a:t> Power </a:t>
-            </a:r>
+              <a:t>  exactly a location was calibrated. This is good news, because </a:t>
+            </a:r>
+          </a:p>
+          <a:p>
+            <a:pPr algn="just"/>
             <a:r>
               <a:rPr lang="en-US" sz="3600" dirty="0" smtClean="0"/>
-              <a:t>was addressed by implementing low power states, moderating the broadcast rate, and restricting tag communication to one-way. We concluded that a tag can meet the requirement of lasting at least 1 month.</a:t>
-            </a:r>
-          </a:p>
-          <a:p>
-            <a:pPr algn="just">
-              <a:buFont typeface="Arial" pitchFamily="34" charset="0"/>
-              <a:buChar char="•"/>
-            </a:pPr>
+              <a:t> </a:t>
+            </a:r>
             <a:r>
               <a:rPr lang="en-US" sz="3600" dirty="0" smtClean="0"/>
-              <a:t> Accuracy has at least 90% success rates when a tag is placed on exactly a location was calibrated. This is good news, because TIU’s are always placed in the same orientation and location when they are inserted into the testing equipment.</a:t>
+              <a:t>  TIU’s are always placed in the same orientation and location  </a:t>
+            </a:r>
+          </a:p>
+          <a:p>
+            <a:pPr algn="just"/>
+            <a:r>
+              <a:rPr lang="en-US" sz="3600" dirty="0" smtClean="0"/>
+              <a:t> </a:t>
+            </a:r>
+            <a:r>
+              <a:rPr lang="en-US" sz="3600" dirty="0" smtClean="0"/>
+              <a:t>  when they are inserted into the testing equipment.</a:t>
             </a:r>
             <a:endParaRPr lang="en-US" sz="8800" dirty="0"/>
           </a:p>
@@ -4796,7 +4881,7 @@
           <a:lstStyle/>
           <a:p>
             <a:pPr algn="ctr"/>
-            <a:endParaRPr lang="en-US"/>
+            <a:endParaRPr lang="en-US" dirty="0"/>
           </a:p>
         </p:txBody>
       </p:sp>
@@ -6040,7 +6125,7 @@
             <a:lstStyle/>
             <a:p>
               <a:pPr algn="ctr"/>
-              <a:endParaRPr lang="en-US"/>
+              <a:endParaRPr lang="en-US" dirty="0"/>
             </a:p>
           </p:txBody>
         </p:sp>
@@ -6091,7 +6176,7 @@
             <a:lstStyle/>
             <a:p>
               <a:pPr algn="ctr"/>
-              <a:endParaRPr lang="en-US"/>
+              <a:endParaRPr lang="en-US" dirty="0"/>
             </a:p>
           </p:txBody>
         </p:sp>
@@ -6142,7 +6227,7 @@
             <a:lstStyle/>
             <a:p>
               <a:pPr algn="ctr"/>
-              <a:endParaRPr lang="en-US"/>
+              <a:endParaRPr lang="en-US" dirty="0"/>
             </a:p>
           </p:txBody>
         </p:sp>
@@ -6193,7 +6278,7 @@
             <a:lstStyle/>
             <a:p>
               <a:pPr algn="ctr"/>
-              <a:endParaRPr lang="en-US"/>
+              <a:endParaRPr lang="en-US" dirty="0"/>
             </a:p>
           </p:txBody>
         </p:sp>
@@ -6244,7 +6329,7 @@
             <a:lstStyle/>
             <a:p>
               <a:pPr algn="ctr"/>
-              <a:endParaRPr lang="en-US"/>
+              <a:endParaRPr lang="en-US" dirty="0"/>
             </a:p>
           </p:txBody>
         </p:sp>
@@ -6295,7 +6380,7 @@
             <a:lstStyle/>
             <a:p>
               <a:pPr algn="ctr"/>
-              <a:endParaRPr lang="en-US"/>
+              <a:endParaRPr lang="en-US" dirty="0"/>
             </a:p>
           </p:txBody>
         </p:sp>
@@ -7573,7 +7658,7 @@
           </a:bodyPr>
           <a:lstStyle/>
           <a:p>
-            <a:endParaRPr lang="en-US"/>
+            <a:endParaRPr lang="en-US" dirty="0"/>
           </a:p>
         </p:txBody>
       </p:sp>
@@ -7653,7 +7738,7 @@
           </a:bodyPr>
           <a:lstStyle/>
           <a:p>
-            <a:endParaRPr lang="en-US"/>
+            <a:endParaRPr lang="en-US" dirty="0"/>
           </a:p>
         </p:txBody>
       </p:sp>
@@ -7691,7 +7776,7 @@
           </a:bodyPr>
           <a:lstStyle/>
           <a:p>
-            <a:endParaRPr lang="en-US"/>
+            <a:endParaRPr lang="en-US" dirty="0"/>
           </a:p>
         </p:txBody>
       </p:sp>
@@ -7729,7 +7814,7 @@
           </a:bodyPr>
           <a:lstStyle/>
           <a:p>
-            <a:endParaRPr lang="en-US"/>
+            <a:endParaRPr lang="en-US" dirty="0"/>
           </a:p>
         </p:txBody>
       </p:sp>
@@ -7767,7 +7852,7 @@
           </a:bodyPr>
           <a:lstStyle/>
           <a:p>
-            <a:endParaRPr lang="en-US"/>
+            <a:endParaRPr lang="en-US" dirty="0"/>
           </a:p>
         </p:txBody>
       </p:sp>

--- a/Docs/TIU_Tracking_Poster_v9.pptx
+++ b/Docs/TIU_Tracking_Poster_v9.pptx
@@ -325,11 +325,11 @@
           <c:smooth val="1"/>
         </c:ser>
         <c:marker val="1"/>
-        <c:axId val="96701056"/>
-        <c:axId val="96790400"/>
+        <c:axId val="58714752"/>
+        <c:axId val="60146816"/>
       </c:lineChart>
       <c:catAx>
-        <c:axId val="96701056"/>
+        <c:axId val="58714752"/>
         <c:scaling>
           <c:orientation val="minMax"/>
         </c:scaling>
@@ -364,14 +364,14 @@
             <a:endParaRPr lang="en-US"/>
           </a:p>
         </c:txPr>
-        <c:crossAx val="96790400"/>
+        <c:crossAx val="60146816"/>
         <c:crosses val="autoZero"/>
         <c:auto val="1"/>
         <c:lblAlgn val="ctr"/>
         <c:lblOffset val="100"/>
       </c:catAx>
       <c:valAx>
-        <c:axId val="96790400"/>
+        <c:axId val="60146816"/>
         <c:scaling>
           <c:orientation val="minMax"/>
           <c:max val="280"/>
@@ -419,7 +419,7 @@
             <a:endParaRPr lang="en-US"/>
           </a:p>
         </c:txPr>
-        <c:crossAx val="96701056"/>
+        <c:crossAx val="58714752"/>
         <c:crosses val="autoZero"/>
         <c:crossBetween val="between"/>
       </c:valAx>
@@ -3759,7 +3759,7 @@
         </p:nvSpPr>
         <p:spPr>
           <a:xfrm>
-            <a:off x="30175200" y="18059400"/>
+            <a:off x="30175200" y="19497556"/>
             <a:ext cx="9448800" cy="990600"/>
           </a:xfrm>
           <a:prstGeom prst="rect">
@@ -3816,7 +3816,7 @@
         </p:nvSpPr>
         <p:spPr>
           <a:xfrm>
-            <a:off x="30175200" y="19202400"/>
+            <a:off x="30175200" y="20640556"/>
             <a:ext cx="12344400" cy="5724644"/>
           </a:xfrm>
           <a:prstGeom prst="rect">
@@ -3830,24 +3830,21 @@
           </a:bodyPr>
           <a:lstStyle/>
           <a:p>
-            <a:pPr>
+            <a:pPr marL="233363" indent="-233363">
               <a:buFont typeface="Arial" pitchFamily="34" charset="0"/>
               <a:buChar char="•"/>
             </a:pPr>
             <a:r>
               <a:rPr lang="en-US" sz="3600" dirty="0" smtClean="0"/>
-              <a:t> Size </a:t>
+              <a:t>Size </a:t>
             </a:r>
             <a:r>
               <a:rPr lang="en-US" sz="3600" dirty="0" smtClean="0"/>
-              <a:t>was addressed by constraining the PCB dimension, and </a:t>
-            </a:r>
-            <a:endParaRPr lang="en-US" sz="3600" dirty="0" smtClean="0"/>
-          </a:p>
-          <a:p>
+              <a:t>was addressed by constraining the PCB dimension, </a:t>
+            </a:r>
             <a:r>
               <a:rPr lang="en-US" sz="3600" dirty="0" smtClean="0"/>
-              <a:t>   using </a:t>
+              <a:t>and using </a:t>
             </a:r>
             <a:r>
               <a:rPr lang="en-US" sz="3600" dirty="0" smtClean="0"/>
@@ -3855,54 +3852,37 @@
             </a:r>
           </a:p>
           <a:p>
-            <a:pPr>
+            <a:pPr marL="233363" indent="-233363">
               <a:buFont typeface="Arial" pitchFamily="34" charset="0"/>
               <a:buChar char="•"/>
             </a:pPr>
             <a:r>
               <a:rPr lang="en-US" sz="3600" dirty="0" smtClean="0"/>
-              <a:t> Power </a:t>
+              <a:t>Power </a:t>
             </a:r>
             <a:r>
               <a:rPr lang="en-US" sz="3600" dirty="0" smtClean="0"/>
               <a:t>was addressed by implementing low power </a:t>
             </a:r>
-            <a:endParaRPr lang="en-US" sz="3600" dirty="0" smtClean="0"/>
-          </a:p>
-          <a:p>
             <a:r>
               <a:rPr lang="en-US" sz="3600" dirty="0" smtClean="0"/>
-              <a:t> </a:t>
-            </a:r>
-            <a:r>
-              <a:rPr lang="en-US" sz="3600" dirty="0" smtClean="0"/>
-              <a:t>  states</a:t>
+              <a:t>states</a:t>
             </a:r>
             <a:r>
               <a:rPr lang="en-US" sz="3600" dirty="0" smtClean="0"/>
               <a:t>, moderating the broadcast rate, and restricting tag </a:t>
             </a:r>
-            <a:endParaRPr lang="en-US" sz="3600" dirty="0" smtClean="0"/>
-          </a:p>
-          <a:p>
             <a:r>
               <a:rPr lang="en-US" sz="3600" dirty="0" smtClean="0"/>
-              <a:t>   communication </a:t>
+              <a:t>communication </a:t>
             </a:r>
             <a:r>
               <a:rPr lang="en-US" sz="3600" dirty="0" smtClean="0"/>
               <a:t>to one-way. We concluded that a tag can meet </a:t>
             </a:r>
-            <a:endParaRPr lang="en-US" sz="3600" dirty="0" smtClean="0"/>
-          </a:p>
-          <a:p>
             <a:r>
               <a:rPr lang="en-US" sz="3600" dirty="0" smtClean="0"/>
-              <a:t> </a:t>
-            </a:r>
-            <a:r>
-              <a:rPr lang="en-US" sz="3600" dirty="0" smtClean="0"/>
-              <a:t>  the </a:t>
+              <a:t>the </a:t>
             </a:r>
             <a:r>
               <a:rPr lang="en-US" sz="3600" dirty="0" smtClean="0"/>
@@ -3910,46 +3890,41 @@
             </a:r>
           </a:p>
           <a:p>
-            <a:pPr algn="just">
+            <a:pPr marL="233363" indent="-233363" algn="just">
               <a:buFont typeface="Arial" pitchFamily="34" charset="0"/>
               <a:buChar char="•"/>
             </a:pPr>
             <a:r>
               <a:rPr lang="en-US" sz="3600" dirty="0" smtClean="0"/>
-              <a:t> Accuracy has at least 90% success rates when a tag is placed on </a:t>
-            </a:r>
-          </a:p>
-          <a:p>
-            <a:pPr algn="just"/>
+              <a:t>Accuracy </a:t>
+            </a:r>
             <a:r>
               <a:rPr lang="en-US" sz="3600" dirty="0" smtClean="0"/>
-              <a:t> </a:t>
+              <a:t>has at least 90% success rates when a tag is placed on </a:t>
             </a:r>
             <a:r>
               <a:rPr lang="en-US" sz="3600" dirty="0" smtClean="0"/>
-              <a:t>  exactly a location was calibrated. This is good news, because </a:t>
-            </a:r>
-          </a:p>
-          <a:p>
-            <a:pPr algn="just"/>
+              <a:t>exactly </a:t>
+            </a:r>
             <a:r>
               <a:rPr lang="en-US" sz="3600" dirty="0" smtClean="0"/>
-              <a:t> </a:t>
+              <a:t>a location was calibrated. This is good news, because </a:t>
             </a:r>
             <a:r>
               <a:rPr lang="en-US" sz="3600" dirty="0" smtClean="0"/>
-              <a:t>  TIU’s are always placed in the same orientation and location  </a:t>
-            </a:r>
-          </a:p>
-          <a:p>
-            <a:pPr algn="just"/>
+              <a:t>TIU’s </a:t>
+            </a:r>
             <a:r>
               <a:rPr lang="en-US" sz="3600" dirty="0" smtClean="0"/>
-              <a:t> </a:t>
+              <a:t>are always placed in the same orientation and location </a:t>
             </a:r>
             <a:r>
               <a:rPr lang="en-US" sz="3600" dirty="0" smtClean="0"/>
-              <a:t>  when they are inserted into the testing equipment.</a:t>
+              <a:t>when </a:t>
+            </a:r>
+            <a:r>
+              <a:rPr lang="en-US" sz="3600" dirty="0" smtClean="0"/>
+              <a:t>they are inserted into the testing equipment.</a:t>
             </a:r>
             <a:endParaRPr lang="en-US" sz="8800" dirty="0"/>
           </a:p>
@@ -4160,21 +4135,7 @@
                 <a:ea typeface="Ebrima" pitchFamily="2" charset="0"/>
                 <a:cs typeface="Ebrima" pitchFamily="2" charset="0"/>
               </a:rPr>
-              <a:t>Battery life: </a:t>
-            </a:r>
-            <a:r>
-              <a:rPr lang="en-US" sz="3600" dirty="0" smtClean="0">
-                <a:ea typeface="Ebrima" pitchFamily="2" charset="0"/>
-                <a:cs typeface="Ebrima" pitchFamily="2" charset="0"/>
-              </a:rPr>
-              <a:t>at least 1 </a:t>
-            </a:r>
-            <a:r>
-              <a:rPr lang="en-US" sz="3600" dirty="0" smtClean="0">
-                <a:ea typeface="Ebrima" pitchFamily="2" charset="0"/>
-                <a:cs typeface="Ebrima" pitchFamily="2" charset="0"/>
-              </a:rPr>
-              <a:t>months  </a:t>
+              <a:t>Battery life: at least 1 months  </a:t>
             </a:r>
           </a:p>
           <a:p>
@@ -5098,7 +5059,7 @@
         </p:nvGrpSpPr>
         <p:grpSpPr>
           <a:xfrm>
-            <a:off x="29032200" y="14706600"/>
+            <a:off x="29032200" y="16230600"/>
             <a:ext cx="5105400" cy="4114800"/>
             <a:chOff x="45780648" y="13335000"/>
             <a:chExt cx="5105400" cy="4114800"/>
@@ -7558,12 +7519,37 @@
             </a:r>
           </a:p>
           <a:p>
+            <a:pPr marL="233363" indent="-233363">
+              <a:buFont typeface="Arial" pitchFamily="34" charset="0"/>
+              <a:buChar char="•"/>
+            </a:pPr>
             <a:r>
               <a:rPr lang="en-US" sz="3600" dirty="0" smtClean="0">
                 <a:ea typeface="Ebrima" pitchFamily="2" charset="0"/>
                 <a:cs typeface="Ebrima" pitchFamily="2" charset="0"/>
               </a:rPr>
-              <a:t>Receives data from the mesh network and relays them to the controller</a:t>
+              <a:t>Relays data </a:t>
+            </a:r>
+            <a:r>
+              <a:rPr lang="en-US" sz="3600" dirty="0" smtClean="0">
+                <a:ea typeface="Ebrima" pitchFamily="2" charset="0"/>
+                <a:cs typeface="Ebrima" pitchFamily="2" charset="0"/>
+              </a:rPr>
+              <a:t>from the mesh network </a:t>
+            </a:r>
+            <a:r>
+              <a:rPr lang="en-US" sz="3600" dirty="0" smtClean="0">
+                <a:ea typeface="Ebrima" pitchFamily="2" charset="0"/>
+                <a:cs typeface="Ebrima" pitchFamily="2" charset="0"/>
+              </a:rPr>
+              <a:t>to </a:t>
+            </a:r>
+            <a:r>
+              <a:rPr lang="en-US" sz="3600" dirty="0" smtClean="0">
+                <a:ea typeface="Ebrima" pitchFamily="2" charset="0"/>
+                <a:cs typeface="Ebrima" pitchFamily="2" charset="0"/>
+              </a:rPr>
+              <a:t>the controller</a:t>
             </a:r>
           </a:p>
           <a:p>
@@ -7678,7 +7664,7 @@
         </p:blipFill>
         <p:spPr bwMode="auto">
           <a:xfrm>
-            <a:off x="35267091" y="14827857"/>
+            <a:off x="35267091" y="14630400"/>
             <a:ext cx="6719109" cy="3777654"/>
           </a:xfrm>
           <a:prstGeom prst="rect">
@@ -8155,6 +8141,32 @@
           </a:p>
         </p:txBody>
       </p:sp>
+      <p:pic>
+        <p:nvPicPr>
+          <p:cNvPr id="3" name="Picture 2" descr="D:\Courses\2010-2011\Capstone\Docs\Images\AccuracyPlot.png"/>
+          <p:cNvPicPr>
+            <a:picLocks noChangeAspect="1" noChangeArrowheads="1"/>
+          </p:cNvPicPr>
+          <p:nvPr/>
+        </p:nvPicPr>
+        <p:blipFill>
+          <a:blip r:embed="rId22" cstate="print"/>
+          <a:srcRect/>
+          <a:stretch>
+            <a:fillRect/>
+          </a:stretch>
+        </p:blipFill>
+        <p:spPr bwMode="auto">
+          <a:xfrm>
+            <a:off x="20878800" y="24384000"/>
+            <a:ext cx="7835776" cy="4941886"/>
+          </a:xfrm>
+          <a:prstGeom prst="rect">
+            <a:avLst/>
+          </a:prstGeom>
+          <a:noFill/>
+        </p:spPr>
+      </p:pic>
     </p:spTree>
   </p:cSld>
   <p:clrMapOvr>

--- a/Docs/TIU_Tracking_Poster_v9.pptx
+++ b/Docs/TIU_Tracking_Poster_v9.pptx
@@ -3759,7 +3759,7 @@
         </p:nvSpPr>
         <p:spPr>
           <a:xfrm>
-            <a:off x="30175200" y="19497556"/>
+            <a:off x="30175200" y="23459956"/>
             <a:ext cx="9448800" cy="990600"/>
           </a:xfrm>
           <a:prstGeom prst="rect">
@@ -3816,8 +3816,8 @@
         </p:nvSpPr>
         <p:spPr>
           <a:xfrm>
-            <a:off x="30175200" y="20640556"/>
-            <a:ext cx="12344400" cy="5724644"/>
+            <a:off x="30175200" y="24602956"/>
+            <a:ext cx="12344400" cy="3185487"/>
           </a:xfrm>
           <a:prstGeom prst="rect">
             <a:avLst/>
@@ -3830,101 +3830,36 @@
           </a:bodyPr>
           <a:lstStyle/>
           <a:p>
-            <a:pPr marL="233363" indent="-233363">
-              <a:buFont typeface="Arial" pitchFamily="34" charset="0"/>
-              <a:buChar char="•"/>
+            <a:r>
+              <a:rPr lang="en-US" sz="3600" dirty="0" smtClean="0"/>
+              <a:t>We </a:t>
+            </a:r>
+            <a:r>
+              <a:rPr lang="en-US" sz="3600" dirty="0" smtClean="0"/>
+              <a:t>have a complete system that achieves small size,  low </a:t>
+            </a:r>
+            <a:r>
+              <a:rPr lang="en-US" sz="3600" dirty="0" smtClean="0"/>
+              <a:t>cost, and </a:t>
+            </a:r>
+            <a:r>
+              <a:rPr lang="en-US" sz="3600" dirty="0" smtClean="0"/>
+              <a:t>battery life that exceeds 1 month.</a:t>
+            </a:r>
+          </a:p>
+          <a:p>
+            <a:pPr>
+              <a:spcBef>
+                <a:spcPts val="1800"/>
+              </a:spcBef>
             </a:pPr>
             <a:r>
               <a:rPr lang="en-US" sz="3600" dirty="0" smtClean="0"/>
-              <a:t>Size </a:t>
+              <a:t>Accuracy</a:t>
             </a:r>
             <a:r>
               <a:rPr lang="en-US" sz="3600" dirty="0" smtClean="0"/>
-              <a:t>was addressed by constraining the PCB dimension, </a:t>
-            </a:r>
-            <a:r>
-              <a:rPr lang="en-US" sz="3600" dirty="0" smtClean="0"/>
-              <a:t>and using </a:t>
-            </a:r>
-            <a:r>
-              <a:rPr lang="en-US" sz="3600" dirty="0" smtClean="0"/>
-              <a:t>surface mount components.</a:t>
-            </a:r>
-          </a:p>
-          <a:p>
-            <a:pPr marL="233363" indent="-233363">
-              <a:buFont typeface="Arial" pitchFamily="34" charset="0"/>
-              <a:buChar char="•"/>
-            </a:pPr>
-            <a:r>
-              <a:rPr lang="en-US" sz="3600" dirty="0" smtClean="0"/>
-              <a:t>Power </a:t>
-            </a:r>
-            <a:r>
-              <a:rPr lang="en-US" sz="3600" dirty="0" smtClean="0"/>
-              <a:t>was addressed by implementing low power </a:t>
-            </a:r>
-            <a:r>
-              <a:rPr lang="en-US" sz="3600" dirty="0" smtClean="0"/>
-              <a:t>states</a:t>
-            </a:r>
-            <a:r>
-              <a:rPr lang="en-US" sz="3600" dirty="0" smtClean="0"/>
-              <a:t>, moderating the broadcast rate, and restricting tag </a:t>
-            </a:r>
-            <a:r>
-              <a:rPr lang="en-US" sz="3600" dirty="0" smtClean="0"/>
-              <a:t>communication </a:t>
-            </a:r>
-            <a:r>
-              <a:rPr lang="en-US" sz="3600" dirty="0" smtClean="0"/>
-              <a:t>to one-way. We concluded that a tag can meet </a:t>
-            </a:r>
-            <a:r>
-              <a:rPr lang="en-US" sz="3600" dirty="0" smtClean="0"/>
-              <a:t>the </a:t>
-            </a:r>
-            <a:r>
-              <a:rPr lang="en-US" sz="3600" dirty="0" smtClean="0"/>
-              <a:t>requirement of lasting at least 1 month.</a:t>
-            </a:r>
-          </a:p>
-          <a:p>
-            <a:pPr marL="233363" indent="-233363" algn="just">
-              <a:buFont typeface="Arial" pitchFamily="34" charset="0"/>
-              <a:buChar char="•"/>
-            </a:pPr>
-            <a:r>
-              <a:rPr lang="en-US" sz="3600" dirty="0" smtClean="0"/>
-              <a:t>Accuracy </a:t>
-            </a:r>
-            <a:r>
-              <a:rPr lang="en-US" sz="3600" dirty="0" smtClean="0"/>
-              <a:t>has at least 90% success rates when a tag is placed on </a:t>
-            </a:r>
-            <a:r>
-              <a:rPr lang="en-US" sz="3600" dirty="0" smtClean="0"/>
-              <a:t>exactly </a:t>
-            </a:r>
-            <a:r>
-              <a:rPr lang="en-US" sz="3600" dirty="0" smtClean="0"/>
-              <a:t>a location was calibrated. This is good news, because </a:t>
-            </a:r>
-            <a:r>
-              <a:rPr lang="en-US" sz="3600" dirty="0" smtClean="0"/>
-              <a:t>TIU’s </a:t>
-            </a:r>
-            <a:r>
-              <a:rPr lang="en-US" sz="3600" dirty="0" smtClean="0"/>
-              <a:t>are always placed in the same orientation and location </a:t>
-            </a:r>
-            <a:r>
-              <a:rPr lang="en-US" sz="3600" dirty="0" smtClean="0"/>
-              <a:t>when </a:t>
-            </a:r>
-            <a:r>
-              <a:rPr lang="en-US" sz="3600" dirty="0" smtClean="0"/>
-              <a:t>they are inserted into the testing equipment.</a:t>
+              <a:t>, the most challenging requirement, has interesting results. When a tag is placed on exactly a location that was calibrated, success rates are at least 90%.</a:t>
             </a:r>
             <a:endParaRPr lang="en-US" sz="8800" dirty="0"/>
           </a:p>
@@ -4207,7 +4142,7 @@
         </p:blipFill>
         <p:spPr bwMode="auto">
           <a:xfrm>
-            <a:off x="31150249" y="12801601"/>
+            <a:off x="31150249" y="16916400"/>
             <a:ext cx="6731280" cy="3621778"/>
           </a:xfrm>
           <a:prstGeom prst="rect">
@@ -4590,7 +4525,7 @@
         </p:nvCxnSpPr>
         <p:spPr>
           <a:xfrm rot="10800000">
-            <a:off x="24917400" y="29794199"/>
+            <a:off x="45034200" y="28041600"/>
             <a:ext cx="5105400" cy="0"/>
           </a:xfrm>
           <a:prstGeom prst="line">
@@ -4628,7 +4563,7 @@
         </p:nvCxnSpPr>
         <p:spPr>
           <a:xfrm rot="16200000" flipH="1">
-            <a:off x="26517601" y="27127199"/>
+            <a:off x="46634401" y="25374600"/>
             <a:ext cx="5943600" cy="1"/>
           </a:xfrm>
           <a:prstGeom prst="line">
@@ -5059,7 +4994,7 @@
         </p:nvGrpSpPr>
         <p:grpSpPr>
           <a:xfrm>
-            <a:off x="29032200" y="16230600"/>
+            <a:off x="29032200" y="20193000"/>
             <a:ext cx="5105400" cy="4114800"/>
             <a:chOff x="45780648" y="13335000"/>
             <a:chExt cx="5105400" cy="4114800"/>
@@ -5349,7 +5284,15 @@
             </a:r>
             <a:r>
               <a:rPr lang="en-US" sz="3600" dirty="0" smtClean="0"/>
-              <a:t>of detectors relay all data to a centralized controller where locations of the tags are calculated and saved in a database. An easy to use web application provides visualization of tag locations, as well as other maintenance details.</a:t>
+              <a:t>of detectors relay all data to a centralized controller where locations of the tags are calculated and saved in a database. An easy to use web application provides visualization of tag locations, as well as other </a:t>
+            </a:r>
+            <a:r>
+              <a:rPr lang="en-US" sz="3600" dirty="0" smtClean="0"/>
+              <a:t>configuration details</a:t>
+            </a:r>
+            <a:r>
+              <a:rPr lang="en-US" sz="3600" dirty="0" smtClean="0"/>
+              <a:t>.</a:t>
             </a:r>
             <a:endParaRPr lang="en-US" sz="3600" dirty="0"/>
           </a:p>
@@ -7664,7 +7607,7 @@
         </p:blipFill>
         <p:spPr bwMode="auto">
           <a:xfrm>
-            <a:off x="35267091" y="14630400"/>
+            <a:off x="35267091" y="18745199"/>
             <a:ext cx="6719109" cy="3777654"/>
           </a:xfrm>
           <a:prstGeom prst="rect">
@@ -7885,8 +7828,8 @@
           <p:nvPr/>
         </p:nvGraphicFramePr>
         <p:xfrm>
-          <a:off x="914400" y="21183600"/>
-          <a:ext cx="11125200" cy="7924800"/>
+          <a:off x="12344400" y="24384000"/>
+          <a:ext cx="8153400" cy="5807901"/>
         </p:xfrm>
         <a:graphic>
           <a:graphicData uri="http://schemas.openxmlformats.org/drawingml/2006/chart">
@@ -8158,7 +8101,7 @@
         </p:blipFill>
         <p:spPr bwMode="auto">
           <a:xfrm>
-            <a:off x="20878800" y="24384000"/>
+            <a:off x="20967824" y="24384000"/>
             <a:ext cx="7835776" cy="4941886"/>
           </a:xfrm>
           <a:prstGeom prst="rect">
@@ -8167,6 +8110,172 @@
           <a:noFill/>
         </p:spPr>
       </p:pic>
+      <p:pic>
+        <p:nvPicPr>
+          <p:cNvPr id="4" name="Picture 3" descr="D:\Courses\2010-2011\Capstone\Docs\Images\wify_1.png"/>
+          <p:cNvPicPr>
+            <a:picLocks noChangeAspect="1" noChangeArrowheads="1"/>
+          </p:cNvPicPr>
+          <p:nvPr/>
+        </p:nvPicPr>
+        <p:blipFill>
+          <a:blip r:embed="rId23" cstate="print"/>
+          <a:srcRect/>
+          <a:stretch>
+            <a:fillRect/>
+          </a:stretch>
+        </p:blipFill>
+        <p:spPr bwMode="auto">
+          <a:xfrm>
+            <a:off x="31699201" y="13182600"/>
+            <a:ext cx="3047999" cy="2385154"/>
+          </a:xfrm>
+          <a:prstGeom prst="rect">
+            <a:avLst/>
+          </a:prstGeom>
+          <a:noFill/>
+        </p:spPr>
+      </p:pic>
+      <p:sp>
+        <p:nvSpPr>
+          <p:cNvPr id="114" name="TextBox 113"/>
+          <p:cNvSpPr txBox="1"/>
+          <p:nvPr/>
+        </p:nvSpPr>
+        <p:spPr>
+          <a:xfrm>
+            <a:off x="35356800" y="12447925"/>
+            <a:ext cx="6187752" cy="3477875"/>
+          </a:xfrm>
+          <a:prstGeom prst="rect">
+            <a:avLst/>
+          </a:prstGeom>
+          <a:noFill/>
+        </p:spPr>
+        <p:txBody>
+          <a:bodyPr wrap="square" rtlCol="0">
+            <a:spAutoFit/>
+          </a:bodyPr>
+          <a:lstStyle/>
+          <a:p>
+            <a:r>
+              <a:rPr lang="en-US" sz="4000" b="1" dirty="0" smtClean="0">
+                <a:solidFill>
+                  <a:schemeClr val="accent1"/>
+                </a:solidFill>
+                <a:ea typeface="Ebrima" pitchFamily="2" charset="0"/>
+                <a:cs typeface="Ebrima" pitchFamily="2" charset="0"/>
+              </a:rPr>
+              <a:t>Proxy</a:t>
+            </a:r>
+            <a:endParaRPr lang="en-US" sz="4000" b="1" dirty="0" smtClean="0">
+              <a:solidFill>
+                <a:schemeClr val="accent1"/>
+              </a:solidFill>
+              <a:ea typeface="Ebrima" pitchFamily="2" charset="0"/>
+              <a:cs typeface="Ebrima" pitchFamily="2" charset="0"/>
+            </a:endParaRPr>
+          </a:p>
+          <a:p>
+            <a:pPr marL="231775" indent="-231775">
+              <a:buFont typeface="Arial" pitchFamily="34" charset="0"/>
+              <a:buChar char="•"/>
+            </a:pPr>
+            <a:r>
+              <a:rPr lang="en-US" sz="3600" dirty="0" smtClean="0">
+                <a:ea typeface="Ebrima" pitchFamily="2" charset="0"/>
+                <a:cs typeface="Ebrima" pitchFamily="2" charset="0"/>
+              </a:rPr>
+              <a:t>ATMega328p </a:t>
+            </a:r>
+            <a:r>
+              <a:rPr lang="en-US" sz="3600" dirty="0" smtClean="0">
+                <a:ea typeface="Ebrima" pitchFamily="2" charset="0"/>
+                <a:cs typeface="Ebrima" pitchFamily="2" charset="0"/>
+              </a:rPr>
+              <a:t>MCU</a:t>
+            </a:r>
+          </a:p>
+          <a:p>
+            <a:pPr marL="231775" indent="-231775">
+              <a:buFont typeface="Arial" pitchFamily="34" charset="0"/>
+              <a:buChar char="•"/>
+            </a:pPr>
+            <a:r>
+              <a:rPr lang="en-US" sz="3600" dirty="0" smtClean="0">
+                <a:ea typeface="Ebrima" pitchFamily="2" charset="0"/>
+                <a:cs typeface="Ebrima" pitchFamily="2" charset="0"/>
+              </a:rPr>
+              <a:t>RF12B transceiver at </a:t>
+            </a:r>
+            <a:r>
+              <a:rPr lang="en-US" sz="3600" dirty="0" smtClean="0">
+                <a:ea typeface="Ebrima" pitchFamily="2" charset="0"/>
+                <a:cs typeface="Ebrima" pitchFamily="2" charset="0"/>
+              </a:rPr>
+              <a:t>434MHz</a:t>
+            </a:r>
+          </a:p>
+          <a:p>
+            <a:pPr marL="231775" indent="-231775">
+              <a:buFont typeface="Arial" pitchFamily="34" charset="0"/>
+              <a:buChar char="•"/>
+            </a:pPr>
+            <a:r>
+              <a:rPr lang="en-US" sz="3600" dirty="0" smtClean="0">
+                <a:ea typeface="Ebrima" pitchFamily="2" charset="0"/>
+                <a:cs typeface="Ebrima" pitchFamily="2" charset="0"/>
+              </a:rPr>
+              <a:t>WiFly </a:t>
+            </a:r>
+            <a:r>
+              <a:rPr lang="en-US" sz="3600" dirty="0" smtClean="0"/>
+              <a:t>802.11b/g transceiver</a:t>
+            </a:r>
+            <a:endParaRPr lang="en-US" sz="3600" dirty="0" smtClean="0">
+              <a:ea typeface="Ebrima" pitchFamily="2" charset="0"/>
+              <a:cs typeface="Ebrima" pitchFamily="2" charset="0"/>
+            </a:endParaRPr>
+          </a:p>
+          <a:p>
+            <a:pPr marL="231775" indent="-231775">
+              <a:buFont typeface="Arial" pitchFamily="34" charset="0"/>
+              <a:buChar char="•"/>
+            </a:pPr>
+            <a:r>
+              <a:rPr lang="en-US" sz="3600" dirty="0" smtClean="0">
+                <a:ea typeface="Ebrima" pitchFamily="2" charset="0"/>
+                <a:cs typeface="Ebrima" pitchFamily="2" charset="0"/>
+              </a:rPr>
+              <a:t>9V battery/adapter</a:t>
+            </a:r>
+          </a:p>
+          <a:p>
+            <a:pPr marL="231775" indent="-231775">
+              <a:buFont typeface="Arial" pitchFamily="34" charset="0"/>
+              <a:buChar char="•"/>
+            </a:pPr>
+            <a:r>
+              <a:rPr lang="en-US" sz="3600" dirty="0" smtClean="0">
+                <a:ea typeface="Ebrima" pitchFamily="2" charset="0"/>
+                <a:cs typeface="Ebrima" pitchFamily="2" charset="0"/>
+              </a:rPr>
+              <a:t>Cost: </a:t>
+            </a:r>
+            <a:r>
+              <a:rPr lang="en-US" sz="3600" dirty="0" smtClean="0">
+                <a:ea typeface="Ebrima" pitchFamily="2" charset="0"/>
+                <a:cs typeface="Ebrima" pitchFamily="2" charset="0"/>
+              </a:rPr>
+              <a:t>$80</a:t>
+            </a:r>
+            <a:endParaRPr lang="en-US" sz="3600" dirty="0" smtClean="0">
+              <a:ea typeface="Ebrima" pitchFamily="2" charset="0"/>
+              <a:cs typeface="Ebrima" pitchFamily="2" charset="0"/>
+            </a:endParaRPr>
+          </a:p>
+        </p:txBody>
+      </p:sp>
     </p:spTree>
   </p:cSld>
   <p:clrMapOvr>

--- a/Docs/TIU_Tracking_Poster_v9.pptx
+++ b/Docs/TIU_Tracking_Poster_v9.pptx
@@ -3817,7 +3817,7 @@
         <p:spPr>
           <a:xfrm>
             <a:off x="30175200" y="24602956"/>
-            <a:ext cx="12344400" cy="3185487"/>
+            <a:ext cx="12344400" cy="3970318"/>
           </a:xfrm>
           <a:prstGeom prst="rect">
             <a:avLst/>
@@ -3859,7 +3859,22 @@
             </a:r>
             <a:r>
               <a:rPr lang="en-US" sz="3600" dirty="0" smtClean="0"/>
-              <a:t>, the most challenging requirement, has interesting results. When a tag is placed on exactly a location that was calibrated, success rates are at least 90%.</a:t>
+              <a:t>, the most challenging requirement, has interesting results. When a tag is placed on exactly a location that was calibrated, success rates are at least 90</a:t>
+            </a:r>
+            <a:r>
+              <a:rPr lang="en-US" sz="3600" dirty="0" smtClean="0"/>
+              <a:t>%.</a:t>
+            </a:r>
+          </a:p>
+          <a:p>
+            <a:pPr>
+              <a:spcBef>
+                <a:spcPts val="1800"/>
+              </a:spcBef>
+            </a:pPr>
+            <a:r>
+              <a:rPr lang="en-US" sz="3600" dirty="0" smtClean="0"/>
+              <a:t>Finally, </a:t>
             </a:r>
             <a:endParaRPr lang="en-US" sz="8800" dirty="0"/>
           </a:p>
@@ -8101,7 +8116,7 @@
         </p:blipFill>
         <p:spPr bwMode="auto">
           <a:xfrm>
-            <a:off x="20967824" y="24384000"/>
+            <a:off x="20802600" y="24547514"/>
             <a:ext cx="7835776" cy="4941886"/>
           </a:xfrm>
           <a:prstGeom prst="rect">

--- a/Docs/TIU_Tracking_Poster_v9.pptx
+++ b/Docs/TIU_Tracking_Poster_v9.pptx
@@ -3759,7 +3759,7 @@
         </p:nvSpPr>
         <p:spPr>
           <a:xfrm>
-            <a:off x="30175200" y="23459956"/>
+            <a:off x="30175200" y="23580626"/>
             <a:ext cx="9448800" cy="990600"/>
           </a:xfrm>
           <a:prstGeom prst="rect">
@@ -3816,8 +3816,8 @@
         </p:nvSpPr>
         <p:spPr>
           <a:xfrm>
-            <a:off x="30175200" y="24602956"/>
-            <a:ext cx="12344400" cy="3970318"/>
+            <a:off x="30175200" y="24580870"/>
+            <a:ext cx="12344400" cy="6432530"/>
           </a:xfrm>
           <a:prstGeom prst="rect">
             <a:avLst/>
@@ -3844,7 +3844,19 @@
             </a:r>
             <a:r>
               <a:rPr lang="en-US" sz="3600" dirty="0" smtClean="0"/>
-              <a:t>battery life that exceeds 1 month.</a:t>
+              <a:t>battery life that exceeds 1 </a:t>
+            </a:r>
+            <a:r>
+              <a:rPr lang="en-US" sz="3600" dirty="0" smtClean="0"/>
+              <a:t>month. As for accuracy, when </a:t>
+            </a:r>
+            <a:r>
+              <a:rPr lang="en-US" sz="3600" dirty="0" smtClean="0"/>
+              <a:t>a tag is placed on exactly a location that was calibrated, success rates are at least 90</a:t>
+            </a:r>
+            <a:r>
+              <a:rPr lang="en-US" sz="3600" dirty="0" smtClean="0"/>
+              <a:t>%.</a:t>
             </a:r>
           </a:p>
           <a:p>
@@ -3855,15 +3867,37 @@
             </a:pPr>
             <a:r>
               <a:rPr lang="en-US" sz="3600" dirty="0" smtClean="0"/>
-              <a:t>Accuracy</a:t>
-            </a:r>
+              <a:t>Further work to be done includes</a:t>
+            </a:r>
+          </a:p>
+          <a:p>
+            <a:pPr marL="231775" indent="-231775">
+              <a:buFont typeface="Arial" pitchFamily="34" charset="0"/>
+              <a:buChar char="•"/>
+            </a:pPr>
             <a:r>
               <a:rPr lang="en-US" sz="3600" dirty="0" smtClean="0"/>
-              <a:t>, the most challenging requirement, has interesting results. When a tag is placed on exactly a location that was calibrated, success rates are at least 90</a:t>
-            </a:r>
+              <a:t>Refine the testability of the system</a:t>
+            </a:r>
+          </a:p>
+          <a:p>
+            <a:pPr marL="231775" indent="-231775">
+              <a:buFont typeface="Arial" pitchFamily="34" charset="0"/>
+              <a:buChar char="•"/>
+            </a:pPr>
             <a:r>
               <a:rPr lang="en-US" sz="3600" dirty="0" smtClean="0"/>
-              <a:t>%.</a:t>
+              <a:t>Analyze antenna radiation pattern</a:t>
+            </a:r>
+          </a:p>
+          <a:p>
+            <a:pPr marL="231775" indent="-231775">
+              <a:buFont typeface="Arial" pitchFamily="34" charset="0"/>
+              <a:buChar char="•"/>
+            </a:pPr>
+            <a:r>
+              <a:rPr lang="en-US" sz="3600" dirty="0" smtClean="0"/>
+              <a:t>Improve the robustness of the location algorithm</a:t>
             </a:r>
           </a:p>
           <a:p>
@@ -3872,10 +3906,6 @@
                 <a:spcPts val="1800"/>
               </a:spcBef>
             </a:pPr>
-            <a:r>
-              <a:rPr lang="en-US" sz="3600" dirty="0" smtClean="0"/>
-              <a:t>Finally, </a:t>
-            </a:r>
             <a:endParaRPr lang="en-US" sz="8800" dirty="0"/>
           </a:p>
         </p:txBody>
@@ -4157,7 +4187,7 @@
         </p:blipFill>
         <p:spPr bwMode="auto">
           <a:xfrm>
-            <a:off x="31150249" y="16916400"/>
+            <a:off x="31150249" y="16306800"/>
             <a:ext cx="6731280" cy="3621778"/>
           </a:xfrm>
           <a:prstGeom prst="rect">
@@ -4540,46 +4570,8 @@
         </p:nvCxnSpPr>
         <p:spPr>
           <a:xfrm rot="10800000">
-            <a:off x="45034200" y="28041600"/>
-            <a:ext cx="5105400" cy="0"/>
-          </a:xfrm>
-          <a:prstGeom prst="line">
-            <a:avLst/>
-          </a:prstGeom>
-          <a:ln w="76200">
-            <a:solidFill>
-              <a:schemeClr val="accent2">
-                <a:lumMod val="40000"/>
-                <a:lumOff val="60000"/>
-              </a:schemeClr>
-            </a:solidFill>
-          </a:ln>
-        </p:spPr>
-        <p:style>
-          <a:lnRef idx="1">
-            <a:schemeClr val="accent1"/>
-          </a:lnRef>
-          <a:fillRef idx="0">
-            <a:schemeClr val="accent1"/>
-          </a:fillRef>
-          <a:effectRef idx="0">
-            <a:schemeClr val="accent1"/>
-          </a:effectRef>
-          <a:fontRef idx="minor">
-            <a:schemeClr val="tx1"/>
-          </a:fontRef>
-        </p:style>
-      </p:cxnSp>
-      <p:cxnSp>
-        <p:nvCxnSpPr>
-          <p:cNvPr id="77" name="Straight Connector 76"/>
-          <p:cNvCxnSpPr/>
-          <p:nvPr/>
-        </p:nvCxnSpPr>
-        <p:spPr>
-          <a:xfrm rot="16200000" flipH="1">
-            <a:off x="46634401" y="25374600"/>
-            <a:ext cx="5943600" cy="1"/>
+            <a:off x="14020800" y="29413200"/>
+            <a:ext cx="3657600" cy="0"/>
           </a:xfrm>
           <a:prstGeom prst="line">
             <a:avLst/>
@@ -4616,7 +4608,7 @@
         </p:nvCxnSpPr>
         <p:spPr>
           <a:xfrm rot="10800000">
-            <a:off x="12268200" y="23393400"/>
+            <a:off x="13411200" y="29641800"/>
             <a:ext cx="5105400" cy="0"/>
           </a:xfrm>
           <a:prstGeom prst="line">
@@ -5001,173 +4993,158 @@
           </a:fontRef>
         </p:style>
       </p:cxnSp>
-      <p:grpSp>
-        <p:nvGrpSpPr>
-          <p:cNvPr id="110" name="Group 109"/>
-          <p:cNvGrpSpPr/>
+      <p:cxnSp>
+        <p:nvCxnSpPr>
+          <p:cNvPr id="85" name="Straight Connector 84"/>
+          <p:cNvCxnSpPr/>
           <p:nvPr/>
-        </p:nvGrpSpPr>
-        <p:grpSpPr>
-          <a:xfrm>
-            <a:off x="29032200" y="20193000"/>
-            <a:ext cx="5105400" cy="4114800"/>
-            <a:chOff x="45780648" y="13335000"/>
-            <a:chExt cx="5105400" cy="4114800"/>
+        </p:nvCxnSpPr>
+        <p:spPr>
+          <a:xfrm rot="5400000">
+            <a:off x="26746201" y="21183600"/>
+            <a:ext cx="5486398" cy="1"/>
           </a:xfrm>
-        </p:grpSpPr>
-        <p:cxnSp>
-          <p:nvCxnSpPr>
-            <p:cNvPr id="85" name="Straight Connector 84"/>
-            <p:cNvCxnSpPr/>
-            <p:nvPr/>
-          </p:nvCxnSpPr>
-          <p:spPr>
-            <a:xfrm rot="16200000" flipH="1">
-              <a:off x="44180447" y="15392399"/>
-              <a:ext cx="4114800" cy="1"/>
-            </a:xfrm>
-            <a:prstGeom prst="line">
-              <a:avLst/>
-            </a:prstGeom>
-            <a:ln w="76200">
-              <a:solidFill>
-                <a:schemeClr val="accent2">
-                  <a:lumMod val="40000"/>
-                  <a:lumOff val="60000"/>
-                </a:schemeClr>
-              </a:solidFill>
-            </a:ln>
-          </p:spPr>
-          <p:style>
-            <a:lnRef idx="1">
-              <a:schemeClr val="accent1"/>
-            </a:lnRef>
-            <a:fillRef idx="0">
-              <a:schemeClr val="accent1"/>
-            </a:fillRef>
-            <a:effectRef idx="0">
-              <a:schemeClr val="accent1"/>
-            </a:effectRef>
-            <a:fontRef idx="minor">
-              <a:schemeClr val="tx1"/>
-            </a:fontRef>
-          </p:style>
-        </p:cxnSp>
-        <p:cxnSp>
-          <p:nvCxnSpPr>
-            <p:cNvPr id="86" name="Straight Connector 85"/>
-            <p:cNvCxnSpPr/>
-            <p:nvPr/>
-          </p:nvCxnSpPr>
-          <p:spPr>
-            <a:xfrm rot="10800000">
-              <a:off x="45780648" y="16306800"/>
-              <a:ext cx="5105400" cy="0"/>
-            </a:xfrm>
-            <a:prstGeom prst="line">
-              <a:avLst/>
-            </a:prstGeom>
-            <a:ln w="76200">
-              <a:solidFill>
-                <a:schemeClr val="accent2">
-                  <a:lumMod val="40000"/>
-                  <a:lumOff val="60000"/>
-                </a:schemeClr>
-              </a:solidFill>
-            </a:ln>
-          </p:spPr>
-          <p:style>
-            <a:lnRef idx="1">
-              <a:schemeClr val="accent1"/>
-            </a:lnRef>
-            <a:fillRef idx="0">
-              <a:schemeClr val="accent1"/>
-            </a:fillRef>
-            <a:effectRef idx="0">
-              <a:schemeClr val="accent1"/>
-            </a:effectRef>
-            <a:fontRef idx="minor">
-              <a:schemeClr val="tx1"/>
-            </a:fontRef>
-          </p:style>
-        </p:cxnSp>
-        <p:cxnSp>
-          <p:nvCxnSpPr>
-            <p:cNvPr id="106" name="Straight Connector 105"/>
-            <p:cNvCxnSpPr/>
-            <p:nvPr/>
-          </p:nvCxnSpPr>
-          <p:spPr>
-            <a:xfrm rot="5400000">
-              <a:off x="45300900" y="14592300"/>
-              <a:ext cx="2362200" cy="0"/>
-            </a:xfrm>
-            <a:prstGeom prst="line">
-              <a:avLst/>
-            </a:prstGeom>
-            <a:ln w="76200">
-              <a:solidFill>
-                <a:schemeClr val="accent2">
-                  <a:lumMod val="40000"/>
-                  <a:lumOff val="60000"/>
-                </a:schemeClr>
-              </a:solidFill>
-            </a:ln>
-          </p:spPr>
-          <p:style>
-            <a:lnRef idx="1">
-              <a:schemeClr val="accent1"/>
-            </a:lnRef>
-            <a:fillRef idx="0">
-              <a:schemeClr val="accent1"/>
-            </a:fillRef>
-            <a:effectRef idx="0">
-              <a:schemeClr val="accent1"/>
-            </a:effectRef>
-            <a:fontRef idx="minor">
-              <a:schemeClr val="tx1"/>
-            </a:fontRef>
-          </p:style>
-        </p:cxnSp>
-        <p:cxnSp>
-          <p:nvCxnSpPr>
-            <p:cNvPr id="107" name="Straight Connector 106"/>
-            <p:cNvCxnSpPr/>
-            <p:nvPr/>
-          </p:nvCxnSpPr>
-          <p:spPr>
-            <a:xfrm rot="10800000">
-              <a:off x="46771248" y="16078200"/>
-              <a:ext cx="3673152" cy="0"/>
-            </a:xfrm>
-            <a:prstGeom prst="line">
-              <a:avLst/>
-            </a:prstGeom>
-            <a:ln w="76200">
-              <a:solidFill>
-                <a:schemeClr val="accent2">
-                  <a:lumMod val="40000"/>
-                  <a:lumOff val="60000"/>
-                </a:schemeClr>
-              </a:solidFill>
-            </a:ln>
-          </p:spPr>
-          <p:style>
-            <a:lnRef idx="1">
-              <a:schemeClr val="accent1"/>
-            </a:lnRef>
-            <a:fillRef idx="0">
-              <a:schemeClr val="accent1"/>
-            </a:fillRef>
-            <a:effectRef idx="0">
-              <a:schemeClr val="accent1"/>
-            </a:effectRef>
-            <a:fontRef idx="minor">
-              <a:schemeClr val="tx1"/>
-            </a:fontRef>
-          </p:style>
-        </p:cxnSp>
-      </p:grpSp>
+          <a:prstGeom prst="line">
+            <a:avLst/>
+          </a:prstGeom>
+          <a:ln w="76200">
+            <a:solidFill>
+              <a:schemeClr val="accent2">
+                <a:lumMod val="40000"/>
+                <a:lumOff val="60000"/>
+              </a:schemeClr>
+            </a:solidFill>
+          </a:ln>
+        </p:spPr>
+        <p:style>
+          <a:lnRef idx="1">
+            <a:schemeClr val="accent1"/>
+          </a:lnRef>
+          <a:fillRef idx="0">
+            <a:schemeClr val="accent1"/>
+          </a:fillRef>
+          <a:effectRef idx="0">
+            <a:schemeClr val="accent1"/>
+          </a:effectRef>
+          <a:fontRef idx="minor">
+            <a:schemeClr val="tx1"/>
+          </a:fontRef>
+        </p:style>
+      </p:cxnSp>
+      <p:cxnSp>
+        <p:nvCxnSpPr>
+          <p:cNvPr id="86" name="Straight Connector 85"/>
+          <p:cNvCxnSpPr/>
+          <p:nvPr/>
+        </p:nvCxnSpPr>
+        <p:spPr>
+          <a:xfrm rot="10800000">
+            <a:off x="29032200" y="22783799"/>
+            <a:ext cx="5105400" cy="0"/>
+          </a:xfrm>
+          <a:prstGeom prst="line">
+            <a:avLst/>
+          </a:prstGeom>
+          <a:ln w="76200">
+            <a:solidFill>
+              <a:schemeClr val="accent2">
+                <a:lumMod val="40000"/>
+                <a:lumOff val="60000"/>
+              </a:schemeClr>
+            </a:solidFill>
+          </a:ln>
+        </p:spPr>
+        <p:style>
+          <a:lnRef idx="1">
+            <a:schemeClr val="accent1"/>
+          </a:lnRef>
+          <a:fillRef idx="0">
+            <a:schemeClr val="accent1"/>
+          </a:fillRef>
+          <a:effectRef idx="0">
+            <a:schemeClr val="accent1"/>
+          </a:effectRef>
+          <a:fontRef idx="minor">
+            <a:schemeClr val="tx1"/>
+          </a:fontRef>
+        </p:style>
+      </p:cxnSp>
+      <p:cxnSp>
+        <p:nvCxnSpPr>
+          <p:cNvPr id="106" name="Straight Connector 105"/>
+          <p:cNvCxnSpPr/>
+          <p:nvPr/>
+        </p:nvCxnSpPr>
+        <p:spPr>
+          <a:xfrm rot="5400000">
+            <a:off x="28552452" y="21069299"/>
+            <a:ext cx="2362200" cy="0"/>
+          </a:xfrm>
+          <a:prstGeom prst="line">
+            <a:avLst/>
+          </a:prstGeom>
+          <a:ln w="76200">
+            <a:solidFill>
+              <a:schemeClr val="accent2">
+                <a:lumMod val="40000"/>
+                <a:lumOff val="60000"/>
+              </a:schemeClr>
+            </a:solidFill>
+          </a:ln>
+        </p:spPr>
+        <p:style>
+          <a:lnRef idx="1">
+            <a:schemeClr val="accent1"/>
+          </a:lnRef>
+          <a:fillRef idx="0">
+            <a:schemeClr val="accent1"/>
+          </a:fillRef>
+          <a:effectRef idx="0">
+            <a:schemeClr val="accent1"/>
+          </a:effectRef>
+          <a:fontRef idx="minor">
+            <a:schemeClr val="tx1"/>
+          </a:fontRef>
+        </p:style>
+      </p:cxnSp>
+      <p:cxnSp>
+        <p:nvCxnSpPr>
+          <p:cNvPr id="107" name="Straight Connector 106"/>
+          <p:cNvCxnSpPr/>
+          <p:nvPr/>
+        </p:nvCxnSpPr>
+        <p:spPr>
+          <a:xfrm rot="10800000">
+            <a:off x="30022800" y="22555199"/>
+            <a:ext cx="3673152" cy="0"/>
+          </a:xfrm>
+          <a:prstGeom prst="line">
+            <a:avLst/>
+          </a:prstGeom>
+          <a:ln w="76200">
+            <a:solidFill>
+              <a:schemeClr val="accent2">
+                <a:lumMod val="40000"/>
+                <a:lumOff val="60000"/>
+              </a:schemeClr>
+            </a:solidFill>
+          </a:ln>
+        </p:spPr>
+        <p:style>
+          <a:lnRef idx="1">
+            <a:schemeClr val="accent1"/>
+          </a:lnRef>
+          <a:fillRef idx="0">
+            <a:schemeClr val="accent1"/>
+          </a:fillRef>
+          <a:effectRef idx="0">
+            <a:schemeClr val="accent1"/>
+          </a:effectRef>
+          <a:fontRef idx="minor">
+            <a:schemeClr val="tx1"/>
+          </a:fontRef>
+        </p:style>
+      </p:cxnSp>
       <p:cxnSp>
         <p:nvCxnSpPr>
           <p:cNvPr id="112" name="Straight Connector 111"/>
@@ -5253,7 +5230,7 @@
         <p:spPr>
           <a:xfrm>
             <a:off x="1280160" y="11887200"/>
-            <a:ext cx="10515600" cy="8956298"/>
+            <a:ext cx="10515600" cy="10064294"/>
           </a:xfrm>
           <a:prstGeom prst="rect">
             <a:avLst/>
@@ -5280,7 +5257,15 @@
             <a:pPr algn="just"/>
             <a:r>
               <a:rPr lang="en-US" sz="3600" dirty="0" smtClean="0"/>
-              <a:t>Signal strength based location method has several advantages over other methods such as GPS, IR, and Acoustics as it is easy to implement and does not require line of sight. Also, low cost RF transceivers are readily available.</a:t>
+              <a:t>Radio Received Signal Strength Indication (RSSI) is a measurement of the amount of power received by </a:t>
+            </a:r>
+            <a:r>
+              <a:rPr lang="en-US" sz="3600" dirty="0" smtClean="0"/>
+              <a:t>antenna. Signal </a:t>
+            </a:r>
+            <a:r>
+              <a:rPr lang="en-US" sz="3600" dirty="0" smtClean="0"/>
+              <a:t>strength based location method has several advantages over other methods such as GPS, IR, and Acoustics as it is easy to implement and does not require line of sight. Also, low cost RF transceivers are readily available.</a:t>
             </a:r>
           </a:p>
           <a:p>
@@ -7106,226 +7091,13 @@
       </p:sp>
       <p:sp>
         <p:nvSpPr>
-          <p:cNvPr id="166" name="TextBox 165"/>
-          <p:cNvSpPr txBox="1"/>
-          <p:nvPr/>
-        </p:nvSpPr>
-        <p:spPr>
-          <a:xfrm>
-            <a:off x="13594080" y="12161520"/>
-            <a:ext cx="7589520" cy="11095345"/>
-          </a:xfrm>
-          <a:prstGeom prst="rect">
-            <a:avLst/>
-          </a:prstGeom>
-          <a:noFill/>
-        </p:spPr>
-        <p:txBody>
-          <a:bodyPr wrap="square" lIns="0" tIns="91440" bIns="91440" rtlCol="0">
-            <a:spAutoFit/>
-          </a:bodyPr>
-          <a:lstStyle/>
-          <a:p>
-            <a:pPr>
-              <a:spcBef>
-                <a:spcPts val="1800"/>
-              </a:spcBef>
-            </a:pPr>
-            <a:r>
-              <a:rPr lang="en-US" sz="3600" b="1" dirty="0" smtClean="0">
-                <a:solidFill>
-                  <a:schemeClr val="accent1">
-                    <a:lumMod val="60000"/>
-                    <a:lumOff val="40000"/>
-                  </a:schemeClr>
-                </a:solidFill>
-                <a:ea typeface="Ebrima" pitchFamily="2" charset="0"/>
-                <a:cs typeface="Ebrima" pitchFamily="2" charset="0"/>
-              </a:rPr>
-              <a:t>Controller</a:t>
-            </a:r>
-          </a:p>
-          <a:p>
-            <a:pPr marL="225425" indent="-225425">
-              <a:buFont typeface="Arial" pitchFamily="34" charset="0"/>
-              <a:buChar char="•"/>
-            </a:pPr>
-            <a:r>
-              <a:rPr lang="en-US" sz="3600" dirty="0" smtClean="0">
-                <a:ea typeface="Ebrima" pitchFamily="2" charset="0"/>
-                <a:cs typeface="Ebrima" pitchFamily="2" charset="0"/>
-              </a:rPr>
-              <a:t>Receives RSSI and battery data from the mesh network</a:t>
-            </a:r>
-          </a:p>
-          <a:p>
-            <a:pPr marL="225425" indent="-225425">
-              <a:buFont typeface="Arial" pitchFamily="34" charset="0"/>
-              <a:buChar char="•"/>
-            </a:pPr>
-            <a:r>
-              <a:rPr lang="en-US" sz="3600" dirty="0" smtClean="0">
-                <a:ea typeface="Ebrima" pitchFamily="2" charset="0"/>
-                <a:cs typeface="Ebrima" pitchFamily="2" charset="0"/>
-              </a:rPr>
-              <a:t>Executes the locating algorithm</a:t>
-            </a:r>
-          </a:p>
-          <a:p>
-            <a:pPr marL="225425" indent="-225425">
-              <a:buFont typeface="Arial" pitchFamily="34" charset="0"/>
-              <a:buChar char="•"/>
-            </a:pPr>
-            <a:r>
-              <a:rPr lang="en-US" sz="3600" dirty="0" smtClean="0">
-                <a:ea typeface="Ebrima" pitchFamily="2" charset="0"/>
-                <a:cs typeface="Ebrima" pitchFamily="2" charset="0"/>
-              </a:rPr>
-              <a:t>Communicates with the Database</a:t>
-            </a:r>
-          </a:p>
-          <a:p>
-            <a:pPr>
-              <a:spcBef>
-                <a:spcPts val="1800"/>
-              </a:spcBef>
-            </a:pPr>
-            <a:r>
-              <a:rPr lang="en-US" sz="3600" b="1" dirty="0" smtClean="0">
-                <a:solidFill>
-                  <a:schemeClr val="accent1">
-                    <a:lumMod val="60000"/>
-                    <a:lumOff val="40000"/>
-                  </a:schemeClr>
-                </a:solidFill>
-                <a:ea typeface="Ebrima" pitchFamily="2" charset="0"/>
-                <a:cs typeface="Ebrima" pitchFamily="2" charset="0"/>
-              </a:rPr>
-              <a:t>Fingerprint Algorithm</a:t>
-            </a:r>
-          </a:p>
-          <a:p>
-            <a:pPr marL="225425" indent="-225425">
-              <a:buFont typeface="Arial" pitchFamily="34" charset="0"/>
-              <a:buChar char="•"/>
-            </a:pPr>
-            <a:r>
-              <a:rPr lang="en-US" sz="3600" dirty="0" smtClean="0">
-                <a:ea typeface="Ebrima" pitchFamily="2" charset="0"/>
-                <a:cs typeface="Ebrima" pitchFamily="2" charset="0"/>
-              </a:rPr>
-              <a:t>A pattern matching algorithm based on Euclidean distance</a:t>
-            </a:r>
-          </a:p>
-          <a:p>
-            <a:pPr marL="225425" indent="-225425">
-              <a:buFont typeface="Arial" pitchFamily="34" charset="0"/>
-              <a:buChar char="•"/>
-            </a:pPr>
-            <a:r>
-              <a:rPr lang="en-US" sz="3600" dirty="0" smtClean="0">
-                <a:ea typeface="Ebrima" pitchFamily="2" charset="0"/>
-                <a:cs typeface="Ebrima" pitchFamily="2" charset="0"/>
-              </a:rPr>
-              <a:t> Employs heuristics and input output filters to further enhance the accuracy and reliability of the locating process</a:t>
-            </a:r>
-          </a:p>
-          <a:p>
-            <a:pPr>
-              <a:spcBef>
-                <a:spcPts val="1200"/>
-              </a:spcBef>
-            </a:pPr>
-            <a:r>
-              <a:rPr lang="en-US" sz="3600" b="1" dirty="0" smtClean="0">
-                <a:solidFill>
-                  <a:schemeClr val="accent1">
-                    <a:lumMod val="60000"/>
-                    <a:lumOff val="40000"/>
-                  </a:schemeClr>
-                </a:solidFill>
-                <a:ea typeface="Ebrima" pitchFamily="2" charset="0"/>
-                <a:cs typeface="Ebrima" pitchFamily="2" charset="0"/>
-              </a:rPr>
-              <a:t>Web Application</a:t>
-            </a:r>
-          </a:p>
-          <a:p>
-            <a:pPr marL="225425" indent="-225425">
-              <a:buFont typeface="Arial" pitchFamily="34" charset="0"/>
-              <a:buChar char="•"/>
-            </a:pPr>
-            <a:r>
-              <a:rPr lang="en-US" sz="3600" dirty="0" smtClean="0">
-                <a:ea typeface="Ebrima" pitchFamily="2" charset="0"/>
-                <a:cs typeface="Ebrima" pitchFamily="2" charset="0"/>
-              </a:rPr>
-              <a:t>Primary user interface with an interactive 2D map</a:t>
-            </a:r>
-          </a:p>
-          <a:p>
-            <a:pPr marL="225425" indent="-225425">
-              <a:buFont typeface="Arial" pitchFamily="34" charset="0"/>
-              <a:buChar char="•"/>
-            </a:pPr>
-            <a:r>
-              <a:rPr lang="en-US" sz="3600" dirty="0" smtClean="0">
-                <a:ea typeface="Ebrima" pitchFamily="2" charset="0"/>
-                <a:cs typeface="Ebrima" pitchFamily="2" charset="0"/>
-              </a:rPr>
-              <a:t>Search TIUs and detectors via ID</a:t>
-            </a:r>
-          </a:p>
-          <a:p>
-            <a:pPr marL="225425" indent="-225425">
-              <a:buFont typeface="Arial" pitchFamily="34" charset="0"/>
-              <a:buChar char="•"/>
-            </a:pPr>
-            <a:r>
-              <a:rPr lang="en-US" sz="3600" dirty="0" smtClean="0">
-                <a:ea typeface="Ebrima" pitchFamily="2" charset="0"/>
-                <a:cs typeface="Ebrima" pitchFamily="2" charset="0"/>
-              </a:rPr>
-              <a:t>Display locations and battery levels of all tags and detectors</a:t>
-            </a:r>
-          </a:p>
-          <a:p>
-            <a:pPr marL="225425" indent="-225425">
-              <a:buFont typeface="Arial" pitchFamily="34" charset="0"/>
-              <a:buChar char="•"/>
-            </a:pPr>
-            <a:r>
-              <a:rPr lang="en-US" sz="3600" dirty="0" smtClean="0">
-                <a:ea typeface="Ebrima" pitchFamily="2" charset="0"/>
-                <a:cs typeface="Ebrima" pitchFamily="2" charset="0"/>
-              </a:rPr>
-              <a:t>Configure tags and detectors</a:t>
-            </a:r>
-          </a:p>
-          <a:p>
-            <a:pPr marL="225425" indent="-225425">
-              <a:buFont typeface="Arial" pitchFamily="34" charset="0"/>
-              <a:buChar char="•"/>
-            </a:pPr>
-            <a:r>
-              <a:rPr lang="en-US" sz="3600" dirty="0" smtClean="0">
-                <a:ea typeface="Ebrima" pitchFamily="2" charset="0"/>
-                <a:cs typeface="Ebrima" pitchFamily="2" charset="0"/>
-              </a:rPr>
-              <a:t>Configure the tracking area</a:t>
-            </a:r>
-          </a:p>
-        </p:txBody>
-      </p:sp>
-      <p:sp>
-        <p:nvSpPr>
           <p:cNvPr id="171" name="TextBox 170"/>
           <p:cNvSpPr txBox="1"/>
           <p:nvPr/>
         </p:nvSpPr>
         <p:spPr>
           <a:xfrm>
-            <a:off x="21488400" y="12161520"/>
+            <a:off x="21488400" y="11963400"/>
             <a:ext cx="7315200" cy="11957119"/>
           </a:xfrm>
           <a:prstGeom prst="rect">
@@ -7622,7 +7394,7 @@
         </p:blipFill>
         <p:spPr bwMode="auto">
           <a:xfrm>
-            <a:off x="35267091" y="18745199"/>
+            <a:off x="35267091" y="18135599"/>
             <a:ext cx="6719109" cy="3777654"/>
           </a:xfrm>
           <a:prstGeom prst="rect">
@@ -7843,8 +7615,8 @@
           <p:nvPr/>
         </p:nvGraphicFramePr>
         <p:xfrm>
-          <a:off x="12344400" y="24384000"/>
-          <a:ext cx="8153400" cy="5807901"/>
+          <a:off x="1295400" y="21869400"/>
+          <a:ext cx="10058400" cy="7164887"/>
         </p:xfrm>
         <a:graphic>
           <a:graphicData uri="http://schemas.openxmlformats.org/drawingml/2006/chart">
@@ -7860,8 +7632,8 @@
         </p:nvCxnSpPr>
         <p:spPr>
           <a:xfrm rot="5400000">
-            <a:off x="10530840" y="21701760"/>
-            <a:ext cx="4389120" cy="0"/>
+            <a:off x="11201400" y="21640800"/>
+            <a:ext cx="2895600" cy="0"/>
           </a:xfrm>
           <a:prstGeom prst="line">
             <a:avLst/>
@@ -7898,8 +7670,8 @@
         </p:nvCxnSpPr>
         <p:spPr>
           <a:xfrm rot="5400000">
-            <a:off x="11559540" y="21511260"/>
-            <a:ext cx="1874520" cy="0"/>
+            <a:off x="10401300" y="21678900"/>
+            <a:ext cx="4038600" cy="0"/>
           </a:xfrm>
           <a:prstGeom prst="line">
             <a:avLst/>
@@ -7974,8 +7746,8 @@
         </p:nvCxnSpPr>
         <p:spPr>
           <a:xfrm rot="16200000" flipH="1">
-            <a:off x="27584399" y="11506200"/>
-            <a:ext cx="4267200" cy="1"/>
+            <a:off x="27089098" y="12001500"/>
+            <a:ext cx="5257801" cy="1"/>
           </a:xfrm>
           <a:prstGeom prst="line">
             <a:avLst/>
@@ -8050,7 +7822,7 @@
         </p:nvSpPr>
         <p:spPr>
           <a:xfrm>
-            <a:off x="13411200" y="23469600"/>
+            <a:off x="21183600" y="23469600"/>
             <a:ext cx="9448800" cy="990600"/>
           </a:xfrm>
           <a:prstGeom prst="rect">
@@ -8291,6 +8063,412 @@
           </a:p>
         </p:txBody>
       </p:sp>
+      <p:sp>
+        <p:nvSpPr>
+          <p:cNvPr id="6" name="Rectangle 6"/>
+          <p:cNvSpPr>
+            <a:spLocks noChangeArrowheads="1"/>
+          </p:cNvSpPr>
+          <p:nvPr/>
+        </p:nvSpPr>
+        <p:spPr bwMode="auto">
+          <a:xfrm>
+            <a:off x="0" y="0"/>
+            <a:ext cx="43891200" cy="0"/>
+          </a:xfrm>
+          <a:prstGeom prst="rect">
+            <a:avLst/>
+          </a:prstGeom>
+          <a:noFill/>
+          <a:ln w="9525">
+            <a:noFill/>
+            <a:miter lim="800000"/>
+            <a:headEnd/>
+            <a:tailEnd/>
+          </a:ln>
+          <a:effectLst/>
+        </p:spPr>
+        <p:txBody>
+          <a:bodyPr vert="horz" wrap="none" lIns="91440" tIns="45720" rIns="91440" bIns="45720" numCol="1" anchor="ctr" anchorCtr="0" compatLnSpc="1">
+            <a:prstTxWarp prst="textNoShape">
+              <a:avLst/>
+            </a:prstTxWarp>
+            <a:spAutoFit/>
+          </a:bodyPr>
+          <a:lstStyle/>
+          <a:p>
+            <a:endParaRPr lang="en-US"/>
+          </a:p>
+        </p:txBody>
+      </p:sp>
+      <p:grpSp>
+        <p:nvGrpSpPr>
+          <p:cNvPr id="181" name="Group 180"/>
+          <p:cNvGrpSpPr/>
+          <p:nvPr/>
+        </p:nvGrpSpPr>
+        <p:grpSpPr>
+          <a:xfrm>
+            <a:off x="13563600" y="11963400"/>
+            <a:ext cx="7239000" cy="16635323"/>
+            <a:chOff x="13563600" y="12161520"/>
+            <a:chExt cx="7239000" cy="16635323"/>
+          </a:xfrm>
+        </p:grpSpPr>
+        <p:sp>
+          <p:nvSpPr>
+            <p:cNvPr id="166" name="TextBox 165"/>
+            <p:cNvSpPr txBox="1"/>
+            <p:nvPr/>
+          </p:nvSpPr>
+          <p:spPr>
+            <a:xfrm>
+              <a:off x="13594080" y="12161520"/>
+              <a:ext cx="7208520" cy="16635323"/>
+            </a:xfrm>
+            <a:prstGeom prst="rect">
+              <a:avLst/>
+            </a:prstGeom>
+            <a:noFill/>
+          </p:spPr>
+          <p:txBody>
+            <a:bodyPr wrap="square" lIns="0" tIns="91440" bIns="91440" rtlCol="0">
+              <a:spAutoFit/>
+            </a:bodyPr>
+            <a:lstStyle/>
+            <a:p>
+              <a:pPr>
+                <a:spcBef>
+                  <a:spcPts val="1800"/>
+                </a:spcBef>
+              </a:pPr>
+              <a:r>
+                <a:rPr lang="en-US" sz="3600" b="1" dirty="0" smtClean="0">
+                  <a:solidFill>
+                    <a:schemeClr val="accent1">
+                      <a:lumMod val="60000"/>
+                      <a:lumOff val="40000"/>
+                    </a:schemeClr>
+                  </a:solidFill>
+                  <a:ea typeface="Ebrima" pitchFamily="2" charset="0"/>
+                  <a:cs typeface="Ebrima" pitchFamily="2" charset="0"/>
+                </a:rPr>
+                <a:t>Controller</a:t>
+              </a:r>
+            </a:p>
+            <a:p>
+              <a:pPr marL="225425" indent="-225425">
+                <a:buFont typeface="Arial" pitchFamily="34" charset="0"/>
+                <a:buChar char="•"/>
+              </a:pPr>
+              <a:r>
+                <a:rPr lang="en-US" sz="3600" dirty="0" smtClean="0">
+                  <a:ea typeface="Ebrima" pitchFamily="2" charset="0"/>
+                  <a:cs typeface="Ebrima" pitchFamily="2" charset="0"/>
+                </a:rPr>
+                <a:t>Receives RSSI and battery data from the mesh network</a:t>
+              </a:r>
+            </a:p>
+            <a:p>
+              <a:pPr marL="225425" indent="-225425">
+                <a:buFont typeface="Arial" pitchFamily="34" charset="0"/>
+                <a:buChar char="•"/>
+              </a:pPr>
+              <a:r>
+                <a:rPr lang="en-US" sz="3600" dirty="0" smtClean="0">
+                  <a:ea typeface="Ebrima" pitchFamily="2" charset="0"/>
+                  <a:cs typeface="Ebrima" pitchFamily="2" charset="0"/>
+                </a:rPr>
+                <a:t>Executes the locating algorithm</a:t>
+              </a:r>
+            </a:p>
+            <a:p>
+              <a:pPr marL="225425" indent="-225425">
+                <a:buFont typeface="Arial" pitchFamily="34" charset="0"/>
+                <a:buChar char="•"/>
+              </a:pPr>
+              <a:r>
+                <a:rPr lang="en-US" sz="3600" dirty="0" smtClean="0">
+                  <a:ea typeface="Ebrima" pitchFamily="2" charset="0"/>
+                  <a:cs typeface="Ebrima" pitchFamily="2" charset="0"/>
+                </a:rPr>
+                <a:t>Communicates with the Database</a:t>
+              </a:r>
+            </a:p>
+            <a:p>
+              <a:pPr>
+                <a:spcBef>
+                  <a:spcPts val="1800"/>
+                </a:spcBef>
+              </a:pPr>
+              <a:r>
+                <a:rPr lang="en-US" sz="3600" b="1" dirty="0" smtClean="0">
+                  <a:solidFill>
+                    <a:schemeClr val="accent1">
+                      <a:lumMod val="60000"/>
+                      <a:lumOff val="40000"/>
+                    </a:schemeClr>
+                  </a:solidFill>
+                  <a:ea typeface="Ebrima" pitchFamily="2" charset="0"/>
+                  <a:cs typeface="Ebrima" pitchFamily="2" charset="0"/>
+                </a:rPr>
+                <a:t>Fingerprint Algorithm</a:t>
+              </a:r>
+            </a:p>
+            <a:p>
+              <a:pPr marL="225425" indent="-225425">
+                <a:buFont typeface="Arial" pitchFamily="34" charset="0"/>
+                <a:buChar char="•"/>
+              </a:pPr>
+              <a:r>
+                <a:rPr lang="en-US" sz="3600" dirty="0" smtClean="0">
+                  <a:ea typeface="Ebrima" pitchFamily="2" charset="0"/>
+                  <a:cs typeface="Ebrima" pitchFamily="2" charset="0"/>
+                </a:rPr>
+                <a:t>A pattern matching algorithm based on Euclidean distance</a:t>
+              </a:r>
+            </a:p>
+            <a:p>
+              <a:pPr marL="225425" indent="-225425">
+                <a:buFont typeface="Arial" pitchFamily="34" charset="0"/>
+                <a:buChar char="•"/>
+              </a:pPr>
+              <a:r>
+                <a:rPr lang="en-US" sz="3600" dirty="0" smtClean="0">
+                  <a:ea typeface="Ebrima" pitchFamily="2" charset="0"/>
+                  <a:cs typeface="Ebrima" pitchFamily="2" charset="0"/>
+                </a:rPr>
+                <a:t> Employs heuristics and input output filters to further enhance the accuracy and reliability of the locating </a:t>
+              </a:r>
+              <a:r>
+                <a:rPr lang="en-US" sz="3600" dirty="0" smtClean="0">
+                  <a:ea typeface="Ebrima" pitchFamily="2" charset="0"/>
+                  <a:cs typeface="Ebrima" pitchFamily="2" charset="0"/>
+                </a:rPr>
+                <a:t>process</a:t>
+              </a:r>
+            </a:p>
+            <a:p>
+              <a:pPr marL="225425" indent="-225425">
+                <a:buFont typeface="Arial" pitchFamily="34" charset="0"/>
+                <a:buChar char="•"/>
+              </a:pPr>
+              <a:endParaRPr lang="en-US" sz="3600" dirty="0" smtClean="0">
+                <a:ea typeface="Ebrima" pitchFamily="2" charset="0"/>
+                <a:cs typeface="Ebrima" pitchFamily="2" charset="0"/>
+              </a:endParaRPr>
+            </a:p>
+            <a:p>
+              <a:pPr marL="225425" indent="-225425">
+                <a:buFont typeface="Arial" pitchFamily="34" charset="0"/>
+                <a:buChar char="•"/>
+              </a:pPr>
+              <a:endParaRPr lang="en-US" sz="3600" dirty="0" smtClean="0">
+                <a:ea typeface="Ebrima" pitchFamily="2" charset="0"/>
+                <a:cs typeface="Ebrima" pitchFamily="2" charset="0"/>
+              </a:endParaRPr>
+            </a:p>
+            <a:p>
+              <a:pPr marL="225425" indent="-225425">
+                <a:buFont typeface="Arial" pitchFamily="34" charset="0"/>
+                <a:buChar char="•"/>
+              </a:pPr>
+              <a:endParaRPr lang="en-US" sz="3600" dirty="0" smtClean="0">
+                <a:ea typeface="Ebrima" pitchFamily="2" charset="0"/>
+                <a:cs typeface="Ebrima" pitchFamily="2" charset="0"/>
+              </a:endParaRPr>
+            </a:p>
+            <a:p>
+              <a:pPr marL="225425" indent="-225425">
+                <a:buFont typeface="Arial" pitchFamily="34" charset="0"/>
+                <a:buChar char="•"/>
+              </a:pPr>
+              <a:endParaRPr lang="en-US" sz="3600" dirty="0" smtClean="0">
+                <a:ea typeface="Ebrima" pitchFamily="2" charset="0"/>
+                <a:cs typeface="Ebrima" pitchFamily="2" charset="0"/>
+              </a:endParaRPr>
+            </a:p>
+            <a:p>
+              <a:pPr marL="225425" indent="-225425">
+                <a:buFont typeface="Arial" pitchFamily="34" charset="0"/>
+                <a:buChar char="•"/>
+              </a:pPr>
+              <a:endParaRPr lang="en-US" sz="3600" dirty="0" smtClean="0">
+                <a:ea typeface="Ebrima" pitchFamily="2" charset="0"/>
+                <a:cs typeface="Ebrima" pitchFamily="2" charset="0"/>
+              </a:endParaRPr>
+            </a:p>
+            <a:p>
+              <a:pPr marL="225425" indent="-225425">
+                <a:buFont typeface="Arial" pitchFamily="34" charset="0"/>
+                <a:buChar char="•"/>
+              </a:pPr>
+              <a:endParaRPr lang="en-US" sz="3600" dirty="0" smtClean="0">
+                <a:ea typeface="Ebrima" pitchFamily="2" charset="0"/>
+                <a:cs typeface="Ebrima" pitchFamily="2" charset="0"/>
+              </a:endParaRPr>
+            </a:p>
+            <a:p>
+              <a:pPr marL="225425" indent="-225425">
+                <a:buFont typeface="Arial" pitchFamily="34" charset="0"/>
+                <a:buChar char="•"/>
+              </a:pPr>
+              <a:endParaRPr lang="en-US" sz="3600" dirty="0" smtClean="0">
+                <a:ea typeface="Ebrima" pitchFamily="2" charset="0"/>
+                <a:cs typeface="Ebrima" pitchFamily="2" charset="0"/>
+              </a:endParaRPr>
+            </a:p>
+            <a:p>
+              <a:pPr marL="225425" indent="-225425">
+                <a:buFont typeface="Arial" pitchFamily="34" charset="0"/>
+                <a:buChar char="•"/>
+              </a:pPr>
+              <a:endParaRPr lang="en-US" sz="3600" dirty="0" smtClean="0">
+                <a:ea typeface="Ebrima" pitchFamily="2" charset="0"/>
+                <a:cs typeface="Ebrima" pitchFamily="2" charset="0"/>
+              </a:endParaRPr>
+            </a:p>
+            <a:p>
+              <a:pPr marL="225425" indent="-225425">
+                <a:buFont typeface="Arial" pitchFamily="34" charset="0"/>
+                <a:buChar char="•"/>
+              </a:pPr>
+              <a:endParaRPr lang="en-US" sz="3600" dirty="0" smtClean="0">
+                <a:ea typeface="Ebrima" pitchFamily="2" charset="0"/>
+                <a:cs typeface="Ebrima" pitchFamily="2" charset="0"/>
+              </a:endParaRPr>
+            </a:p>
+            <a:p>
+              <a:pPr>
+                <a:spcBef>
+                  <a:spcPts val="1200"/>
+                </a:spcBef>
+              </a:pPr>
+              <a:r>
+                <a:rPr lang="en-US" sz="3600" b="1" dirty="0" smtClean="0">
+                  <a:solidFill>
+                    <a:schemeClr val="accent1">
+                      <a:lumMod val="60000"/>
+                      <a:lumOff val="40000"/>
+                    </a:schemeClr>
+                  </a:solidFill>
+                  <a:ea typeface="Ebrima" pitchFamily="2" charset="0"/>
+                  <a:cs typeface="Ebrima" pitchFamily="2" charset="0"/>
+                </a:rPr>
+                <a:t>Web Application</a:t>
+              </a:r>
+            </a:p>
+            <a:p>
+              <a:pPr marL="225425" indent="-225425">
+                <a:buFont typeface="Arial" pitchFamily="34" charset="0"/>
+                <a:buChar char="•"/>
+              </a:pPr>
+              <a:r>
+                <a:rPr lang="en-US" sz="3600" dirty="0" smtClean="0">
+                  <a:ea typeface="Ebrima" pitchFamily="2" charset="0"/>
+                  <a:cs typeface="Ebrima" pitchFamily="2" charset="0"/>
+                </a:rPr>
+                <a:t>Primary user interface with an interactive 2D map</a:t>
+              </a:r>
+            </a:p>
+            <a:p>
+              <a:pPr marL="225425" indent="-225425">
+                <a:buFont typeface="Arial" pitchFamily="34" charset="0"/>
+                <a:buChar char="•"/>
+              </a:pPr>
+              <a:r>
+                <a:rPr lang="en-US" sz="3600" dirty="0" smtClean="0">
+                  <a:ea typeface="Ebrima" pitchFamily="2" charset="0"/>
+                  <a:cs typeface="Ebrima" pitchFamily="2" charset="0"/>
+                </a:rPr>
+                <a:t>Search TIUs and detectors via ID</a:t>
+              </a:r>
+            </a:p>
+            <a:p>
+              <a:pPr marL="225425" indent="-225425">
+                <a:buFont typeface="Arial" pitchFamily="34" charset="0"/>
+                <a:buChar char="•"/>
+              </a:pPr>
+              <a:r>
+                <a:rPr lang="en-US" sz="3600" dirty="0" smtClean="0">
+                  <a:ea typeface="Ebrima" pitchFamily="2" charset="0"/>
+                  <a:cs typeface="Ebrima" pitchFamily="2" charset="0"/>
+                </a:rPr>
+                <a:t>Display locations and battery levels of all tags and detectors</a:t>
+              </a:r>
+            </a:p>
+            <a:p>
+              <a:pPr marL="225425" indent="-225425">
+                <a:buFont typeface="Arial" pitchFamily="34" charset="0"/>
+                <a:buChar char="•"/>
+              </a:pPr>
+              <a:r>
+                <a:rPr lang="en-US" sz="3600" dirty="0" smtClean="0">
+                  <a:ea typeface="Ebrima" pitchFamily="2" charset="0"/>
+                  <a:cs typeface="Ebrima" pitchFamily="2" charset="0"/>
+                </a:rPr>
+                <a:t>Configure tags and detectors</a:t>
+              </a:r>
+            </a:p>
+            <a:p>
+              <a:pPr marL="225425" indent="-225425">
+                <a:buFont typeface="Arial" pitchFamily="34" charset="0"/>
+                <a:buChar char="•"/>
+              </a:pPr>
+              <a:r>
+                <a:rPr lang="en-US" sz="3600" dirty="0" smtClean="0">
+                  <a:ea typeface="Ebrima" pitchFamily="2" charset="0"/>
+                  <a:cs typeface="Ebrima" pitchFamily="2" charset="0"/>
+                </a:rPr>
+                <a:t>Configure the tracking area</a:t>
+              </a:r>
+            </a:p>
+          </p:txBody>
+        </p:sp>
+        <p:pic>
+          <p:nvPicPr>
+            <p:cNvPr id="7" name="Picture 8"/>
+            <p:cNvPicPr>
+              <a:picLocks noChangeAspect="1" noChangeArrowheads="1"/>
+            </p:cNvPicPr>
+            <p:nvPr/>
+          </p:nvPicPr>
+          <p:blipFill>
+            <a:blip r:embed="rId24" cstate="print">
+              <a:clrChange>
+                <a:clrFrom>
+                  <a:srgbClr val="FFFFFF"/>
+                </a:clrFrom>
+                <a:clrTo>
+                  <a:srgbClr val="FFFFFF">
+                    <a:alpha val="0"/>
+                  </a:srgbClr>
+                </a:clrTo>
+              </a:clrChange>
+            </a:blip>
+            <a:srcRect/>
+            <a:stretch>
+              <a:fillRect/>
+            </a:stretch>
+          </p:blipFill>
+          <p:spPr bwMode="auto">
+            <a:xfrm>
+              <a:off x="13563600" y="19362420"/>
+              <a:ext cx="7105650" cy="4610100"/>
+            </a:xfrm>
+            <a:prstGeom prst="rect">
+              <a:avLst/>
+            </a:prstGeom>
+            <a:noFill/>
+            <a:ln w="9525">
+              <a:noFill/>
+              <a:miter lim="800000"/>
+              <a:headEnd/>
+              <a:tailEnd/>
+            </a:ln>
+          </p:spPr>
+        </p:pic>
+      </p:grpSp>
     </p:spTree>
   </p:cSld>
   <p:clrMapOvr>

--- a/Docs/TIU_Tracking_Poster_v9.pptx
+++ b/Docs/TIU_Tracking_Poster_v9.pptx
@@ -325,11 +325,11 @@
           <c:smooth val="1"/>
         </c:ser>
         <c:marker val="1"/>
-        <c:axId val="58714752"/>
-        <c:axId val="60146816"/>
+        <c:axId val="54502144"/>
+        <c:axId val="54504448"/>
       </c:lineChart>
       <c:catAx>
-        <c:axId val="58714752"/>
+        <c:axId val="54502144"/>
         <c:scaling>
           <c:orientation val="minMax"/>
         </c:scaling>
@@ -364,14 +364,14 @@
             <a:endParaRPr lang="en-US"/>
           </a:p>
         </c:txPr>
-        <c:crossAx val="60146816"/>
+        <c:crossAx val="54504448"/>
         <c:crosses val="autoZero"/>
         <c:auto val="1"/>
         <c:lblAlgn val="ctr"/>
         <c:lblOffset val="100"/>
       </c:catAx>
       <c:valAx>
-        <c:axId val="60146816"/>
+        <c:axId val="54504448"/>
         <c:scaling>
           <c:orientation val="minMax"/>
           <c:max val="280"/>
@@ -419,7 +419,7 @@
             <a:endParaRPr lang="en-US"/>
           </a:p>
         </c:txPr>
-        <c:crossAx val="58714752"/>
+        <c:crossAx val="54502144"/>
         <c:crosses val="autoZero"/>
         <c:crossBetween val="between"/>
       </c:valAx>
@@ -3457,7 +3457,7 @@
         <p:spPr>
           <a:xfrm>
             <a:off x="0" y="0"/>
-            <a:ext cx="43891200" cy="4267200"/>
+            <a:ext cx="43891200" cy="4297680"/>
           </a:xfrm>
           <a:prstGeom prst="rect">
             <a:avLst/>
@@ -3491,7 +3491,7 @@
           </a:fontRef>
         </p:style>
         <p:txBody>
-          <a:bodyPr rtlCol="0" anchor="ctr"/>
+          <a:bodyPr tIns="731520" rtlCol="0" anchor="ctr"/>
           <a:lstStyle/>
           <a:p>
             <a:pPr algn="ctr"/>
@@ -3543,8 +3543,8 @@
         </p:blipFill>
         <p:spPr>
           <a:xfrm>
-            <a:off x="1143000" y="152400"/>
-            <a:ext cx="5103582" cy="3874625"/>
+            <a:off x="1549751" y="933982"/>
+            <a:ext cx="4290080" cy="3257018"/>
           </a:xfrm>
           <a:prstGeom prst="rect">
             <a:avLst/>
@@ -3579,8 +3579,8 @@
         </p:blipFill>
         <p:spPr bwMode="auto">
           <a:xfrm>
-            <a:off x="39867840" y="685800"/>
-            <a:ext cx="2662733" cy="2719790"/>
+            <a:off x="40080058" y="1375343"/>
+            <a:ext cx="2238298" cy="2286260"/>
           </a:xfrm>
           <a:prstGeom prst="rect">
             <a:avLst/>
@@ -3596,7 +3596,7 @@
         </p:nvGrpSpPr>
         <p:grpSpPr>
           <a:xfrm>
-            <a:off x="1280160" y="5029200"/>
+            <a:off x="1280160" y="4648201"/>
             <a:ext cx="10515600" cy="5683448"/>
             <a:chOff x="1280160" y="5257800"/>
             <a:chExt cx="10515600" cy="5683448"/>
@@ -3702,7 +3702,7 @@
         </p:nvSpPr>
         <p:spPr>
           <a:xfrm>
-            <a:off x="30175200" y="5029200"/>
+            <a:off x="30175200" y="4648201"/>
             <a:ext cx="9448800" cy="1005840"/>
           </a:xfrm>
           <a:prstGeom prst="rect">
@@ -3759,7 +3759,7 @@
         </p:nvSpPr>
         <p:spPr>
           <a:xfrm>
-            <a:off x="30175200" y="23580626"/>
+            <a:off x="30175200" y="22818625"/>
             <a:ext cx="9448800" cy="990600"/>
           </a:xfrm>
           <a:prstGeom prst="rect">
@@ -3816,7 +3816,7 @@
         </p:nvSpPr>
         <p:spPr>
           <a:xfrm>
-            <a:off x="30175200" y="24580870"/>
+            <a:off x="30175200" y="23926800"/>
             <a:ext cx="12344400" cy="6432530"/>
           </a:xfrm>
           <a:prstGeom prst="rect">
@@ -3832,31 +3832,7 @@
           <a:p>
             <a:r>
               <a:rPr lang="en-US" sz="3600" dirty="0" smtClean="0"/>
-              <a:t>We </a:t>
-            </a:r>
-            <a:r>
-              <a:rPr lang="en-US" sz="3600" dirty="0" smtClean="0"/>
-              <a:t>have a complete system that achieves small size,  low </a:t>
-            </a:r>
-            <a:r>
-              <a:rPr lang="en-US" sz="3600" dirty="0" smtClean="0"/>
-              <a:t>cost, and </a:t>
-            </a:r>
-            <a:r>
-              <a:rPr lang="en-US" sz="3600" dirty="0" smtClean="0"/>
-              <a:t>battery life that exceeds 1 </a:t>
-            </a:r>
-            <a:r>
-              <a:rPr lang="en-US" sz="3600" dirty="0" smtClean="0"/>
-              <a:t>month. As for accuracy, when </a:t>
-            </a:r>
-            <a:r>
-              <a:rPr lang="en-US" sz="3600" dirty="0" smtClean="0"/>
-              <a:t>a tag is placed on exactly a location that was calibrated, success rates are at least 90</a:t>
-            </a:r>
-            <a:r>
-              <a:rPr lang="en-US" sz="3600" dirty="0" smtClean="0"/>
-              <a:t>%.</a:t>
+              <a:t>We have a complete system that achieves small size,  low cost, and battery life that exceeds 1 month. As for accuracy, when a tag is placed on exactly a location that was calibrated, success rates are at least 90%.</a:t>
             </a:r>
           </a:p>
           <a:p>
@@ -3918,7 +3894,7 @@
         </p:nvSpPr>
         <p:spPr>
           <a:xfrm>
-            <a:off x="37017648" y="8595360"/>
+            <a:off x="37017648" y="8214361"/>
             <a:ext cx="6187752" cy="3477875"/>
           </a:xfrm>
           <a:prstGeom prst="rect">
@@ -4018,7 +3994,7 @@
         </p:nvSpPr>
         <p:spPr>
           <a:xfrm>
-            <a:off x="30845448" y="8595360"/>
+            <a:off x="30845448" y="8214361"/>
             <a:ext cx="6111552" cy="4093428"/>
           </a:xfrm>
           <a:prstGeom prst="rect">
@@ -4161,7 +4137,7 @@
         </p:blipFill>
         <p:spPr bwMode="auto">
           <a:xfrm rot="20948527">
-            <a:off x="31310172" y="6282793"/>
+            <a:off x="31310172" y="5901794"/>
             <a:ext cx="2980532" cy="1981200"/>
           </a:xfrm>
           <a:prstGeom prst="rect">
@@ -4187,7 +4163,7 @@
         </p:blipFill>
         <p:spPr bwMode="auto">
           <a:xfrm>
-            <a:off x="31150249" y="16306800"/>
+            <a:off x="31150249" y="15925801"/>
             <a:ext cx="6731280" cy="3621778"/>
           </a:xfrm>
           <a:prstGeom prst="rect">
@@ -4211,7 +4187,7 @@
         </p:nvSpPr>
         <p:spPr>
           <a:xfrm>
-            <a:off x="4191000" y="2103120"/>
+            <a:off x="4191000" y="2495695"/>
             <a:ext cx="5257800" cy="1200329"/>
           </a:xfrm>
           <a:prstGeom prst="rect">
@@ -4267,7 +4243,7 @@
         </p:nvSpPr>
         <p:spPr>
           <a:xfrm>
-            <a:off x="34290000" y="2103120"/>
+            <a:off x="34290000" y="2495695"/>
             <a:ext cx="5715000" cy="1200329"/>
           </a:xfrm>
           <a:prstGeom prst="rect">
@@ -4323,7 +4299,7 @@
         </p:nvSpPr>
         <p:spPr>
           <a:xfrm>
-            <a:off x="13563600" y="5029200"/>
+            <a:off x="13563600" y="4648201"/>
             <a:ext cx="9448800" cy="1005840"/>
           </a:xfrm>
           <a:prstGeom prst="rect">
@@ -4380,122 +4356,8 @@
         </p:nvCxnSpPr>
         <p:spPr>
           <a:xfrm rot="16200000" flipH="1">
-            <a:off x="9174481" y="13914120"/>
+            <a:off x="9174481" y="13533121"/>
             <a:ext cx="6949440" cy="1"/>
-          </a:xfrm>
-          <a:prstGeom prst="line">
-            <a:avLst/>
-          </a:prstGeom>
-          <a:ln w="76200">
-            <a:solidFill>
-              <a:schemeClr val="accent2">
-                <a:lumMod val="40000"/>
-                <a:lumOff val="60000"/>
-              </a:schemeClr>
-            </a:solidFill>
-          </a:ln>
-        </p:spPr>
-        <p:style>
-          <a:lnRef idx="1">
-            <a:schemeClr val="accent1"/>
-          </a:lnRef>
-          <a:fillRef idx="0">
-            <a:schemeClr val="accent1"/>
-          </a:fillRef>
-          <a:effectRef idx="0">
-            <a:schemeClr val="accent1"/>
-          </a:effectRef>
-          <a:fontRef idx="minor">
-            <a:schemeClr val="tx1"/>
-          </a:fontRef>
-        </p:style>
-      </p:cxnSp>
-      <p:cxnSp>
-        <p:nvCxnSpPr>
-          <p:cNvPr id="48" name="Straight Connector 47"/>
-          <p:cNvCxnSpPr/>
-          <p:nvPr/>
-        </p:nvCxnSpPr>
-        <p:spPr>
-          <a:xfrm rot="10800000">
-            <a:off x="609600" y="29718000"/>
-            <a:ext cx="5105400" cy="0"/>
-          </a:xfrm>
-          <a:prstGeom prst="line">
-            <a:avLst/>
-          </a:prstGeom>
-          <a:ln w="76200">
-            <a:solidFill>
-              <a:schemeClr val="accent2">
-                <a:lumMod val="40000"/>
-                <a:lumOff val="60000"/>
-              </a:schemeClr>
-            </a:solidFill>
-          </a:ln>
-        </p:spPr>
-        <p:style>
-          <a:lnRef idx="1">
-            <a:schemeClr val="accent1"/>
-          </a:lnRef>
-          <a:fillRef idx="0">
-            <a:schemeClr val="accent1"/>
-          </a:fillRef>
-          <a:effectRef idx="0">
-            <a:schemeClr val="accent1"/>
-          </a:effectRef>
-          <a:fontRef idx="minor">
-            <a:schemeClr val="tx1"/>
-          </a:fontRef>
-        </p:style>
-      </p:cxnSp>
-      <p:cxnSp>
-        <p:nvCxnSpPr>
-          <p:cNvPr id="50" name="Straight Connector 49"/>
-          <p:cNvCxnSpPr/>
-          <p:nvPr/>
-        </p:nvCxnSpPr>
-        <p:spPr>
-          <a:xfrm rot="5400000">
-            <a:off x="-1561305" y="27698700"/>
-            <a:ext cx="4648200" cy="1588"/>
-          </a:xfrm>
-          <a:prstGeom prst="line">
-            <a:avLst/>
-          </a:prstGeom>
-          <a:ln w="76200">
-            <a:solidFill>
-              <a:schemeClr val="accent2">
-                <a:lumMod val="40000"/>
-                <a:lumOff val="60000"/>
-              </a:schemeClr>
-            </a:solidFill>
-          </a:ln>
-        </p:spPr>
-        <p:style>
-          <a:lnRef idx="1">
-            <a:schemeClr val="accent1"/>
-          </a:lnRef>
-          <a:fillRef idx="0">
-            <a:schemeClr val="accent1"/>
-          </a:fillRef>
-          <a:effectRef idx="0">
-            <a:schemeClr val="accent1"/>
-          </a:effectRef>
-          <a:fontRef idx="minor">
-            <a:schemeClr val="tx1"/>
-          </a:fontRef>
-        </p:style>
-      </p:cxnSp>
-      <p:cxnSp>
-        <p:nvCxnSpPr>
-          <p:cNvPr id="52" name="Straight Connector 51"/>
-          <p:cNvCxnSpPr/>
-          <p:nvPr/>
-        </p:nvCxnSpPr>
-        <p:spPr>
-          <a:xfrm rot="10800000">
-            <a:off x="990600" y="29489400"/>
-            <a:ext cx="3962400" cy="0"/>
           </a:xfrm>
           <a:prstGeom prst="line">
             <a:avLst/>
@@ -4532,84 +4394,8 @@
         </p:nvCxnSpPr>
         <p:spPr>
           <a:xfrm rot="10800000">
-            <a:off x="8305800" y="10896600"/>
+            <a:off x="8305800" y="10515601"/>
             <a:ext cx="4816152" cy="0"/>
-          </a:xfrm>
-          <a:prstGeom prst="line">
-            <a:avLst/>
-          </a:prstGeom>
-          <a:ln w="76200">
-            <a:solidFill>
-              <a:schemeClr val="accent2">
-                <a:lumMod val="40000"/>
-                <a:lumOff val="60000"/>
-              </a:schemeClr>
-            </a:solidFill>
-          </a:ln>
-        </p:spPr>
-        <p:style>
-          <a:lnRef idx="1">
-            <a:schemeClr val="accent1"/>
-          </a:lnRef>
-          <a:fillRef idx="0">
-            <a:schemeClr val="accent1"/>
-          </a:fillRef>
-          <a:effectRef idx="0">
-            <a:schemeClr val="accent1"/>
-          </a:effectRef>
-          <a:fontRef idx="minor">
-            <a:schemeClr val="tx1"/>
-          </a:fontRef>
-        </p:style>
-      </p:cxnSp>
-      <p:cxnSp>
-        <p:nvCxnSpPr>
-          <p:cNvPr id="47" name="Straight Connector 46"/>
-          <p:cNvCxnSpPr/>
-          <p:nvPr/>
-        </p:nvCxnSpPr>
-        <p:spPr>
-          <a:xfrm rot="10800000">
-            <a:off x="14020800" y="29413200"/>
-            <a:ext cx="3657600" cy="0"/>
-          </a:xfrm>
-          <a:prstGeom prst="line">
-            <a:avLst/>
-          </a:prstGeom>
-          <a:ln w="76200">
-            <a:solidFill>
-              <a:schemeClr val="accent2">
-                <a:lumMod val="40000"/>
-                <a:lumOff val="60000"/>
-              </a:schemeClr>
-            </a:solidFill>
-          </a:ln>
-        </p:spPr>
-        <p:style>
-          <a:lnRef idx="1">
-            <a:schemeClr val="accent1"/>
-          </a:lnRef>
-          <a:fillRef idx="0">
-            <a:schemeClr val="accent1"/>
-          </a:fillRef>
-          <a:effectRef idx="0">
-            <a:schemeClr val="accent1"/>
-          </a:effectRef>
-          <a:fontRef idx="minor">
-            <a:schemeClr val="tx1"/>
-          </a:fontRef>
-        </p:style>
-      </p:cxnSp>
-      <p:cxnSp>
-        <p:nvCxnSpPr>
-          <p:cNvPr id="79" name="Straight Connector 78"/>
-          <p:cNvCxnSpPr/>
-          <p:nvPr/>
-        </p:nvCxnSpPr>
-        <p:spPr>
-          <a:xfrm rot="10800000">
-            <a:off x="13411200" y="29641800"/>
-            <a:ext cx="5105400" cy="0"/>
           </a:xfrm>
           <a:prstGeom prst="line">
             <a:avLst/>
@@ -4646,7 +4432,7 @@
         </p:nvCxnSpPr>
         <p:spPr>
           <a:xfrm rot="16200000" flipH="1">
-            <a:off x="40690801" y="6934199"/>
+            <a:off x="40690801" y="6553200"/>
             <a:ext cx="4114800" cy="1"/>
           </a:xfrm>
           <a:prstGeom prst="line">
@@ -4684,7 +4470,7 @@
         </p:nvCxnSpPr>
         <p:spPr>
           <a:xfrm rot="10800000">
-            <a:off x="23195280" y="4876801"/>
+            <a:off x="23195280" y="4800600"/>
             <a:ext cx="5105400" cy="0"/>
           </a:xfrm>
           <a:prstGeom prst="line">
@@ -4730,7 +4516,7 @@
         </p:blipFill>
         <p:spPr>
           <a:xfrm>
-            <a:off x="0" y="3962400"/>
+            <a:off x="0" y="4023360"/>
             <a:ext cx="43891200" cy="324795"/>
           </a:xfrm>
           <a:prstGeom prst="rect">
@@ -4746,8 +4532,8 @@
         </p:nvSpPr>
         <p:spPr>
           <a:xfrm>
-            <a:off x="0" y="30251400"/>
-            <a:ext cx="43891200" cy="2667000"/>
+            <a:off x="0" y="29443680"/>
+            <a:ext cx="43891200" cy="3474720"/>
           </a:xfrm>
           <a:prstGeom prst="rect">
             <a:avLst/>
@@ -4796,7 +4582,7 @@
         </p:nvSpPr>
         <p:spPr>
           <a:xfrm>
-            <a:off x="2068285" y="31013400"/>
+            <a:off x="2068285" y="30083760"/>
             <a:ext cx="25668515" cy="1182559"/>
           </a:xfrm>
           <a:prstGeom prst="rect">
@@ -4842,43 +4628,6 @@
           </a:p>
         </p:txBody>
       </p:sp>
-      <p:pic>
-        <p:nvPicPr>
-          <p:cNvPr id="1028" name="Picture 4" descr="E:\PSU\ECE 412\Winter 2011\Poster\Logo\psulogo_horiz_msword.tif"/>
-          <p:cNvPicPr>
-            <a:picLocks noChangeAspect="1" noChangeArrowheads="1"/>
-          </p:cNvPicPr>
-          <p:nvPr/>
-        </p:nvPicPr>
-        <p:blipFill>
-          <a:blip r:embed="rId7" cstate="print">
-            <a:clrChange>
-              <a:clrFrom>
-                <a:srgbClr val="FFFFFF"/>
-              </a:clrFrom>
-              <a:clrTo>
-                <a:srgbClr val="FFFFFF">
-                  <a:alpha val="0"/>
-                </a:srgbClr>
-              </a:clrTo>
-            </a:clrChange>
-          </a:blip>
-          <a:srcRect/>
-          <a:stretch>
-            <a:fillRect/>
-          </a:stretch>
-        </p:blipFill>
-        <p:spPr bwMode="auto">
-          <a:xfrm>
-            <a:off x="32842200" y="30480000"/>
-            <a:ext cx="9920396" cy="1981200"/>
-          </a:xfrm>
-          <a:prstGeom prst="rect">
-            <a:avLst/>
-          </a:prstGeom>
-          <a:noFill/>
-        </p:spPr>
-      </p:pic>
       <p:cxnSp>
         <p:nvCxnSpPr>
           <p:cNvPr id="99" name="Straight Connector 98"/>
@@ -4887,7 +4636,7 @@
         </p:nvCxnSpPr>
         <p:spPr>
           <a:xfrm rot="10800000">
-            <a:off x="25557480" y="5105400"/>
+            <a:off x="25557480" y="5029199"/>
             <a:ext cx="2286000" cy="0"/>
           </a:xfrm>
           <a:prstGeom prst="line">
@@ -4925,7 +4674,7 @@
         </p:nvCxnSpPr>
         <p:spPr>
           <a:xfrm rot="10800000">
-            <a:off x="38023800" y="5257799"/>
+            <a:off x="38023800" y="4876800"/>
             <a:ext cx="5105400" cy="0"/>
           </a:xfrm>
           <a:prstGeom prst="line">
@@ -4963,7 +4712,7 @@
         </p:nvCxnSpPr>
         <p:spPr>
           <a:xfrm rot="10800000">
-            <a:off x="20833080" y="5105401"/>
+            <a:off x="20833080" y="5029200"/>
             <a:ext cx="3657600" cy="0"/>
           </a:xfrm>
           <a:prstGeom prst="line">
@@ -5001,7 +4750,7 @@
         </p:nvCxnSpPr>
         <p:spPr>
           <a:xfrm rot="5400000">
-            <a:off x="26746201" y="21183600"/>
+            <a:off x="26746201" y="20421599"/>
             <a:ext cx="5486398" cy="1"/>
           </a:xfrm>
           <a:prstGeom prst="line">
@@ -5039,7 +4788,7 @@
         </p:nvCxnSpPr>
         <p:spPr>
           <a:xfrm rot="10800000">
-            <a:off x="29032200" y="22783799"/>
+            <a:off x="29032200" y="22021798"/>
             <a:ext cx="5105400" cy="0"/>
           </a:xfrm>
           <a:prstGeom prst="line">
@@ -5077,7 +4826,7 @@
         </p:nvCxnSpPr>
         <p:spPr>
           <a:xfrm rot="5400000">
-            <a:off x="28552452" y="21069299"/>
+            <a:off x="28552452" y="20307298"/>
             <a:ext cx="2362200" cy="0"/>
           </a:xfrm>
           <a:prstGeom prst="line">
@@ -5115,7 +4864,7 @@
         </p:nvCxnSpPr>
         <p:spPr>
           <a:xfrm rot="10800000">
-            <a:off x="30022800" y="22555199"/>
+            <a:off x="30022800" y="21793198"/>
             <a:ext cx="3673152" cy="0"/>
           </a:xfrm>
           <a:prstGeom prst="line">
@@ -5153,7 +4902,7 @@
         </p:nvCxnSpPr>
         <p:spPr>
           <a:xfrm rot="5400000">
-            <a:off x="41262300" y="7429499"/>
+            <a:off x="41262300" y="7048500"/>
             <a:ext cx="2362200" cy="0"/>
           </a:xfrm>
           <a:prstGeom prst="line">
@@ -5191,7 +4940,7 @@
         </p:nvCxnSpPr>
         <p:spPr>
           <a:xfrm rot="10800000">
-            <a:off x="38541648" y="5486398"/>
+            <a:off x="38541648" y="5105399"/>
             <a:ext cx="3673152" cy="0"/>
           </a:xfrm>
           <a:prstGeom prst="line">
@@ -5229,7 +4978,7 @@
         </p:nvSpPr>
         <p:spPr>
           <a:xfrm>
-            <a:off x="1280160" y="11887200"/>
+            <a:off x="1280160" y="11506201"/>
             <a:ext cx="10515600" cy="10064294"/>
           </a:xfrm>
           <a:prstGeom prst="rect">
@@ -5250,22 +4999,14 @@
             </a:pPr>
             <a:r>
               <a:rPr lang="en-US" sz="3600" dirty="0" smtClean="0"/>
-              <a:t>The system uses an RF transceiver mesh network to track mobile assets indoors. The system determines an asset’s current location by matching the RF signal strength pattern of an asset tag’s periodic broadcasts with pre-collected patterns stored in a database.</a:t>
+              <a:t>The system uses an RF transceiver mesh network to track mobile tags indoors. The system determines a tag’s current location by matching the RF signal strength pattern of a tag’s periodic broadcasts with pre-collected patterns stored in a database.</a:t>
             </a:r>
           </a:p>
           <a:p>
             <a:pPr algn="just"/>
             <a:r>
               <a:rPr lang="en-US" sz="3600" dirty="0" smtClean="0"/>
-              <a:t>Radio Received Signal Strength Indication (RSSI) is a measurement of the amount of power received by </a:t>
-            </a:r>
-            <a:r>
-              <a:rPr lang="en-US" sz="3600" dirty="0" smtClean="0"/>
-              <a:t>antenna. Signal </a:t>
-            </a:r>
-            <a:r>
-              <a:rPr lang="en-US" sz="3600" dirty="0" smtClean="0"/>
-              <a:t>strength based location method has several advantages over other methods such as GPS, IR, and Acoustics as it is easy to implement and does not require line of sight. Also, low cost RF transceivers are readily available.</a:t>
+              <a:t>Radio Received Signal Strength Indication (RSSI) is a measurement of the power received by an antenna. Signal strength based location method has several advantages over other methods such as GPS, IR, and Acoustics as it is easy to implement and does not require line of sight. Also, low cost RF transceivers are readily available.</a:t>
             </a:r>
           </a:p>
           <a:p>
@@ -5284,15 +5025,7 @@
             </a:r>
             <a:r>
               <a:rPr lang="en-US" sz="3600" dirty="0" smtClean="0"/>
-              <a:t>of detectors relay all data to a centralized controller where locations of the tags are calculated and saved in a database. An easy to use web application provides visualization of tag locations, as well as other </a:t>
-            </a:r>
-            <a:r>
-              <a:rPr lang="en-US" sz="3600" dirty="0" smtClean="0"/>
-              <a:t>configuration details</a:t>
-            </a:r>
-            <a:r>
-              <a:rPr lang="en-US" sz="3600" dirty="0" smtClean="0"/>
-              <a:t>.</a:t>
+              <a:t>of detectors relay all data to a centralized controller where locations of the tags are calculated and saved in a database. An easy to use web application provides visualization of tag locations, as well as other configuration details.</a:t>
             </a:r>
             <a:endParaRPr lang="en-US" sz="3600" dirty="0"/>
           </a:p>
@@ -5306,7 +5039,7 @@
         </p:nvSpPr>
         <p:spPr>
           <a:xfrm>
-            <a:off x="1280160" y="10820400"/>
+            <a:off x="1280160" y="10439401"/>
             <a:ext cx="9448800" cy="990600"/>
           </a:xfrm>
           <a:prstGeom prst="rect">
@@ -5365,8 +5098,8 @@
         </p:nvGrpSpPr>
         <p:grpSpPr>
           <a:xfrm>
-            <a:off x="13620636" y="6153560"/>
-            <a:ext cx="14832444" cy="5733640"/>
+            <a:off x="13620635" y="5638800"/>
+            <a:ext cx="15226687" cy="5886039"/>
             <a:chOff x="15212523" y="10241280"/>
             <a:chExt cx="11865954" cy="4586912"/>
           </a:xfrm>
@@ -5380,7 +5113,7 @@
             <p:nvPr/>
           </p:nvPicPr>
           <p:blipFill>
-            <a:blip r:embed="rId8" cstate="print"/>
+            <a:blip r:embed="rId7" cstate="print"/>
             <a:stretch>
               <a:fillRect/>
             </a:stretch>
@@ -5418,7 +5151,7 @@
               <p:nvPr/>
             </p:nvPicPr>
             <p:blipFill>
-              <a:blip r:embed="rId9" cstate="print"/>
+              <a:blip r:embed="rId8" cstate="print"/>
               <a:stretch>
                 <a:fillRect/>
               </a:stretch>
@@ -5505,7 +5238,7 @@
               <p:nvPr/>
             </p:nvPicPr>
             <p:blipFill>
-              <a:blip r:embed="rId8" cstate="print"/>
+              <a:blip r:embed="rId7" cstate="print"/>
               <a:stretch>
                 <a:fillRect/>
               </a:stretch>
@@ -5578,7 +5311,7 @@
             <p:nvPr/>
           </p:nvPicPr>
           <p:blipFill>
-            <a:blip r:embed="rId10" cstate="print"/>
+            <a:blip r:embed="rId9" cstate="print"/>
             <a:stretch>
               <a:fillRect/>
             </a:stretch>
@@ -5650,7 +5383,7 @@
             <p:nvPr/>
           </p:nvPicPr>
           <p:blipFill>
-            <a:blip r:embed="rId8" cstate="print"/>
+            <a:blip r:embed="rId7" cstate="print"/>
             <a:stretch>
               <a:fillRect/>
             </a:stretch>
@@ -5688,7 +5421,7 @@
               <p:nvPr/>
             </p:nvPicPr>
             <p:blipFill>
-              <a:blip r:embed="rId11" cstate="print"/>
+              <a:blip r:embed="rId10" cstate="print"/>
               <a:srcRect/>
               <a:stretch>
                 <a:fillRect/>
@@ -5714,7 +5447,7 @@
               <p:nvPr/>
             </p:nvPicPr>
             <p:blipFill>
-              <a:blip r:embed="rId12" cstate="print"/>
+              <a:blip r:embed="rId11" cstate="print"/>
               <a:srcRect/>
               <a:stretch>
                 <a:fillRect/>
@@ -5803,7 +5536,7 @@
               <p:nvPr/>
             </p:nvPicPr>
             <p:blipFill>
-              <a:blip r:embed="rId13" cstate="print"/>
+              <a:blip r:embed="rId12" cstate="print"/>
               <a:srcRect/>
               <a:stretch>
                 <a:fillRect/>
@@ -5829,7 +5562,7 @@
               <p:nvPr/>
             </p:nvPicPr>
             <p:blipFill>
-              <a:blip r:embed="rId14" cstate="print"/>
+              <a:blip r:embed="rId13" cstate="print"/>
               <a:srcRect/>
               <a:stretch>
                 <a:fillRect/>
@@ -5918,7 +5651,7 @@
               <p:nvPr/>
             </p:nvPicPr>
             <p:blipFill>
-              <a:blip r:embed="rId9" cstate="print"/>
+              <a:blip r:embed="rId8" cstate="print"/>
               <a:stretch>
                 <a:fillRect/>
               </a:stretch>
@@ -6297,7 +6030,7 @@
             <p:nvPr/>
           </p:nvPicPr>
           <p:blipFill>
-            <a:blip r:embed="rId8" cstate="print"/>
+            <a:blip r:embed="rId7" cstate="print"/>
             <a:stretch>
               <a:fillRect/>
             </a:stretch>
@@ -6321,7 +6054,7 @@
             <p:nvPr/>
           </p:nvPicPr>
           <p:blipFill>
-            <a:blip r:embed="rId15" cstate="print">
+            <a:blip r:embed="rId14" cstate="print">
               <a:clrChange>
                 <a:clrFrom>
                   <a:srgbClr val="FFFFFF"/>
@@ -6358,7 +6091,7 @@
             <p:nvPr/>
           </p:nvPicPr>
           <p:blipFill>
-            <a:blip r:embed="rId15" cstate="print">
+            <a:blip r:embed="rId14" cstate="print">
               <a:clrChange>
                 <a:clrFrom>
                   <a:srgbClr val="FFFFFF"/>
@@ -6395,7 +6128,7 @@
             <p:nvPr/>
           </p:nvPicPr>
           <p:blipFill>
-            <a:blip r:embed="rId15" cstate="print">
+            <a:blip r:embed="rId14" cstate="print">
               <a:clrChange>
                 <a:clrFrom>
                   <a:srgbClr val="FFFFFF"/>
@@ -6432,7 +6165,7 @@
             <p:nvPr/>
           </p:nvPicPr>
           <p:blipFill>
-            <a:blip r:embed="rId15" cstate="print">
+            <a:blip r:embed="rId14" cstate="print">
               <a:clrChange>
                 <a:clrFrom>
                   <a:srgbClr val="FFFFFF"/>
@@ -6825,7 +6558,7 @@
               <p:nvPr/>
             </p:nvPicPr>
             <p:blipFill>
-              <a:blip r:embed="rId16" cstate="print"/>
+              <a:blip r:embed="rId15" cstate="print"/>
               <a:stretch>
                 <a:fillRect/>
               </a:stretch>
@@ -6917,7 +6650,7 @@
                 <p:nvPr/>
               </p:nvPicPr>
               <p:blipFill>
-                <a:blip r:embed="rId17" cstate="print"/>
+                <a:blip r:embed="rId16" cstate="print"/>
                 <a:srcRect/>
                 <a:stretch>
                   <a:fillRect/>
@@ -6943,7 +6676,7 @@
                 <p:nvPr/>
               </p:nvPicPr>
               <p:blipFill>
-                <a:blip r:embed="rId18" cstate="print"/>
+                <a:blip r:embed="rId17" cstate="print"/>
                 <a:srcRect/>
                 <a:stretch>
                   <a:fillRect/>
@@ -7068,7 +6801,7 @@
         </p:nvSpPr>
         <p:spPr>
           <a:xfrm>
-            <a:off x="21290280" y="17129296"/>
+            <a:off x="21290280" y="16748297"/>
             <a:ext cx="7315200" cy="677108"/>
           </a:xfrm>
           <a:prstGeom prst="rect">
@@ -7083,257 +6816,6 @@
           <a:lstStyle/>
           <a:p>
             <a:endParaRPr lang="en-US" sz="3200" dirty="0" smtClean="0">
-              <a:ea typeface="Ebrima" pitchFamily="2" charset="0"/>
-              <a:cs typeface="Ebrima" pitchFamily="2" charset="0"/>
-            </a:endParaRPr>
-          </a:p>
-        </p:txBody>
-      </p:sp>
-      <p:sp>
-        <p:nvSpPr>
-          <p:cNvPr id="171" name="TextBox 170"/>
-          <p:cNvSpPr txBox="1"/>
-          <p:nvPr/>
-        </p:nvSpPr>
-        <p:spPr>
-          <a:xfrm>
-            <a:off x="21488400" y="11963400"/>
-            <a:ext cx="7315200" cy="11957119"/>
-          </a:xfrm>
-          <a:prstGeom prst="rect">
-            <a:avLst/>
-          </a:prstGeom>
-          <a:noFill/>
-        </p:spPr>
-        <p:txBody>
-          <a:bodyPr wrap="square" lIns="0" tIns="91440" bIns="91440" rtlCol="0">
-            <a:spAutoFit/>
-          </a:bodyPr>
-          <a:lstStyle/>
-          <a:p>
-            <a:pPr>
-              <a:spcBef>
-                <a:spcPts val="1800"/>
-              </a:spcBef>
-            </a:pPr>
-            <a:r>
-              <a:rPr lang="en-US" sz="3600" b="1" dirty="0" smtClean="0">
-                <a:solidFill>
-                  <a:schemeClr val="accent1">
-                    <a:lumMod val="60000"/>
-                    <a:lumOff val="40000"/>
-                  </a:schemeClr>
-                </a:solidFill>
-                <a:ea typeface="Ebrima" pitchFamily="2" charset="0"/>
-                <a:cs typeface="Ebrima" pitchFamily="2" charset="0"/>
-              </a:rPr>
-              <a:t>Tags</a:t>
-            </a:r>
-          </a:p>
-          <a:p>
-            <a:pPr marL="228600" indent="-228600">
-              <a:buFont typeface="Arial" pitchFamily="34" charset="0"/>
-              <a:buChar char="•"/>
-            </a:pPr>
-            <a:r>
-              <a:rPr lang="en-US" sz="3600" dirty="0" smtClean="0">
-                <a:ea typeface="Ebrima" pitchFamily="2" charset="0"/>
-                <a:cs typeface="Ebrima" pitchFamily="2" charset="0"/>
-              </a:rPr>
-              <a:t>Attached to TIUs</a:t>
-            </a:r>
-          </a:p>
-          <a:p>
-            <a:pPr marL="228600" indent="-228600">
-              <a:buFont typeface="Arial" pitchFamily="34" charset="0"/>
-              <a:buChar char="•"/>
-            </a:pPr>
-            <a:r>
-              <a:rPr lang="en-US" sz="3600" dirty="0" smtClean="0">
-                <a:ea typeface="Ebrima" pitchFamily="2" charset="0"/>
-                <a:cs typeface="Ebrima" pitchFamily="2" charset="0"/>
-              </a:rPr>
-              <a:t>Periodically broadcast</a:t>
-            </a:r>
-          </a:p>
-          <a:p>
-            <a:pPr marL="228600" indent="-228600">
-              <a:buFont typeface="Arial" pitchFamily="34" charset="0"/>
-              <a:buChar char="•"/>
-            </a:pPr>
-            <a:r>
-              <a:rPr lang="en-US" sz="3600" dirty="0" smtClean="0">
-                <a:ea typeface="Ebrima" pitchFamily="2" charset="0"/>
-                <a:cs typeface="Ebrima" pitchFamily="2" charset="0"/>
-              </a:rPr>
-              <a:t>When not broadcasting, in a low power state</a:t>
-            </a:r>
-          </a:p>
-          <a:p>
-            <a:pPr>
-              <a:spcBef>
-                <a:spcPts val="1800"/>
-              </a:spcBef>
-            </a:pPr>
-            <a:r>
-              <a:rPr lang="en-US" sz="3600" b="1" dirty="0" smtClean="0">
-                <a:solidFill>
-                  <a:schemeClr val="accent1">
-                    <a:lumMod val="60000"/>
-                    <a:lumOff val="40000"/>
-                  </a:schemeClr>
-                </a:solidFill>
-                <a:ea typeface="Ebrima" pitchFamily="2" charset="0"/>
-                <a:cs typeface="Ebrima" pitchFamily="2" charset="0"/>
-              </a:rPr>
-              <a:t>Detectors </a:t>
-            </a:r>
-          </a:p>
-          <a:p>
-            <a:pPr marL="228600" indent="-228600">
-              <a:buFont typeface="Arial" pitchFamily="34" charset="0"/>
-              <a:buChar char="•"/>
-            </a:pPr>
-            <a:r>
-              <a:rPr lang="en-US" sz="3600" dirty="0" smtClean="0">
-                <a:ea typeface="Ebrima" pitchFamily="2" charset="0"/>
-                <a:cs typeface="Ebrima" pitchFamily="2" charset="0"/>
-              </a:rPr>
-              <a:t>Listen to messages from tags and determine the RSSI values</a:t>
-            </a:r>
-          </a:p>
-          <a:p>
-            <a:pPr marL="228600" indent="-228600">
-              <a:buFont typeface="Arial" pitchFamily="34" charset="0"/>
-              <a:buChar char="•"/>
-            </a:pPr>
-            <a:r>
-              <a:rPr lang="en-US" sz="3600" dirty="0" smtClean="0">
-                <a:ea typeface="Ebrima" pitchFamily="2" charset="0"/>
-                <a:cs typeface="Ebrima" pitchFamily="2" charset="0"/>
-              </a:rPr>
-              <a:t>Forward the messages to the proxy via a controlled flooding mechanism</a:t>
-            </a:r>
-          </a:p>
-          <a:p>
-            <a:pPr marL="228600" indent="-228600">
-              <a:buFont typeface="Arial" pitchFamily="34" charset="0"/>
-              <a:buChar char="•"/>
-            </a:pPr>
-            <a:r>
-              <a:rPr lang="en-US" sz="3600" dirty="0" smtClean="0">
-                <a:ea typeface="Ebrima" pitchFamily="2" charset="0"/>
-                <a:cs typeface="Ebrima" pitchFamily="2" charset="0"/>
-              </a:rPr>
-              <a:t>Implements collision avoidance using time division</a:t>
-            </a:r>
-          </a:p>
-          <a:p>
-            <a:pPr>
-              <a:spcBef>
-                <a:spcPts val="1800"/>
-              </a:spcBef>
-            </a:pPr>
-            <a:r>
-              <a:rPr lang="en-US" sz="3600" b="1" dirty="0" smtClean="0">
-                <a:solidFill>
-                  <a:schemeClr val="accent1">
-                    <a:lumMod val="60000"/>
-                    <a:lumOff val="40000"/>
-                  </a:schemeClr>
-                </a:solidFill>
-                <a:ea typeface="Ebrima" pitchFamily="2" charset="0"/>
-                <a:cs typeface="Ebrima" pitchFamily="2" charset="0"/>
-              </a:rPr>
-              <a:t>Wi-Fi Proxy</a:t>
-            </a:r>
-          </a:p>
-          <a:p>
-            <a:pPr marL="233363" indent="-233363">
-              <a:buFont typeface="Arial" pitchFamily="34" charset="0"/>
-              <a:buChar char="•"/>
-            </a:pPr>
-            <a:r>
-              <a:rPr lang="en-US" sz="3600" dirty="0" smtClean="0">
-                <a:ea typeface="Ebrima" pitchFamily="2" charset="0"/>
-                <a:cs typeface="Ebrima" pitchFamily="2" charset="0"/>
-              </a:rPr>
-              <a:t>Relays data </a:t>
-            </a:r>
-            <a:r>
-              <a:rPr lang="en-US" sz="3600" dirty="0" smtClean="0">
-                <a:ea typeface="Ebrima" pitchFamily="2" charset="0"/>
-                <a:cs typeface="Ebrima" pitchFamily="2" charset="0"/>
-              </a:rPr>
-              <a:t>from the mesh network </a:t>
-            </a:r>
-            <a:r>
-              <a:rPr lang="en-US" sz="3600" dirty="0" smtClean="0">
-                <a:ea typeface="Ebrima" pitchFamily="2" charset="0"/>
-                <a:cs typeface="Ebrima" pitchFamily="2" charset="0"/>
-              </a:rPr>
-              <a:t>to </a:t>
-            </a:r>
-            <a:r>
-              <a:rPr lang="en-US" sz="3600" dirty="0" smtClean="0">
-                <a:ea typeface="Ebrima" pitchFamily="2" charset="0"/>
-                <a:cs typeface="Ebrima" pitchFamily="2" charset="0"/>
-              </a:rPr>
-              <a:t>the controller</a:t>
-            </a:r>
-          </a:p>
-          <a:p>
-            <a:pPr>
-              <a:spcBef>
-                <a:spcPts val="1800"/>
-              </a:spcBef>
-            </a:pPr>
-            <a:r>
-              <a:rPr lang="en-US" sz="3600" b="1" dirty="0" smtClean="0">
-                <a:solidFill>
-                  <a:schemeClr val="accent1">
-                    <a:lumMod val="60000"/>
-                    <a:lumOff val="40000"/>
-                  </a:schemeClr>
-                </a:solidFill>
-                <a:ea typeface="Ebrima" pitchFamily="2" charset="0"/>
-                <a:cs typeface="Ebrima" pitchFamily="2" charset="0"/>
-              </a:rPr>
-              <a:t>SQL Database</a:t>
-            </a:r>
-          </a:p>
-          <a:p>
-            <a:pPr marL="225425" indent="-225425">
-              <a:buFont typeface="Arial" pitchFamily="34" charset="0"/>
-              <a:buChar char="•"/>
-            </a:pPr>
-            <a:r>
-              <a:rPr lang="en-US" sz="3600" dirty="0" smtClean="0">
-                <a:ea typeface="Ebrima" pitchFamily="2" charset="0"/>
-                <a:cs typeface="Ebrima" pitchFamily="2" charset="0"/>
-              </a:rPr>
-              <a:t>Stores locations and battery levels of all tags and detectors</a:t>
-            </a:r>
-          </a:p>
-          <a:p>
-            <a:pPr marL="225425" indent="-225425">
-              <a:buFont typeface="Arial" pitchFamily="34" charset="0"/>
-              <a:buChar char="•"/>
-            </a:pPr>
-            <a:r>
-              <a:rPr lang="en-US" sz="3600" dirty="0" smtClean="0">
-                <a:ea typeface="Ebrima" pitchFamily="2" charset="0"/>
-                <a:cs typeface="Ebrima" pitchFamily="2" charset="0"/>
-              </a:rPr>
-              <a:t>Stores user accounts</a:t>
-            </a:r>
-          </a:p>
-          <a:p>
-            <a:pPr marL="236538" indent="-236538">
-              <a:buFont typeface="Arial" pitchFamily="34" charset="0"/>
-              <a:buChar char="•"/>
-            </a:pPr>
-            <a:endParaRPr lang="en-US" sz="3600" dirty="0" smtClean="0">
               <a:ea typeface="Ebrima" pitchFamily="2" charset="0"/>
               <a:cs typeface="Ebrima" pitchFamily="2" charset="0"/>
             </a:endParaRPr>
@@ -7387,14 +6869,14 @@
           <p:nvPr/>
         </p:nvPicPr>
         <p:blipFill>
-          <a:blip r:embed="rId19" cstate="print"/>
+          <a:blip r:embed="rId18" cstate="print"/>
           <a:stretch>
             <a:fillRect/>
           </a:stretch>
         </p:blipFill>
         <p:spPr bwMode="auto">
           <a:xfrm>
-            <a:off x="35267091" y="18135599"/>
+            <a:off x="35267091" y="17754600"/>
             <a:ext cx="6719109" cy="3777654"/>
           </a:xfrm>
           <a:prstGeom prst="rect">
@@ -7581,7 +7063,7 @@
           <p:nvPr/>
         </p:nvPicPr>
         <p:blipFill>
-          <a:blip r:embed="rId20" cstate="print">
+          <a:blip r:embed="rId19" cstate="print">
             <a:clrChange>
               <a:clrFrom>
                 <a:srgbClr val="FFFFFF"/>
@@ -7599,7 +7081,7 @@
         </p:blipFill>
         <p:spPr bwMode="auto">
           <a:xfrm>
-            <a:off x="36880800" y="5562600"/>
+            <a:off x="36880800" y="5181601"/>
             <a:ext cx="5006848" cy="3750447"/>
           </a:xfrm>
           <a:prstGeom prst="rect">
@@ -7615,12 +7097,12 @@
           <p:nvPr/>
         </p:nvGraphicFramePr>
         <p:xfrm>
-          <a:off x="1295400" y="21869400"/>
-          <a:ext cx="10058400" cy="7164887"/>
+          <a:off x="1295400" y="21488402"/>
+          <a:ext cx="9982200" cy="7110608"/>
         </p:xfrm>
         <a:graphic>
           <a:graphicData uri="http://schemas.openxmlformats.org/drawingml/2006/chart">
-            <c:chart xmlns:c="http://schemas.openxmlformats.org/drawingml/2006/chart" xmlns:r="http://schemas.openxmlformats.org/officeDocument/2006/relationships" r:id="rId21"/>
+            <c:chart xmlns:c="http://schemas.openxmlformats.org/drawingml/2006/chart" xmlns:r="http://schemas.openxmlformats.org/officeDocument/2006/relationships" r:id="rId20"/>
           </a:graphicData>
         </a:graphic>
       </p:graphicFrame>
@@ -7632,7 +7114,7 @@
         </p:nvCxnSpPr>
         <p:spPr>
           <a:xfrm rot="5400000">
-            <a:off x="11201400" y="21640800"/>
+            <a:off x="11201400" y="21259801"/>
             <a:ext cx="2895600" cy="0"/>
           </a:xfrm>
           <a:prstGeom prst="line">
@@ -7670,7 +7152,7 @@
         </p:nvCxnSpPr>
         <p:spPr>
           <a:xfrm rot="5400000">
-            <a:off x="10401300" y="21678900"/>
+            <a:off x="10401300" y="21297901"/>
             <a:ext cx="4038600" cy="0"/>
           </a:xfrm>
           <a:prstGeom prst="line">
@@ -7708,7 +7190,7 @@
         </p:nvCxnSpPr>
         <p:spPr>
           <a:xfrm rot="5400000">
-            <a:off x="10668000" y="13716000"/>
+            <a:off x="10668000" y="13335001"/>
             <a:ext cx="3505200" cy="0"/>
           </a:xfrm>
           <a:prstGeom prst="line">
@@ -7746,7 +7228,7 @@
         </p:nvCxnSpPr>
         <p:spPr>
           <a:xfrm rot="16200000" flipH="1">
-            <a:off x="27089098" y="12001500"/>
+            <a:off x="27089098" y="11620501"/>
             <a:ext cx="5257801" cy="1"/>
           </a:xfrm>
           <a:prstGeom prst="line">
@@ -7784,7 +7266,7 @@
         </p:nvCxnSpPr>
         <p:spPr>
           <a:xfrm rot="5400000">
-            <a:off x="28171140" y="11605260"/>
+            <a:off x="28171140" y="11224261"/>
             <a:ext cx="2484120" cy="0"/>
           </a:xfrm>
           <a:prstGeom prst="line">
@@ -7822,7 +7304,7 @@
         </p:nvSpPr>
         <p:spPr>
           <a:xfrm>
-            <a:off x="21183600" y="23469600"/>
+            <a:off x="21183600" y="23088601"/>
             <a:ext cx="9448800" cy="990600"/>
           </a:xfrm>
           <a:prstGeom prst="rect">
@@ -7880,7 +7362,7 @@
           <p:nvPr/>
         </p:nvPicPr>
         <p:blipFill>
-          <a:blip r:embed="rId22" cstate="print"/>
+          <a:blip r:embed="rId21" cstate="print"/>
           <a:srcRect/>
           <a:stretch>
             <a:fillRect/>
@@ -7888,7 +7370,7 @@
         </p:blipFill>
         <p:spPr bwMode="auto">
           <a:xfrm>
-            <a:off x="20802600" y="24547514"/>
+            <a:off x="20802600" y="24166515"/>
             <a:ext cx="7835776" cy="4941886"/>
           </a:xfrm>
           <a:prstGeom prst="rect">
@@ -7906,7 +7388,7 @@
           <p:nvPr/>
         </p:nvPicPr>
         <p:blipFill>
-          <a:blip r:embed="rId23" cstate="print"/>
+          <a:blip r:embed="rId22" cstate="print"/>
           <a:srcRect/>
           <a:stretch>
             <a:fillRect/>
@@ -7914,7 +7396,7 @@
         </p:blipFill>
         <p:spPr bwMode="auto">
           <a:xfrm>
-            <a:off x="31699201" y="13182600"/>
+            <a:off x="31699201" y="12801601"/>
             <a:ext cx="3047999" cy="2385154"/>
           </a:xfrm>
           <a:prstGeom prst="rect">
@@ -7931,7 +7413,7 @@
         </p:nvSpPr>
         <p:spPr>
           <a:xfrm>
-            <a:off x="35356800" y="12447925"/>
+            <a:off x="35356800" y="12066926"/>
             <a:ext cx="6187752" cy="3477875"/>
           </a:xfrm>
           <a:prstGeom prst="rect">
@@ -7955,13 +7437,6 @@
               </a:rPr>
               <a:t>Proxy</a:t>
             </a:r>
-            <a:endParaRPr lang="en-US" sz="4000" b="1" dirty="0" smtClean="0">
-              <a:solidFill>
-                <a:schemeClr val="accent1"/>
-              </a:solidFill>
-              <a:ea typeface="Ebrima" pitchFamily="2" charset="0"/>
-              <a:cs typeface="Ebrima" pitchFamily="2" charset="0"/>
-            </a:endParaRPr>
           </a:p>
           <a:p>
             <a:pPr marL="231775" indent="-231775">
@@ -7973,34 +7448,20 @@
                 <a:ea typeface="Ebrima" pitchFamily="2" charset="0"/>
                 <a:cs typeface="Ebrima" pitchFamily="2" charset="0"/>
               </a:rPr>
-              <a:t>ATMega328p </a:t>
-            </a:r>
+              <a:t>ATMega328p MCU</a:t>
+            </a:r>
+          </a:p>
+          <a:p>
+            <a:pPr marL="231775" indent="-231775">
+              <a:buFont typeface="Arial" pitchFamily="34" charset="0"/>
+              <a:buChar char="•"/>
+            </a:pPr>
             <a:r>
               <a:rPr lang="en-US" sz="3600" dirty="0" smtClean="0">
                 <a:ea typeface="Ebrima" pitchFamily="2" charset="0"/>
                 <a:cs typeface="Ebrima" pitchFamily="2" charset="0"/>
               </a:rPr>
-              <a:t>MCU</a:t>
-            </a:r>
-          </a:p>
-          <a:p>
-            <a:pPr marL="231775" indent="-231775">
-              <a:buFont typeface="Arial" pitchFamily="34" charset="0"/>
-              <a:buChar char="•"/>
-            </a:pPr>
-            <a:r>
-              <a:rPr lang="en-US" sz="3600" dirty="0" smtClean="0">
-                <a:ea typeface="Ebrima" pitchFamily="2" charset="0"/>
-                <a:cs typeface="Ebrima" pitchFamily="2" charset="0"/>
-              </a:rPr>
-              <a:t>RF12B transceiver at </a:t>
-            </a:r>
-            <a:r>
-              <a:rPr lang="en-US" sz="3600" dirty="0" smtClean="0">
-                <a:ea typeface="Ebrima" pitchFamily="2" charset="0"/>
-                <a:cs typeface="Ebrima" pitchFamily="2" charset="0"/>
-              </a:rPr>
-              <a:t>434MHz</a:t>
+              <a:t>RF12B transceiver at 434MHz</a:t>
             </a:r>
           </a:p>
           <a:p>
@@ -8047,19 +7508,8 @@
                 <a:ea typeface="Ebrima" pitchFamily="2" charset="0"/>
                 <a:cs typeface="Ebrima" pitchFamily="2" charset="0"/>
               </a:rPr>
-              <a:t>Cost: </a:t>
-            </a:r>
-            <a:r>
-              <a:rPr lang="en-US" sz="3600" dirty="0" smtClean="0">
-                <a:ea typeface="Ebrima" pitchFamily="2" charset="0"/>
-                <a:cs typeface="Ebrima" pitchFamily="2" charset="0"/>
-              </a:rPr>
-              <a:t>$80</a:t>
-            </a:r>
-            <a:endParaRPr lang="en-US" sz="3600" dirty="0" smtClean="0">
-              <a:ea typeface="Ebrima" pitchFamily="2" charset="0"/>
-              <a:cs typeface="Ebrima" pitchFamily="2" charset="0"/>
-            </a:endParaRPr>
+              <a:t>Cost: $80</a:t>
+            </a:r>
           </a:p>
         </p:txBody>
       </p:sp>
@@ -8097,34 +7547,34 @@
           </a:bodyPr>
           <a:lstStyle/>
           <a:p>
-            <a:endParaRPr lang="en-US"/>
+            <a:endParaRPr lang="en-US" dirty="0"/>
           </a:p>
         </p:txBody>
       </p:sp>
       <p:grpSp>
         <p:nvGrpSpPr>
-          <p:cNvPr id="181" name="Group 180"/>
+          <p:cNvPr id="156" name="Group 155"/>
           <p:cNvGrpSpPr/>
           <p:nvPr/>
         </p:nvGrpSpPr>
         <p:grpSpPr>
           <a:xfrm>
-            <a:off x="13563600" y="11963400"/>
-            <a:ext cx="7239000" cy="16635323"/>
-            <a:chOff x="13563600" y="12161520"/>
-            <a:chExt cx="7239000" cy="16635323"/>
+            <a:off x="13594080" y="11277600"/>
+            <a:ext cx="15209520" cy="16819989"/>
+            <a:chOff x="13594080" y="11506200"/>
+            <a:chExt cx="15209520" cy="16819989"/>
           </a:xfrm>
         </p:grpSpPr>
         <p:sp>
           <p:nvSpPr>
-            <p:cNvPr id="166" name="TextBox 165"/>
+            <p:cNvPr id="171" name="TextBox 170"/>
             <p:cNvSpPr txBox="1"/>
             <p:nvPr/>
           </p:nvSpPr>
           <p:spPr>
             <a:xfrm>
-              <a:off x="13594080" y="12161520"/>
-              <a:ext cx="7208520" cy="16635323"/>
+              <a:off x="21488400" y="11506200"/>
+              <a:ext cx="7315200" cy="11649343"/>
             </a:xfrm>
             <a:prstGeom prst="rect">
               <a:avLst/>
@@ -8143,17 +7593,163 @@
                 </a:spcBef>
               </a:pPr>
               <a:r>
-                <a:rPr lang="en-US" sz="3600" b="1" dirty="0" smtClean="0">
+                <a:rPr lang="en-US" sz="4000" b="1" dirty="0" smtClean="0">
                   <a:solidFill>
-                    <a:schemeClr val="accent1">
-                      <a:lumMod val="60000"/>
-                      <a:lumOff val="40000"/>
-                    </a:schemeClr>
+                    <a:schemeClr val="accent1"/>
                   </a:solidFill>
                   <a:ea typeface="Ebrima" pitchFamily="2" charset="0"/>
                   <a:cs typeface="Ebrima" pitchFamily="2" charset="0"/>
                 </a:rPr>
-                <a:t>Controller</a:t>
+                <a:t>Tags</a:t>
+              </a:r>
+              <a:endParaRPr lang="en-US" sz="3600" b="1" dirty="0" smtClean="0">
+                <a:solidFill>
+                  <a:schemeClr val="accent1"/>
+                </a:solidFill>
+                <a:ea typeface="Ebrima" pitchFamily="2" charset="0"/>
+                <a:cs typeface="Ebrima" pitchFamily="2" charset="0"/>
+              </a:endParaRPr>
+            </a:p>
+            <a:p>
+              <a:pPr marL="228600" indent="-228600">
+                <a:buFont typeface="Arial" pitchFamily="34" charset="0"/>
+                <a:buChar char="•"/>
+              </a:pPr>
+              <a:r>
+                <a:rPr lang="en-US" sz="3600" dirty="0" smtClean="0">
+                  <a:ea typeface="Ebrima" pitchFamily="2" charset="0"/>
+                  <a:cs typeface="Ebrima" pitchFamily="2" charset="0"/>
+                </a:rPr>
+                <a:t>Attached to TIUs</a:t>
+              </a:r>
+            </a:p>
+            <a:p>
+              <a:pPr marL="228600" indent="-228600">
+                <a:buFont typeface="Arial" pitchFamily="34" charset="0"/>
+                <a:buChar char="•"/>
+              </a:pPr>
+              <a:r>
+                <a:rPr lang="en-US" sz="3600" dirty="0" smtClean="0">
+                  <a:ea typeface="Ebrima" pitchFamily="2" charset="0"/>
+                  <a:cs typeface="Ebrima" pitchFamily="2" charset="0"/>
+                </a:rPr>
+                <a:t>Periodically broadcast</a:t>
+              </a:r>
+            </a:p>
+            <a:p>
+              <a:pPr marL="228600" indent="-228600">
+                <a:buFont typeface="Arial" pitchFamily="34" charset="0"/>
+                <a:buChar char="•"/>
+              </a:pPr>
+              <a:r>
+                <a:rPr lang="en-US" sz="3600" dirty="0" smtClean="0">
+                  <a:ea typeface="Ebrima" pitchFamily="2" charset="0"/>
+                  <a:cs typeface="Ebrima" pitchFamily="2" charset="0"/>
+                </a:rPr>
+                <a:t>When not broadcasting, in a low power state</a:t>
+              </a:r>
+            </a:p>
+            <a:p>
+              <a:pPr>
+                <a:spcBef>
+                  <a:spcPts val="1800"/>
+                </a:spcBef>
+              </a:pPr>
+              <a:r>
+                <a:rPr lang="en-US" sz="4000" b="1" dirty="0" smtClean="0">
+                  <a:solidFill>
+                    <a:schemeClr val="accent1"/>
+                  </a:solidFill>
+                  <a:ea typeface="Ebrima" pitchFamily="2" charset="0"/>
+                  <a:cs typeface="Ebrima" pitchFamily="2" charset="0"/>
+                </a:rPr>
+                <a:t>Detectors </a:t>
+              </a:r>
+            </a:p>
+            <a:p>
+              <a:pPr marL="228600" indent="-228600">
+                <a:buFont typeface="Arial" pitchFamily="34" charset="0"/>
+                <a:buChar char="•"/>
+              </a:pPr>
+              <a:r>
+                <a:rPr lang="en-US" sz="3600" dirty="0" smtClean="0">
+                  <a:ea typeface="Ebrima" pitchFamily="2" charset="0"/>
+                  <a:cs typeface="Ebrima" pitchFamily="2" charset="0"/>
+                </a:rPr>
+                <a:t>Listen to messages from tags and determine the RSSI values</a:t>
+              </a:r>
+            </a:p>
+            <a:p>
+              <a:pPr marL="228600" indent="-228600">
+                <a:buFont typeface="Arial" pitchFamily="34" charset="0"/>
+                <a:buChar char="•"/>
+              </a:pPr>
+              <a:r>
+                <a:rPr lang="en-US" sz="3600" dirty="0" smtClean="0">
+                  <a:ea typeface="Ebrima" pitchFamily="2" charset="0"/>
+                  <a:cs typeface="Ebrima" pitchFamily="2" charset="0"/>
+                </a:rPr>
+                <a:t>Forward the messages to the proxy via a controlled flooding mechanism</a:t>
+              </a:r>
+            </a:p>
+            <a:p>
+              <a:pPr marL="228600" indent="-228600">
+                <a:buFont typeface="Arial" pitchFamily="34" charset="0"/>
+                <a:buChar char="•"/>
+              </a:pPr>
+              <a:r>
+                <a:rPr lang="en-US" sz="3600" dirty="0" smtClean="0">
+                  <a:ea typeface="Ebrima" pitchFamily="2" charset="0"/>
+                  <a:cs typeface="Ebrima" pitchFamily="2" charset="0"/>
+                </a:rPr>
+                <a:t>Implements collision avoidance using time division</a:t>
+              </a:r>
+            </a:p>
+            <a:p>
+              <a:pPr>
+                <a:spcBef>
+                  <a:spcPts val="1800"/>
+                </a:spcBef>
+              </a:pPr>
+              <a:r>
+                <a:rPr lang="en-US" sz="4000" b="1" dirty="0" smtClean="0">
+                  <a:solidFill>
+                    <a:schemeClr val="accent1"/>
+                  </a:solidFill>
+                  <a:ea typeface="Ebrima" pitchFamily="2" charset="0"/>
+                  <a:cs typeface="Ebrima" pitchFamily="2" charset="0"/>
+                </a:rPr>
+                <a:t>Wi-Fi Proxy</a:t>
+              </a:r>
+            </a:p>
+            <a:p>
+              <a:pPr marL="233363" indent="-233363">
+                <a:buFont typeface="Arial" pitchFamily="34" charset="0"/>
+                <a:buChar char="•"/>
+              </a:pPr>
+              <a:r>
+                <a:rPr lang="en-US" sz="3600" dirty="0" smtClean="0">
+                  <a:ea typeface="Ebrima" pitchFamily="2" charset="0"/>
+                  <a:cs typeface="Ebrima" pitchFamily="2" charset="0"/>
+                </a:rPr>
+                <a:t>Relays data from the mesh network to the controller</a:t>
+              </a:r>
+            </a:p>
+            <a:p>
+              <a:pPr>
+                <a:spcBef>
+                  <a:spcPts val="1800"/>
+                </a:spcBef>
+              </a:pPr>
+              <a:r>
+                <a:rPr lang="en-US" sz="4000" b="1" dirty="0" smtClean="0">
+                  <a:solidFill>
+                    <a:schemeClr val="accent1"/>
+                  </a:solidFill>
+                  <a:ea typeface="Ebrima" pitchFamily="2" charset="0"/>
+                  <a:cs typeface="Ebrima" pitchFamily="2" charset="0"/>
+                </a:rPr>
+                <a:t>SQL Database</a:t>
               </a:r>
             </a:p>
             <a:p>
@@ -8166,7 +7762,7 @@
                   <a:ea typeface="Ebrima" pitchFamily="2" charset="0"/>
                   <a:cs typeface="Ebrima" pitchFamily="2" charset="0"/>
                 </a:rPr>
-                <a:t>Receives RSSI and battery data from the mesh network</a:t>
+                <a:t>Stores locations and battery levels of all tags and detectors</a:t>
               </a:r>
             </a:p>
             <a:p>
@@ -8179,296 +7775,687 @@
                   <a:ea typeface="Ebrima" pitchFamily="2" charset="0"/>
                   <a:cs typeface="Ebrima" pitchFamily="2" charset="0"/>
                 </a:rPr>
-                <a:t>Executes the locating algorithm</a:t>
-              </a:r>
-            </a:p>
-            <a:p>
-              <a:pPr marL="225425" indent="-225425">
-                <a:buFont typeface="Arial" pitchFamily="34" charset="0"/>
-                <a:buChar char="•"/>
-              </a:pPr>
-              <a:r>
-                <a:rPr lang="en-US" sz="3600" dirty="0" smtClean="0">
-                  <a:ea typeface="Ebrima" pitchFamily="2" charset="0"/>
-                  <a:cs typeface="Ebrima" pitchFamily="2" charset="0"/>
-                </a:rPr>
-                <a:t>Communicates with the Database</a:t>
-              </a:r>
-            </a:p>
-            <a:p>
-              <a:pPr>
-                <a:spcBef>
-                  <a:spcPts val="1800"/>
-                </a:spcBef>
-              </a:pPr>
-              <a:r>
-                <a:rPr lang="en-US" sz="3600" b="1" dirty="0" smtClean="0">
-                  <a:solidFill>
-                    <a:schemeClr val="accent1">
-                      <a:lumMod val="60000"/>
-                      <a:lumOff val="40000"/>
-                    </a:schemeClr>
-                  </a:solidFill>
-                  <a:ea typeface="Ebrima" pitchFamily="2" charset="0"/>
-                  <a:cs typeface="Ebrima" pitchFamily="2" charset="0"/>
-                </a:rPr>
-                <a:t>Fingerprint Algorithm</a:t>
-              </a:r>
-            </a:p>
-            <a:p>
-              <a:pPr marL="225425" indent="-225425">
-                <a:buFont typeface="Arial" pitchFamily="34" charset="0"/>
-                <a:buChar char="•"/>
-              </a:pPr>
-              <a:r>
-                <a:rPr lang="en-US" sz="3600" dirty="0" smtClean="0">
-                  <a:ea typeface="Ebrima" pitchFamily="2" charset="0"/>
-                  <a:cs typeface="Ebrima" pitchFamily="2" charset="0"/>
-                </a:rPr>
-                <a:t>A pattern matching algorithm based on Euclidean distance</a:t>
-              </a:r>
-            </a:p>
-            <a:p>
-              <a:pPr marL="225425" indent="-225425">
-                <a:buFont typeface="Arial" pitchFamily="34" charset="0"/>
-                <a:buChar char="•"/>
-              </a:pPr>
-              <a:r>
-                <a:rPr lang="en-US" sz="3600" dirty="0" smtClean="0">
-                  <a:ea typeface="Ebrima" pitchFamily="2" charset="0"/>
-                  <a:cs typeface="Ebrima" pitchFamily="2" charset="0"/>
-                </a:rPr>
-                <a:t> Employs heuristics and input output filters to further enhance the accuracy and reliability of the locating </a:t>
-              </a:r>
-              <a:r>
-                <a:rPr lang="en-US" sz="3600" dirty="0" smtClean="0">
-                  <a:ea typeface="Ebrima" pitchFamily="2" charset="0"/>
-                  <a:cs typeface="Ebrima" pitchFamily="2" charset="0"/>
-                </a:rPr>
-                <a:t>process</a:t>
-              </a:r>
-            </a:p>
-            <a:p>
-              <a:pPr marL="225425" indent="-225425">
-                <a:buFont typeface="Arial" pitchFamily="34" charset="0"/>
-                <a:buChar char="•"/>
-              </a:pPr>
-              <a:endParaRPr lang="en-US" sz="3600" dirty="0" smtClean="0">
-                <a:ea typeface="Ebrima" pitchFamily="2" charset="0"/>
-                <a:cs typeface="Ebrima" pitchFamily="2" charset="0"/>
-              </a:endParaRPr>
-            </a:p>
-            <a:p>
-              <a:pPr marL="225425" indent="-225425">
-                <a:buFont typeface="Arial" pitchFamily="34" charset="0"/>
-                <a:buChar char="•"/>
-              </a:pPr>
-              <a:endParaRPr lang="en-US" sz="3600" dirty="0" smtClean="0">
-                <a:ea typeface="Ebrima" pitchFamily="2" charset="0"/>
-                <a:cs typeface="Ebrima" pitchFamily="2" charset="0"/>
-              </a:endParaRPr>
-            </a:p>
-            <a:p>
-              <a:pPr marL="225425" indent="-225425">
-                <a:buFont typeface="Arial" pitchFamily="34" charset="0"/>
-                <a:buChar char="•"/>
-              </a:pPr>
-              <a:endParaRPr lang="en-US" sz="3600" dirty="0" smtClean="0">
-                <a:ea typeface="Ebrima" pitchFamily="2" charset="0"/>
-                <a:cs typeface="Ebrima" pitchFamily="2" charset="0"/>
-              </a:endParaRPr>
-            </a:p>
-            <a:p>
-              <a:pPr marL="225425" indent="-225425">
-                <a:buFont typeface="Arial" pitchFamily="34" charset="0"/>
-                <a:buChar char="•"/>
-              </a:pPr>
-              <a:endParaRPr lang="en-US" sz="3600" dirty="0" smtClean="0">
-                <a:ea typeface="Ebrima" pitchFamily="2" charset="0"/>
-                <a:cs typeface="Ebrima" pitchFamily="2" charset="0"/>
-              </a:endParaRPr>
-            </a:p>
-            <a:p>
-              <a:pPr marL="225425" indent="-225425">
-                <a:buFont typeface="Arial" pitchFamily="34" charset="0"/>
-                <a:buChar char="•"/>
-              </a:pPr>
-              <a:endParaRPr lang="en-US" sz="3600" dirty="0" smtClean="0">
-                <a:ea typeface="Ebrima" pitchFamily="2" charset="0"/>
-                <a:cs typeface="Ebrima" pitchFamily="2" charset="0"/>
-              </a:endParaRPr>
-            </a:p>
-            <a:p>
-              <a:pPr marL="225425" indent="-225425">
-                <a:buFont typeface="Arial" pitchFamily="34" charset="0"/>
-                <a:buChar char="•"/>
-              </a:pPr>
-              <a:endParaRPr lang="en-US" sz="3600" dirty="0" smtClean="0">
-                <a:ea typeface="Ebrima" pitchFamily="2" charset="0"/>
-                <a:cs typeface="Ebrima" pitchFamily="2" charset="0"/>
-              </a:endParaRPr>
-            </a:p>
-            <a:p>
-              <a:pPr marL="225425" indent="-225425">
-                <a:buFont typeface="Arial" pitchFamily="34" charset="0"/>
-                <a:buChar char="•"/>
-              </a:pPr>
-              <a:endParaRPr lang="en-US" sz="3600" dirty="0" smtClean="0">
-                <a:ea typeface="Ebrima" pitchFamily="2" charset="0"/>
-                <a:cs typeface="Ebrima" pitchFamily="2" charset="0"/>
-              </a:endParaRPr>
-            </a:p>
-            <a:p>
-              <a:pPr marL="225425" indent="-225425">
-                <a:buFont typeface="Arial" pitchFamily="34" charset="0"/>
-                <a:buChar char="•"/>
-              </a:pPr>
-              <a:endParaRPr lang="en-US" sz="3600" dirty="0" smtClean="0">
-                <a:ea typeface="Ebrima" pitchFamily="2" charset="0"/>
-                <a:cs typeface="Ebrima" pitchFamily="2" charset="0"/>
-              </a:endParaRPr>
-            </a:p>
-            <a:p>
-              <a:pPr marL="225425" indent="-225425">
-                <a:buFont typeface="Arial" pitchFamily="34" charset="0"/>
-                <a:buChar char="•"/>
-              </a:pPr>
-              <a:endParaRPr lang="en-US" sz="3600" dirty="0" smtClean="0">
-                <a:ea typeface="Ebrima" pitchFamily="2" charset="0"/>
-                <a:cs typeface="Ebrima" pitchFamily="2" charset="0"/>
-              </a:endParaRPr>
-            </a:p>
-            <a:p>
-              <a:pPr>
-                <a:spcBef>
-                  <a:spcPts val="1200"/>
-                </a:spcBef>
-              </a:pPr>
-              <a:r>
-                <a:rPr lang="en-US" sz="3600" b="1" dirty="0" smtClean="0">
-                  <a:solidFill>
-                    <a:schemeClr val="accent1">
-                      <a:lumMod val="60000"/>
-                      <a:lumOff val="40000"/>
-                    </a:schemeClr>
-                  </a:solidFill>
-                  <a:ea typeface="Ebrima" pitchFamily="2" charset="0"/>
-                  <a:cs typeface="Ebrima" pitchFamily="2" charset="0"/>
-                </a:rPr>
-                <a:t>Web Application</a:t>
-              </a:r>
-            </a:p>
-            <a:p>
-              <a:pPr marL="225425" indent="-225425">
-                <a:buFont typeface="Arial" pitchFamily="34" charset="0"/>
-                <a:buChar char="•"/>
-              </a:pPr>
-              <a:r>
-                <a:rPr lang="en-US" sz="3600" dirty="0" smtClean="0">
-                  <a:ea typeface="Ebrima" pitchFamily="2" charset="0"/>
-                  <a:cs typeface="Ebrima" pitchFamily="2" charset="0"/>
-                </a:rPr>
-                <a:t>Primary user interface with an interactive 2D map</a:t>
-              </a:r>
-            </a:p>
-            <a:p>
-              <a:pPr marL="225425" indent="-225425">
-                <a:buFont typeface="Arial" pitchFamily="34" charset="0"/>
-                <a:buChar char="•"/>
-              </a:pPr>
-              <a:r>
-                <a:rPr lang="en-US" sz="3600" dirty="0" smtClean="0">
-                  <a:ea typeface="Ebrima" pitchFamily="2" charset="0"/>
-                  <a:cs typeface="Ebrima" pitchFamily="2" charset="0"/>
-                </a:rPr>
-                <a:t>Search TIUs and detectors via ID</a:t>
-              </a:r>
-            </a:p>
-            <a:p>
-              <a:pPr marL="225425" indent="-225425">
-                <a:buFont typeface="Arial" pitchFamily="34" charset="0"/>
-                <a:buChar char="•"/>
-              </a:pPr>
-              <a:r>
-                <a:rPr lang="en-US" sz="3600" dirty="0" smtClean="0">
-                  <a:ea typeface="Ebrima" pitchFamily="2" charset="0"/>
-                  <a:cs typeface="Ebrima" pitchFamily="2" charset="0"/>
-                </a:rPr>
-                <a:t>Display locations and battery levels of all tags and detectors</a:t>
-              </a:r>
-            </a:p>
-            <a:p>
-              <a:pPr marL="225425" indent="-225425">
-                <a:buFont typeface="Arial" pitchFamily="34" charset="0"/>
-                <a:buChar char="•"/>
-              </a:pPr>
-              <a:r>
-                <a:rPr lang="en-US" sz="3600" dirty="0" smtClean="0">
-                  <a:ea typeface="Ebrima" pitchFamily="2" charset="0"/>
-                  <a:cs typeface="Ebrima" pitchFamily="2" charset="0"/>
-                </a:rPr>
-                <a:t>Configure tags and detectors</a:t>
-              </a:r>
-            </a:p>
-            <a:p>
-              <a:pPr marL="225425" indent="-225425">
-                <a:buFont typeface="Arial" pitchFamily="34" charset="0"/>
-                <a:buChar char="•"/>
-              </a:pPr>
-              <a:r>
-                <a:rPr lang="en-US" sz="3600" dirty="0" smtClean="0">
-                  <a:ea typeface="Ebrima" pitchFamily="2" charset="0"/>
-                  <a:cs typeface="Ebrima" pitchFamily="2" charset="0"/>
-                </a:rPr>
-                <a:t>Configure the tracking area</a:t>
+                <a:t>Stores user accounts</a:t>
               </a:r>
             </a:p>
           </p:txBody>
         </p:sp>
-        <p:pic>
-          <p:nvPicPr>
-            <p:cNvPr id="7" name="Picture 8"/>
-            <p:cNvPicPr>
-              <a:picLocks noChangeAspect="1" noChangeArrowheads="1"/>
-            </p:cNvPicPr>
+        <p:grpSp>
+          <p:nvGrpSpPr>
+            <p:cNvPr id="181" name="Group 180"/>
+            <p:cNvGrpSpPr/>
             <p:nvPr/>
-          </p:nvPicPr>
-          <p:blipFill>
-            <a:blip r:embed="rId24" cstate="print">
-              <a:clrChange>
-                <a:clrFrom>
-                  <a:srgbClr val="FFFFFF"/>
-                </a:clrFrom>
-                <a:clrTo>
-                  <a:srgbClr val="FFFFFF">
-                    <a:alpha val="0"/>
-                  </a:srgbClr>
-                </a:clrTo>
-              </a:clrChange>
-            </a:blip>
-            <a:srcRect/>
-            <a:stretch>
-              <a:fillRect/>
-            </a:stretch>
-          </p:blipFill>
-          <p:spPr bwMode="auto">
+          </p:nvGrpSpPr>
+          <p:grpSpPr>
             <a:xfrm>
-              <a:off x="13563600" y="19362420"/>
-              <a:ext cx="7105650" cy="4610100"/>
+              <a:off x="13594080" y="11506200"/>
+              <a:ext cx="7208520" cy="16819989"/>
+              <a:chOff x="13594080" y="12161520"/>
+              <a:chExt cx="7208520" cy="16819989"/>
             </a:xfrm>
-            <a:prstGeom prst="rect">
+          </p:grpSpPr>
+          <p:sp>
+            <p:nvSpPr>
+              <p:cNvPr id="166" name="TextBox 165"/>
+              <p:cNvSpPr txBox="1"/>
+              <p:nvPr/>
+            </p:nvSpPr>
+            <p:spPr>
+              <a:xfrm>
+                <a:off x="13594080" y="12161520"/>
+                <a:ext cx="7208520" cy="16819989"/>
+              </a:xfrm>
+              <a:prstGeom prst="rect">
+                <a:avLst/>
+              </a:prstGeom>
+              <a:noFill/>
+            </p:spPr>
+            <p:txBody>
+              <a:bodyPr wrap="square" lIns="0" tIns="91440" bIns="91440" rtlCol="0">
+                <a:spAutoFit/>
+              </a:bodyPr>
+              <a:lstStyle/>
+              <a:p>
+                <a:pPr>
+                  <a:spcBef>
+                    <a:spcPts val="1800"/>
+                  </a:spcBef>
+                </a:pPr>
+                <a:r>
+                  <a:rPr lang="en-US" sz="4000" b="1" dirty="0" smtClean="0">
+                    <a:solidFill>
+                      <a:schemeClr val="accent1"/>
+                    </a:solidFill>
+                    <a:ea typeface="Ebrima" pitchFamily="2" charset="0"/>
+                    <a:cs typeface="Ebrima" pitchFamily="2" charset="0"/>
+                  </a:rPr>
+                  <a:t>Controller</a:t>
+                </a:r>
+                <a:endParaRPr lang="en-US" sz="3600" b="1" dirty="0" smtClean="0">
+                  <a:solidFill>
+                    <a:schemeClr val="accent1"/>
+                  </a:solidFill>
+                  <a:ea typeface="Ebrima" pitchFamily="2" charset="0"/>
+                  <a:cs typeface="Ebrima" pitchFamily="2" charset="0"/>
+                </a:endParaRPr>
+              </a:p>
+              <a:p>
+                <a:pPr marL="225425" indent="-225425">
+                  <a:buFont typeface="Arial" pitchFamily="34" charset="0"/>
+                  <a:buChar char="•"/>
+                </a:pPr>
+                <a:r>
+                  <a:rPr lang="en-US" sz="3600" dirty="0" smtClean="0">
+                    <a:ea typeface="Ebrima" pitchFamily="2" charset="0"/>
+                    <a:cs typeface="Ebrima" pitchFamily="2" charset="0"/>
+                  </a:rPr>
+                  <a:t>Receives RSSI and battery data from the mesh network</a:t>
+                </a:r>
+              </a:p>
+              <a:p>
+                <a:pPr marL="225425" indent="-225425">
+                  <a:buFont typeface="Arial" pitchFamily="34" charset="0"/>
+                  <a:buChar char="•"/>
+                </a:pPr>
+                <a:r>
+                  <a:rPr lang="en-US" sz="3600" dirty="0" smtClean="0">
+                    <a:ea typeface="Ebrima" pitchFamily="2" charset="0"/>
+                    <a:cs typeface="Ebrima" pitchFamily="2" charset="0"/>
+                  </a:rPr>
+                  <a:t>Executes the locating algorithm</a:t>
+                </a:r>
+              </a:p>
+              <a:p>
+                <a:pPr marL="225425" indent="-225425">
+                  <a:buFont typeface="Arial" pitchFamily="34" charset="0"/>
+                  <a:buChar char="•"/>
+                </a:pPr>
+                <a:r>
+                  <a:rPr lang="en-US" sz="3600" dirty="0" smtClean="0">
+                    <a:ea typeface="Ebrima" pitchFamily="2" charset="0"/>
+                    <a:cs typeface="Ebrima" pitchFamily="2" charset="0"/>
+                  </a:rPr>
+                  <a:t>Communicates with the Database</a:t>
+                </a:r>
+              </a:p>
+              <a:p>
+                <a:pPr>
+                  <a:spcBef>
+                    <a:spcPts val="1800"/>
+                  </a:spcBef>
+                </a:pPr>
+                <a:r>
+                  <a:rPr lang="en-US" sz="4000" b="1" dirty="0" smtClean="0">
+                    <a:solidFill>
+                      <a:schemeClr val="accent1"/>
+                    </a:solidFill>
+                    <a:ea typeface="Ebrima" pitchFamily="2" charset="0"/>
+                    <a:cs typeface="Ebrima" pitchFamily="2" charset="0"/>
+                  </a:rPr>
+                  <a:t>Fingerprint Algorithm</a:t>
+                </a:r>
+              </a:p>
+              <a:p>
+                <a:pPr marL="225425" indent="-225425">
+                  <a:buFont typeface="Arial" pitchFamily="34" charset="0"/>
+                  <a:buChar char="•"/>
+                </a:pPr>
+                <a:r>
+                  <a:rPr lang="en-US" sz="3600" dirty="0" smtClean="0">
+                    <a:ea typeface="Ebrima" pitchFamily="2" charset="0"/>
+                    <a:cs typeface="Ebrima" pitchFamily="2" charset="0"/>
+                  </a:rPr>
+                  <a:t>A pattern matching algorithm based on Euclidean distance</a:t>
+                </a:r>
+              </a:p>
+              <a:p>
+                <a:pPr marL="225425" indent="-225425">
+                  <a:buFont typeface="Arial" pitchFamily="34" charset="0"/>
+                  <a:buChar char="•"/>
+                </a:pPr>
+                <a:r>
+                  <a:rPr lang="en-US" sz="3600" dirty="0" smtClean="0">
+                    <a:ea typeface="Ebrima" pitchFamily="2" charset="0"/>
+                    <a:cs typeface="Ebrima" pitchFamily="2" charset="0"/>
+                  </a:rPr>
+                  <a:t> Employs heuristics and input output filters to further enhance the accuracy and reliability of the locating process</a:t>
+                </a:r>
+              </a:p>
+              <a:p>
+                <a:pPr marL="225425" indent="-225425">
+                  <a:buFont typeface="Arial" pitchFamily="34" charset="0"/>
+                  <a:buChar char="•"/>
+                </a:pPr>
+                <a:endParaRPr lang="en-US" sz="3600" dirty="0" smtClean="0">
+                  <a:ea typeface="Ebrima" pitchFamily="2" charset="0"/>
+                  <a:cs typeface="Ebrima" pitchFamily="2" charset="0"/>
+                </a:endParaRPr>
+              </a:p>
+              <a:p>
+                <a:pPr marL="225425" indent="-225425">
+                  <a:buFont typeface="Arial" pitchFamily="34" charset="0"/>
+                  <a:buChar char="•"/>
+                </a:pPr>
+                <a:endParaRPr lang="en-US" sz="3600" dirty="0" smtClean="0">
+                  <a:ea typeface="Ebrima" pitchFamily="2" charset="0"/>
+                  <a:cs typeface="Ebrima" pitchFamily="2" charset="0"/>
+                </a:endParaRPr>
+              </a:p>
+              <a:p>
+                <a:pPr marL="225425" indent="-225425">
+                  <a:buFont typeface="Arial" pitchFamily="34" charset="0"/>
+                  <a:buChar char="•"/>
+                </a:pPr>
+                <a:endParaRPr lang="en-US" sz="3600" dirty="0" smtClean="0">
+                  <a:ea typeface="Ebrima" pitchFamily="2" charset="0"/>
+                  <a:cs typeface="Ebrima" pitchFamily="2" charset="0"/>
+                </a:endParaRPr>
+              </a:p>
+              <a:p>
+                <a:pPr marL="225425" indent="-225425">
+                  <a:buFont typeface="Arial" pitchFamily="34" charset="0"/>
+                  <a:buChar char="•"/>
+                </a:pPr>
+                <a:endParaRPr lang="en-US" sz="3600" dirty="0" smtClean="0">
+                  <a:ea typeface="Ebrima" pitchFamily="2" charset="0"/>
+                  <a:cs typeface="Ebrima" pitchFamily="2" charset="0"/>
+                </a:endParaRPr>
+              </a:p>
+              <a:p>
+                <a:pPr marL="225425" indent="-225425">
+                  <a:buFont typeface="Arial" pitchFamily="34" charset="0"/>
+                  <a:buChar char="•"/>
+                </a:pPr>
+                <a:endParaRPr lang="en-US" sz="3600" dirty="0" smtClean="0">
+                  <a:ea typeface="Ebrima" pitchFamily="2" charset="0"/>
+                  <a:cs typeface="Ebrima" pitchFamily="2" charset="0"/>
+                </a:endParaRPr>
+              </a:p>
+              <a:p>
+                <a:pPr marL="225425" indent="-225425">
+                  <a:buFont typeface="Arial" pitchFamily="34" charset="0"/>
+                  <a:buChar char="•"/>
+                </a:pPr>
+                <a:endParaRPr lang="en-US" sz="3600" dirty="0" smtClean="0">
+                  <a:ea typeface="Ebrima" pitchFamily="2" charset="0"/>
+                  <a:cs typeface="Ebrima" pitchFamily="2" charset="0"/>
+                </a:endParaRPr>
+              </a:p>
+              <a:p>
+                <a:pPr marL="225425" indent="-225425">
+                  <a:buFont typeface="Arial" pitchFamily="34" charset="0"/>
+                  <a:buChar char="•"/>
+                </a:pPr>
+                <a:endParaRPr lang="en-US" sz="3600" dirty="0" smtClean="0">
+                  <a:ea typeface="Ebrima" pitchFamily="2" charset="0"/>
+                  <a:cs typeface="Ebrima" pitchFamily="2" charset="0"/>
+                </a:endParaRPr>
+              </a:p>
+              <a:p>
+                <a:pPr marL="225425" indent="-225425">
+                  <a:buFont typeface="Arial" pitchFamily="34" charset="0"/>
+                  <a:buChar char="•"/>
+                </a:pPr>
+                <a:endParaRPr lang="en-US" sz="3600" dirty="0" smtClean="0">
+                  <a:ea typeface="Ebrima" pitchFamily="2" charset="0"/>
+                  <a:cs typeface="Ebrima" pitchFamily="2" charset="0"/>
+                </a:endParaRPr>
+              </a:p>
+              <a:p>
+                <a:pPr marL="225425" indent="-225425">
+                  <a:buFont typeface="Arial" pitchFamily="34" charset="0"/>
+                  <a:buChar char="•"/>
+                </a:pPr>
+                <a:endParaRPr lang="en-US" sz="3600" dirty="0" smtClean="0">
+                  <a:ea typeface="Ebrima" pitchFamily="2" charset="0"/>
+                  <a:cs typeface="Ebrima" pitchFamily="2" charset="0"/>
+                </a:endParaRPr>
+              </a:p>
+              <a:p>
+                <a:pPr>
+                  <a:spcBef>
+                    <a:spcPts val="1200"/>
+                  </a:spcBef>
+                </a:pPr>
+                <a:r>
+                  <a:rPr lang="en-US" sz="4000" b="1" dirty="0" smtClean="0">
+                    <a:solidFill>
+                      <a:schemeClr val="accent1"/>
+                    </a:solidFill>
+                    <a:ea typeface="Ebrima" pitchFamily="2" charset="0"/>
+                    <a:cs typeface="Ebrima" pitchFamily="2" charset="0"/>
+                  </a:rPr>
+                  <a:t>Web Application</a:t>
+                </a:r>
+              </a:p>
+              <a:p>
+                <a:pPr marL="225425" indent="-225425">
+                  <a:buFont typeface="Arial" pitchFamily="34" charset="0"/>
+                  <a:buChar char="•"/>
+                </a:pPr>
+                <a:r>
+                  <a:rPr lang="en-US" sz="3600" dirty="0" smtClean="0">
+                    <a:ea typeface="Ebrima" pitchFamily="2" charset="0"/>
+                    <a:cs typeface="Ebrima" pitchFamily="2" charset="0"/>
+                  </a:rPr>
+                  <a:t>Primary user interface with an interactive 2D map</a:t>
+                </a:r>
+              </a:p>
+              <a:p>
+                <a:pPr marL="225425" indent="-225425">
+                  <a:buFont typeface="Arial" pitchFamily="34" charset="0"/>
+                  <a:buChar char="•"/>
+                </a:pPr>
+                <a:r>
+                  <a:rPr lang="en-US" sz="3600" dirty="0" smtClean="0">
+                    <a:ea typeface="Ebrima" pitchFamily="2" charset="0"/>
+                    <a:cs typeface="Ebrima" pitchFamily="2" charset="0"/>
+                  </a:rPr>
+                  <a:t>Search TIUs and detectors via ID</a:t>
+                </a:r>
+              </a:p>
+              <a:p>
+                <a:pPr marL="225425" indent="-225425">
+                  <a:buFont typeface="Arial" pitchFamily="34" charset="0"/>
+                  <a:buChar char="•"/>
+                </a:pPr>
+                <a:r>
+                  <a:rPr lang="en-US" sz="3600" dirty="0" smtClean="0">
+                    <a:ea typeface="Ebrima" pitchFamily="2" charset="0"/>
+                    <a:cs typeface="Ebrima" pitchFamily="2" charset="0"/>
+                  </a:rPr>
+                  <a:t>Display locations and battery levels of all tags and detectors</a:t>
+                </a:r>
+              </a:p>
+              <a:p>
+                <a:pPr marL="225425" indent="-225425">
+                  <a:buFont typeface="Arial" pitchFamily="34" charset="0"/>
+                  <a:buChar char="•"/>
+                </a:pPr>
+                <a:r>
+                  <a:rPr lang="en-US" sz="3600" dirty="0" smtClean="0">
+                    <a:ea typeface="Ebrima" pitchFamily="2" charset="0"/>
+                    <a:cs typeface="Ebrima" pitchFamily="2" charset="0"/>
+                  </a:rPr>
+                  <a:t>Configure tags and detectors</a:t>
+                </a:r>
+              </a:p>
+              <a:p>
+                <a:pPr marL="225425" indent="-225425">
+                  <a:buFont typeface="Arial" pitchFamily="34" charset="0"/>
+                  <a:buChar char="•"/>
+                </a:pPr>
+                <a:r>
+                  <a:rPr lang="en-US" sz="3600" dirty="0" smtClean="0">
+                    <a:ea typeface="Ebrima" pitchFamily="2" charset="0"/>
+                    <a:cs typeface="Ebrima" pitchFamily="2" charset="0"/>
+                  </a:rPr>
+                  <a:t>Configure the tracking area</a:t>
+                </a:r>
+              </a:p>
+            </p:txBody>
+          </p:sp>
+          <p:pic>
+            <p:nvPicPr>
+              <p:cNvPr id="7" name="Picture 8"/>
+              <p:cNvPicPr>
+                <a:picLocks noChangeAspect="1" noChangeArrowheads="1"/>
+              </p:cNvPicPr>
+              <p:nvPr/>
+            </p:nvPicPr>
+            <p:blipFill>
+              <a:blip r:embed="rId23" cstate="print">
+                <a:clrChange>
+                  <a:clrFrom>
+                    <a:srgbClr val="FFFFFF"/>
+                  </a:clrFrom>
+                  <a:clrTo>
+                    <a:srgbClr val="FFFFFF">
+                      <a:alpha val="0"/>
+                    </a:srgbClr>
+                  </a:clrTo>
+                </a:clrChange>
+              </a:blip>
+              <a:srcRect/>
+              <a:stretch>
+                <a:fillRect/>
+              </a:stretch>
+            </p:blipFill>
+            <p:spPr bwMode="auto">
+              <a:xfrm>
+                <a:off x="13696950" y="19438620"/>
+                <a:ext cx="7105650" cy="4610100"/>
+              </a:xfrm>
+              <a:prstGeom prst="rect">
+                <a:avLst/>
+              </a:prstGeom>
+              <a:noFill/>
+              <a:ln w="9525">
+                <a:noFill/>
+                <a:miter lim="800000"/>
+                <a:headEnd/>
+                <a:tailEnd/>
+              </a:ln>
+            </p:spPr>
+          </p:pic>
+        </p:grpSp>
+      </p:grpSp>
+      <p:cxnSp>
+        <p:nvCxnSpPr>
+          <p:cNvPr id="47" name="Straight Connector 46"/>
+          <p:cNvCxnSpPr/>
+          <p:nvPr/>
+        </p:nvCxnSpPr>
+        <p:spPr>
+          <a:xfrm rot="10800000">
+            <a:off x="14020800" y="28650406"/>
+            <a:ext cx="3657600" cy="0"/>
+          </a:xfrm>
+          <a:prstGeom prst="line">
+            <a:avLst/>
+          </a:prstGeom>
+          <a:ln w="76200">
+            <a:solidFill>
+              <a:schemeClr val="accent2">
+                <a:lumMod val="40000"/>
+                <a:lumOff val="60000"/>
+              </a:schemeClr>
+            </a:solidFill>
+          </a:ln>
+        </p:spPr>
+        <p:style>
+          <a:lnRef idx="1">
+            <a:schemeClr val="accent1"/>
+          </a:lnRef>
+          <a:fillRef idx="0">
+            <a:schemeClr val="accent1"/>
+          </a:fillRef>
+          <a:effectRef idx="0">
+            <a:schemeClr val="accent1"/>
+          </a:effectRef>
+          <a:fontRef idx="minor">
+            <a:schemeClr val="tx1"/>
+          </a:fontRef>
+        </p:style>
+      </p:cxnSp>
+      <p:cxnSp>
+        <p:nvCxnSpPr>
+          <p:cNvPr id="79" name="Straight Connector 78"/>
+          <p:cNvCxnSpPr/>
+          <p:nvPr/>
+        </p:nvCxnSpPr>
+        <p:spPr>
+          <a:xfrm rot="10800000">
+            <a:off x="13411200" y="28879006"/>
+            <a:ext cx="5105400" cy="0"/>
+          </a:xfrm>
+          <a:prstGeom prst="line">
+            <a:avLst/>
+          </a:prstGeom>
+          <a:ln w="76200">
+            <a:solidFill>
+              <a:schemeClr val="accent2">
+                <a:lumMod val="40000"/>
+                <a:lumOff val="60000"/>
+              </a:schemeClr>
+            </a:solidFill>
+          </a:ln>
+        </p:spPr>
+        <p:style>
+          <a:lnRef idx="1">
+            <a:schemeClr val="accent1"/>
+          </a:lnRef>
+          <a:fillRef idx="0">
+            <a:schemeClr val="accent1"/>
+          </a:fillRef>
+          <a:effectRef idx="0">
+            <a:schemeClr val="accent1"/>
+          </a:effectRef>
+          <a:fontRef idx="minor">
+            <a:schemeClr val="tx1"/>
+          </a:fontRef>
+        </p:style>
+      </p:cxnSp>
+      <p:grpSp>
+        <p:nvGrpSpPr>
+          <p:cNvPr id="172" name="Group 171"/>
+          <p:cNvGrpSpPr/>
+          <p:nvPr/>
+        </p:nvGrpSpPr>
+        <p:grpSpPr>
+          <a:xfrm>
+            <a:off x="685800" y="24460200"/>
+            <a:ext cx="5105400" cy="4648200"/>
+            <a:chOff x="609600" y="24765000"/>
+            <a:chExt cx="5105400" cy="4648200"/>
+          </a:xfrm>
+        </p:grpSpPr>
+        <p:cxnSp>
+          <p:nvCxnSpPr>
+            <p:cNvPr id="48" name="Straight Connector 47"/>
+            <p:cNvCxnSpPr/>
+            <p:nvPr/>
+          </p:nvCxnSpPr>
+          <p:spPr>
+            <a:xfrm rot="10800000">
+              <a:off x="609600" y="29107606"/>
+              <a:ext cx="5105400" cy="0"/>
+            </a:xfrm>
+            <a:prstGeom prst="line">
               <a:avLst/>
             </a:prstGeom>
-            <a:noFill/>
-            <a:ln w="9525">
-              <a:noFill/>
-              <a:miter lim="800000"/>
-              <a:headEnd/>
-              <a:tailEnd/>
+            <a:ln w="76200">
+              <a:solidFill>
+                <a:schemeClr val="accent2">
+                  <a:lumMod val="40000"/>
+                  <a:lumOff val="60000"/>
+                </a:schemeClr>
+              </a:solidFill>
             </a:ln>
           </p:spPr>
-        </p:pic>
+          <p:style>
+            <a:lnRef idx="1">
+              <a:schemeClr val="accent1"/>
+            </a:lnRef>
+            <a:fillRef idx="0">
+              <a:schemeClr val="accent1"/>
+            </a:fillRef>
+            <a:effectRef idx="0">
+              <a:schemeClr val="accent1"/>
+            </a:effectRef>
+            <a:fontRef idx="minor">
+              <a:schemeClr val="tx1"/>
+            </a:fontRef>
+          </p:style>
+        </p:cxnSp>
+        <p:cxnSp>
+          <p:nvCxnSpPr>
+            <p:cNvPr id="50" name="Straight Connector 49"/>
+            <p:cNvCxnSpPr/>
+            <p:nvPr/>
+          </p:nvCxnSpPr>
+          <p:spPr>
+            <a:xfrm rot="5400000">
+              <a:off x="-1561305" y="27088306"/>
+              <a:ext cx="4648200" cy="1588"/>
+            </a:xfrm>
+            <a:prstGeom prst="line">
+              <a:avLst/>
+            </a:prstGeom>
+            <a:ln w="76200">
+              <a:solidFill>
+                <a:schemeClr val="accent2">
+                  <a:lumMod val="40000"/>
+                  <a:lumOff val="60000"/>
+                </a:schemeClr>
+              </a:solidFill>
+            </a:ln>
+          </p:spPr>
+          <p:style>
+            <a:lnRef idx="1">
+              <a:schemeClr val="accent1"/>
+            </a:lnRef>
+            <a:fillRef idx="0">
+              <a:schemeClr val="accent1"/>
+            </a:fillRef>
+            <a:effectRef idx="0">
+              <a:schemeClr val="accent1"/>
+            </a:effectRef>
+            <a:fontRef idx="minor">
+              <a:schemeClr val="tx1"/>
+            </a:fontRef>
+          </p:style>
+        </p:cxnSp>
+        <p:cxnSp>
+          <p:nvCxnSpPr>
+            <p:cNvPr id="52" name="Straight Connector 51"/>
+            <p:cNvCxnSpPr/>
+            <p:nvPr/>
+          </p:nvCxnSpPr>
+          <p:spPr>
+            <a:xfrm rot="10800000">
+              <a:off x="990600" y="28879006"/>
+              <a:ext cx="3962400" cy="0"/>
+            </a:xfrm>
+            <a:prstGeom prst="line">
+              <a:avLst/>
+            </a:prstGeom>
+            <a:ln w="76200">
+              <a:solidFill>
+                <a:schemeClr val="accent2">
+                  <a:lumMod val="40000"/>
+                  <a:lumOff val="60000"/>
+                </a:schemeClr>
+              </a:solidFill>
+            </a:ln>
+          </p:spPr>
+          <p:style>
+            <a:lnRef idx="1">
+              <a:schemeClr val="accent1"/>
+            </a:lnRef>
+            <a:fillRef idx="0">
+              <a:schemeClr val="accent1"/>
+            </a:fillRef>
+            <a:effectRef idx="0">
+              <a:schemeClr val="accent1"/>
+            </a:effectRef>
+            <a:fontRef idx="minor">
+              <a:schemeClr val="tx1"/>
+            </a:fontRef>
+          </p:style>
+        </p:cxnSp>
+        <p:cxnSp>
+          <p:nvCxnSpPr>
+            <p:cNvPr id="184" name="Straight Connector 183"/>
+            <p:cNvCxnSpPr/>
+            <p:nvPr/>
+          </p:nvCxnSpPr>
+          <p:spPr>
+            <a:xfrm rot="5400000">
+              <a:off x="38100" y="27469306"/>
+              <a:ext cx="1905000" cy="0"/>
+            </a:xfrm>
+            <a:prstGeom prst="line">
+              <a:avLst/>
+            </a:prstGeom>
+            <a:ln w="76200">
+              <a:solidFill>
+                <a:schemeClr val="accent2">
+                  <a:lumMod val="40000"/>
+                  <a:lumOff val="60000"/>
+                </a:schemeClr>
+              </a:solidFill>
+            </a:ln>
+          </p:spPr>
+          <p:style>
+            <a:lnRef idx="1">
+              <a:schemeClr val="accent1"/>
+            </a:lnRef>
+            <a:fillRef idx="0">
+              <a:schemeClr val="accent1"/>
+            </a:fillRef>
+            <a:effectRef idx="0">
+              <a:schemeClr val="accent1"/>
+            </a:effectRef>
+            <a:fontRef idx="minor">
+              <a:schemeClr val="tx1"/>
+            </a:fontRef>
+          </p:style>
+        </p:cxnSp>
       </p:grpSp>
+      <p:cxnSp>
+        <p:nvCxnSpPr>
+          <p:cNvPr id="186" name="Straight Connector 185"/>
+          <p:cNvCxnSpPr/>
+          <p:nvPr/>
+        </p:nvCxnSpPr>
+        <p:spPr>
+          <a:xfrm rot="10800000">
+            <a:off x="9220200" y="10744201"/>
+            <a:ext cx="3048000" cy="0"/>
+          </a:xfrm>
+          <a:prstGeom prst="line">
+            <a:avLst/>
+          </a:prstGeom>
+          <a:ln w="76200">
+            <a:solidFill>
+              <a:schemeClr val="accent2">
+                <a:lumMod val="40000"/>
+                <a:lumOff val="60000"/>
+              </a:schemeClr>
+            </a:solidFill>
+          </a:ln>
+        </p:spPr>
+        <p:style>
+          <a:lnRef idx="1">
+            <a:schemeClr val="accent1"/>
+          </a:lnRef>
+          <a:fillRef idx="0">
+            <a:schemeClr val="accent1"/>
+          </a:fillRef>
+          <a:effectRef idx="0">
+            <a:schemeClr val="accent1"/>
+          </a:effectRef>
+          <a:fontRef idx="minor">
+            <a:schemeClr val="tx1"/>
+          </a:fontRef>
+        </p:style>
+      </p:cxnSp>
+      <p:pic>
+        <p:nvPicPr>
+          <p:cNvPr id="192" name="Picture 191" descr="psu-mcecs_logo.jpg"/>
+          <p:cNvPicPr>
+            <a:picLocks noChangeAspect="1"/>
+          </p:cNvPicPr>
+          <p:nvPr/>
+        </p:nvPicPr>
+        <p:blipFill>
+          <a:blip r:embed="rId24" cstate="print">
+            <a:clrChange>
+              <a:clrFrom>
+                <a:srgbClr val="FFFFFE"/>
+              </a:clrFrom>
+              <a:clrTo>
+                <a:srgbClr val="FFFFFE">
+                  <a:alpha val="0"/>
+                </a:srgbClr>
+              </a:clrTo>
+            </a:clrChange>
+          </a:blip>
+          <a:stretch>
+            <a:fillRect/>
+          </a:stretch>
+        </p:blipFill>
+        <p:spPr>
+          <a:xfrm>
+            <a:off x="35661600" y="29443680"/>
+            <a:ext cx="6008915" cy="2464595"/>
+          </a:xfrm>
+          <a:prstGeom prst="rect">
+            <a:avLst/>
+          </a:prstGeom>
+        </p:spPr>
+      </p:pic>
     </p:spTree>
   </p:cSld>
   <p:clrMapOvr>

--- a/Docs/TIU_Tracking_Poster_v9.pptx
+++ b/Docs/TIU_Tracking_Poster_v9.pptx
@@ -325,11 +325,11 @@
           <c:smooth val="1"/>
         </c:ser>
         <c:marker val="1"/>
-        <c:axId val="54502144"/>
-        <c:axId val="54504448"/>
+        <c:axId val="78687232"/>
+        <c:axId val="80135680"/>
       </c:lineChart>
       <c:catAx>
-        <c:axId val="54502144"/>
+        <c:axId val="78687232"/>
         <c:scaling>
           <c:orientation val="minMax"/>
         </c:scaling>
@@ -364,14 +364,14 @@
             <a:endParaRPr lang="en-US"/>
           </a:p>
         </c:txPr>
-        <c:crossAx val="54504448"/>
+        <c:crossAx val="80135680"/>
         <c:crosses val="autoZero"/>
         <c:auto val="1"/>
         <c:lblAlgn val="ctr"/>
         <c:lblOffset val="100"/>
       </c:catAx>
       <c:valAx>
-        <c:axId val="54504448"/>
+        <c:axId val="80135680"/>
         <c:scaling>
           <c:orientation val="minMax"/>
           <c:max val="280"/>
@@ -419,7 +419,7 @@
             <a:endParaRPr lang="en-US"/>
           </a:p>
         </c:txPr>
-        <c:crossAx val="54502144"/>
+        <c:crossAx val="78687232"/>
         <c:crosses val="autoZero"/>
         <c:crossBetween val="between"/>
       </c:valAx>
@@ -3830,6 +3830,7 @@
           </a:bodyPr>
           <a:lstStyle/>
           <a:p>
+            <a:pPr algn="just"/>
             <a:r>
               <a:rPr lang="en-US" sz="3600" dirty="0" smtClean="0"/>
               <a:t>We have a complete system that achieves small size,  low cost, and battery life that exceeds 1 month. As for accuracy, when a tag is placed on exactly a location that was calibrated, success rates are at least 90%.</a:t>

--- a/Docs/TIU_Tracking_Poster_v9.pptx
+++ b/Docs/TIU_Tracking_Poster_v9.pptx
@@ -325,11 +325,11 @@
           <c:smooth val="1"/>
         </c:ser>
         <c:marker val="1"/>
-        <c:axId val="78687232"/>
-        <c:axId val="80135680"/>
+        <c:axId val="80265984"/>
+        <c:axId val="80269312"/>
       </c:lineChart>
       <c:catAx>
-        <c:axId val="78687232"/>
+        <c:axId val="80265984"/>
         <c:scaling>
           <c:orientation val="minMax"/>
         </c:scaling>
@@ -364,14 +364,14 @@
             <a:endParaRPr lang="en-US"/>
           </a:p>
         </c:txPr>
-        <c:crossAx val="80135680"/>
+        <c:crossAx val="80269312"/>
         <c:crosses val="autoZero"/>
         <c:auto val="1"/>
         <c:lblAlgn val="ctr"/>
         <c:lblOffset val="100"/>
       </c:catAx>
       <c:valAx>
-        <c:axId val="80135680"/>
+        <c:axId val="80269312"/>
         <c:scaling>
           <c:orientation val="minMax"/>
           <c:max val="280"/>
@@ -419,7 +419,7 @@
             <a:endParaRPr lang="en-US"/>
           </a:p>
         </c:txPr>
-        <c:crossAx val="78687232"/>
+        <c:crossAx val="80265984"/>
         <c:crosses val="autoZero"/>
         <c:crossBetween val="between"/>
       </c:valAx>
@@ -3536,7 +3536,7 @@
           <p:nvPr/>
         </p:nvPicPr>
         <p:blipFill>
-          <a:blip r:embed="rId2" cstate="print"/>
+          <a:blip r:embed="rId3" cstate="print"/>
           <a:stretch>
             <a:fillRect/>
           </a:stretch>
@@ -3560,7 +3560,7 @@
           <p:nvPr/>
         </p:nvPicPr>
         <p:blipFill>
-          <a:blip r:embed="rId3" cstate="print">
+          <a:blip r:embed="rId4" cstate="print">
             <a:clrChange>
               <a:clrFrom>
                 <a:srgbClr val="FFFFFF"/>
@@ -3833,7 +3833,11 @@
             <a:pPr algn="just"/>
             <a:r>
               <a:rPr lang="en-US" sz="3600" dirty="0" smtClean="0"/>
-              <a:t>We have a complete system that achieves small size,  low cost, and battery life that exceeds 1 month. As for accuracy, when a tag is placed on exactly a location that was calibrated, success rates are at least 90%.</a:t>
+              <a:t>The complete </a:t>
+            </a:r>
+            <a:r>
+              <a:rPr lang="en-US" sz="3600" dirty="0" smtClean="0"/>
+              <a:t>system that achieves small size,  low cost, and battery life that exceeds 1 month. As for accuracy, when a tag is placed on exactly a location that was calibrated, success rates are at least 90%.</a:t>
             </a:r>
           </a:p>
           <a:p>
@@ -4119,7 +4123,7 @@
           <p:nvPr/>
         </p:nvPicPr>
         <p:blipFill>
-          <a:blip r:embed="rId4" cstate="print">
+          <a:blip r:embed="rId5" cstate="print">
             <a:clrChange>
               <a:clrFrom>
                 <a:srgbClr val="F4FCFF"/>
@@ -4156,7 +4160,7 @@
           <p:nvPr/>
         </p:nvPicPr>
         <p:blipFill>
-          <a:blip r:embed="rId5" cstate="print"/>
+          <a:blip r:embed="rId6" cstate="print"/>
           <a:srcRect/>
           <a:stretch>
             <a:fillRect/>
@@ -4510,7 +4514,7 @@
           <p:nvPr/>
         </p:nvPicPr>
         <p:blipFill>
-          <a:blip r:embed="rId6" cstate="print"/>
+          <a:blip r:embed="rId7" cstate="print"/>
           <a:stretch>
             <a:fillRect/>
           </a:stretch>
@@ -5114,7 +5118,7 @@
             <p:nvPr/>
           </p:nvPicPr>
           <p:blipFill>
-            <a:blip r:embed="rId7" cstate="print"/>
+            <a:blip r:embed="rId8" cstate="print"/>
             <a:stretch>
               <a:fillRect/>
             </a:stretch>
@@ -5152,7 +5156,7 @@
               <p:nvPr/>
             </p:nvPicPr>
             <p:blipFill>
-              <a:blip r:embed="rId8" cstate="print"/>
+              <a:blip r:embed="rId9" cstate="print"/>
               <a:stretch>
                 <a:fillRect/>
               </a:stretch>
@@ -5239,7 +5243,7 @@
               <p:nvPr/>
             </p:nvPicPr>
             <p:blipFill>
-              <a:blip r:embed="rId7" cstate="print"/>
+              <a:blip r:embed="rId8" cstate="print"/>
               <a:stretch>
                 <a:fillRect/>
               </a:stretch>
@@ -5312,7 +5316,7 @@
             <p:nvPr/>
           </p:nvPicPr>
           <p:blipFill>
-            <a:blip r:embed="rId9" cstate="print"/>
+            <a:blip r:embed="rId10" cstate="print"/>
             <a:stretch>
               <a:fillRect/>
             </a:stretch>
@@ -5384,7 +5388,7 @@
             <p:nvPr/>
           </p:nvPicPr>
           <p:blipFill>
-            <a:blip r:embed="rId7" cstate="print"/>
+            <a:blip r:embed="rId8" cstate="print"/>
             <a:stretch>
               <a:fillRect/>
             </a:stretch>
@@ -5422,7 +5426,7 @@
               <p:nvPr/>
             </p:nvPicPr>
             <p:blipFill>
-              <a:blip r:embed="rId10" cstate="print"/>
+              <a:blip r:embed="rId11" cstate="print"/>
               <a:srcRect/>
               <a:stretch>
                 <a:fillRect/>
@@ -5448,7 +5452,7 @@
               <p:nvPr/>
             </p:nvPicPr>
             <p:blipFill>
-              <a:blip r:embed="rId11" cstate="print"/>
+              <a:blip r:embed="rId12" cstate="print"/>
               <a:srcRect/>
               <a:stretch>
                 <a:fillRect/>
@@ -5537,7 +5541,7 @@
               <p:nvPr/>
             </p:nvPicPr>
             <p:blipFill>
-              <a:blip r:embed="rId12" cstate="print"/>
+              <a:blip r:embed="rId13" cstate="print"/>
               <a:srcRect/>
               <a:stretch>
                 <a:fillRect/>
@@ -5563,7 +5567,7 @@
               <p:nvPr/>
             </p:nvPicPr>
             <p:blipFill>
-              <a:blip r:embed="rId13" cstate="print"/>
+              <a:blip r:embed="rId14" cstate="print"/>
               <a:srcRect/>
               <a:stretch>
                 <a:fillRect/>
@@ -5652,7 +5656,7 @@
               <p:nvPr/>
             </p:nvPicPr>
             <p:blipFill>
-              <a:blip r:embed="rId8" cstate="print"/>
+              <a:blip r:embed="rId9" cstate="print"/>
               <a:stretch>
                 <a:fillRect/>
               </a:stretch>
@@ -6031,7 +6035,7 @@
             <p:nvPr/>
           </p:nvPicPr>
           <p:blipFill>
-            <a:blip r:embed="rId7" cstate="print"/>
+            <a:blip r:embed="rId8" cstate="print"/>
             <a:stretch>
               <a:fillRect/>
             </a:stretch>
@@ -6055,7 +6059,7 @@
             <p:nvPr/>
           </p:nvPicPr>
           <p:blipFill>
-            <a:blip r:embed="rId14" cstate="print">
+            <a:blip r:embed="rId15" cstate="print">
               <a:clrChange>
                 <a:clrFrom>
                   <a:srgbClr val="FFFFFF"/>
@@ -6092,7 +6096,7 @@
             <p:nvPr/>
           </p:nvPicPr>
           <p:blipFill>
-            <a:blip r:embed="rId14" cstate="print">
+            <a:blip r:embed="rId15" cstate="print">
               <a:clrChange>
                 <a:clrFrom>
                   <a:srgbClr val="FFFFFF"/>
@@ -6129,7 +6133,7 @@
             <p:nvPr/>
           </p:nvPicPr>
           <p:blipFill>
-            <a:blip r:embed="rId14" cstate="print">
+            <a:blip r:embed="rId15" cstate="print">
               <a:clrChange>
                 <a:clrFrom>
                   <a:srgbClr val="FFFFFF"/>
@@ -6166,7 +6170,7 @@
             <p:nvPr/>
           </p:nvPicPr>
           <p:blipFill>
-            <a:blip r:embed="rId14" cstate="print">
+            <a:blip r:embed="rId15" cstate="print">
               <a:clrChange>
                 <a:clrFrom>
                   <a:srgbClr val="FFFFFF"/>
@@ -6559,7 +6563,7 @@
               <p:nvPr/>
             </p:nvPicPr>
             <p:blipFill>
-              <a:blip r:embed="rId15" cstate="print"/>
+              <a:blip r:embed="rId16" cstate="print"/>
               <a:stretch>
                 <a:fillRect/>
               </a:stretch>
@@ -6651,7 +6655,7 @@
                 <p:nvPr/>
               </p:nvPicPr>
               <p:blipFill>
-                <a:blip r:embed="rId16" cstate="print"/>
+                <a:blip r:embed="rId17" cstate="print"/>
                 <a:srcRect/>
                 <a:stretch>
                   <a:fillRect/>
@@ -6677,7 +6681,7 @@
                 <p:nvPr/>
               </p:nvPicPr>
               <p:blipFill>
-                <a:blip r:embed="rId17" cstate="print"/>
+                <a:blip r:embed="rId18" cstate="print"/>
                 <a:srcRect/>
                 <a:stretch>
                   <a:fillRect/>
@@ -6870,7 +6874,7 @@
           <p:nvPr/>
         </p:nvPicPr>
         <p:blipFill>
-          <a:blip r:embed="rId18" cstate="print"/>
+          <a:blip r:embed="rId19" cstate="print"/>
           <a:stretch>
             <a:fillRect/>
           </a:stretch>
@@ -7064,7 +7068,7 @@
           <p:nvPr/>
         </p:nvPicPr>
         <p:blipFill>
-          <a:blip r:embed="rId19" cstate="print">
+          <a:blip r:embed="rId20" cstate="print">
             <a:clrChange>
               <a:clrFrom>
                 <a:srgbClr val="FFFFFF"/>
@@ -7103,7 +7107,7 @@
         </p:xfrm>
         <a:graphic>
           <a:graphicData uri="http://schemas.openxmlformats.org/drawingml/2006/chart">
-            <c:chart xmlns:c="http://schemas.openxmlformats.org/drawingml/2006/chart" xmlns:r="http://schemas.openxmlformats.org/officeDocument/2006/relationships" r:id="rId20"/>
+            <c:chart xmlns:c="http://schemas.openxmlformats.org/drawingml/2006/chart" xmlns:r="http://schemas.openxmlformats.org/officeDocument/2006/relationships" r:id="rId21"/>
           </a:graphicData>
         </a:graphic>
       </p:graphicFrame>
@@ -7363,7 +7367,7 @@
           <p:nvPr/>
         </p:nvPicPr>
         <p:blipFill>
-          <a:blip r:embed="rId21" cstate="print"/>
+          <a:blip r:embed="rId22" cstate="print"/>
           <a:srcRect/>
           <a:stretch>
             <a:fillRect/>
@@ -7389,7 +7393,7 @@
           <p:nvPr/>
         </p:nvPicPr>
         <p:blipFill>
-          <a:blip r:embed="rId22" cstate="print"/>
+          <a:blip r:embed="rId23" cstate="print"/>
           <a:srcRect/>
           <a:stretch>
             <a:fillRect/>
@@ -7552,671 +7556,597 @@
           </a:p>
         </p:txBody>
       </p:sp>
-      <p:grpSp>
-        <p:nvGrpSpPr>
-          <p:cNvPr id="156" name="Group 155"/>
-          <p:cNvGrpSpPr/>
+      <p:sp>
+        <p:nvSpPr>
+          <p:cNvPr id="171" name="TextBox 170"/>
+          <p:cNvSpPr txBox="1"/>
           <p:nvPr/>
-        </p:nvGrpSpPr>
-        <p:grpSpPr>
+        </p:nvSpPr>
+        <p:spPr>
           <a:xfrm>
-            <a:off x="13594080" y="11277600"/>
-            <a:ext cx="15209520" cy="16819989"/>
-            <a:chOff x="13594080" y="11506200"/>
-            <a:chExt cx="15209520" cy="16819989"/>
+            <a:off x="21488400" y="11277600"/>
+            <a:ext cx="7315200" cy="11649343"/>
           </a:xfrm>
-        </p:grpSpPr>
-        <p:sp>
-          <p:nvSpPr>
-            <p:cNvPr id="171" name="TextBox 170"/>
-            <p:cNvSpPr txBox="1"/>
-            <p:nvPr/>
-          </p:nvSpPr>
-          <p:spPr>
-            <a:xfrm>
-              <a:off x="21488400" y="11506200"/>
-              <a:ext cx="7315200" cy="11649343"/>
-            </a:xfrm>
-            <a:prstGeom prst="rect">
-              <a:avLst/>
-            </a:prstGeom>
-            <a:noFill/>
-          </p:spPr>
-          <p:txBody>
-            <a:bodyPr wrap="square" lIns="0" tIns="91440" bIns="91440" rtlCol="0">
-              <a:spAutoFit/>
-            </a:bodyPr>
-            <a:lstStyle/>
-            <a:p>
-              <a:pPr>
-                <a:spcBef>
-                  <a:spcPts val="1800"/>
-                </a:spcBef>
-              </a:pPr>
-              <a:r>
-                <a:rPr lang="en-US" sz="4000" b="1" dirty="0" smtClean="0">
-                  <a:solidFill>
-                    <a:schemeClr val="accent1"/>
-                  </a:solidFill>
-                  <a:ea typeface="Ebrima" pitchFamily="2" charset="0"/>
-                  <a:cs typeface="Ebrima" pitchFamily="2" charset="0"/>
-                </a:rPr>
-                <a:t>Tags</a:t>
-              </a:r>
-              <a:endParaRPr lang="en-US" sz="3600" b="1" dirty="0" smtClean="0">
+          <a:prstGeom prst="rect">
+            <a:avLst/>
+          </a:prstGeom>
+          <a:noFill/>
+        </p:spPr>
+        <p:txBody>
+          <a:bodyPr wrap="square" lIns="0" tIns="91440" bIns="91440" rtlCol="0">
+            <a:spAutoFit/>
+          </a:bodyPr>
+          <a:lstStyle/>
+          <a:p>
+            <a:pPr>
+              <a:spcBef>
+                <a:spcPts val="1800"/>
+              </a:spcBef>
+            </a:pPr>
+            <a:r>
+              <a:rPr lang="en-US" sz="4000" b="1" dirty="0" smtClean="0">
                 <a:solidFill>
                   <a:schemeClr val="accent1"/>
                 </a:solidFill>
                 <a:ea typeface="Ebrima" pitchFamily="2" charset="0"/>
                 <a:cs typeface="Ebrima" pitchFamily="2" charset="0"/>
-              </a:endParaRPr>
-            </a:p>
-            <a:p>
-              <a:pPr marL="228600" indent="-228600">
-                <a:buFont typeface="Arial" pitchFamily="34" charset="0"/>
-                <a:buChar char="•"/>
-              </a:pPr>
-              <a:r>
-                <a:rPr lang="en-US" sz="3600" dirty="0" smtClean="0">
-                  <a:ea typeface="Ebrima" pitchFamily="2" charset="0"/>
-                  <a:cs typeface="Ebrima" pitchFamily="2" charset="0"/>
-                </a:rPr>
-                <a:t>Attached to TIUs</a:t>
-              </a:r>
-            </a:p>
-            <a:p>
-              <a:pPr marL="228600" indent="-228600">
-                <a:buFont typeface="Arial" pitchFamily="34" charset="0"/>
-                <a:buChar char="•"/>
-              </a:pPr>
-              <a:r>
-                <a:rPr lang="en-US" sz="3600" dirty="0" smtClean="0">
-                  <a:ea typeface="Ebrima" pitchFamily="2" charset="0"/>
-                  <a:cs typeface="Ebrima" pitchFamily="2" charset="0"/>
-                </a:rPr>
-                <a:t>Periodically broadcast</a:t>
-              </a:r>
-            </a:p>
-            <a:p>
-              <a:pPr marL="228600" indent="-228600">
-                <a:buFont typeface="Arial" pitchFamily="34" charset="0"/>
-                <a:buChar char="•"/>
-              </a:pPr>
-              <a:r>
-                <a:rPr lang="en-US" sz="3600" dirty="0" smtClean="0">
-                  <a:ea typeface="Ebrima" pitchFamily="2" charset="0"/>
-                  <a:cs typeface="Ebrima" pitchFamily="2" charset="0"/>
-                </a:rPr>
-                <a:t>When not broadcasting, in a low power state</a:t>
-              </a:r>
-            </a:p>
-            <a:p>
-              <a:pPr>
-                <a:spcBef>
-                  <a:spcPts val="1800"/>
-                </a:spcBef>
-              </a:pPr>
-              <a:r>
-                <a:rPr lang="en-US" sz="4000" b="1" dirty="0" smtClean="0">
-                  <a:solidFill>
-                    <a:schemeClr val="accent1"/>
-                  </a:solidFill>
-                  <a:ea typeface="Ebrima" pitchFamily="2" charset="0"/>
-                  <a:cs typeface="Ebrima" pitchFamily="2" charset="0"/>
-                </a:rPr>
-                <a:t>Detectors </a:t>
-              </a:r>
-            </a:p>
-            <a:p>
-              <a:pPr marL="228600" indent="-228600">
-                <a:buFont typeface="Arial" pitchFamily="34" charset="0"/>
-                <a:buChar char="•"/>
-              </a:pPr>
-              <a:r>
-                <a:rPr lang="en-US" sz="3600" dirty="0" smtClean="0">
-                  <a:ea typeface="Ebrima" pitchFamily="2" charset="0"/>
-                  <a:cs typeface="Ebrima" pitchFamily="2" charset="0"/>
-                </a:rPr>
-                <a:t>Listen to messages from tags and determine the RSSI values</a:t>
-              </a:r>
-            </a:p>
-            <a:p>
-              <a:pPr marL="228600" indent="-228600">
-                <a:buFont typeface="Arial" pitchFamily="34" charset="0"/>
-                <a:buChar char="•"/>
-              </a:pPr>
-              <a:r>
-                <a:rPr lang="en-US" sz="3600" dirty="0" smtClean="0">
-                  <a:ea typeface="Ebrima" pitchFamily="2" charset="0"/>
-                  <a:cs typeface="Ebrima" pitchFamily="2" charset="0"/>
-                </a:rPr>
-                <a:t>Forward the messages to the proxy via a controlled flooding mechanism</a:t>
-              </a:r>
-            </a:p>
-            <a:p>
-              <a:pPr marL="228600" indent="-228600">
-                <a:buFont typeface="Arial" pitchFamily="34" charset="0"/>
-                <a:buChar char="•"/>
-              </a:pPr>
-              <a:r>
-                <a:rPr lang="en-US" sz="3600" dirty="0" smtClean="0">
-                  <a:ea typeface="Ebrima" pitchFamily="2" charset="0"/>
-                  <a:cs typeface="Ebrima" pitchFamily="2" charset="0"/>
-                </a:rPr>
-                <a:t>Implements collision avoidance using time division</a:t>
-              </a:r>
-            </a:p>
-            <a:p>
-              <a:pPr>
-                <a:spcBef>
-                  <a:spcPts val="1800"/>
-                </a:spcBef>
-              </a:pPr>
-              <a:r>
-                <a:rPr lang="en-US" sz="4000" b="1" dirty="0" smtClean="0">
-                  <a:solidFill>
-                    <a:schemeClr val="accent1"/>
-                  </a:solidFill>
-                  <a:ea typeface="Ebrima" pitchFamily="2" charset="0"/>
-                  <a:cs typeface="Ebrima" pitchFamily="2" charset="0"/>
-                </a:rPr>
-                <a:t>Wi-Fi Proxy</a:t>
-              </a:r>
-            </a:p>
-            <a:p>
-              <a:pPr marL="233363" indent="-233363">
-                <a:buFont typeface="Arial" pitchFamily="34" charset="0"/>
-                <a:buChar char="•"/>
-              </a:pPr>
-              <a:r>
-                <a:rPr lang="en-US" sz="3600" dirty="0" smtClean="0">
-                  <a:ea typeface="Ebrima" pitchFamily="2" charset="0"/>
-                  <a:cs typeface="Ebrima" pitchFamily="2" charset="0"/>
-                </a:rPr>
-                <a:t>Relays data from the mesh network to the controller</a:t>
-              </a:r>
-            </a:p>
-            <a:p>
-              <a:pPr>
-                <a:spcBef>
-                  <a:spcPts val="1800"/>
-                </a:spcBef>
-              </a:pPr>
-              <a:r>
-                <a:rPr lang="en-US" sz="4000" b="1" dirty="0" smtClean="0">
-                  <a:solidFill>
-                    <a:schemeClr val="accent1"/>
-                  </a:solidFill>
-                  <a:ea typeface="Ebrima" pitchFamily="2" charset="0"/>
-                  <a:cs typeface="Ebrima" pitchFamily="2" charset="0"/>
-                </a:rPr>
-                <a:t>SQL Database</a:t>
-              </a:r>
-            </a:p>
-            <a:p>
-              <a:pPr marL="225425" indent="-225425">
-                <a:buFont typeface="Arial" pitchFamily="34" charset="0"/>
-                <a:buChar char="•"/>
-              </a:pPr>
-              <a:r>
-                <a:rPr lang="en-US" sz="3600" dirty="0" smtClean="0">
-                  <a:ea typeface="Ebrima" pitchFamily="2" charset="0"/>
-                  <a:cs typeface="Ebrima" pitchFamily="2" charset="0"/>
-                </a:rPr>
-                <a:t>Stores locations and battery levels of all tags and detectors</a:t>
-              </a:r>
-            </a:p>
-            <a:p>
-              <a:pPr marL="225425" indent="-225425">
-                <a:buFont typeface="Arial" pitchFamily="34" charset="0"/>
-                <a:buChar char="•"/>
-              </a:pPr>
-              <a:r>
-                <a:rPr lang="en-US" sz="3600" dirty="0" smtClean="0">
-                  <a:ea typeface="Ebrima" pitchFamily="2" charset="0"/>
-                  <a:cs typeface="Ebrima" pitchFamily="2" charset="0"/>
-                </a:rPr>
-                <a:t>Stores user accounts</a:t>
-              </a:r>
-            </a:p>
-          </p:txBody>
-        </p:sp>
-        <p:grpSp>
-          <p:nvGrpSpPr>
-            <p:cNvPr id="181" name="Group 180"/>
-            <p:cNvGrpSpPr/>
-            <p:nvPr/>
-          </p:nvGrpSpPr>
-          <p:grpSpPr>
-            <a:xfrm>
-              <a:off x="13594080" y="11506200"/>
-              <a:ext cx="7208520" cy="16819989"/>
-              <a:chOff x="13594080" y="12161520"/>
-              <a:chExt cx="7208520" cy="16819989"/>
-            </a:xfrm>
-          </p:grpSpPr>
-          <p:sp>
-            <p:nvSpPr>
-              <p:cNvPr id="166" name="TextBox 165"/>
-              <p:cNvSpPr txBox="1"/>
-              <p:nvPr/>
-            </p:nvSpPr>
-            <p:spPr>
-              <a:xfrm>
-                <a:off x="13594080" y="12161520"/>
-                <a:ext cx="7208520" cy="16819989"/>
-              </a:xfrm>
-              <a:prstGeom prst="rect">
-                <a:avLst/>
-              </a:prstGeom>
-              <a:noFill/>
-            </p:spPr>
-            <p:txBody>
-              <a:bodyPr wrap="square" lIns="0" tIns="91440" bIns="91440" rtlCol="0">
-                <a:spAutoFit/>
-              </a:bodyPr>
-              <a:lstStyle/>
-              <a:p>
-                <a:pPr>
-                  <a:spcBef>
-                    <a:spcPts val="1800"/>
-                  </a:spcBef>
-                </a:pPr>
-                <a:r>
-                  <a:rPr lang="en-US" sz="4000" b="1" dirty="0" smtClean="0">
-                    <a:solidFill>
-                      <a:schemeClr val="accent1"/>
-                    </a:solidFill>
-                    <a:ea typeface="Ebrima" pitchFamily="2" charset="0"/>
-                    <a:cs typeface="Ebrima" pitchFamily="2" charset="0"/>
-                  </a:rPr>
-                  <a:t>Controller</a:t>
-                </a:r>
-                <a:endParaRPr lang="en-US" sz="3600" b="1" dirty="0" smtClean="0">
-                  <a:solidFill>
-                    <a:schemeClr val="accent1"/>
-                  </a:solidFill>
-                  <a:ea typeface="Ebrima" pitchFamily="2" charset="0"/>
-                  <a:cs typeface="Ebrima" pitchFamily="2" charset="0"/>
-                </a:endParaRPr>
-              </a:p>
-              <a:p>
-                <a:pPr marL="225425" indent="-225425">
-                  <a:buFont typeface="Arial" pitchFamily="34" charset="0"/>
-                  <a:buChar char="•"/>
-                </a:pPr>
-                <a:r>
-                  <a:rPr lang="en-US" sz="3600" dirty="0" smtClean="0">
-                    <a:ea typeface="Ebrima" pitchFamily="2" charset="0"/>
-                    <a:cs typeface="Ebrima" pitchFamily="2" charset="0"/>
-                  </a:rPr>
-                  <a:t>Receives RSSI and battery data from the mesh network</a:t>
-                </a:r>
-              </a:p>
-              <a:p>
-                <a:pPr marL="225425" indent="-225425">
-                  <a:buFont typeface="Arial" pitchFamily="34" charset="0"/>
-                  <a:buChar char="•"/>
-                </a:pPr>
-                <a:r>
-                  <a:rPr lang="en-US" sz="3600" dirty="0" smtClean="0">
-                    <a:ea typeface="Ebrima" pitchFamily="2" charset="0"/>
-                    <a:cs typeface="Ebrima" pitchFamily="2" charset="0"/>
-                  </a:rPr>
-                  <a:t>Executes the locating algorithm</a:t>
-                </a:r>
-              </a:p>
-              <a:p>
-                <a:pPr marL="225425" indent="-225425">
-                  <a:buFont typeface="Arial" pitchFamily="34" charset="0"/>
-                  <a:buChar char="•"/>
-                </a:pPr>
-                <a:r>
-                  <a:rPr lang="en-US" sz="3600" dirty="0" smtClean="0">
-                    <a:ea typeface="Ebrima" pitchFamily="2" charset="0"/>
-                    <a:cs typeface="Ebrima" pitchFamily="2" charset="0"/>
-                  </a:rPr>
-                  <a:t>Communicates with the Database</a:t>
-                </a:r>
-              </a:p>
-              <a:p>
-                <a:pPr>
-                  <a:spcBef>
-                    <a:spcPts val="1800"/>
-                  </a:spcBef>
-                </a:pPr>
-                <a:r>
-                  <a:rPr lang="en-US" sz="4000" b="1" dirty="0" smtClean="0">
-                    <a:solidFill>
-                      <a:schemeClr val="accent1"/>
-                    </a:solidFill>
-                    <a:ea typeface="Ebrima" pitchFamily="2" charset="0"/>
-                    <a:cs typeface="Ebrima" pitchFamily="2" charset="0"/>
-                  </a:rPr>
-                  <a:t>Fingerprint Algorithm</a:t>
-                </a:r>
-              </a:p>
-              <a:p>
-                <a:pPr marL="225425" indent="-225425">
-                  <a:buFont typeface="Arial" pitchFamily="34" charset="0"/>
-                  <a:buChar char="•"/>
-                </a:pPr>
-                <a:r>
-                  <a:rPr lang="en-US" sz="3600" dirty="0" smtClean="0">
-                    <a:ea typeface="Ebrima" pitchFamily="2" charset="0"/>
-                    <a:cs typeface="Ebrima" pitchFamily="2" charset="0"/>
-                  </a:rPr>
-                  <a:t>A pattern matching algorithm based on Euclidean distance</a:t>
-                </a:r>
-              </a:p>
-              <a:p>
-                <a:pPr marL="225425" indent="-225425">
-                  <a:buFont typeface="Arial" pitchFamily="34" charset="0"/>
-                  <a:buChar char="•"/>
-                </a:pPr>
-                <a:r>
-                  <a:rPr lang="en-US" sz="3600" dirty="0" smtClean="0">
-                    <a:ea typeface="Ebrima" pitchFamily="2" charset="0"/>
-                    <a:cs typeface="Ebrima" pitchFamily="2" charset="0"/>
-                  </a:rPr>
-                  <a:t> Employs heuristics and input output filters to further enhance the accuracy and reliability of the locating process</a:t>
-                </a:r>
-              </a:p>
-              <a:p>
-                <a:pPr marL="225425" indent="-225425">
-                  <a:buFont typeface="Arial" pitchFamily="34" charset="0"/>
-                  <a:buChar char="•"/>
-                </a:pPr>
-                <a:endParaRPr lang="en-US" sz="3600" dirty="0" smtClean="0">
-                  <a:ea typeface="Ebrima" pitchFamily="2" charset="0"/>
-                  <a:cs typeface="Ebrima" pitchFamily="2" charset="0"/>
-                </a:endParaRPr>
-              </a:p>
-              <a:p>
-                <a:pPr marL="225425" indent="-225425">
-                  <a:buFont typeface="Arial" pitchFamily="34" charset="0"/>
-                  <a:buChar char="•"/>
-                </a:pPr>
-                <a:endParaRPr lang="en-US" sz="3600" dirty="0" smtClean="0">
-                  <a:ea typeface="Ebrima" pitchFamily="2" charset="0"/>
-                  <a:cs typeface="Ebrima" pitchFamily="2" charset="0"/>
-                </a:endParaRPr>
-              </a:p>
-              <a:p>
-                <a:pPr marL="225425" indent="-225425">
-                  <a:buFont typeface="Arial" pitchFamily="34" charset="0"/>
-                  <a:buChar char="•"/>
-                </a:pPr>
-                <a:endParaRPr lang="en-US" sz="3600" dirty="0" smtClean="0">
-                  <a:ea typeface="Ebrima" pitchFamily="2" charset="0"/>
-                  <a:cs typeface="Ebrima" pitchFamily="2" charset="0"/>
-                </a:endParaRPr>
-              </a:p>
-              <a:p>
-                <a:pPr marL="225425" indent="-225425">
-                  <a:buFont typeface="Arial" pitchFamily="34" charset="0"/>
-                  <a:buChar char="•"/>
-                </a:pPr>
-                <a:endParaRPr lang="en-US" sz="3600" dirty="0" smtClean="0">
-                  <a:ea typeface="Ebrima" pitchFamily="2" charset="0"/>
-                  <a:cs typeface="Ebrima" pitchFamily="2" charset="0"/>
-                </a:endParaRPr>
-              </a:p>
-              <a:p>
-                <a:pPr marL="225425" indent="-225425">
-                  <a:buFont typeface="Arial" pitchFamily="34" charset="0"/>
-                  <a:buChar char="•"/>
-                </a:pPr>
-                <a:endParaRPr lang="en-US" sz="3600" dirty="0" smtClean="0">
-                  <a:ea typeface="Ebrima" pitchFamily="2" charset="0"/>
-                  <a:cs typeface="Ebrima" pitchFamily="2" charset="0"/>
-                </a:endParaRPr>
-              </a:p>
-              <a:p>
-                <a:pPr marL="225425" indent="-225425">
-                  <a:buFont typeface="Arial" pitchFamily="34" charset="0"/>
-                  <a:buChar char="•"/>
-                </a:pPr>
-                <a:endParaRPr lang="en-US" sz="3600" dirty="0" smtClean="0">
-                  <a:ea typeface="Ebrima" pitchFamily="2" charset="0"/>
-                  <a:cs typeface="Ebrima" pitchFamily="2" charset="0"/>
-                </a:endParaRPr>
-              </a:p>
-              <a:p>
-                <a:pPr marL="225425" indent="-225425">
-                  <a:buFont typeface="Arial" pitchFamily="34" charset="0"/>
-                  <a:buChar char="•"/>
-                </a:pPr>
-                <a:endParaRPr lang="en-US" sz="3600" dirty="0" smtClean="0">
-                  <a:ea typeface="Ebrima" pitchFamily="2" charset="0"/>
-                  <a:cs typeface="Ebrima" pitchFamily="2" charset="0"/>
-                </a:endParaRPr>
-              </a:p>
-              <a:p>
-                <a:pPr marL="225425" indent="-225425">
-                  <a:buFont typeface="Arial" pitchFamily="34" charset="0"/>
-                  <a:buChar char="•"/>
-                </a:pPr>
-                <a:endParaRPr lang="en-US" sz="3600" dirty="0" smtClean="0">
-                  <a:ea typeface="Ebrima" pitchFamily="2" charset="0"/>
-                  <a:cs typeface="Ebrima" pitchFamily="2" charset="0"/>
-                </a:endParaRPr>
-              </a:p>
-              <a:p>
-                <a:pPr marL="225425" indent="-225425">
-                  <a:buFont typeface="Arial" pitchFamily="34" charset="0"/>
-                  <a:buChar char="•"/>
-                </a:pPr>
-                <a:endParaRPr lang="en-US" sz="3600" dirty="0" smtClean="0">
-                  <a:ea typeface="Ebrima" pitchFamily="2" charset="0"/>
-                  <a:cs typeface="Ebrima" pitchFamily="2" charset="0"/>
-                </a:endParaRPr>
-              </a:p>
-              <a:p>
-                <a:pPr>
-                  <a:spcBef>
-                    <a:spcPts val="1200"/>
-                  </a:spcBef>
-                </a:pPr>
-                <a:r>
-                  <a:rPr lang="en-US" sz="4000" b="1" dirty="0" smtClean="0">
-                    <a:solidFill>
-                      <a:schemeClr val="accent1"/>
-                    </a:solidFill>
-                    <a:ea typeface="Ebrima" pitchFamily="2" charset="0"/>
-                    <a:cs typeface="Ebrima" pitchFamily="2" charset="0"/>
-                  </a:rPr>
-                  <a:t>Web Application</a:t>
-                </a:r>
-              </a:p>
-              <a:p>
-                <a:pPr marL="225425" indent="-225425">
-                  <a:buFont typeface="Arial" pitchFamily="34" charset="0"/>
-                  <a:buChar char="•"/>
-                </a:pPr>
-                <a:r>
-                  <a:rPr lang="en-US" sz="3600" dirty="0" smtClean="0">
-                    <a:ea typeface="Ebrima" pitchFamily="2" charset="0"/>
-                    <a:cs typeface="Ebrima" pitchFamily="2" charset="0"/>
-                  </a:rPr>
-                  <a:t>Primary user interface with an interactive 2D map</a:t>
-                </a:r>
-              </a:p>
-              <a:p>
-                <a:pPr marL="225425" indent="-225425">
-                  <a:buFont typeface="Arial" pitchFamily="34" charset="0"/>
-                  <a:buChar char="•"/>
-                </a:pPr>
-                <a:r>
-                  <a:rPr lang="en-US" sz="3600" dirty="0" smtClean="0">
-                    <a:ea typeface="Ebrima" pitchFamily="2" charset="0"/>
-                    <a:cs typeface="Ebrima" pitchFamily="2" charset="0"/>
-                  </a:rPr>
-                  <a:t>Search TIUs and detectors via ID</a:t>
-                </a:r>
-              </a:p>
-              <a:p>
-                <a:pPr marL="225425" indent="-225425">
-                  <a:buFont typeface="Arial" pitchFamily="34" charset="0"/>
-                  <a:buChar char="•"/>
-                </a:pPr>
-                <a:r>
-                  <a:rPr lang="en-US" sz="3600" dirty="0" smtClean="0">
-                    <a:ea typeface="Ebrima" pitchFamily="2" charset="0"/>
-                    <a:cs typeface="Ebrima" pitchFamily="2" charset="0"/>
-                  </a:rPr>
-                  <a:t>Display locations and battery levels of all tags and detectors</a:t>
-                </a:r>
-              </a:p>
-              <a:p>
-                <a:pPr marL="225425" indent="-225425">
-                  <a:buFont typeface="Arial" pitchFamily="34" charset="0"/>
-                  <a:buChar char="•"/>
-                </a:pPr>
-                <a:r>
-                  <a:rPr lang="en-US" sz="3600" dirty="0" smtClean="0">
-                    <a:ea typeface="Ebrima" pitchFamily="2" charset="0"/>
-                    <a:cs typeface="Ebrima" pitchFamily="2" charset="0"/>
-                  </a:rPr>
-                  <a:t>Configure tags and detectors</a:t>
-                </a:r>
-              </a:p>
-              <a:p>
-                <a:pPr marL="225425" indent="-225425">
-                  <a:buFont typeface="Arial" pitchFamily="34" charset="0"/>
-                  <a:buChar char="•"/>
-                </a:pPr>
-                <a:r>
-                  <a:rPr lang="en-US" sz="3600" dirty="0" smtClean="0">
-                    <a:ea typeface="Ebrima" pitchFamily="2" charset="0"/>
-                    <a:cs typeface="Ebrima" pitchFamily="2" charset="0"/>
-                  </a:rPr>
-                  <a:t>Configure the tracking area</a:t>
-                </a:r>
-              </a:p>
-            </p:txBody>
-          </p:sp>
-          <p:pic>
-            <p:nvPicPr>
-              <p:cNvPr id="7" name="Picture 8"/>
-              <p:cNvPicPr>
-                <a:picLocks noChangeAspect="1" noChangeArrowheads="1"/>
-              </p:cNvPicPr>
-              <p:nvPr/>
-            </p:nvPicPr>
-            <p:blipFill>
-              <a:blip r:embed="rId23" cstate="print">
-                <a:clrChange>
-                  <a:clrFrom>
-                    <a:srgbClr val="FFFFFF"/>
-                  </a:clrFrom>
-                  <a:clrTo>
-                    <a:srgbClr val="FFFFFF">
-                      <a:alpha val="0"/>
-                    </a:srgbClr>
-                  </a:clrTo>
-                </a:clrChange>
-              </a:blip>
-              <a:srcRect/>
-              <a:stretch>
-                <a:fillRect/>
-              </a:stretch>
-            </p:blipFill>
-            <p:spPr bwMode="auto">
-              <a:xfrm>
-                <a:off x="13696950" y="19438620"/>
-                <a:ext cx="7105650" cy="4610100"/>
-              </a:xfrm>
-              <a:prstGeom prst="rect">
-                <a:avLst/>
-              </a:prstGeom>
-              <a:noFill/>
-              <a:ln w="9525">
-                <a:noFill/>
-                <a:miter lim="800000"/>
-                <a:headEnd/>
-                <a:tailEnd/>
-              </a:ln>
-            </p:spPr>
-          </p:pic>
-        </p:grpSp>
-      </p:grpSp>
-      <p:cxnSp>
-        <p:nvCxnSpPr>
-          <p:cNvPr id="47" name="Straight Connector 46"/>
-          <p:cNvCxnSpPr/>
+              </a:rPr>
+              <a:t>Tags</a:t>
+            </a:r>
+            <a:endParaRPr lang="en-US" sz="3600" b="1" dirty="0" smtClean="0">
+              <a:solidFill>
+                <a:schemeClr val="accent1"/>
+              </a:solidFill>
+              <a:ea typeface="Ebrima" pitchFamily="2" charset="0"/>
+              <a:cs typeface="Ebrima" pitchFamily="2" charset="0"/>
+            </a:endParaRPr>
+          </a:p>
+          <a:p>
+            <a:pPr marL="228600" indent="-228600">
+              <a:buFont typeface="Arial" pitchFamily="34" charset="0"/>
+              <a:buChar char="•"/>
+            </a:pPr>
+            <a:r>
+              <a:rPr lang="en-US" sz="3600" dirty="0" smtClean="0">
+                <a:ea typeface="Ebrima" pitchFamily="2" charset="0"/>
+                <a:cs typeface="Ebrima" pitchFamily="2" charset="0"/>
+              </a:rPr>
+              <a:t>Attached to TIUs</a:t>
+            </a:r>
+          </a:p>
+          <a:p>
+            <a:pPr marL="228600" indent="-228600">
+              <a:buFont typeface="Arial" pitchFamily="34" charset="0"/>
+              <a:buChar char="•"/>
+            </a:pPr>
+            <a:r>
+              <a:rPr lang="en-US" sz="3600" dirty="0" smtClean="0">
+                <a:ea typeface="Ebrima" pitchFamily="2" charset="0"/>
+                <a:cs typeface="Ebrima" pitchFamily="2" charset="0"/>
+              </a:rPr>
+              <a:t>Periodically broadcast</a:t>
+            </a:r>
+          </a:p>
+          <a:p>
+            <a:pPr marL="228600" indent="-228600">
+              <a:buFont typeface="Arial" pitchFamily="34" charset="0"/>
+              <a:buChar char="•"/>
+            </a:pPr>
+            <a:r>
+              <a:rPr lang="en-US" sz="3600" dirty="0" smtClean="0">
+                <a:ea typeface="Ebrima" pitchFamily="2" charset="0"/>
+                <a:cs typeface="Ebrima" pitchFamily="2" charset="0"/>
+              </a:rPr>
+              <a:t>When not broadcasting, in a low power state</a:t>
+            </a:r>
+          </a:p>
+          <a:p>
+            <a:pPr>
+              <a:spcBef>
+                <a:spcPts val="1800"/>
+              </a:spcBef>
+            </a:pPr>
+            <a:r>
+              <a:rPr lang="en-US" sz="4000" b="1" dirty="0" smtClean="0">
+                <a:solidFill>
+                  <a:schemeClr val="accent1"/>
+                </a:solidFill>
+                <a:ea typeface="Ebrima" pitchFamily="2" charset="0"/>
+                <a:cs typeface="Ebrima" pitchFamily="2" charset="0"/>
+              </a:rPr>
+              <a:t>Detectors </a:t>
+            </a:r>
+          </a:p>
+          <a:p>
+            <a:pPr marL="228600" indent="-228600">
+              <a:buFont typeface="Arial" pitchFamily="34" charset="0"/>
+              <a:buChar char="•"/>
+            </a:pPr>
+            <a:r>
+              <a:rPr lang="en-US" sz="3600" dirty="0" smtClean="0">
+                <a:ea typeface="Ebrima" pitchFamily="2" charset="0"/>
+                <a:cs typeface="Ebrima" pitchFamily="2" charset="0"/>
+              </a:rPr>
+              <a:t>Listen to messages from tags and determine the RSSI values</a:t>
+            </a:r>
+          </a:p>
+          <a:p>
+            <a:pPr marL="228600" indent="-228600">
+              <a:buFont typeface="Arial" pitchFamily="34" charset="0"/>
+              <a:buChar char="•"/>
+            </a:pPr>
+            <a:r>
+              <a:rPr lang="en-US" sz="3600" dirty="0" smtClean="0">
+                <a:ea typeface="Ebrima" pitchFamily="2" charset="0"/>
+                <a:cs typeface="Ebrima" pitchFamily="2" charset="0"/>
+              </a:rPr>
+              <a:t>Forward the messages to the proxy via a controlled flooding mechanism</a:t>
+            </a:r>
+          </a:p>
+          <a:p>
+            <a:pPr marL="228600" indent="-228600">
+              <a:buFont typeface="Arial" pitchFamily="34" charset="0"/>
+              <a:buChar char="•"/>
+            </a:pPr>
+            <a:r>
+              <a:rPr lang="en-US" sz="3600" dirty="0" smtClean="0">
+                <a:ea typeface="Ebrima" pitchFamily="2" charset="0"/>
+                <a:cs typeface="Ebrima" pitchFamily="2" charset="0"/>
+              </a:rPr>
+              <a:t>Implements collision avoidance using time division</a:t>
+            </a:r>
+          </a:p>
+          <a:p>
+            <a:pPr>
+              <a:spcBef>
+                <a:spcPts val="1800"/>
+              </a:spcBef>
+            </a:pPr>
+            <a:r>
+              <a:rPr lang="en-US" sz="4000" b="1" dirty="0" smtClean="0">
+                <a:solidFill>
+                  <a:schemeClr val="accent1"/>
+                </a:solidFill>
+                <a:ea typeface="Ebrima" pitchFamily="2" charset="0"/>
+                <a:cs typeface="Ebrima" pitchFamily="2" charset="0"/>
+              </a:rPr>
+              <a:t>Wi-Fi Proxy</a:t>
+            </a:r>
+          </a:p>
+          <a:p>
+            <a:pPr marL="233363" indent="-233363">
+              <a:buFont typeface="Arial" pitchFamily="34" charset="0"/>
+              <a:buChar char="•"/>
+            </a:pPr>
+            <a:r>
+              <a:rPr lang="en-US" sz="3600" dirty="0" smtClean="0">
+                <a:ea typeface="Ebrima" pitchFamily="2" charset="0"/>
+                <a:cs typeface="Ebrima" pitchFamily="2" charset="0"/>
+              </a:rPr>
+              <a:t>Relays data from the mesh network to the controller</a:t>
+            </a:r>
+          </a:p>
+          <a:p>
+            <a:pPr>
+              <a:spcBef>
+                <a:spcPts val="1800"/>
+              </a:spcBef>
+            </a:pPr>
+            <a:r>
+              <a:rPr lang="en-US" sz="4000" b="1" dirty="0" smtClean="0">
+                <a:solidFill>
+                  <a:schemeClr val="accent1"/>
+                </a:solidFill>
+                <a:ea typeface="Ebrima" pitchFamily="2" charset="0"/>
+                <a:cs typeface="Ebrima" pitchFamily="2" charset="0"/>
+              </a:rPr>
+              <a:t>SQL Database</a:t>
+            </a:r>
+          </a:p>
+          <a:p>
+            <a:pPr marL="225425" indent="-225425">
+              <a:buFont typeface="Arial" pitchFamily="34" charset="0"/>
+              <a:buChar char="•"/>
+            </a:pPr>
+            <a:r>
+              <a:rPr lang="en-US" sz="3600" dirty="0" smtClean="0">
+                <a:ea typeface="Ebrima" pitchFamily="2" charset="0"/>
+                <a:cs typeface="Ebrima" pitchFamily="2" charset="0"/>
+              </a:rPr>
+              <a:t>Stores locations and battery levels of all tags and detectors</a:t>
+            </a:r>
+          </a:p>
+          <a:p>
+            <a:pPr marL="225425" indent="-225425">
+              <a:buFont typeface="Arial" pitchFamily="34" charset="0"/>
+              <a:buChar char="•"/>
+            </a:pPr>
+            <a:r>
+              <a:rPr lang="en-US" sz="3600" dirty="0" smtClean="0">
+                <a:ea typeface="Ebrima" pitchFamily="2" charset="0"/>
+                <a:cs typeface="Ebrima" pitchFamily="2" charset="0"/>
+              </a:rPr>
+              <a:t>Stores user accounts</a:t>
+            </a:r>
+          </a:p>
+        </p:txBody>
+      </p:sp>
+      <p:sp>
+        <p:nvSpPr>
+          <p:cNvPr id="166" name="TextBox 165"/>
+          <p:cNvSpPr txBox="1"/>
           <p:nvPr/>
-        </p:nvCxnSpPr>
+        </p:nvSpPr>
         <p:spPr>
-          <a:xfrm rot="10800000">
-            <a:off x="14020800" y="28650406"/>
-            <a:ext cx="3657600" cy="0"/>
+          <a:xfrm>
+            <a:off x="13594080" y="11277600"/>
+            <a:ext cx="7208520" cy="18481983"/>
           </a:xfrm>
-          <a:prstGeom prst="line">
+          <a:prstGeom prst="rect">
             <a:avLst/>
           </a:prstGeom>
-          <a:ln w="76200">
-            <a:solidFill>
-              <a:schemeClr val="accent2">
-                <a:lumMod val="40000"/>
-                <a:lumOff val="60000"/>
-              </a:schemeClr>
-            </a:solidFill>
-          </a:ln>
+          <a:noFill/>
         </p:spPr>
-        <p:style>
-          <a:lnRef idx="1">
-            <a:schemeClr val="accent1"/>
-          </a:lnRef>
-          <a:fillRef idx="0">
-            <a:schemeClr val="accent1"/>
-          </a:fillRef>
-          <a:effectRef idx="0">
-            <a:schemeClr val="accent1"/>
-          </a:effectRef>
-          <a:fontRef idx="minor">
-            <a:schemeClr val="tx1"/>
-          </a:fontRef>
-        </p:style>
-      </p:cxnSp>
-      <p:cxnSp>
-        <p:nvCxnSpPr>
-          <p:cNvPr id="79" name="Straight Connector 78"/>
-          <p:cNvCxnSpPr/>
-          <p:nvPr/>
-        </p:nvCxnSpPr>
-        <p:spPr>
-          <a:xfrm rot="10800000">
-            <a:off x="13411200" y="28879006"/>
-            <a:ext cx="5105400" cy="0"/>
-          </a:xfrm>
-          <a:prstGeom prst="line">
-            <a:avLst/>
-          </a:prstGeom>
-          <a:ln w="76200">
-            <a:solidFill>
-              <a:schemeClr val="accent2">
-                <a:lumMod val="40000"/>
-                <a:lumOff val="60000"/>
-              </a:schemeClr>
-            </a:solidFill>
-          </a:ln>
-        </p:spPr>
-        <p:style>
-          <a:lnRef idx="1">
-            <a:schemeClr val="accent1"/>
-          </a:lnRef>
-          <a:fillRef idx="0">
-            <a:schemeClr val="accent1"/>
-          </a:fillRef>
-          <a:effectRef idx="0">
-            <a:schemeClr val="accent1"/>
-          </a:effectRef>
-          <a:fontRef idx="minor">
-            <a:schemeClr val="tx1"/>
-          </a:fontRef>
-        </p:style>
-      </p:cxnSp>
+        <p:txBody>
+          <a:bodyPr wrap="square" lIns="0" tIns="91440" bIns="91440" rtlCol="0">
+            <a:spAutoFit/>
+          </a:bodyPr>
+          <a:lstStyle/>
+          <a:p>
+            <a:pPr>
+              <a:spcBef>
+                <a:spcPts val="1800"/>
+              </a:spcBef>
+            </a:pPr>
+            <a:r>
+              <a:rPr lang="en-US" sz="4000" b="1" dirty="0" smtClean="0">
+                <a:solidFill>
+                  <a:schemeClr val="accent1"/>
+                </a:solidFill>
+                <a:ea typeface="Ebrima" pitchFamily="2" charset="0"/>
+                <a:cs typeface="Ebrima" pitchFamily="2" charset="0"/>
+              </a:rPr>
+              <a:t>Controller</a:t>
+            </a:r>
+            <a:endParaRPr lang="en-US" sz="3600" b="1" dirty="0" smtClean="0">
+              <a:solidFill>
+                <a:schemeClr val="accent1"/>
+              </a:solidFill>
+              <a:ea typeface="Ebrima" pitchFamily="2" charset="0"/>
+              <a:cs typeface="Ebrima" pitchFamily="2" charset="0"/>
+            </a:endParaRPr>
+          </a:p>
+          <a:p>
+            <a:pPr marL="225425" indent="-225425">
+              <a:buFont typeface="Arial" pitchFamily="34" charset="0"/>
+              <a:buChar char="•"/>
+            </a:pPr>
+            <a:r>
+              <a:rPr lang="en-US" sz="3600" dirty="0" smtClean="0">
+                <a:ea typeface="Ebrima" pitchFamily="2" charset="0"/>
+                <a:cs typeface="Ebrima" pitchFamily="2" charset="0"/>
+              </a:rPr>
+              <a:t>Receives RSSI and battery data from the mesh network</a:t>
+            </a:r>
+          </a:p>
+          <a:p>
+            <a:pPr marL="225425" indent="-225425">
+              <a:buFont typeface="Arial" pitchFamily="34" charset="0"/>
+              <a:buChar char="•"/>
+            </a:pPr>
+            <a:r>
+              <a:rPr lang="en-US" sz="3600" dirty="0" smtClean="0">
+                <a:ea typeface="Ebrima" pitchFamily="2" charset="0"/>
+                <a:cs typeface="Ebrima" pitchFamily="2" charset="0"/>
+              </a:rPr>
+              <a:t>Executes the locating algorithm</a:t>
+            </a:r>
+          </a:p>
+          <a:p>
+            <a:pPr marL="225425" indent="-225425">
+              <a:buFont typeface="Arial" pitchFamily="34" charset="0"/>
+              <a:buChar char="•"/>
+            </a:pPr>
+            <a:r>
+              <a:rPr lang="en-US" sz="3600" dirty="0" smtClean="0">
+                <a:ea typeface="Ebrima" pitchFamily="2" charset="0"/>
+                <a:cs typeface="Ebrima" pitchFamily="2" charset="0"/>
+              </a:rPr>
+              <a:t>Communicates with the Database</a:t>
+            </a:r>
+          </a:p>
+          <a:p>
+            <a:pPr>
+              <a:spcBef>
+                <a:spcPts val="1800"/>
+              </a:spcBef>
+            </a:pPr>
+            <a:r>
+              <a:rPr lang="en-US" sz="4000" b="1" dirty="0" smtClean="0">
+                <a:solidFill>
+                  <a:schemeClr val="accent1"/>
+                </a:solidFill>
+                <a:ea typeface="Ebrima" pitchFamily="2" charset="0"/>
+                <a:cs typeface="Ebrima" pitchFamily="2" charset="0"/>
+              </a:rPr>
+              <a:t>Fingerprint Algorithm</a:t>
+            </a:r>
+          </a:p>
+          <a:p>
+            <a:pPr marL="225425" indent="-225425">
+              <a:buFont typeface="Arial" pitchFamily="34" charset="0"/>
+              <a:buChar char="•"/>
+            </a:pPr>
+            <a:r>
+              <a:rPr lang="en-US" sz="3600" dirty="0" smtClean="0">
+                <a:ea typeface="Ebrima" pitchFamily="2" charset="0"/>
+                <a:cs typeface="Ebrima" pitchFamily="2" charset="0"/>
+              </a:rPr>
+              <a:t>A pattern matching algorithm based on Euclidean distance</a:t>
+            </a:r>
+          </a:p>
+          <a:p>
+            <a:pPr marL="225425" indent="-225425">
+              <a:buFont typeface="Arial" pitchFamily="34" charset="0"/>
+              <a:buChar char="•"/>
+            </a:pPr>
+            <a:r>
+              <a:rPr lang="en-US" sz="3600" dirty="0" smtClean="0">
+                <a:ea typeface="Ebrima" pitchFamily="2" charset="0"/>
+                <a:cs typeface="Ebrima" pitchFamily="2" charset="0"/>
+              </a:rPr>
+              <a:t> Employs heuristics and input output filters to further enhance the accuracy and reliability of the locating process</a:t>
+            </a:r>
+          </a:p>
+          <a:p>
+            <a:pPr marL="225425" indent="-225425">
+              <a:buFont typeface="Arial" pitchFamily="34" charset="0"/>
+              <a:buChar char="•"/>
+            </a:pPr>
+            <a:endParaRPr lang="en-US" sz="3600" dirty="0" smtClean="0">
+              <a:ea typeface="Ebrima" pitchFamily="2" charset="0"/>
+              <a:cs typeface="Ebrima" pitchFamily="2" charset="0"/>
+            </a:endParaRPr>
+          </a:p>
+          <a:p>
+            <a:pPr marL="225425" indent="-225425">
+              <a:buFont typeface="Arial" pitchFamily="34" charset="0"/>
+              <a:buChar char="•"/>
+            </a:pPr>
+            <a:endParaRPr lang="en-US" sz="3600" dirty="0" smtClean="0">
+              <a:ea typeface="Ebrima" pitchFamily="2" charset="0"/>
+              <a:cs typeface="Ebrima" pitchFamily="2" charset="0"/>
+            </a:endParaRPr>
+          </a:p>
+          <a:p>
+            <a:pPr marL="225425" indent="-225425">
+              <a:buFont typeface="Arial" pitchFamily="34" charset="0"/>
+              <a:buChar char="•"/>
+            </a:pPr>
+            <a:endParaRPr lang="en-US" sz="3600" dirty="0" smtClean="0">
+              <a:ea typeface="Ebrima" pitchFamily="2" charset="0"/>
+              <a:cs typeface="Ebrima" pitchFamily="2" charset="0"/>
+            </a:endParaRPr>
+          </a:p>
+          <a:p>
+            <a:pPr marL="225425" indent="-225425"/>
+            <a:endParaRPr lang="en-US" sz="3600" dirty="0" smtClean="0">
+              <a:ea typeface="Ebrima" pitchFamily="2" charset="0"/>
+              <a:cs typeface="Ebrima" pitchFamily="2" charset="0"/>
+            </a:endParaRPr>
+          </a:p>
+          <a:p>
+            <a:pPr marL="225425" indent="-225425"/>
+            <a:r>
+              <a:rPr lang="en-US" sz="3600" dirty="0" smtClean="0">
+                <a:ea typeface="Ebrima" pitchFamily="2" charset="0"/>
+                <a:cs typeface="Ebrima" pitchFamily="2" charset="0"/>
+              </a:rPr>
+              <a:t>Where</a:t>
+            </a:r>
+          </a:p>
+          <a:p>
+            <a:pPr marL="225425" indent="-225425">
+              <a:buFont typeface="Arial" pitchFamily="34" charset="0"/>
+              <a:buChar char="•"/>
+            </a:pPr>
+            <a:r>
+              <a:rPr lang="en-US" sz="3600" dirty="0" smtClean="0">
+                <a:ea typeface="Ebrima" pitchFamily="2" charset="0"/>
+                <a:cs typeface="Ebrima" pitchFamily="2" charset="0"/>
+              </a:rPr>
+              <a:t> </a:t>
+            </a:r>
+            <a:r>
+              <a:rPr lang="en-US" sz="3600" dirty="0" smtClean="0">
+                <a:ea typeface="Ebrima" pitchFamily="2" charset="0"/>
+                <a:cs typeface="Ebrima" pitchFamily="2" charset="0"/>
+              </a:rPr>
+              <a:t>d = Euclidean distance</a:t>
+            </a:r>
+          </a:p>
+          <a:p>
+            <a:pPr marL="225425" indent="-225425">
+              <a:buFont typeface="Arial" pitchFamily="34" charset="0"/>
+              <a:buChar char="•"/>
+            </a:pPr>
+            <a:r>
+              <a:rPr lang="en-US" sz="3600" dirty="0" smtClean="0">
+                <a:ea typeface="Ebrima" pitchFamily="2" charset="0"/>
+                <a:cs typeface="Ebrima" pitchFamily="2" charset="0"/>
+              </a:rPr>
+              <a:t> </a:t>
+            </a:r>
+            <a:r>
+              <a:rPr lang="en-US" sz="3600" dirty="0" smtClean="0">
+                <a:ea typeface="Ebrima" pitchFamily="2" charset="0"/>
+                <a:cs typeface="Ebrima" pitchFamily="2" charset="0"/>
+              </a:rPr>
+              <a:t>N = Number of detectors</a:t>
+            </a:r>
+          </a:p>
+          <a:p>
+            <a:pPr marL="225425" indent="-225425">
+              <a:buFont typeface="Arial" pitchFamily="34" charset="0"/>
+              <a:buChar char="•"/>
+            </a:pPr>
+            <a:r>
+              <a:rPr lang="en-US" sz="3600" dirty="0" smtClean="0">
+                <a:ea typeface="Ebrima" pitchFamily="2" charset="0"/>
+                <a:cs typeface="Ebrima" pitchFamily="2" charset="0"/>
+              </a:rPr>
+              <a:t> </a:t>
+            </a:r>
+            <a:r>
+              <a:rPr lang="en-US" sz="3600" dirty="0" err="1" smtClean="0">
+                <a:ea typeface="Ebrima" pitchFamily="2" charset="0"/>
+                <a:cs typeface="Ebrima" pitchFamily="2" charset="0"/>
+              </a:rPr>
+              <a:t>RSSI</a:t>
+            </a:r>
+            <a:r>
+              <a:rPr lang="en-US" sz="2400" dirty="0" err="1" smtClean="0">
+                <a:ea typeface="Ebrima" pitchFamily="2" charset="0"/>
+                <a:cs typeface="Ebrima" pitchFamily="2" charset="0"/>
+              </a:rPr>
+              <a:t>li</a:t>
+            </a:r>
+            <a:r>
+              <a:rPr lang="en-US" sz="3600" dirty="0" smtClean="0">
+                <a:ea typeface="Ebrima" pitchFamily="2" charset="0"/>
+                <a:cs typeface="Ebrima" pitchFamily="2" charset="0"/>
+              </a:rPr>
+              <a:t> = RSSI value from detector I in locating phase</a:t>
+            </a:r>
+          </a:p>
+          <a:p>
+            <a:pPr marL="225425" indent="-225425">
+              <a:buFont typeface="Arial" pitchFamily="34" charset="0"/>
+              <a:buChar char="•"/>
+            </a:pPr>
+            <a:r>
+              <a:rPr lang="en-US" sz="3600" dirty="0" smtClean="0">
+                <a:ea typeface="Ebrima" pitchFamily="2" charset="0"/>
+                <a:cs typeface="Ebrima" pitchFamily="2" charset="0"/>
+              </a:rPr>
+              <a:t> </a:t>
+            </a:r>
+            <a:r>
+              <a:rPr lang="en-US" sz="3600" dirty="0" err="1" smtClean="0">
+                <a:ea typeface="Ebrima" pitchFamily="2" charset="0"/>
+                <a:cs typeface="Ebrima" pitchFamily="2" charset="0"/>
+              </a:rPr>
+              <a:t>RSSI</a:t>
+            </a:r>
+            <a:r>
+              <a:rPr lang="en-US" sz="2400" dirty="0" err="1" smtClean="0">
+                <a:ea typeface="Ebrima" pitchFamily="2" charset="0"/>
+                <a:cs typeface="Ebrima" pitchFamily="2" charset="0"/>
+              </a:rPr>
+              <a:t>ci</a:t>
+            </a:r>
+            <a:r>
+              <a:rPr lang="en-US" sz="3600" dirty="0" smtClean="0">
+                <a:ea typeface="Ebrima" pitchFamily="2" charset="0"/>
+                <a:cs typeface="Ebrima" pitchFamily="2" charset="0"/>
+              </a:rPr>
+              <a:t> = RSSI value from detector I in calibrating phase</a:t>
+            </a:r>
+          </a:p>
+          <a:p>
+            <a:pPr>
+              <a:spcBef>
+                <a:spcPts val="1200"/>
+              </a:spcBef>
+            </a:pPr>
+            <a:r>
+              <a:rPr lang="en-US" sz="4000" b="1" smtClean="0">
+                <a:solidFill>
+                  <a:schemeClr val="accent1"/>
+                </a:solidFill>
+                <a:ea typeface="Ebrima" pitchFamily="2" charset="0"/>
+                <a:cs typeface="Ebrima" pitchFamily="2" charset="0"/>
+              </a:rPr>
+              <a:t>Web </a:t>
+            </a:r>
+            <a:r>
+              <a:rPr lang="en-US" sz="4000" b="1" dirty="0" smtClean="0">
+                <a:solidFill>
+                  <a:schemeClr val="accent1"/>
+                </a:solidFill>
+                <a:ea typeface="Ebrima" pitchFamily="2" charset="0"/>
+                <a:cs typeface="Ebrima" pitchFamily="2" charset="0"/>
+              </a:rPr>
+              <a:t>Application</a:t>
+            </a:r>
+          </a:p>
+          <a:p>
+            <a:pPr marL="225425" indent="-225425">
+              <a:buFont typeface="Arial" pitchFamily="34" charset="0"/>
+              <a:buChar char="•"/>
+            </a:pPr>
+            <a:r>
+              <a:rPr lang="en-US" sz="3600" dirty="0" smtClean="0">
+                <a:ea typeface="Ebrima" pitchFamily="2" charset="0"/>
+                <a:cs typeface="Ebrima" pitchFamily="2" charset="0"/>
+              </a:rPr>
+              <a:t>Primary user interface with an interactive 2D map</a:t>
+            </a:r>
+          </a:p>
+          <a:p>
+            <a:pPr marL="225425" indent="-225425">
+              <a:buFont typeface="Arial" pitchFamily="34" charset="0"/>
+              <a:buChar char="•"/>
+            </a:pPr>
+            <a:r>
+              <a:rPr lang="en-US" sz="3600" dirty="0" smtClean="0">
+                <a:ea typeface="Ebrima" pitchFamily="2" charset="0"/>
+                <a:cs typeface="Ebrima" pitchFamily="2" charset="0"/>
+              </a:rPr>
+              <a:t>Search TIUs and detectors via ID</a:t>
+            </a:r>
+          </a:p>
+          <a:p>
+            <a:pPr marL="225425" indent="-225425">
+              <a:buFont typeface="Arial" pitchFamily="34" charset="0"/>
+              <a:buChar char="•"/>
+            </a:pPr>
+            <a:r>
+              <a:rPr lang="en-US" sz="3600" dirty="0" smtClean="0">
+                <a:ea typeface="Ebrima" pitchFamily="2" charset="0"/>
+                <a:cs typeface="Ebrima" pitchFamily="2" charset="0"/>
+              </a:rPr>
+              <a:t>Display locations and battery levels of all tags and detectors</a:t>
+            </a:r>
+          </a:p>
+          <a:p>
+            <a:pPr marL="225425" indent="-225425">
+              <a:buFont typeface="Arial" pitchFamily="34" charset="0"/>
+              <a:buChar char="•"/>
+            </a:pPr>
+            <a:r>
+              <a:rPr lang="en-US" sz="3600" dirty="0" smtClean="0">
+                <a:ea typeface="Ebrima" pitchFamily="2" charset="0"/>
+                <a:cs typeface="Ebrima" pitchFamily="2" charset="0"/>
+              </a:rPr>
+              <a:t>Configure tags and detectors</a:t>
+            </a:r>
+          </a:p>
+          <a:p>
+            <a:pPr marL="225425" indent="-225425">
+              <a:buFont typeface="Arial" pitchFamily="34" charset="0"/>
+              <a:buChar char="•"/>
+            </a:pPr>
+            <a:r>
+              <a:rPr lang="en-US" sz="3600" dirty="0" smtClean="0">
+                <a:ea typeface="Ebrima" pitchFamily="2" charset="0"/>
+                <a:cs typeface="Ebrima" pitchFamily="2" charset="0"/>
+              </a:rPr>
+              <a:t>Configure the tracking area</a:t>
+            </a:r>
+          </a:p>
+        </p:txBody>
+      </p:sp>
       <p:grpSp>
         <p:nvGrpSpPr>
           <p:cNvPr id="172" name="Group 171"/>
@@ -8457,6 +8387,26 @@
           </a:prstGeom>
         </p:spPr>
       </p:pic>
+      <p:graphicFrame>
+        <p:nvGraphicFramePr>
+          <p:cNvPr id="5" name="Object 2"/>
+          <p:cNvGraphicFramePr>
+            <a:graphicFrameLocks noChangeAspect="1"/>
+          </p:cNvGraphicFramePr>
+          <p:nvPr/>
+        </p:nvGraphicFramePr>
+        <p:xfrm>
+          <a:off x="13792200" y="18364200"/>
+          <a:ext cx="6705600" cy="2068519"/>
+        </p:xfrm>
+        <a:graphic>
+          <a:graphicData uri="http://schemas.openxmlformats.org/presentationml/2006/ole">
+            <p:oleObj spid="_x0000_s1026" name="Equation" r:id="rId25" imgW="1562040" imgH="482400" progId="Equation.3">
+              <p:embed/>
+            </p:oleObj>
+          </a:graphicData>
+        </a:graphic>
+      </p:graphicFrame>
     </p:spTree>
   </p:cSld>
   <p:clrMapOvr>

--- a/Docs/TIU_Tracking_Poster_v9.pptx
+++ b/Docs/TIU_Tracking_Poster_v9.pptx
@@ -325,11 +325,11 @@
           <c:smooth val="1"/>
         </c:ser>
         <c:marker val="1"/>
-        <c:axId val="80265984"/>
-        <c:axId val="80269312"/>
+        <c:axId val="49204608"/>
+        <c:axId val="70305664"/>
       </c:lineChart>
       <c:catAx>
-        <c:axId val="80265984"/>
+        <c:axId val="49204608"/>
         <c:scaling>
           <c:orientation val="minMax"/>
         </c:scaling>
@@ -364,14 +364,14 @@
             <a:endParaRPr lang="en-US"/>
           </a:p>
         </c:txPr>
-        <c:crossAx val="80269312"/>
+        <c:crossAx val="70305664"/>
         <c:crosses val="autoZero"/>
         <c:auto val="1"/>
         <c:lblAlgn val="ctr"/>
         <c:lblOffset val="100"/>
       </c:catAx>
       <c:valAx>
-        <c:axId val="80269312"/>
+        <c:axId val="70305664"/>
         <c:scaling>
           <c:orientation val="minMax"/>
           <c:max val="280"/>
@@ -419,7 +419,7 @@
             <a:endParaRPr lang="en-US"/>
           </a:p>
         </c:txPr>
-        <c:crossAx val="80265984"/>
+        <c:crossAx val="49204608"/>
         <c:crosses val="autoZero"/>
         <c:crossBetween val="between"/>
       </c:valAx>
@@ -3833,11 +3833,7 @@
             <a:pPr algn="just"/>
             <a:r>
               <a:rPr lang="en-US" sz="3600" dirty="0" smtClean="0"/>
-              <a:t>The complete </a:t>
-            </a:r>
-            <a:r>
-              <a:rPr lang="en-US" sz="3600" dirty="0" smtClean="0"/>
-              <a:t>system that achieves small size,  low cost, and battery life that exceeds 1 month. As for accuracy, when a tag is placed on exactly a location that was calibrated, success rates are at least 90%.</a:t>
+              <a:t>The complete system that achieves small size,  low cost, and battery life that exceeds 1 month. As for accuracy, when a tag is placed on exactly a location that was calibrated, success rates are at least 90%.</a:t>
             </a:r>
           </a:p>
           <a:p>
@@ -7955,14 +7951,20 @@
                 <a:ea typeface="Ebrima" pitchFamily="2" charset="0"/>
                 <a:cs typeface="Ebrima" pitchFamily="2" charset="0"/>
               </a:rPr>
-              <a:t> </a:t>
-            </a:r>
+              <a:t> d = Euclidean distance</a:t>
+            </a:r>
+          </a:p>
+          <a:p>
+            <a:pPr marL="225425" indent="-225425">
+              <a:buFont typeface="Arial" pitchFamily="34" charset="0"/>
+              <a:buChar char="•"/>
+            </a:pPr>
             <a:r>
               <a:rPr lang="en-US" sz="3600" dirty="0" smtClean="0">
                 <a:ea typeface="Ebrima" pitchFamily="2" charset="0"/>
                 <a:cs typeface="Ebrima" pitchFamily="2" charset="0"/>
               </a:rPr>
-              <a:t>d = Euclidean distance</a:t>
+              <a:t> N = Number of detectors</a:t>
             </a:r>
           </a:p>
           <a:p>
@@ -7978,11 +7980,25 @@
               <a:t> </a:t>
             </a:r>
             <a:r>
+              <a:rPr lang="en-US" sz="3600" dirty="0" err="1" smtClean="0">
+                <a:ea typeface="Ebrima" pitchFamily="2" charset="0"/>
+                <a:cs typeface="Ebrima" pitchFamily="2" charset="0"/>
+              </a:rPr>
+              <a:t>RSSI</a:t>
+            </a:r>
+            <a:r>
+              <a:rPr lang="en-US" sz="2400" dirty="0" err="1" smtClean="0">
+                <a:ea typeface="Ebrima" pitchFamily="2" charset="0"/>
+                <a:cs typeface="Ebrima" pitchFamily="2" charset="0"/>
+              </a:rPr>
+              <a:t>li</a:t>
+            </a:r>
+            <a:r>
               <a:rPr lang="en-US" sz="3600" dirty="0" smtClean="0">
                 <a:ea typeface="Ebrima" pitchFamily="2" charset="0"/>
                 <a:cs typeface="Ebrima" pitchFamily="2" charset="0"/>
               </a:rPr>
-              <a:t>N = Number of detectors</a:t>
+              <a:t> = RSSI value from detector I in locating phase</a:t>
             </a:r>
           </a:p>
           <a:p>
@@ -8009,40 +8025,6 @@
                 <a:ea typeface="Ebrima" pitchFamily="2" charset="0"/>
                 <a:cs typeface="Ebrima" pitchFamily="2" charset="0"/>
               </a:rPr>
-              <a:t>li</a:t>
-            </a:r>
-            <a:r>
-              <a:rPr lang="en-US" sz="3600" dirty="0" smtClean="0">
-                <a:ea typeface="Ebrima" pitchFamily="2" charset="0"/>
-                <a:cs typeface="Ebrima" pitchFamily="2" charset="0"/>
-              </a:rPr>
-              <a:t> = RSSI value from detector I in locating phase</a:t>
-            </a:r>
-          </a:p>
-          <a:p>
-            <a:pPr marL="225425" indent="-225425">
-              <a:buFont typeface="Arial" pitchFamily="34" charset="0"/>
-              <a:buChar char="•"/>
-            </a:pPr>
-            <a:r>
-              <a:rPr lang="en-US" sz="3600" dirty="0" smtClean="0">
-                <a:ea typeface="Ebrima" pitchFamily="2" charset="0"/>
-                <a:cs typeface="Ebrima" pitchFamily="2" charset="0"/>
-              </a:rPr>
-              <a:t> </a:t>
-            </a:r>
-            <a:r>
-              <a:rPr lang="en-US" sz="3600" dirty="0" err="1" smtClean="0">
-                <a:ea typeface="Ebrima" pitchFamily="2" charset="0"/>
-                <a:cs typeface="Ebrima" pitchFamily="2" charset="0"/>
-              </a:rPr>
-              <a:t>RSSI</a:t>
-            </a:r>
-            <a:r>
-              <a:rPr lang="en-US" sz="2400" dirty="0" err="1" smtClean="0">
-                <a:ea typeface="Ebrima" pitchFamily="2" charset="0"/>
-                <a:cs typeface="Ebrima" pitchFamily="2" charset="0"/>
-              </a:rPr>
               <a:t>ci</a:t>
             </a:r>
             <a:r>
@@ -8059,16 +8041,6 @@
                 <a:spcPts val="1200"/>
               </a:spcBef>
             </a:pPr>
-            <a:r>
-              <a:rPr lang="en-US" sz="4000" b="1" smtClean="0">
-                <a:solidFill>
-                  <a:schemeClr val="accent1"/>
-                </a:solidFill>
-                <a:ea typeface="Ebrima" pitchFamily="2" charset="0"/>
-                <a:cs typeface="Ebrima" pitchFamily="2" charset="0"/>
-              </a:rPr>
-              <a:t>Web </a:t>
-            </a:r>
             <a:r>
               <a:rPr lang="en-US" sz="4000" b="1" dirty="0" smtClean="0">
                 <a:solidFill>
@@ -8077,7 +8049,7 @@
                 <a:ea typeface="Ebrima" pitchFamily="2" charset="0"/>
                 <a:cs typeface="Ebrima" pitchFamily="2" charset="0"/>
               </a:rPr>
-              <a:t>Application</a:t>
+              <a:t>Web Application</a:t>
             </a:r>
           </a:p>
           <a:p>

--- a/Docs/TIU_Tracking_Poster_v9.pptx
+++ b/Docs/TIU_Tracking_Poster_v9.pptx
@@ -325,11 +325,11 @@
           <c:smooth val="1"/>
         </c:ser>
         <c:marker val="1"/>
-        <c:axId val="49204608"/>
-        <c:axId val="70305664"/>
+        <c:axId val="45858176"/>
+        <c:axId val="72210304"/>
       </c:lineChart>
       <c:catAx>
-        <c:axId val="49204608"/>
+        <c:axId val="45858176"/>
         <c:scaling>
           <c:orientation val="minMax"/>
         </c:scaling>
@@ -364,14 +364,14 @@
             <a:endParaRPr lang="en-US"/>
           </a:p>
         </c:txPr>
-        <c:crossAx val="70305664"/>
+        <c:crossAx val="72210304"/>
         <c:crosses val="autoZero"/>
         <c:auto val="1"/>
         <c:lblAlgn val="ctr"/>
         <c:lblOffset val="100"/>
       </c:catAx>
       <c:valAx>
-        <c:axId val="70305664"/>
+        <c:axId val="72210304"/>
         <c:scaling>
           <c:orientation val="minMax"/>
           <c:max val="280"/>
@@ -419,7 +419,7 @@
             <a:endParaRPr lang="en-US"/>
           </a:p>
         </c:txPr>
-        <c:crossAx val="49204608"/>
+        <c:crossAx val="45858176"/>
         <c:crosses val="autoZero"/>
         <c:crossBetween val="between"/>
       </c:valAx>
@@ -3833,7 +3833,15 @@
             <a:pPr algn="just"/>
             <a:r>
               <a:rPr lang="en-US" sz="3600" dirty="0" smtClean="0"/>
-              <a:t>The complete system that achieves small size,  low cost, and battery life that exceeds 1 month. As for accuracy, when a tag is placed on exactly a location that was calibrated, success rates are at least 90%.</a:t>
+              <a:t>The complete system </a:t>
+            </a:r>
+            <a:r>
+              <a:rPr lang="en-US" sz="3600" dirty="0" smtClean="0"/>
+              <a:t>achieves </a:t>
+            </a:r>
+            <a:r>
+              <a:rPr lang="en-US" sz="3600" dirty="0" smtClean="0"/>
+              <a:t>small size,  low cost, and battery life that exceeds 1 month. As for accuracy, when a tag is placed on exactly a location that was calibrated, success rates are at least 90%.</a:t>
             </a:r>
           </a:p>
           <a:p>
@@ -5000,7 +5008,19 @@
             </a:pPr>
             <a:r>
               <a:rPr lang="en-US" sz="3600" dirty="0" smtClean="0"/>
-              <a:t>The system uses an RF transceiver mesh network to track mobile tags indoors. The system determines a tag’s current location by matching the RF signal strength pattern of a tag’s periodic broadcasts with pre-collected patterns stored in a database.</a:t>
+              <a:t>The system uses an RF transceiver mesh network to track mobile tags indoors. The system determines a tag’s current location by matching the RF signal strength pattern of a tag’s </a:t>
+            </a:r>
+            <a:r>
+              <a:rPr lang="en-US" sz="3600" smtClean="0"/>
+              <a:t>periodic </a:t>
+            </a:r>
+            <a:r>
+              <a:rPr lang="en-US" sz="3600" smtClean="0"/>
+              <a:t>broadcast </a:t>
+            </a:r>
+            <a:r>
+              <a:rPr lang="en-US" sz="3600" dirty="0" smtClean="0"/>
+              <a:t>with pre-collected patterns stored in a database.</a:t>
             </a:r>
           </a:p>
           <a:p>
